--- a/Presentation MP1.pptx
+++ b/Presentation MP1.pptx
@@ -5,10 +5,10 @@
     <p:sldMasterId id="2147483648" r:id="rId4"/>
   </p:sldMasterIdLst>
   <p:notesMasterIdLst>
-    <p:notesMasterId r:id="rId26"/>
+    <p:notesMasterId r:id="rId25"/>
   </p:notesMasterIdLst>
   <p:handoutMasterIdLst>
-    <p:handoutMasterId r:id="rId27"/>
+    <p:handoutMasterId r:id="rId26"/>
   </p:handoutMasterIdLst>
   <p:sldIdLst>
     <p:sldId id="256" r:id="rId5"/>
@@ -29,9 +29,8 @@
     <p:sldId id="281" r:id="rId20"/>
     <p:sldId id="282" r:id="rId21"/>
     <p:sldId id="283" r:id="rId22"/>
-    <p:sldId id="284" r:id="rId23"/>
-    <p:sldId id="266" r:id="rId24"/>
-    <p:sldId id="271" r:id="rId25"/>
+    <p:sldId id="266" r:id="rId23"/>
+    <p:sldId id="271" r:id="rId24"/>
   </p:sldIdLst>
   <p:sldSz cx="12192000" cy="6858000"/>
   <p:notesSz cx="6858000" cy="9144000"/>
@@ -11543,33 +11542,991 @@
       </p:grpSpPr>
       <p:sp>
         <p:nvSpPr>
-          <p:cNvPr id="5" name="Subtitle 4">
-            <a:extLst>
-              <a:ext uri="{FF2B5EF4-FFF2-40B4-BE49-F238E27FC236}">
-                <a16:creationId xmlns:a16="http://schemas.microsoft.com/office/drawing/2014/main" id="{790867DC-2457-42AE-A127-D1CE4BCFC17C}"/>
-              </a:ext>
-            </a:extLst>
-          </p:cNvPr>
-          <p:cNvSpPr>
-            <a:spLocks noGrp="1"/>
-          </p:cNvSpPr>
-          <p:nvPr>
-            <p:ph type="subTitle" idx="1"/>
-          </p:nvPr>
-        </p:nvSpPr>
-        <p:spPr/>
+          <p:cNvPr id="4" name="Date Placeholder 3">
+            <a:extLst>
+              <a:ext uri="{FF2B5EF4-FFF2-40B4-BE49-F238E27FC236}">
+                <a16:creationId xmlns:a16="http://schemas.microsoft.com/office/drawing/2014/main" id="{00560550-EE65-43CE-B899-F421E74287A1}"/>
+              </a:ext>
+            </a:extLst>
+          </p:cNvPr>
+          <p:cNvSpPr>
+            <a:spLocks noGrp="1"/>
+          </p:cNvSpPr>
+          <p:nvPr>
+            <p:ph type="dt" sz="half" idx="10"/>
+          </p:nvPr>
+        </p:nvSpPr>
+        <p:spPr>
+          <a:xfrm>
+            <a:off x="838200" y="6356350"/>
+            <a:ext cx="2743200" cy="365125"/>
+          </a:xfrm>
+        </p:spPr>
         <p:txBody>
           <a:bodyPr/>
           <a:lstStyle/>
           <a:p>
-            <a:endParaRPr lang="en-PH"/>
+            <a:r>
+              <a:rPr lang="en-US" dirty="0"/>
+              <a:t>20XX</a:t>
+            </a:r>
+          </a:p>
+        </p:txBody>
+      </p:sp>
+      <p:sp>
+        <p:nvSpPr>
+          <p:cNvPr id="5" name="Footer Placeholder 4">
+            <a:extLst>
+              <a:ext uri="{FF2B5EF4-FFF2-40B4-BE49-F238E27FC236}">
+                <a16:creationId xmlns:a16="http://schemas.microsoft.com/office/drawing/2014/main" id="{4135E32A-1A8C-43D2-9C6E-12887B4DEDFB}"/>
+              </a:ext>
+            </a:extLst>
+          </p:cNvPr>
+          <p:cNvSpPr>
+            <a:spLocks noGrp="1"/>
+          </p:cNvSpPr>
+          <p:nvPr>
+            <p:ph type="ftr" sz="quarter" idx="11"/>
+          </p:nvPr>
+        </p:nvSpPr>
+        <p:spPr>
+          <a:xfrm>
+            <a:off x="4038600" y="6356350"/>
+            <a:ext cx="4114800" cy="365125"/>
+          </a:xfrm>
+        </p:spPr>
+        <p:txBody>
+          <a:bodyPr/>
+          <a:lstStyle/>
+          <a:p>
+            <a:r>
+              <a:rPr lang="en-US" dirty="0"/>
+              <a:t>PRESENTATION TITLE</a:t>
+            </a:r>
+          </a:p>
+        </p:txBody>
+      </p:sp>
+      <p:sp>
+        <p:nvSpPr>
+          <p:cNvPr id="6" name="Slide Number Placeholder 5">
+            <a:extLst>
+              <a:ext uri="{FF2B5EF4-FFF2-40B4-BE49-F238E27FC236}">
+                <a16:creationId xmlns:a16="http://schemas.microsoft.com/office/drawing/2014/main" id="{7C4B8313-9270-4128-8674-3A3E42B806BC}"/>
+              </a:ext>
+            </a:extLst>
+          </p:cNvPr>
+          <p:cNvSpPr>
+            <a:spLocks noGrp="1"/>
+          </p:cNvSpPr>
+          <p:nvPr>
+            <p:ph type="sldNum" sz="quarter" idx="12"/>
+          </p:nvPr>
+        </p:nvSpPr>
+        <p:spPr>
+          <a:xfrm>
+            <a:off x="8610600" y="6356350"/>
+            <a:ext cx="2743200" cy="365125"/>
+          </a:xfrm>
+        </p:spPr>
+        <p:txBody>
+          <a:bodyPr/>
+          <a:lstStyle/>
+          <a:p>
+            <a:fld id="{A49DFD55-3C28-40EF-9E31-A92D2E4017FF}" type="slidenum">
+              <a:rPr lang="en-US" smtClean="0"/>
+              <a:pPr/>
+              <a:t>19</a:t>
+            </a:fld>
+            <a:endParaRPr lang="en-US" dirty="0"/>
+          </a:p>
+        </p:txBody>
+      </p:sp>
+      <p:sp>
+        <p:nvSpPr>
+          <p:cNvPr id="7" name="Subtitle 2">
+            <a:extLst>
+              <a:ext uri="{FF2B5EF4-FFF2-40B4-BE49-F238E27FC236}">
+                <a16:creationId xmlns:a16="http://schemas.microsoft.com/office/drawing/2014/main" id="{8BE3038E-6FD5-4714-9C5B-818893BDEE47}"/>
+              </a:ext>
+            </a:extLst>
+          </p:cNvPr>
+          <p:cNvSpPr txBox="1">
+            <a:spLocks/>
+          </p:cNvSpPr>
+          <p:nvPr/>
+        </p:nvSpPr>
+        <p:spPr>
+          <a:xfrm>
+            <a:off x="7545471" y="3032340"/>
+            <a:ext cx="4941770" cy="396660"/>
+          </a:xfrm>
+          <a:prstGeom prst="rect">
+            <a:avLst/>
+          </a:prstGeom>
+        </p:spPr>
+        <p:txBody>
+          <a:bodyPr vert="horz" lIns="91440" tIns="45720" rIns="91440" bIns="45720" rtlCol="0">
+            <a:normAutofit/>
+          </a:bodyPr>
+          <a:lstStyle>
+            <a:lvl1pPr marL="0" indent="0" algn="l" defTabSz="914400" rtl="0" eaLnBrk="1" latinLnBrk="0" hangingPunct="1">
+              <a:lnSpc>
+                <a:spcPct val="100000"/>
+              </a:lnSpc>
+              <a:spcBef>
+                <a:spcPts val="1000"/>
+              </a:spcBef>
+              <a:buFont typeface="Arial" panose="020B0604020202020204" pitchFamily="34" charset="0"/>
+              <a:buNone/>
+              <a:defRPr sz="1400" kern="1200" spc="50" baseline="0">
+                <a:solidFill>
+                  <a:schemeClr val="tx1"/>
+                </a:solidFill>
+                <a:latin typeface="+mn-lt"/>
+                <a:ea typeface="+mn-ea"/>
+                <a:cs typeface="+mn-cs"/>
+              </a:defRPr>
+            </a:lvl1pPr>
+            <a:lvl2pPr marL="457200" indent="0" algn="l" defTabSz="914400" rtl="0" eaLnBrk="1" latinLnBrk="0" hangingPunct="1">
+              <a:lnSpc>
+                <a:spcPct val="90000"/>
+              </a:lnSpc>
+              <a:spcBef>
+                <a:spcPts val="500"/>
+              </a:spcBef>
+              <a:buFont typeface="Arial" panose="020B0604020202020204" pitchFamily="34" charset="0"/>
+              <a:buNone/>
+              <a:defRPr sz="2000" kern="1200">
+                <a:solidFill>
+                  <a:schemeClr val="tx1">
+                    <a:tint val="75000"/>
+                  </a:schemeClr>
+                </a:solidFill>
+                <a:latin typeface="+mn-lt"/>
+                <a:ea typeface="+mn-ea"/>
+                <a:cs typeface="+mn-cs"/>
+              </a:defRPr>
+            </a:lvl2pPr>
+            <a:lvl3pPr marL="914400" indent="0" algn="l" defTabSz="914400" rtl="0" eaLnBrk="1" latinLnBrk="0" hangingPunct="1">
+              <a:lnSpc>
+                <a:spcPct val="90000"/>
+              </a:lnSpc>
+              <a:spcBef>
+                <a:spcPts val="500"/>
+              </a:spcBef>
+              <a:buFont typeface="Arial" panose="020B0604020202020204" pitchFamily="34" charset="0"/>
+              <a:buNone/>
+              <a:defRPr sz="1800" kern="1200">
+                <a:solidFill>
+                  <a:schemeClr val="tx1">
+                    <a:tint val="75000"/>
+                  </a:schemeClr>
+                </a:solidFill>
+                <a:latin typeface="+mn-lt"/>
+                <a:ea typeface="+mn-ea"/>
+                <a:cs typeface="+mn-cs"/>
+              </a:defRPr>
+            </a:lvl3pPr>
+            <a:lvl4pPr marL="1371600" indent="0" algn="l" defTabSz="914400" rtl="0" eaLnBrk="1" latinLnBrk="0" hangingPunct="1">
+              <a:lnSpc>
+                <a:spcPct val="90000"/>
+              </a:lnSpc>
+              <a:spcBef>
+                <a:spcPts val="500"/>
+              </a:spcBef>
+              <a:buFont typeface="Arial" panose="020B0604020202020204" pitchFamily="34" charset="0"/>
+              <a:buNone/>
+              <a:defRPr sz="1600" kern="1200">
+                <a:solidFill>
+                  <a:schemeClr val="tx1">
+                    <a:tint val="75000"/>
+                  </a:schemeClr>
+                </a:solidFill>
+                <a:latin typeface="+mn-lt"/>
+                <a:ea typeface="+mn-ea"/>
+                <a:cs typeface="+mn-cs"/>
+              </a:defRPr>
+            </a:lvl4pPr>
+            <a:lvl5pPr marL="1828800" indent="0" algn="l" defTabSz="914400" rtl="0" eaLnBrk="1" latinLnBrk="0" hangingPunct="1">
+              <a:lnSpc>
+                <a:spcPct val="90000"/>
+              </a:lnSpc>
+              <a:spcBef>
+                <a:spcPts val="500"/>
+              </a:spcBef>
+              <a:buFont typeface="Arial" panose="020B0604020202020204" pitchFamily="34" charset="0"/>
+              <a:buNone/>
+              <a:defRPr sz="1600" kern="1200">
+                <a:solidFill>
+                  <a:schemeClr val="tx1">
+                    <a:tint val="75000"/>
+                  </a:schemeClr>
+                </a:solidFill>
+                <a:latin typeface="+mn-lt"/>
+                <a:ea typeface="+mn-ea"/>
+                <a:cs typeface="+mn-cs"/>
+              </a:defRPr>
+            </a:lvl5pPr>
+            <a:lvl6pPr marL="2286000" indent="0" algn="l" defTabSz="914400" rtl="0" eaLnBrk="1" latinLnBrk="0" hangingPunct="1">
+              <a:lnSpc>
+                <a:spcPct val="90000"/>
+              </a:lnSpc>
+              <a:spcBef>
+                <a:spcPts val="500"/>
+              </a:spcBef>
+              <a:buFont typeface="Arial" panose="020B0604020202020204" pitchFamily="34" charset="0"/>
+              <a:buNone/>
+              <a:defRPr sz="1600" kern="1200">
+                <a:solidFill>
+                  <a:schemeClr val="tx1">
+                    <a:tint val="75000"/>
+                  </a:schemeClr>
+                </a:solidFill>
+                <a:latin typeface="+mn-lt"/>
+                <a:ea typeface="+mn-ea"/>
+                <a:cs typeface="+mn-cs"/>
+              </a:defRPr>
+            </a:lvl6pPr>
+            <a:lvl7pPr marL="2743200" indent="0" algn="l" defTabSz="914400" rtl="0" eaLnBrk="1" latinLnBrk="0" hangingPunct="1">
+              <a:lnSpc>
+                <a:spcPct val="90000"/>
+              </a:lnSpc>
+              <a:spcBef>
+                <a:spcPts val="500"/>
+              </a:spcBef>
+              <a:buFont typeface="Arial" panose="020B0604020202020204" pitchFamily="34" charset="0"/>
+              <a:buNone/>
+              <a:defRPr sz="1600" kern="1200">
+                <a:solidFill>
+                  <a:schemeClr val="tx1">
+                    <a:tint val="75000"/>
+                  </a:schemeClr>
+                </a:solidFill>
+                <a:latin typeface="+mn-lt"/>
+                <a:ea typeface="+mn-ea"/>
+                <a:cs typeface="+mn-cs"/>
+              </a:defRPr>
+            </a:lvl7pPr>
+            <a:lvl8pPr marL="3200400" indent="0" algn="l" defTabSz="914400" rtl="0" eaLnBrk="1" latinLnBrk="0" hangingPunct="1">
+              <a:lnSpc>
+                <a:spcPct val="90000"/>
+              </a:lnSpc>
+              <a:spcBef>
+                <a:spcPts val="500"/>
+              </a:spcBef>
+              <a:buFont typeface="Arial" panose="020B0604020202020204" pitchFamily="34" charset="0"/>
+              <a:buNone/>
+              <a:defRPr sz="1600" kern="1200">
+                <a:solidFill>
+                  <a:schemeClr val="tx1">
+                    <a:tint val="75000"/>
+                  </a:schemeClr>
+                </a:solidFill>
+                <a:latin typeface="+mn-lt"/>
+                <a:ea typeface="+mn-ea"/>
+                <a:cs typeface="+mn-cs"/>
+              </a:defRPr>
+            </a:lvl8pPr>
+            <a:lvl9pPr marL="3657600" indent="0" algn="l" defTabSz="914400" rtl="0" eaLnBrk="1" latinLnBrk="0" hangingPunct="1">
+              <a:lnSpc>
+                <a:spcPct val="90000"/>
+              </a:lnSpc>
+              <a:spcBef>
+                <a:spcPts val="500"/>
+              </a:spcBef>
+              <a:buFont typeface="Arial" panose="020B0604020202020204" pitchFamily="34" charset="0"/>
+              <a:buNone/>
+              <a:defRPr sz="1600" kern="1200">
+                <a:solidFill>
+                  <a:schemeClr val="tx1">
+                    <a:tint val="75000"/>
+                  </a:schemeClr>
+                </a:solidFill>
+                <a:latin typeface="+mn-lt"/>
+                <a:ea typeface="+mn-ea"/>
+                <a:cs typeface="+mn-cs"/>
+              </a:defRPr>
+            </a:lvl9pPr>
+          </a:lstStyle>
+          <a:p>
+            <a:r>
+              <a:rPr lang="en-US" dirty="0"/>
+              <a:t>By: Sied Jeremiah Ibarra</a:t>
+            </a:r>
+          </a:p>
+        </p:txBody>
+      </p:sp>
+      <p:sp>
+        <p:nvSpPr>
+          <p:cNvPr id="8" name="Subtitle 2">
+            <a:extLst>
+              <a:ext uri="{FF2B5EF4-FFF2-40B4-BE49-F238E27FC236}">
+                <a16:creationId xmlns:a16="http://schemas.microsoft.com/office/drawing/2014/main" id="{FD0C3527-12F2-4516-84C2-25867599BDB8}"/>
+              </a:ext>
+            </a:extLst>
+          </p:cNvPr>
+          <p:cNvSpPr txBox="1">
+            <a:spLocks/>
+          </p:cNvSpPr>
+          <p:nvPr/>
+        </p:nvSpPr>
+        <p:spPr>
+          <a:xfrm>
+            <a:off x="7545471" y="2170476"/>
+            <a:ext cx="4941770" cy="758417"/>
+          </a:xfrm>
+          <a:prstGeom prst="rect">
+            <a:avLst/>
+          </a:prstGeom>
+        </p:spPr>
+        <p:txBody>
+          <a:bodyPr vert="horz" lIns="91440" tIns="45720" rIns="91440" bIns="45720" rtlCol="0">
+            <a:noAutofit/>
+          </a:bodyPr>
+          <a:lstStyle>
+            <a:lvl1pPr marL="0" indent="0" algn="l" defTabSz="914400" rtl="0" eaLnBrk="1" latinLnBrk="0" hangingPunct="1">
+              <a:lnSpc>
+                <a:spcPct val="90000"/>
+              </a:lnSpc>
+              <a:spcBef>
+                <a:spcPts val="1000"/>
+              </a:spcBef>
+              <a:buFont typeface="Arial" panose="020B0604020202020204" pitchFamily="34" charset="0"/>
+              <a:buNone/>
+              <a:defRPr sz="1600" kern="1200">
+                <a:solidFill>
+                  <a:schemeClr val="tx1"/>
+                </a:solidFill>
+                <a:latin typeface="+mn-lt"/>
+                <a:ea typeface="+mn-ea"/>
+                <a:cs typeface="+mn-cs"/>
+              </a:defRPr>
+            </a:lvl1pPr>
+            <a:lvl2pPr marL="457200" indent="0" algn="ctr" defTabSz="914400" rtl="0" eaLnBrk="1" latinLnBrk="0" hangingPunct="1">
+              <a:lnSpc>
+                <a:spcPct val="90000"/>
+              </a:lnSpc>
+              <a:spcBef>
+                <a:spcPts val="500"/>
+              </a:spcBef>
+              <a:buFont typeface="Arial" panose="020B0604020202020204" pitchFamily="34" charset="0"/>
+              <a:buNone/>
+              <a:defRPr sz="2000" kern="1200">
+                <a:solidFill>
+                  <a:schemeClr val="tx1"/>
+                </a:solidFill>
+                <a:latin typeface="+mn-lt"/>
+                <a:ea typeface="+mn-ea"/>
+                <a:cs typeface="+mn-cs"/>
+              </a:defRPr>
+            </a:lvl2pPr>
+            <a:lvl3pPr marL="914400" indent="0" algn="ctr" defTabSz="914400" rtl="0" eaLnBrk="1" latinLnBrk="0" hangingPunct="1">
+              <a:lnSpc>
+                <a:spcPct val="90000"/>
+              </a:lnSpc>
+              <a:spcBef>
+                <a:spcPts val="500"/>
+              </a:spcBef>
+              <a:buFont typeface="Arial" panose="020B0604020202020204" pitchFamily="34" charset="0"/>
+              <a:buNone/>
+              <a:defRPr sz="1800" kern="1200">
+                <a:solidFill>
+                  <a:schemeClr val="tx1"/>
+                </a:solidFill>
+                <a:latin typeface="+mn-lt"/>
+                <a:ea typeface="+mn-ea"/>
+                <a:cs typeface="+mn-cs"/>
+              </a:defRPr>
+            </a:lvl3pPr>
+            <a:lvl4pPr marL="1371600" indent="0" algn="ctr" defTabSz="914400" rtl="0" eaLnBrk="1" latinLnBrk="0" hangingPunct="1">
+              <a:lnSpc>
+                <a:spcPct val="90000"/>
+              </a:lnSpc>
+              <a:spcBef>
+                <a:spcPts val="500"/>
+              </a:spcBef>
+              <a:buFont typeface="Arial" panose="020B0604020202020204" pitchFamily="34" charset="0"/>
+              <a:buNone/>
+              <a:defRPr sz="1600" kern="1200">
+                <a:solidFill>
+                  <a:schemeClr val="tx1"/>
+                </a:solidFill>
+                <a:latin typeface="+mn-lt"/>
+                <a:ea typeface="+mn-ea"/>
+                <a:cs typeface="+mn-cs"/>
+              </a:defRPr>
+            </a:lvl4pPr>
+            <a:lvl5pPr marL="1828800" indent="0" algn="ctr" defTabSz="914400" rtl="0" eaLnBrk="1" latinLnBrk="0" hangingPunct="1">
+              <a:lnSpc>
+                <a:spcPct val="90000"/>
+              </a:lnSpc>
+              <a:spcBef>
+                <a:spcPts val="500"/>
+              </a:spcBef>
+              <a:buFont typeface="Arial" panose="020B0604020202020204" pitchFamily="34" charset="0"/>
+              <a:buNone/>
+              <a:defRPr sz="1600" kern="1200">
+                <a:solidFill>
+                  <a:schemeClr val="tx1"/>
+                </a:solidFill>
+                <a:latin typeface="+mn-lt"/>
+                <a:ea typeface="+mn-ea"/>
+                <a:cs typeface="+mn-cs"/>
+              </a:defRPr>
+            </a:lvl5pPr>
+            <a:lvl6pPr marL="2286000" indent="0" algn="ctr" defTabSz="914400" rtl="0" eaLnBrk="1" latinLnBrk="0" hangingPunct="1">
+              <a:lnSpc>
+                <a:spcPct val="90000"/>
+              </a:lnSpc>
+              <a:spcBef>
+                <a:spcPts val="500"/>
+              </a:spcBef>
+              <a:buFont typeface="Arial" panose="020B0604020202020204" pitchFamily="34" charset="0"/>
+              <a:buNone/>
+              <a:defRPr sz="1600" kern="1200">
+                <a:solidFill>
+                  <a:schemeClr val="tx1"/>
+                </a:solidFill>
+                <a:latin typeface="+mn-lt"/>
+                <a:ea typeface="+mn-ea"/>
+                <a:cs typeface="+mn-cs"/>
+              </a:defRPr>
+            </a:lvl6pPr>
+            <a:lvl7pPr marL="2743200" indent="0" algn="ctr" defTabSz="914400" rtl="0" eaLnBrk="1" latinLnBrk="0" hangingPunct="1">
+              <a:lnSpc>
+                <a:spcPct val="90000"/>
+              </a:lnSpc>
+              <a:spcBef>
+                <a:spcPts val="500"/>
+              </a:spcBef>
+              <a:buFont typeface="Arial" panose="020B0604020202020204" pitchFamily="34" charset="0"/>
+              <a:buNone/>
+              <a:defRPr sz="1600" kern="1200">
+                <a:solidFill>
+                  <a:schemeClr val="tx1"/>
+                </a:solidFill>
+                <a:latin typeface="+mn-lt"/>
+                <a:ea typeface="+mn-ea"/>
+                <a:cs typeface="+mn-cs"/>
+              </a:defRPr>
+            </a:lvl7pPr>
+            <a:lvl8pPr marL="3200400" indent="0" algn="ctr" defTabSz="914400" rtl="0" eaLnBrk="1" latinLnBrk="0" hangingPunct="1">
+              <a:lnSpc>
+                <a:spcPct val="90000"/>
+              </a:lnSpc>
+              <a:spcBef>
+                <a:spcPts val="500"/>
+              </a:spcBef>
+              <a:buFont typeface="Arial" panose="020B0604020202020204" pitchFamily="34" charset="0"/>
+              <a:buNone/>
+              <a:defRPr sz="1600" kern="1200">
+                <a:solidFill>
+                  <a:schemeClr val="tx1"/>
+                </a:solidFill>
+                <a:latin typeface="+mn-lt"/>
+                <a:ea typeface="+mn-ea"/>
+                <a:cs typeface="+mn-cs"/>
+              </a:defRPr>
+            </a:lvl8pPr>
+            <a:lvl9pPr marL="3657600" indent="0" algn="ctr" defTabSz="914400" rtl="0" eaLnBrk="1" latinLnBrk="0" hangingPunct="1">
+              <a:lnSpc>
+                <a:spcPct val="90000"/>
+              </a:lnSpc>
+              <a:spcBef>
+                <a:spcPts val="500"/>
+              </a:spcBef>
+              <a:buFont typeface="Arial" panose="020B0604020202020204" pitchFamily="34" charset="0"/>
+              <a:buNone/>
+              <a:defRPr sz="1600" kern="1200">
+                <a:solidFill>
+                  <a:schemeClr val="tx1"/>
+                </a:solidFill>
+                <a:latin typeface="+mn-lt"/>
+                <a:ea typeface="+mn-ea"/>
+                <a:cs typeface="+mn-cs"/>
+              </a:defRPr>
+            </a:lvl9pPr>
+          </a:lstStyle>
+          <a:p>
+            <a:r>
+              <a:rPr lang="en-US" sz="5400" b="1" dirty="0">
+                <a:solidFill>
+                  <a:srgbClr val="0070C0"/>
+                </a:solidFill>
+              </a:rPr>
+              <a:t>Road</a:t>
+            </a:r>
+            <a:r>
+              <a:rPr lang="en-US" sz="5400" b="1" i="1" dirty="0"/>
+              <a:t>/vise.</a:t>
+            </a:r>
+            <a:endParaRPr lang="en-US" sz="5400" b="1" dirty="0"/>
+          </a:p>
+        </p:txBody>
+      </p:sp>
+      <p:sp>
+        <p:nvSpPr>
+          <p:cNvPr id="9" name="Subtitle 2">
+            <a:extLst>
+              <a:ext uri="{FF2B5EF4-FFF2-40B4-BE49-F238E27FC236}">
+                <a16:creationId xmlns:a16="http://schemas.microsoft.com/office/drawing/2014/main" id="{6791EC9B-C80D-42CE-84B9-3C8070F8BC3B}"/>
+              </a:ext>
+            </a:extLst>
+          </p:cNvPr>
+          <p:cNvSpPr txBox="1">
+            <a:spLocks/>
+          </p:cNvSpPr>
+          <p:nvPr/>
+        </p:nvSpPr>
+        <p:spPr>
+          <a:xfrm>
+            <a:off x="7545471" y="1773816"/>
+            <a:ext cx="4941770" cy="396660"/>
+          </a:xfrm>
+          <a:prstGeom prst="rect">
+            <a:avLst/>
+          </a:prstGeom>
+        </p:spPr>
+        <p:txBody>
+          <a:bodyPr vert="horz" lIns="91440" tIns="45720" rIns="91440" bIns="45720" rtlCol="0">
+            <a:noAutofit/>
+          </a:bodyPr>
+          <a:lstStyle>
+            <a:lvl1pPr marL="0" indent="0" algn="l" defTabSz="914400" rtl="0" eaLnBrk="1" latinLnBrk="0" hangingPunct="1">
+              <a:lnSpc>
+                <a:spcPct val="90000"/>
+              </a:lnSpc>
+              <a:spcBef>
+                <a:spcPts val="1000"/>
+              </a:spcBef>
+              <a:buFont typeface="Arial" panose="020B0604020202020204" pitchFamily="34" charset="0"/>
+              <a:buNone/>
+              <a:defRPr sz="1600" kern="1200">
+                <a:solidFill>
+                  <a:schemeClr val="tx1"/>
+                </a:solidFill>
+                <a:latin typeface="+mn-lt"/>
+                <a:ea typeface="+mn-ea"/>
+                <a:cs typeface="+mn-cs"/>
+              </a:defRPr>
+            </a:lvl1pPr>
+            <a:lvl2pPr marL="457200" indent="0" algn="ctr" defTabSz="914400" rtl="0" eaLnBrk="1" latinLnBrk="0" hangingPunct="1">
+              <a:lnSpc>
+                <a:spcPct val="90000"/>
+              </a:lnSpc>
+              <a:spcBef>
+                <a:spcPts val="500"/>
+              </a:spcBef>
+              <a:buFont typeface="Arial" panose="020B0604020202020204" pitchFamily="34" charset="0"/>
+              <a:buNone/>
+              <a:defRPr sz="2000" kern="1200">
+                <a:solidFill>
+                  <a:schemeClr val="tx1"/>
+                </a:solidFill>
+                <a:latin typeface="+mn-lt"/>
+                <a:ea typeface="+mn-ea"/>
+                <a:cs typeface="+mn-cs"/>
+              </a:defRPr>
+            </a:lvl2pPr>
+            <a:lvl3pPr marL="914400" indent="0" algn="ctr" defTabSz="914400" rtl="0" eaLnBrk="1" latinLnBrk="0" hangingPunct="1">
+              <a:lnSpc>
+                <a:spcPct val="90000"/>
+              </a:lnSpc>
+              <a:spcBef>
+                <a:spcPts val="500"/>
+              </a:spcBef>
+              <a:buFont typeface="Arial" panose="020B0604020202020204" pitchFamily="34" charset="0"/>
+              <a:buNone/>
+              <a:defRPr sz="1800" kern="1200">
+                <a:solidFill>
+                  <a:schemeClr val="tx1"/>
+                </a:solidFill>
+                <a:latin typeface="+mn-lt"/>
+                <a:ea typeface="+mn-ea"/>
+                <a:cs typeface="+mn-cs"/>
+              </a:defRPr>
+            </a:lvl3pPr>
+            <a:lvl4pPr marL="1371600" indent="0" algn="ctr" defTabSz="914400" rtl="0" eaLnBrk="1" latinLnBrk="0" hangingPunct="1">
+              <a:lnSpc>
+                <a:spcPct val="90000"/>
+              </a:lnSpc>
+              <a:spcBef>
+                <a:spcPts val="500"/>
+              </a:spcBef>
+              <a:buFont typeface="Arial" panose="020B0604020202020204" pitchFamily="34" charset="0"/>
+              <a:buNone/>
+              <a:defRPr sz="1600" kern="1200">
+                <a:solidFill>
+                  <a:schemeClr val="tx1"/>
+                </a:solidFill>
+                <a:latin typeface="+mn-lt"/>
+                <a:ea typeface="+mn-ea"/>
+                <a:cs typeface="+mn-cs"/>
+              </a:defRPr>
+            </a:lvl4pPr>
+            <a:lvl5pPr marL="1828800" indent="0" algn="ctr" defTabSz="914400" rtl="0" eaLnBrk="1" latinLnBrk="0" hangingPunct="1">
+              <a:lnSpc>
+                <a:spcPct val="90000"/>
+              </a:lnSpc>
+              <a:spcBef>
+                <a:spcPts val="500"/>
+              </a:spcBef>
+              <a:buFont typeface="Arial" panose="020B0604020202020204" pitchFamily="34" charset="0"/>
+              <a:buNone/>
+              <a:defRPr sz="1600" kern="1200">
+                <a:solidFill>
+                  <a:schemeClr val="tx1"/>
+                </a:solidFill>
+                <a:latin typeface="+mn-lt"/>
+                <a:ea typeface="+mn-ea"/>
+                <a:cs typeface="+mn-cs"/>
+              </a:defRPr>
+            </a:lvl5pPr>
+            <a:lvl6pPr marL="2286000" indent="0" algn="ctr" defTabSz="914400" rtl="0" eaLnBrk="1" latinLnBrk="0" hangingPunct="1">
+              <a:lnSpc>
+                <a:spcPct val="90000"/>
+              </a:lnSpc>
+              <a:spcBef>
+                <a:spcPts val="500"/>
+              </a:spcBef>
+              <a:buFont typeface="Arial" panose="020B0604020202020204" pitchFamily="34" charset="0"/>
+              <a:buNone/>
+              <a:defRPr sz="1600" kern="1200">
+                <a:solidFill>
+                  <a:schemeClr val="tx1"/>
+                </a:solidFill>
+                <a:latin typeface="+mn-lt"/>
+                <a:ea typeface="+mn-ea"/>
+                <a:cs typeface="+mn-cs"/>
+              </a:defRPr>
+            </a:lvl6pPr>
+            <a:lvl7pPr marL="2743200" indent="0" algn="ctr" defTabSz="914400" rtl="0" eaLnBrk="1" latinLnBrk="0" hangingPunct="1">
+              <a:lnSpc>
+                <a:spcPct val="90000"/>
+              </a:lnSpc>
+              <a:spcBef>
+                <a:spcPts val="500"/>
+              </a:spcBef>
+              <a:buFont typeface="Arial" panose="020B0604020202020204" pitchFamily="34" charset="0"/>
+              <a:buNone/>
+              <a:defRPr sz="1600" kern="1200">
+                <a:solidFill>
+                  <a:schemeClr val="tx1"/>
+                </a:solidFill>
+                <a:latin typeface="+mn-lt"/>
+                <a:ea typeface="+mn-ea"/>
+                <a:cs typeface="+mn-cs"/>
+              </a:defRPr>
+            </a:lvl7pPr>
+            <a:lvl8pPr marL="3200400" indent="0" algn="ctr" defTabSz="914400" rtl="0" eaLnBrk="1" latinLnBrk="0" hangingPunct="1">
+              <a:lnSpc>
+                <a:spcPct val="90000"/>
+              </a:lnSpc>
+              <a:spcBef>
+                <a:spcPts val="500"/>
+              </a:spcBef>
+              <a:buFont typeface="Arial" panose="020B0604020202020204" pitchFamily="34" charset="0"/>
+              <a:buNone/>
+              <a:defRPr sz="1600" kern="1200">
+                <a:solidFill>
+                  <a:schemeClr val="tx1"/>
+                </a:solidFill>
+                <a:latin typeface="+mn-lt"/>
+                <a:ea typeface="+mn-ea"/>
+                <a:cs typeface="+mn-cs"/>
+              </a:defRPr>
+            </a:lvl8pPr>
+            <a:lvl9pPr marL="3657600" indent="0" algn="ctr" defTabSz="914400" rtl="0" eaLnBrk="1" latinLnBrk="0" hangingPunct="1">
+              <a:lnSpc>
+                <a:spcPct val="90000"/>
+              </a:lnSpc>
+              <a:spcBef>
+                <a:spcPts val="500"/>
+              </a:spcBef>
+              <a:buFont typeface="Arial" panose="020B0604020202020204" pitchFamily="34" charset="0"/>
+              <a:buNone/>
+              <a:defRPr sz="1600" kern="1200">
+                <a:solidFill>
+                  <a:schemeClr val="tx1"/>
+                </a:solidFill>
+                <a:latin typeface="+mn-lt"/>
+                <a:ea typeface="+mn-ea"/>
+                <a:cs typeface="+mn-cs"/>
+              </a:defRPr>
+            </a:lvl9pPr>
+          </a:lstStyle>
+          <a:p>
+            <a:r>
+              <a:rPr lang="en-US" sz="2800" dirty="0"/>
+              <a:t>WELCOME TO</a:t>
+            </a:r>
+          </a:p>
+        </p:txBody>
+      </p:sp>
+      <p:pic>
+        <p:nvPicPr>
+          <p:cNvPr id="10" name="Picture 9" descr="Logo&#10;&#10;Description automatically generated">
+            <a:extLst>
+              <a:ext uri="{FF2B5EF4-FFF2-40B4-BE49-F238E27FC236}">
+                <a16:creationId xmlns:a16="http://schemas.microsoft.com/office/drawing/2014/main" id="{76F3DF28-6453-4669-812D-AC0F2EF2D5AA}"/>
+              </a:ext>
+            </a:extLst>
+          </p:cNvPr>
+          <p:cNvPicPr>
+            <a:picLocks noChangeAspect="1"/>
+          </p:cNvPicPr>
+          <p:nvPr/>
+        </p:nvPicPr>
+        <p:blipFill>
+          <a:blip r:embed="rId2"/>
+          <a:stretch>
+            <a:fillRect/>
+          </a:stretch>
+        </p:blipFill>
+        <p:spPr>
+          <a:xfrm>
+            <a:off x="5220138" y="770387"/>
+            <a:ext cx="2460283" cy="2460283"/>
+          </a:xfrm>
+          <a:prstGeom prst="rect">
+            <a:avLst/>
+          </a:prstGeom>
+        </p:spPr>
+      </p:pic>
+      <p:sp>
+        <p:nvSpPr>
+          <p:cNvPr id="15" name="Subtitle 2">
+            <a:extLst>
+              <a:ext uri="{FF2B5EF4-FFF2-40B4-BE49-F238E27FC236}">
+                <a16:creationId xmlns:a16="http://schemas.microsoft.com/office/drawing/2014/main" id="{9C1C6CBD-24D8-47B5-8B06-7DC15247EC46}"/>
+              </a:ext>
+            </a:extLst>
+          </p:cNvPr>
+          <p:cNvSpPr txBox="1">
+            <a:spLocks/>
+          </p:cNvSpPr>
+          <p:nvPr/>
+        </p:nvSpPr>
+        <p:spPr>
+          <a:xfrm>
+            <a:off x="5519967" y="4111880"/>
+            <a:ext cx="5996671" cy="1499780"/>
+          </a:xfrm>
+          <a:prstGeom prst="rect">
+            <a:avLst/>
+          </a:prstGeom>
+        </p:spPr>
+        <p:txBody>
+          <a:bodyPr vert="horz" lIns="91440" tIns="45720" rIns="91440" bIns="45720" rtlCol="0">
+            <a:normAutofit/>
+          </a:bodyPr>
+          <a:lstStyle>
+            <a:lvl1pPr marL="0" indent="0" algn="l" defTabSz="914400" rtl="0" eaLnBrk="1" latinLnBrk="0" hangingPunct="1">
+              <a:lnSpc>
+                <a:spcPct val="100000"/>
+              </a:lnSpc>
+              <a:spcBef>
+                <a:spcPts val="1000"/>
+              </a:spcBef>
+              <a:buFont typeface="Arial" panose="020B0604020202020204" pitchFamily="34" charset="0"/>
+              <a:buNone/>
+              <a:defRPr sz="1400" kern="1200" spc="50" baseline="0">
+                <a:solidFill>
+                  <a:schemeClr val="tx1"/>
+                </a:solidFill>
+                <a:latin typeface="+mn-lt"/>
+                <a:ea typeface="+mn-ea"/>
+                <a:cs typeface="+mn-cs"/>
+              </a:defRPr>
+            </a:lvl1pPr>
+            <a:lvl2pPr marL="457200" indent="0" algn="l" defTabSz="914400" rtl="0" eaLnBrk="1" latinLnBrk="0" hangingPunct="1">
+              <a:lnSpc>
+                <a:spcPct val="90000"/>
+              </a:lnSpc>
+              <a:spcBef>
+                <a:spcPts val="500"/>
+              </a:spcBef>
+              <a:buFont typeface="Arial" panose="020B0604020202020204" pitchFamily="34" charset="0"/>
+              <a:buNone/>
+              <a:defRPr sz="2000" kern="1200">
+                <a:solidFill>
+                  <a:schemeClr val="tx1">
+                    <a:tint val="75000"/>
+                  </a:schemeClr>
+                </a:solidFill>
+                <a:latin typeface="+mn-lt"/>
+                <a:ea typeface="+mn-ea"/>
+                <a:cs typeface="+mn-cs"/>
+              </a:defRPr>
+            </a:lvl2pPr>
+            <a:lvl3pPr marL="914400" indent="0" algn="l" defTabSz="914400" rtl="0" eaLnBrk="1" latinLnBrk="0" hangingPunct="1">
+              <a:lnSpc>
+                <a:spcPct val="90000"/>
+              </a:lnSpc>
+              <a:spcBef>
+                <a:spcPts val="500"/>
+              </a:spcBef>
+              <a:buFont typeface="Arial" panose="020B0604020202020204" pitchFamily="34" charset="0"/>
+              <a:buNone/>
+              <a:defRPr sz="1800" kern="1200">
+                <a:solidFill>
+                  <a:schemeClr val="tx1">
+                    <a:tint val="75000"/>
+                  </a:schemeClr>
+                </a:solidFill>
+                <a:latin typeface="+mn-lt"/>
+                <a:ea typeface="+mn-ea"/>
+                <a:cs typeface="+mn-cs"/>
+              </a:defRPr>
+            </a:lvl3pPr>
+            <a:lvl4pPr marL="1371600" indent="0" algn="l" defTabSz="914400" rtl="0" eaLnBrk="1" latinLnBrk="0" hangingPunct="1">
+              <a:lnSpc>
+                <a:spcPct val="90000"/>
+              </a:lnSpc>
+              <a:spcBef>
+                <a:spcPts val="500"/>
+              </a:spcBef>
+              <a:buFont typeface="Arial" panose="020B0604020202020204" pitchFamily="34" charset="0"/>
+              <a:buNone/>
+              <a:defRPr sz="1600" kern="1200">
+                <a:solidFill>
+                  <a:schemeClr val="tx1">
+                    <a:tint val="75000"/>
+                  </a:schemeClr>
+                </a:solidFill>
+                <a:latin typeface="+mn-lt"/>
+                <a:ea typeface="+mn-ea"/>
+                <a:cs typeface="+mn-cs"/>
+              </a:defRPr>
+            </a:lvl4pPr>
+            <a:lvl5pPr marL="1828800" indent="0" algn="l" defTabSz="914400" rtl="0" eaLnBrk="1" latinLnBrk="0" hangingPunct="1">
+              <a:lnSpc>
+                <a:spcPct val="90000"/>
+              </a:lnSpc>
+              <a:spcBef>
+                <a:spcPts val="500"/>
+              </a:spcBef>
+              <a:buFont typeface="Arial" panose="020B0604020202020204" pitchFamily="34" charset="0"/>
+              <a:buNone/>
+              <a:defRPr sz="1600" kern="1200">
+                <a:solidFill>
+                  <a:schemeClr val="tx1">
+                    <a:tint val="75000"/>
+                  </a:schemeClr>
+                </a:solidFill>
+                <a:latin typeface="+mn-lt"/>
+                <a:ea typeface="+mn-ea"/>
+                <a:cs typeface="+mn-cs"/>
+              </a:defRPr>
+            </a:lvl5pPr>
+            <a:lvl6pPr marL="2286000" indent="0" algn="l" defTabSz="914400" rtl="0" eaLnBrk="1" latinLnBrk="0" hangingPunct="1">
+              <a:lnSpc>
+                <a:spcPct val="90000"/>
+              </a:lnSpc>
+              <a:spcBef>
+                <a:spcPts val="500"/>
+              </a:spcBef>
+              <a:buFont typeface="Arial" panose="020B0604020202020204" pitchFamily="34" charset="0"/>
+              <a:buNone/>
+              <a:defRPr sz="1600" kern="1200">
+                <a:solidFill>
+                  <a:schemeClr val="tx1">
+                    <a:tint val="75000"/>
+                  </a:schemeClr>
+                </a:solidFill>
+                <a:latin typeface="+mn-lt"/>
+                <a:ea typeface="+mn-ea"/>
+                <a:cs typeface="+mn-cs"/>
+              </a:defRPr>
+            </a:lvl6pPr>
+            <a:lvl7pPr marL="2743200" indent="0" algn="l" defTabSz="914400" rtl="0" eaLnBrk="1" latinLnBrk="0" hangingPunct="1">
+              <a:lnSpc>
+                <a:spcPct val="90000"/>
+              </a:lnSpc>
+              <a:spcBef>
+                <a:spcPts val="500"/>
+              </a:spcBef>
+              <a:buFont typeface="Arial" panose="020B0604020202020204" pitchFamily="34" charset="0"/>
+              <a:buNone/>
+              <a:defRPr sz="1600" kern="1200">
+                <a:solidFill>
+                  <a:schemeClr val="tx1">
+                    <a:tint val="75000"/>
+                  </a:schemeClr>
+                </a:solidFill>
+                <a:latin typeface="+mn-lt"/>
+                <a:ea typeface="+mn-ea"/>
+                <a:cs typeface="+mn-cs"/>
+              </a:defRPr>
+            </a:lvl7pPr>
+            <a:lvl8pPr marL="3200400" indent="0" algn="l" defTabSz="914400" rtl="0" eaLnBrk="1" latinLnBrk="0" hangingPunct="1">
+              <a:lnSpc>
+                <a:spcPct val="90000"/>
+              </a:lnSpc>
+              <a:spcBef>
+                <a:spcPts val="500"/>
+              </a:spcBef>
+              <a:buFont typeface="Arial" panose="020B0604020202020204" pitchFamily="34" charset="0"/>
+              <a:buNone/>
+              <a:defRPr sz="1600" kern="1200">
+                <a:solidFill>
+                  <a:schemeClr val="tx1">
+                    <a:tint val="75000"/>
+                  </a:schemeClr>
+                </a:solidFill>
+                <a:latin typeface="+mn-lt"/>
+                <a:ea typeface="+mn-ea"/>
+                <a:cs typeface="+mn-cs"/>
+              </a:defRPr>
+            </a:lvl8pPr>
+            <a:lvl9pPr marL="3657600" indent="0" algn="l" defTabSz="914400" rtl="0" eaLnBrk="1" latinLnBrk="0" hangingPunct="1">
+              <a:lnSpc>
+                <a:spcPct val="90000"/>
+              </a:lnSpc>
+              <a:spcBef>
+                <a:spcPts val="500"/>
+              </a:spcBef>
+              <a:buFont typeface="Arial" panose="020B0604020202020204" pitchFamily="34" charset="0"/>
+              <a:buNone/>
+              <a:defRPr sz="1600" kern="1200">
+                <a:solidFill>
+                  <a:schemeClr val="tx1">
+                    <a:tint val="75000"/>
+                  </a:schemeClr>
+                </a:solidFill>
+                <a:latin typeface="+mn-lt"/>
+                <a:ea typeface="+mn-ea"/>
+                <a:cs typeface="+mn-cs"/>
+              </a:defRPr>
+            </a:lvl9pPr>
+          </a:lstStyle>
+          <a:p>
+            <a:r>
+              <a:rPr lang="en-US" sz="2000" dirty="0"/>
+              <a:t>Live link:</a:t>
+            </a:r>
+          </a:p>
+          <a:p>
+            <a:r>
+              <a:rPr lang="en-US" sz="1600" dirty="0"/>
+              <a:t> </a:t>
+            </a:r>
+            <a:r>
+              <a:rPr lang="en-PH" sz="2000" b="1" i="0" u="none" strike="noStrike" dirty="0">
+                <a:effectLst/>
+                <a:latin typeface="-apple-system"/>
+                <a:hlinkClick r:id="rId3"/>
+              </a:rPr>
+              <a:t>https://siedibarra.github.io/css-sample/</a:t>
+            </a:r>
+            <a:endParaRPr lang="en-US" sz="1600" dirty="0"/>
           </a:p>
         </p:txBody>
       </p:sp>
     </p:spTree>
     <p:extLst>
       <p:ext uri="{BB962C8B-B14F-4D97-AF65-F5344CB8AC3E}">
-        <p14:creationId xmlns:p14="http://schemas.microsoft.com/office/powerpoint/2010/main" val="3628605374"/>
+        <p14:creationId xmlns:p14="http://schemas.microsoft.com/office/powerpoint/2010/main" val="1742861620"/>
       </p:ext>
     </p:extLst>
   </p:cSld>
@@ -11847,1019 +12804,6 @@
       </p:grpSpPr>
       <p:sp>
         <p:nvSpPr>
-          <p:cNvPr id="4" name="Date Placeholder 3">
-            <a:extLst>
-              <a:ext uri="{FF2B5EF4-FFF2-40B4-BE49-F238E27FC236}">
-                <a16:creationId xmlns:a16="http://schemas.microsoft.com/office/drawing/2014/main" id="{00560550-EE65-43CE-B899-F421E74287A1}"/>
-              </a:ext>
-            </a:extLst>
-          </p:cNvPr>
-          <p:cNvSpPr>
-            <a:spLocks noGrp="1"/>
-          </p:cNvSpPr>
-          <p:nvPr>
-            <p:ph type="dt" sz="half" idx="10"/>
-          </p:nvPr>
-        </p:nvSpPr>
-        <p:spPr>
-          <a:xfrm>
-            <a:off x="838200" y="6356350"/>
-            <a:ext cx="2743200" cy="365125"/>
-          </a:xfrm>
-        </p:spPr>
-        <p:txBody>
-          <a:bodyPr/>
-          <a:lstStyle/>
-          <a:p>
-            <a:r>
-              <a:rPr lang="en-US" dirty="0"/>
-              <a:t>20XX</a:t>
-            </a:r>
-          </a:p>
-        </p:txBody>
-      </p:sp>
-      <p:sp>
-        <p:nvSpPr>
-          <p:cNvPr id="5" name="Footer Placeholder 4">
-            <a:extLst>
-              <a:ext uri="{FF2B5EF4-FFF2-40B4-BE49-F238E27FC236}">
-                <a16:creationId xmlns:a16="http://schemas.microsoft.com/office/drawing/2014/main" id="{4135E32A-1A8C-43D2-9C6E-12887B4DEDFB}"/>
-              </a:ext>
-            </a:extLst>
-          </p:cNvPr>
-          <p:cNvSpPr>
-            <a:spLocks noGrp="1"/>
-          </p:cNvSpPr>
-          <p:nvPr>
-            <p:ph type="ftr" sz="quarter" idx="11"/>
-          </p:nvPr>
-        </p:nvSpPr>
-        <p:spPr>
-          <a:xfrm>
-            <a:off x="4038600" y="6356350"/>
-            <a:ext cx="4114800" cy="365125"/>
-          </a:xfrm>
-        </p:spPr>
-        <p:txBody>
-          <a:bodyPr/>
-          <a:lstStyle/>
-          <a:p>
-            <a:r>
-              <a:rPr lang="en-US" dirty="0"/>
-              <a:t>PRESENTATION TITLE</a:t>
-            </a:r>
-          </a:p>
-        </p:txBody>
-      </p:sp>
-      <p:sp>
-        <p:nvSpPr>
-          <p:cNvPr id="6" name="Slide Number Placeholder 5">
-            <a:extLst>
-              <a:ext uri="{FF2B5EF4-FFF2-40B4-BE49-F238E27FC236}">
-                <a16:creationId xmlns:a16="http://schemas.microsoft.com/office/drawing/2014/main" id="{7C4B8313-9270-4128-8674-3A3E42B806BC}"/>
-              </a:ext>
-            </a:extLst>
-          </p:cNvPr>
-          <p:cNvSpPr>
-            <a:spLocks noGrp="1"/>
-          </p:cNvSpPr>
-          <p:nvPr>
-            <p:ph type="sldNum" sz="quarter" idx="12"/>
-          </p:nvPr>
-        </p:nvSpPr>
-        <p:spPr>
-          <a:xfrm>
-            <a:off x="8610600" y="6356350"/>
-            <a:ext cx="2743200" cy="365125"/>
-          </a:xfrm>
-        </p:spPr>
-        <p:txBody>
-          <a:bodyPr/>
-          <a:lstStyle/>
-          <a:p>
-            <a:fld id="{A49DFD55-3C28-40EF-9E31-A92D2E4017FF}" type="slidenum">
-              <a:rPr lang="en-US" smtClean="0"/>
-              <a:pPr/>
-              <a:t>20</a:t>
-            </a:fld>
-            <a:endParaRPr lang="en-US" dirty="0"/>
-          </a:p>
-        </p:txBody>
-      </p:sp>
-      <p:sp>
-        <p:nvSpPr>
-          <p:cNvPr id="7" name="Subtitle 2">
-            <a:extLst>
-              <a:ext uri="{FF2B5EF4-FFF2-40B4-BE49-F238E27FC236}">
-                <a16:creationId xmlns:a16="http://schemas.microsoft.com/office/drawing/2014/main" id="{8BE3038E-6FD5-4714-9C5B-818893BDEE47}"/>
-              </a:ext>
-            </a:extLst>
-          </p:cNvPr>
-          <p:cNvSpPr txBox="1">
-            <a:spLocks/>
-          </p:cNvSpPr>
-          <p:nvPr/>
-        </p:nvSpPr>
-        <p:spPr>
-          <a:xfrm>
-            <a:off x="7545471" y="3032340"/>
-            <a:ext cx="4941770" cy="396660"/>
-          </a:xfrm>
-          <a:prstGeom prst="rect">
-            <a:avLst/>
-          </a:prstGeom>
-        </p:spPr>
-        <p:txBody>
-          <a:bodyPr vert="horz" lIns="91440" tIns="45720" rIns="91440" bIns="45720" rtlCol="0">
-            <a:normAutofit/>
-          </a:bodyPr>
-          <a:lstStyle>
-            <a:lvl1pPr marL="0" indent="0" algn="l" defTabSz="914400" rtl="0" eaLnBrk="1" latinLnBrk="0" hangingPunct="1">
-              <a:lnSpc>
-                <a:spcPct val="100000"/>
-              </a:lnSpc>
-              <a:spcBef>
-                <a:spcPts val="1000"/>
-              </a:spcBef>
-              <a:buFont typeface="Arial" panose="020B0604020202020204" pitchFamily="34" charset="0"/>
-              <a:buNone/>
-              <a:defRPr sz="1400" kern="1200" spc="50" baseline="0">
-                <a:solidFill>
-                  <a:schemeClr val="tx1"/>
-                </a:solidFill>
-                <a:latin typeface="+mn-lt"/>
-                <a:ea typeface="+mn-ea"/>
-                <a:cs typeface="+mn-cs"/>
-              </a:defRPr>
-            </a:lvl1pPr>
-            <a:lvl2pPr marL="457200" indent="0" algn="l" defTabSz="914400" rtl="0" eaLnBrk="1" latinLnBrk="0" hangingPunct="1">
-              <a:lnSpc>
-                <a:spcPct val="90000"/>
-              </a:lnSpc>
-              <a:spcBef>
-                <a:spcPts val="500"/>
-              </a:spcBef>
-              <a:buFont typeface="Arial" panose="020B0604020202020204" pitchFamily="34" charset="0"/>
-              <a:buNone/>
-              <a:defRPr sz="2000" kern="1200">
-                <a:solidFill>
-                  <a:schemeClr val="tx1">
-                    <a:tint val="75000"/>
-                  </a:schemeClr>
-                </a:solidFill>
-                <a:latin typeface="+mn-lt"/>
-                <a:ea typeface="+mn-ea"/>
-                <a:cs typeface="+mn-cs"/>
-              </a:defRPr>
-            </a:lvl2pPr>
-            <a:lvl3pPr marL="914400" indent="0" algn="l" defTabSz="914400" rtl="0" eaLnBrk="1" latinLnBrk="0" hangingPunct="1">
-              <a:lnSpc>
-                <a:spcPct val="90000"/>
-              </a:lnSpc>
-              <a:spcBef>
-                <a:spcPts val="500"/>
-              </a:spcBef>
-              <a:buFont typeface="Arial" panose="020B0604020202020204" pitchFamily="34" charset="0"/>
-              <a:buNone/>
-              <a:defRPr sz="1800" kern="1200">
-                <a:solidFill>
-                  <a:schemeClr val="tx1">
-                    <a:tint val="75000"/>
-                  </a:schemeClr>
-                </a:solidFill>
-                <a:latin typeface="+mn-lt"/>
-                <a:ea typeface="+mn-ea"/>
-                <a:cs typeface="+mn-cs"/>
-              </a:defRPr>
-            </a:lvl3pPr>
-            <a:lvl4pPr marL="1371600" indent="0" algn="l" defTabSz="914400" rtl="0" eaLnBrk="1" latinLnBrk="0" hangingPunct="1">
-              <a:lnSpc>
-                <a:spcPct val="90000"/>
-              </a:lnSpc>
-              <a:spcBef>
-                <a:spcPts val="500"/>
-              </a:spcBef>
-              <a:buFont typeface="Arial" panose="020B0604020202020204" pitchFamily="34" charset="0"/>
-              <a:buNone/>
-              <a:defRPr sz="1600" kern="1200">
-                <a:solidFill>
-                  <a:schemeClr val="tx1">
-                    <a:tint val="75000"/>
-                  </a:schemeClr>
-                </a:solidFill>
-                <a:latin typeface="+mn-lt"/>
-                <a:ea typeface="+mn-ea"/>
-                <a:cs typeface="+mn-cs"/>
-              </a:defRPr>
-            </a:lvl4pPr>
-            <a:lvl5pPr marL="1828800" indent="0" algn="l" defTabSz="914400" rtl="0" eaLnBrk="1" latinLnBrk="0" hangingPunct="1">
-              <a:lnSpc>
-                <a:spcPct val="90000"/>
-              </a:lnSpc>
-              <a:spcBef>
-                <a:spcPts val="500"/>
-              </a:spcBef>
-              <a:buFont typeface="Arial" panose="020B0604020202020204" pitchFamily="34" charset="0"/>
-              <a:buNone/>
-              <a:defRPr sz="1600" kern="1200">
-                <a:solidFill>
-                  <a:schemeClr val="tx1">
-                    <a:tint val="75000"/>
-                  </a:schemeClr>
-                </a:solidFill>
-                <a:latin typeface="+mn-lt"/>
-                <a:ea typeface="+mn-ea"/>
-                <a:cs typeface="+mn-cs"/>
-              </a:defRPr>
-            </a:lvl5pPr>
-            <a:lvl6pPr marL="2286000" indent="0" algn="l" defTabSz="914400" rtl="0" eaLnBrk="1" latinLnBrk="0" hangingPunct="1">
-              <a:lnSpc>
-                <a:spcPct val="90000"/>
-              </a:lnSpc>
-              <a:spcBef>
-                <a:spcPts val="500"/>
-              </a:spcBef>
-              <a:buFont typeface="Arial" panose="020B0604020202020204" pitchFamily="34" charset="0"/>
-              <a:buNone/>
-              <a:defRPr sz="1600" kern="1200">
-                <a:solidFill>
-                  <a:schemeClr val="tx1">
-                    <a:tint val="75000"/>
-                  </a:schemeClr>
-                </a:solidFill>
-                <a:latin typeface="+mn-lt"/>
-                <a:ea typeface="+mn-ea"/>
-                <a:cs typeface="+mn-cs"/>
-              </a:defRPr>
-            </a:lvl6pPr>
-            <a:lvl7pPr marL="2743200" indent="0" algn="l" defTabSz="914400" rtl="0" eaLnBrk="1" latinLnBrk="0" hangingPunct="1">
-              <a:lnSpc>
-                <a:spcPct val="90000"/>
-              </a:lnSpc>
-              <a:spcBef>
-                <a:spcPts val="500"/>
-              </a:spcBef>
-              <a:buFont typeface="Arial" panose="020B0604020202020204" pitchFamily="34" charset="0"/>
-              <a:buNone/>
-              <a:defRPr sz="1600" kern="1200">
-                <a:solidFill>
-                  <a:schemeClr val="tx1">
-                    <a:tint val="75000"/>
-                  </a:schemeClr>
-                </a:solidFill>
-                <a:latin typeface="+mn-lt"/>
-                <a:ea typeface="+mn-ea"/>
-                <a:cs typeface="+mn-cs"/>
-              </a:defRPr>
-            </a:lvl7pPr>
-            <a:lvl8pPr marL="3200400" indent="0" algn="l" defTabSz="914400" rtl="0" eaLnBrk="1" latinLnBrk="0" hangingPunct="1">
-              <a:lnSpc>
-                <a:spcPct val="90000"/>
-              </a:lnSpc>
-              <a:spcBef>
-                <a:spcPts val="500"/>
-              </a:spcBef>
-              <a:buFont typeface="Arial" panose="020B0604020202020204" pitchFamily="34" charset="0"/>
-              <a:buNone/>
-              <a:defRPr sz="1600" kern="1200">
-                <a:solidFill>
-                  <a:schemeClr val="tx1">
-                    <a:tint val="75000"/>
-                  </a:schemeClr>
-                </a:solidFill>
-                <a:latin typeface="+mn-lt"/>
-                <a:ea typeface="+mn-ea"/>
-                <a:cs typeface="+mn-cs"/>
-              </a:defRPr>
-            </a:lvl8pPr>
-            <a:lvl9pPr marL="3657600" indent="0" algn="l" defTabSz="914400" rtl="0" eaLnBrk="1" latinLnBrk="0" hangingPunct="1">
-              <a:lnSpc>
-                <a:spcPct val="90000"/>
-              </a:lnSpc>
-              <a:spcBef>
-                <a:spcPts val="500"/>
-              </a:spcBef>
-              <a:buFont typeface="Arial" panose="020B0604020202020204" pitchFamily="34" charset="0"/>
-              <a:buNone/>
-              <a:defRPr sz="1600" kern="1200">
-                <a:solidFill>
-                  <a:schemeClr val="tx1">
-                    <a:tint val="75000"/>
-                  </a:schemeClr>
-                </a:solidFill>
-                <a:latin typeface="+mn-lt"/>
-                <a:ea typeface="+mn-ea"/>
-                <a:cs typeface="+mn-cs"/>
-              </a:defRPr>
-            </a:lvl9pPr>
-          </a:lstStyle>
-          <a:p>
-            <a:r>
-              <a:rPr lang="en-US" dirty="0"/>
-              <a:t>By: Sied Jeremiah Ibarra</a:t>
-            </a:r>
-          </a:p>
-        </p:txBody>
-      </p:sp>
-      <p:sp>
-        <p:nvSpPr>
-          <p:cNvPr id="8" name="Subtitle 2">
-            <a:extLst>
-              <a:ext uri="{FF2B5EF4-FFF2-40B4-BE49-F238E27FC236}">
-                <a16:creationId xmlns:a16="http://schemas.microsoft.com/office/drawing/2014/main" id="{FD0C3527-12F2-4516-84C2-25867599BDB8}"/>
-              </a:ext>
-            </a:extLst>
-          </p:cNvPr>
-          <p:cNvSpPr txBox="1">
-            <a:spLocks/>
-          </p:cNvSpPr>
-          <p:nvPr/>
-        </p:nvSpPr>
-        <p:spPr>
-          <a:xfrm>
-            <a:off x="7545471" y="2170476"/>
-            <a:ext cx="4941770" cy="758417"/>
-          </a:xfrm>
-          <a:prstGeom prst="rect">
-            <a:avLst/>
-          </a:prstGeom>
-        </p:spPr>
-        <p:txBody>
-          <a:bodyPr vert="horz" lIns="91440" tIns="45720" rIns="91440" bIns="45720" rtlCol="0">
-            <a:noAutofit/>
-          </a:bodyPr>
-          <a:lstStyle>
-            <a:lvl1pPr marL="0" indent="0" algn="l" defTabSz="914400" rtl="0" eaLnBrk="1" latinLnBrk="0" hangingPunct="1">
-              <a:lnSpc>
-                <a:spcPct val="90000"/>
-              </a:lnSpc>
-              <a:spcBef>
-                <a:spcPts val="1000"/>
-              </a:spcBef>
-              <a:buFont typeface="Arial" panose="020B0604020202020204" pitchFamily="34" charset="0"/>
-              <a:buNone/>
-              <a:defRPr sz="1600" kern="1200">
-                <a:solidFill>
-                  <a:schemeClr val="tx1"/>
-                </a:solidFill>
-                <a:latin typeface="+mn-lt"/>
-                <a:ea typeface="+mn-ea"/>
-                <a:cs typeface="+mn-cs"/>
-              </a:defRPr>
-            </a:lvl1pPr>
-            <a:lvl2pPr marL="457200" indent="0" algn="ctr" defTabSz="914400" rtl="0" eaLnBrk="1" latinLnBrk="0" hangingPunct="1">
-              <a:lnSpc>
-                <a:spcPct val="90000"/>
-              </a:lnSpc>
-              <a:spcBef>
-                <a:spcPts val="500"/>
-              </a:spcBef>
-              <a:buFont typeface="Arial" panose="020B0604020202020204" pitchFamily="34" charset="0"/>
-              <a:buNone/>
-              <a:defRPr sz="2000" kern="1200">
-                <a:solidFill>
-                  <a:schemeClr val="tx1"/>
-                </a:solidFill>
-                <a:latin typeface="+mn-lt"/>
-                <a:ea typeface="+mn-ea"/>
-                <a:cs typeface="+mn-cs"/>
-              </a:defRPr>
-            </a:lvl2pPr>
-            <a:lvl3pPr marL="914400" indent="0" algn="ctr" defTabSz="914400" rtl="0" eaLnBrk="1" latinLnBrk="0" hangingPunct="1">
-              <a:lnSpc>
-                <a:spcPct val="90000"/>
-              </a:lnSpc>
-              <a:spcBef>
-                <a:spcPts val="500"/>
-              </a:spcBef>
-              <a:buFont typeface="Arial" panose="020B0604020202020204" pitchFamily="34" charset="0"/>
-              <a:buNone/>
-              <a:defRPr sz="1800" kern="1200">
-                <a:solidFill>
-                  <a:schemeClr val="tx1"/>
-                </a:solidFill>
-                <a:latin typeface="+mn-lt"/>
-                <a:ea typeface="+mn-ea"/>
-                <a:cs typeface="+mn-cs"/>
-              </a:defRPr>
-            </a:lvl3pPr>
-            <a:lvl4pPr marL="1371600" indent="0" algn="ctr" defTabSz="914400" rtl="0" eaLnBrk="1" latinLnBrk="0" hangingPunct="1">
-              <a:lnSpc>
-                <a:spcPct val="90000"/>
-              </a:lnSpc>
-              <a:spcBef>
-                <a:spcPts val="500"/>
-              </a:spcBef>
-              <a:buFont typeface="Arial" panose="020B0604020202020204" pitchFamily="34" charset="0"/>
-              <a:buNone/>
-              <a:defRPr sz="1600" kern="1200">
-                <a:solidFill>
-                  <a:schemeClr val="tx1"/>
-                </a:solidFill>
-                <a:latin typeface="+mn-lt"/>
-                <a:ea typeface="+mn-ea"/>
-                <a:cs typeface="+mn-cs"/>
-              </a:defRPr>
-            </a:lvl4pPr>
-            <a:lvl5pPr marL="1828800" indent="0" algn="ctr" defTabSz="914400" rtl="0" eaLnBrk="1" latinLnBrk="0" hangingPunct="1">
-              <a:lnSpc>
-                <a:spcPct val="90000"/>
-              </a:lnSpc>
-              <a:spcBef>
-                <a:spcPts val="500"/>
-              </a:spcBef>
-              <a:buFont typeface="Arial" panose="020B0604020202020204" pitchFamily="34" charset="0"/>
-              <a:buNone/>
-              <a:defRPr sz="1600" kern="1200">
-                <a:solidFill>
-                  <a:schemeClr val="tx1"/>
-                </a:solidFill>
-                <a:latin typeface="+mn-lt"/>
-                <a:ea typeface="+mn-ea"/>
-                <a:cs typeface="+mn-cs"/>
-              </a:defRPr>
-            </a:lvl5pPr>
-            <a:lvl6pPr marL="2286000" indent="0" algn="ctr" defTabSz="914400" rtl="0" eaLnBrk="1" latinLnBrk="0" hangingPunct="1">
-              <a:lnSpc>
-                <a:spcPct val="90000"/>
-              </a:lnSpc>
-              <a:spcBef>
-                <a:spcPts val="500"/>
-              </a:spcBef>
-              <a:buFont typeface="Arial" panose="020B0604020202020204" pitchFamily="34" charset="0"/>
-              <a:buNone/>
-              <a:defRPr sz="1600" kern="1200">
-                <a:solidFill>
-                  <a:schemeClr val="tx1"/>
-                </a:solidFill>
-                <a:latin typeface="+mn-lt"/>
-                <a:ea typeface="+mn-ea"/>
-                <a:cs typeface="+mn-cs"/>
-              </a:defRPr>
-            </a:lvl6pPr>
-            <a:lvl7pPr marL="2743200" indent="0" algn="ctr" defTabSz="914400" rtl="0" eaLnBrk="1" latinLnBrk="0" hangingPunct="1">
-              <a:lnSpc>
-                <a:spcPct val="90000"/>
-              </a:lnSpc>
-              <a:spcBef>
-                <a:spcPts val="500"/>
-              </a:spcBef>
-              <a:buFont typeface="Arial" panose="020B0604020202020204" pitchFamily="34" charset="0"/>
-              <a:buNone/>
-              <a:defRPr sz="1600" kern="1200">
-                <a:solidFill>
-                  <a:schemeClr val="tx1"/>
-                </a:solidFill>
-                <a:latin typeface="+mn-lt"/>
-                <a:ea typeface="+mn-ea"/>
-                <a:cs typeface="+mn-cs"/>
-              </a:defRPr>
-            </a:lvl7pPr>
-            <a:lvl8pPr marL="3200400" indent="0" algn="ctr" defTabSz="914400" rtl="0" eaLnBrk="1" latinLnBrk="0" hangingPunct="1">
-              <a:lnSpc>
-                <a:spcPct val="90000"/>
-              </a:lnSpc>
-              <a:spcBef>
-                <a:spcPts val="500"/>
-              </a:spcBef>
-              <a:buFont typeface="Arial" panose="020B0604020202020204" pitchFamily="34" charset="0"/>
-              <a:buNone/>
-              <a:defRPr sz="1600" kern="1200">
-                <a:solidFill>
-                  <a:schemeClr val="tx1"/>
-                </a:solidFill>
-                <a:latin typeface="+mn-lt"/>
-                <a:ea typeface="+mn-ea"/>
-                <a:cs typeface="+mn-cs"/>
-              </a:defRPr>
-            </a:lvl8pPr>
-            <a:lvl9pPr marL="3657600" indent="0" algn="ctr" defTabSz="914400" rtl="0" eaLnBrk="1" latinLnBrk="0" hangingPunct="1">
-              <a:lnSpc>
-                <a:spcPct val="90000"/>
-              </a:lnSpc>
-              <a:spcBef>
-                <a:spcPts val="500"/>
-              </a:spcBef>
-              <a:buFont typeface="Arial" panose="020B0604020202020204" pitchFamily="34" charset="0"/>
-              <a:buNone/>
-              <a:defRPr sz="1600" kern="1200">
-                <a:solidFill>
-                  <a:schemeClr val="tx1"/>
-                </a:solidFill>
-                <a:latin typeface="+mn-lt"/>
-                <a:ea typeface="+mn-ea"/>
-                <a:cs typeface="+mn-cs"/>
-              </a:defRPr>
-            </a:lvl9pPr>
-          </a:lstStyle>
-          <a:p>
-            <a:r>
-              <a:rPr lang="en-US" sz="5400" b="1" dirty="0">
-                <a:solidFill>
-                  <a:srgbClr val="0070C0"/>
-                </a:solidFill>
-              </a:rPr>
-              <a:t>Road</a:t>
-            </a:r>
-            <a:r>
-              <a:rPr lang="en-US" sz="5400" b="1" i="1" dirty="0"/>
-              <a:t>/vise.</a:t>
-            </a:r>
-            <a:endParaRPr lang="en-US" sz="5400" b="1" dirty="0"/>
-          </a:p>
-        </p:txBody>
-      </p:sp>
-      <p:sp>
-        <p:nvSpPr>
-          <p:cNvPr id="9" name="Subtitle 2">
-            <a:extLst>
-              <a:ext uri="{FF2B5EF4-FFF2-40B4-BE49-F238E27FC236}">
-                <a16:creationId xmlns:a16="http://schemas.microsoft.com/office/drawing/2014/main" id="{6791EC9B-C80D-42CE-84B9-3C8070F8BC3B}"/>
-              </a:ext>
-            </a:extLst>
-          </p:cNvPr>
-          <p:cNvSpPr txBox="1">
-            <a:spLocks/>
-          </p:cNvSpPr>
-          <p:nvPr/>
-        </p:nvSpPr>
-        <p:spPr>
-          <a:xfrm>
-            <a:off x="7545471" y="1773816"/>
-            <a:ext cx="4941770" cy="396660"/>
-          </a:xfrm>
-          <a:prstGeom prst="rect">
-            <a:avLst/>
-          </a:prstGeom>
-        </p:spPr>
-        <p:txBody>
-          <a:bodyPr vert="horz" lIns="91440" tIns="45720" rIns="91440" bIns="45720" rtlCol="0">
-            <a:noAutofit/>
-          </a:bodyPr>
-          <a:lstStyle>
-            <a:lvl1pPr marL="0" indent="0" algn="l" defTabSz="914400" rtl="0" eaLnBrk="1" latinLnBrk="0" hangingPunct="1">
-              <a:lnSpc>
-                <a:spcPct val="90000"/>
-              </a:lnSpc>
-              <a:spcBef>
-                <a:spcPts val="1000"/>
-              </a:spcBef>
-              <a:buFont typeface="Arial" panose="020B0604020202020204" pitchFamily="34" charset="0"/>
-              <a:buNone/>
-              <a:defRPr sz="1600" kern="1200">
-                <a:solidFill>
-                  <a:schemeClr val="tx1"/>
-                </a:solidFill>
-                <a:latin typeface="+mn-lt"/>
-                <a:ea typeface="+mn-ea"/>
-                <a:cs typeface="+mn-cs"/>
-              </a:defRPr>
-            </a:lvl1pPr>
-            <a:lvl2pPr marL="457200" indent="0" algn="ctr" defTabSz="914400" rtl="0" eaLnBrk="1" latinLnBrk="0" hangingPunct="1">
-              <a:lnSpc>
-                <a:spcPct val="90000"/>
-              </a:lnSpc>
-              <a:spcBef>
-                <a:spcPts val="500"/>
-              </a:spcBef>
-              <a:buFont typeface="Arial" panose="020B0604020202020204" pitchFamily="34" charset="0"/>
-              <a:buNone/>
-              <a:defRPr sz="2000" kern="1200">
-                <a:solidFill>
-                  <a:schemeClr val="tx1"/>
-                </a:solidFill>
-                <a:latin typeface="+mn-lt"/>
-                <a:ea typeface="+mn-ea"/>
-                <a:cs typeface="+mn-cs"/>
-              </a:defRPr>
-            </a:lvl2pPr>
-            <a:lvl3pPr marL="914400" indent="0" algn="ctr" defTabSz="914400" rtl="0" eaLnBrk="1" latinLnBrk="0" hangingPunct="1">
-              <a:lnSpc>
-                <a:spcPct val="90000"/>
-              </a:lnSpc>
-              <a:spcBef>
-                <a:spcPts val="500"/>
-              </a:spcBef>
-              <a:buFont typeface="Arial" panose="020B0604020202020204" pitchFamily="34" charset="0"/>
-              <a:buNone/>
-              <a:defRPr sz="1800" kern="1200">
-                <a:solidFill>
-                  <a:schemeClr val="tx1"/>
-                </a:solidFill>
-                <a:latin typeface="+mn-lt"/>
-                <a:ea typeface="+mn-ea"/>
-                <a:cs typeface="+mn-cs"/>
-              </a:defRPr>
-            </a:lvl3pPr>
-            <a:lvl4pPr marL="1371600" indent="0" algn="ctr" defTabSz="914400" rtl="0" eaLnBrk="1" latinLnBrk="0" hangingPunct="1">
-              <a:lnSpc>
-                <a:spcPct val="90000"/>
-              </a:lnSpc>
-              <a:spcBef>
-                <a:spcPts val="500"/>
-              </a:spcBef>
-              <a:buFont typeface="Arial" panose="020B0604020202020204" pitchFamily="34" charset="0"/>
-              <a:buNone/>
-              <a:defRPr sz="1600" kern="1200">
-                <a:solidFill>
-                  <a:schemeClr val="tx1"/>
-                </a:solidFill>
-                <a:latin typeface="+mn-lt"/>
-                <a:ea typeface="+mn-ea"/>
-                <a:cs typeface="+mn-cs"/>
-              </a:defRPr>
-            </a:lvl4pPr>
-            <a:lvl5pPr marL="1828800" indent="0" algn="ctr" defTabSz="914400" rtl="0" eaLnBrk="1" latinLnBrk="0" hangingPunct="1">
-              <a:lnSpc>
-                <a:spcPct val="90000"/>
-              </a:lnSpc>
-              <a:spcBef>
-                <a:spcPts val="500"/>
-              </a:spcBef>
-              <a:buFont typeface="Arial" panose="020B0604020202020204" pitchFamily="34" charset="0"/>
-              <a:buNone/>
-              <a:defRPr sz="1600" kern="1200">
-                <a:solidFill>
-                  <a:schemeClr val="tx1"/>
-                </a:solidFill>
-                <a:latin typeface="+mn-lt"/>
-                <a:ea typeface="+mn-ea"/>
-                <a:cs typeface="+mn-cs"/>
-              </a:defRPr>
-            </a:lvl5pPr>
-            <a:lvl6pPr marL="2286000" indent="0" algn="ctr" defTabSz="914400" rtl="0" eaLnBrk="1" latinLnBrk="0" hangingPunct="1">
-              <a:lnSpc>
-                <a:spcPct val="90000"/>
-              </a:lnSpc>
-              <a:spcBef>
-                <a:spcPts val="500"/>
-              </a:spcBef>
-              <a:buFont typeface="Arial" panose="020B0604020202020204" pitchFamily="34" charset="0"/>
-              <a:buNone/>
-              <a:defRPr sz="1600" kern="1200">
-                <a:solidFill>
-                  <a:schemeClr val="tx1"/>
-                </a:solidFill>
-                <a:latin typeface="+mn-lt"/>
-                <a:ea typeface="+mn-ea"/>
-                <a:cs typeface="+mn-cs"/>
-              </a:defRPr>
-            </a:lvl6pPr>
-            <a:lvl7pPr marL="2743200" indent="0" algn="ctr" defTabSz="914400" rtl="0" eaLnBrk="1" latinLnBrk="0" hangingPunct="1">
-              <a:lnSpc>
-                <a:spcPct val="90000"/>
-              </a:lnSpc>
-              <a:spcBef>
-                <a:spcPts val="500"/>
-              </a:spcBef>
-              <a:buFont typeface="Arial" panose="020B0604020202020204" pitchFamily="34" charset="0"/>
-              <a:buNone/>
-              <a:defRPr sz="1600" kern="1200">
-                <a:solidFill>
-                  <a:schemeClr val="tx1"/>
-                </a:solidFill>
-                <a:latin typeface="+mn-lt"/>
-                <a:ea typeface="+mn-ea"/>
-                <a:cs typeface="+mn-cs"/>
-              </a:defRPr>
-            </a:lvl7pPr>
-            <a:lvl8pPr marL="3200400" indent="0" algn="ctr" defTabSz="914400" rtl="0" eaLnBrk="1" latinLnBrk="0" hangingPunct="1">
-              <a:lnSpc>
-                <a:spcPct val="90000"/>
-              </a:lnSpc>
-              <a:spcBef>
-                <a:spcPts val="500"/>
-              </a:spcBef>
-              <a:buFont typeface="Arial" panose="020B0604020202020204" pitchFamily="34" charset="0"/>
-              <a:buNone/>
-              <a:defRPr sz="1600" kern="1200">
-                <a:solidFill>
-                  <a:schemeClr val="tx1"/>
-                </a:solidFill>
-                <a:latin typeface="+mn-lt"/>
-                <a:ea typeface="+mn-ea"/>
-                <a:cs typeface="+mn-cs"/>
-              </a:defRPr>
-            </a:lvl8pPr>
-            <a:lvl9pPr marL="3657600" indent="0" algn="ctr" defTabSz="914400" rtl="0" eaLnBrk="1" latinLnBrk="0" hangingPunct="1">
-              <a:lnSpc>
-                <a:spcPct val="90000"/>
-              </a:lnSpc>
-              <a:spcBef>
-                <a:spcPts val="500"/>
-              </a:spcBef>
-              <a:buFont typeface="Arial" panose="020B0604020202020204" pitchFamily="34" charset="0"/>
-              <a:buNone/>
-              <a:defRPr sz="1600" kern="1200">
-                <a:solidFill>
-                  <a:schemeClr val="tx1"/>
-                </a:solidFill>
-                <a:latin typeface="+mn-lt"/>
-                <a:ea typeface="+mn-ea"/>
-                <a:cs typeface="+mn-cs"/>
-              </a:defRPr>
-            </a:lvl9pPr>
-          </a:lstStyle>
-          <a:p>
-            <a:r>
-              <a:rPr lang="en-US" sz="2800" dirty="0"/>
-              <a:t>WELCOME TO</a:t>
-            </a:r>
-          </a:p>
-        </p:txBody>
-      </p:sp>
-      <p:pic>
-        <p:nvPicPr>
-          <p:cNvPr id="10" name="Picture 9" descr="Logo&#10;&#10;Description automatically generated">
-            <a:extLst>
-              <a:ext uri="{FF2B5EF4-FFF2-40B4-BE49-F238E27FC236}">
-                <a16:creationId xmlns:a16="http://schemas.microsoft.com/office/drawing/2014/main" id="{76F3DF28-6453-4669-812D-AC0F2EF2D5AA}"/>
-              </a:ext>
-            </a:extLst>
-          </p:cNvPr>
-          <p:cNvPicPr>
-            <a:picLocks noChangeAspect="1"/>
-          </p:cNvPicPr>
-          <p:nvPr/>
-        </p:nvPicPr>
-        <p:blipFill>
-          <a:blip r:embed="rId2"/>
-          <a:stretch>
-            <a:fillRect/>
-          </a:stretch>
-        </p:blipFill>
-        <p:spPr>
-          <a:xfrm>
-            <a:off x="5220138" y="770387"/>
-            <a:ext cx="2460283" cy="2460283"/>
-          </a:xfrm>
-          <a:prstGeom prst="rect">
-            <a:avLst/>
-          </a:prstGeom>
-        </p:spPr>
-      </p:pic>
-      <p:sp>
-        <p:nvSpPr>
-          <p:cNvPr id="15" name="Subtitle 2">
-            <a:extLst>
-              <a:ext uri="{FF2B5EF4-FFF2-40B4-BE49-F238E27FC236}">
-                <a16:creationId xmlns:a16="http://schemas.microsoft.com/office/drawing/2014/main" id="{9C1C6CBD-24D8-47B5-8B06-7DC15247EC46}"/>
-              </a:ext>
-            </a:extLst>
-          </p:cNvPr>
-          <p:cNvSpPr txBox="1">
-            <a:spLocks/>
-          </p:cNvSpPr>
-          <p:nvPr/>
-        </p:nvSpPr>
-        <p:spPr>
-          <a:xfrm>
-            <a:off x="5519967" y="4111880"/>
-            <a:ext cx="5996671" cy="1499780"/>
-          </a:xfrm>
-          <a:prstGeom prst="rect">
-            <a:avLst/>
-          </a:prstGeom>
-        </p:spPr>
-        <p:txBody>
-          <a:bodyPr vert="horz" lIns="91440" tIns="45720" rIns="91440" bIns="45720" rtlCol="0">
-            <a:normAutofit/>
-          </a:bodyPr>
-          <a:lstStyle>
-            <a:lvl1pPr marL="0" indent="0" algn="l" defTabSz="914400" rtl="0" eaLnBrk="1" latinLnBrk="0" hangingPunct="1">
-              <a:lnSpc>
-                <a:spcPct val="100000"/>
-              </a:lnSpc>
-              <a:spcBef>
-                <a:spcPts val="1000"/>
-              </a:spcBef>
-              <a:buFont typeface="Arial" panose="020B0604020202020204" pitchFamily="34" charset="0"/>
-              <a:buNone/>
-              <a:defRPr sz="1400" kern="1200" spc="50" baseline="0">
-                <a:solidFill>
-                  <a:schemeClr val="tx1"/>
-                </a:solidFill>
-                <a:latin typeface="+mn-lt"/>
-                <a:ea typeface="+mn-ea"/>
-                <a:cs typeface="+mn-cs"/>
-              </a:defRPr>
-            </a:lvl1pPr>
-            <a:lvl2pPr marL="457200" indent="0" algn="l" defTabSz="914400" rtl="0" eaLnBrk="1" latinLnBrk="0" hangingPunct="1">
-              <a:lnSpc>
-                <a:spcPct val="90000"/>
-              </a:lnSpc>
-              <a:spcBef>
-                <a:spcPts val="500"/>
-              </a:spcBef>
-              <a:buFont typeface="Arial" panose="020B0604020202020204" pitchFamily="34" charset="0"/>
-              <a:buNone/>
-              <a:defRPr sz="2000" kern="1200">
-                <a:solidFill>
-                  <a:schemeClr val="tx1">
-                    <a:tint val="75000"/>
-                  </a:schemeClr>
-                </a:solidFill>
-                <a:latin typeface="+mn-lt"/>
-                <a:ea typeface="+mn-ea"/>
-                <a:cs typeface="+mn-cs"/>
-              </a:defRPr>
-            </a:lvl2pPr>
-            <a:lvl3pPr marL="914400" indent="0" algn="l" defTabSz="914400" rtl="0" eaLnBrk="1" latinLnBrk="0" hangingPunct="1">
-              <a:lnSpc>
-                <a:spcPct val="90000"/>
-              </a:lnSpc>
-              <a:spcBef>
-                <a:spcPts val="500"/>
-              </a:spcBef>
-              <a:buFont typeface="Arial" panose="020B0604020202020204" pitchFamily="34" charset="0"/>
-              <a:buNone/>
-              <a:defRPr sz="1800" kern="1200">
-                <a:solidFill>
-                  <a:schemeClr val="tx1">
-                    <a:tint val="75000"/>
-                  </a:schemeClr>
-                </a:solidFill>
-                <a:latin typeface="+mn-lt"/>
-                <a:ea typeface="+mn-ea"/>
-                <a:cs typeface="+mn-cs"/>
-              </a:defRPr>
-            </a:lvl3pPr>
-            <a:lvl4pPr marL="1371600" indent="0" algn="l" defTabSz="914400" rtl="0" eaLnBrk="1" latinLnBrk="0" hangingPunct="1">
-              <a:lnSpc>
-                <a:spcPct val="90000"/>
-              </a:lnSpc>
-              <a:spcBef>
-                <a:spcPts val="500"/>
-              </a:spcBef>
-              <a:buFont typeface="Arial" panose="020B0604020202020204" pitchFamily="34" charset="0"/>
-              <a:buNone/>
-              <a:defRPr sz="1600" kern="1200">
-                <a:solidFill>
-                  <a:schemeClr val="tx1">
-                    <a:tint val="75000"/>
-                  </a:schemeClr>
-                </a:solidFill>
-                <a:latin typeface="+mn-lt"/>
-                <a:ea typeface="+mn-ea"/>
-                <a:cs typeface="+mn-cs"/>
-              </a:defRPr>
-            </a:lvl4pPr>
-            <a:lvl5pPr marL="1828800" indent="0" algn="l" defTabSz="914400" rtl="0" eaLnBrk="1" latinLnBrk="0" hangingPunct="1">
-              <a:lnSpc>
-                <a:spcPct val="90000"/>
-              </a:lnSpc>
-              <a:spcBef>
-                <a:spcPts val="500"/>
-              </a:spcBef>
-              <a:buFont typeface="Arial" panose="020B0604020202020204" pitchFamily="34" charset="0"/>
-              <a:buNone/>
-              <a:defRPr sz="1600" kern="1200">
-                <a:solidFill>
-                  <a:schemeClr val="tx1">
-                    <a:tint val="75000"/>
-                  </a:schemeClr>
-                </a:solidFill>
-                <a:latin typeface="+mn-lt"/>
-                <a:ea typeface="+mn-ea"/>
-                <a:cs typeface="+mn-cs"/>
-              </a:defRPr>
-            </a:lvl5pPr>
-            <a:lvl6pPr marL="2286000" indent="0" algn="l" defTabSz="914400" rtl="0" eaLnBrk="1" latinLnBrk="0" hangingPunct="1">
-              <a:lnSpc>
-                <a:spcPct val="90000"/>
-              </a:lnSpc>
-              <a:spcBef>
-                <a:spcPts val="500"/>
-              </a:spcBef>
-              <a:buFont typeface="Arial" panose="020B0604020202020204" pitchFamily="34" charset="0"/>
-              <a:buNone/>
-              <a:defRPr sz="1600" kern="1200">
-                <a:solidFill>
-                  <a:schemeClr val="tx1">
-                    <a:tint val="75000"/>
-                  </a:schemeClr>
-                </a:solidFill>
-                <a:latin typeface="+mn-lt"/>
-                <a:ea typeface="+mn-ea"/>
-                <a:cs typeface="+mn-cs"/>
-              </a:defRPr>
-            </a:lvl6pPr>
-            <a:lvl7pPr marL="2743200" indent="0" algn="l" defTabSz="914400" rtl="0" eaLnBrk="1" latinLnBrk="0" hangingPunct="1">
-              <a:lnSpc>
-                <a:spcPct val="90000"/>
-              </a:lnSpc>
-              <a:spcBef>
-                <a:spcPts val="500"/>
-              </a:spcBef>
-              <a:buFont typeface="Arial" panose="020B0604020202020204" pitchFamily="34" charset="0"/>
-              <a:buNone/>
-              <a:defRPr sz="1600" kern="1200">
-                <a:solidFill>
-                  <a:schemeClr val="tx1">
-                    <a:tint val="75000"/>
-                  </a:schemeClr>
-                </a:solidFill>
-                <a:latin typeface="+mn-lt"/>
-                <a:ea typeface="+mn-ea"/>
-                <a:cs typeface="+mn-cs"/>
-              </a:defRPr>
-            </a:lvl7pPr>
-            <a:lvl8pPr marL="3200400" indent="0" algn="l" defTabSz="914400" rtl="0" eaLnBrk="1" latinLnBrk="0" hangingPunct="1">
-              <a:lnSpc>
-                <a:spcPct val="90000"/>
-              </a:lnSpc>
-              <a:spcBef>
-                <a:spcPts val="500"/>
-              </a:spcBef>
-              <a:buFont typeface="Arial" panose="020B0604020202020204" pitchFamily="34" charset="0"/>
-              <a:buNone/>
-              <a:defRPr sz="1600" kern="1200">
-                <a:solidFill>
-                  <a:schemeClr val="tx1">
-                    <a:tint val="75000"/>
-                  </a:schemeClr>
-                </a:solidFill>
-                <a:latin typeface="+mn-lt"/>
-                <a:ea typeface="+mn-ea"/>
-                <a:cs typeface="+mn-cs"/>
-              </a:defRPr>
-            </a:lvl8pPr>
-            <a:lvl9pPr marL="3657600" indent="0" algn="l" defTabSz="914400" rtl="0" eaLnBrk="1" latinLnBrk="0" hangingPunct="1">
-              <a:lnSpc>
-                <a:spcPct val="90000"/>
-              </a:lnSpc>
-              <a:spcBef>
-                <a:spcPts val="500"/>
-              </a:spcBef>
-              <a:buFont typeface="Arial" panose="020B0604020202020204" pitchFamily="34" charset="0"/>
-              <a:buNone/>
-              <a:defRPr sz="1600" kern="1200">
-                <a:solidFill>
-                  <a:schemeClr val="tx1">
-                    <a:tint val="75000"/>
-                  </a:schemeClr>
-                </a:solidFill>
-                <a:latin typeface="+mn-lt"/>
-                <a:ea typeface="+mn-ea"/>
-                <a:cs typeface="+mn-cs"/>
-              </a:defRPr>
-            </a:lvl9pPr>
-          </a:lstStyle>
-          <a:p>
-            <a:r>
-              <a:rPr lang="en-US" sz="2000" dirty="0"/>
-              <a:t>Live link:</a:t>
-            </a:r>
-          </a:p>
-          <a:p>
-            <a:r>
-              <a:rPr lang="en-US" sz="1600" dirty="0"/>
-              <a:t> </a:t>
-            </a:r>
-            <a:r>
-              <a:rPr lang="en-PH" sz="2000" b="1" i="0" u="none" strike="noStrike" dirty="0">
-                <a:effectLst/>
-                <a:latin typeface="-apple-system"/>
-                <a:hlinkClick r:id="rId3"/>
-              </a:rPr>
-              <a:t>https://siedibarra.github.io/css-sample/</a:t>
-            </a:r>
-            <a:endParaRPr lang="en-US" sz="1600" dirty="0"/>
-          </a:p>
-        </p:txBody>
-      </p:sp>
-    </p:spTree>
-    <p:extLst>
-      <p:ext uri="{BB962C8B-B14F-4D97-AF65-F5344CB8AC3E}">
-        <p14:creationId xmlns:p14="http://schemas.microsoft.com/office/powerpoint/2010/main" val="1742861620"/>
-      </p:ext>
-    </p:extLst>
-  </p:cSld>
-  <p:clrMapOvr>
-    <a:masterClrMapping/>
-  </p:clrMapOvr>
-</p:sld>
-</file>
-
-<file path=ppt/slides/slide21.xml><?xml version="1.0" encoding="utf-8"?>
-<p:sld xmlns:a="http://schemas.openxmlformats.org/drawingml/2006/main" xmlns:r="http://schemas.openxmlformats.org/officeDocument/2006/relationships" xmlns:p="http://schemas.openxmlformats.org/presentationml/2006/main">
-  <p:cSld>
-    <p:spTree>
-      <p:nvGrpSpPr>
-        <p:cNvPr id="1" name=""/>
-        <p:cNvGrpSpPr/>
-        <p:nvPr/>
-      </p:nvGrpSpPr>
-      <p:grpSpPr>
-        <a:xfrm>
-          <a:off x="0" y="0"/>
-          <a:ext cx="0" cy="0"/>
-          <a:chOff x="0" y="0"/>
-          <a:chExt cx="0" cy="0"/>
-        </a:xfrm>
-      </p:grpSpPr>
-      <p:sp>
-        <p:nvSpPr>
           <p:cNvPr id="2" name="Title 1">
             <a:extLst>
               <a:ext uri="{FF2B5EF4-FFF2-40B4-BE49-F238E27FC236}">
@@ -13044,7 +12988,7 @@
             <a:fld id="{A49DFD55-3C28-40EF-9E31-A92D2E4017FF}" type="slidenum">
               <a:rPr lang="en-US" smtClean="0"/>
               <a:pPr/>
-              <a:t>21</a:t>
+              <a:t>20</a:t>
             </a:fld>
             <a:endParaRPr lang="en-US" dirty="0"/>
           </a:p>
@@ -15383,6 +15327,15 @@
 </file>
 
 <file path=customXml/item1.xml><?xml version="1.0" encoding="utf-8"?>
+<?mso-contentType ?>
+<FormTemplates xmlns="http://schemas.microsoft.com/sharepoint/v3/contenttype/forms">
+  <Display>DocumentLibraryForm</Display>
+  <Edit>DocumentLibraryForm</Edit>
+  <New>DocumentLibraryForm</New>
+</FormTemplates>
+</file>
+
+<file path=customXml/item2.xml><?xml version="1.0" encoding="utf-8"?>
 <p:properties xmlns:p="http://schemas.microsoft.com/office/2006/metadata/properties" xmlns:xsi="http://www.w3.org/2001/XMLSchema-instance" xmlns:pc="http://schemas.microsoft.com/office/infopath/2007/PartnerControls">
   <documentManagement>
     <_ip_UnifiedCompliancePolicyUIAction xmlns="http://schemas.microsoft.com/sharepoint/v3" xsi:nil="true"/>
@@ -15399,15 +15352,6 @@
     <MediaServiceKeyPoints xmlns="71af3243-3dd4-4a8d-8c0d-dd76da1f02a5" xsi:nil="true"/>
   </documentManagement>
 </p:properties>
-</file>
-
-<file path=customXml/item2.xml><?xml version="1.0" encoding="utf-8"?>
-<?mso-contentType ?>
-<FormTemplates xmlns="http://schemas.microsoft.com/sharepoint/v3/contenttype/forms">
-  <Display>DocumentLibraryForm</Display>
-  <Edit>DocumentLibraryForm</Edit>
-  <New>DocumentLibraryForm</New>
-</FormTemplates>
 </file>
 
 <file path=customXml/item3.xml><?xml version="1.0" encoding="utf-8"?>
@@ -15687,6 +15631,14 @@
 </file>
 
 <file path=customXml/itemProps1.xml><?xml version="1.0" encoding="utf-8"?>
+<ds:datastoreItem xmlns:ds="http://schemas.openxmlformats.org/officeDocument/2006/customXml" ds:itemID="{0FD6FE22-81A0-4500-AFD0-342D21BB9A2C}">
+  <ds:schemaRefs>
+    <ds:schemaRef ds:uri="http://schemas.microsoft.com/sharepoint/v3/contenttype/forms"/>
+  </ds:schemaRefs>
+</ds:datastoreItem>
+</file>
+
+<file path=customXml/itemProps2.xml><?xml version="1.0" encoding="utf-8"?>
 <ds:datastoreItem xmlns:ds="http://schemas.openxmlformats.org/officeDocument/2006/customXml" ds:itemID="{29C43685-694E-4579-B109-3C418D49DA65}">
   <ds:schemaRefs>
     <ds:schemaRef ds:uri="http://schemas.microsoft.com/office/2006/metadata/properties"/>
@@ -15694,14 +15646,6 @@
     <ds:schemaRef ds:uri="http://schemas.microsoft.com/sharepoint/v3"/>
     <ds:schemaRef ds:uri="71af3243-3dd4-4a8d-8c0d-dd76da1f02a5"/>
     <ds:schemaRef ds:uri="230e9df3-be65-4c73-a93b-d1236ebd677e"/>
-  </ds:schemaRefs>
-</ds:datastoreItem>
-</file>
-
-<file path=customXml/itemProps2.xml><?xml version="1.0" encoding="utf-8"?>
-<ds:datastoreItem xmlns:ds="http://schemas.openxmlformats.org/officeDocument/2006/customXml" ds:itemID="{0FD6FE22-81A0-4500-AFD0-342D21BB9A2C}">
-  <ds:schemaRefs>
-    <ds:schemaRef ds:uri="http://schemas.microsoft.com/sharepoint/v3/contenttype/forms"/>
   </ds:schemaRefs>
 </ds:datastoreItem>
 </file>

--- a/Presentation MP1.pptx
+++ b/Presentation MP1.pptx
@@ -5,32 +5,33 @@
     <p:sldMasterId id="2147483648" r:id="rId4"/>
   </p:sldMasterIdLst>
   <p:notesMasterIdLst>
-    <p:notesMasterId r:id="rId25"/>
+    <p:notesMasterId r:id="rId26"/>
   </p:notesMasterIdLst>
   <p:handoutMasterIdLst>
-    <p:handoutMasterId r:id="rId26"/>
+    <p:handoutMasterId r:id="rId27"/>
   </p:handoutMasterIdLst>
   <p:sldIdLst>
-    <p:sldId id="256" r:id="rId5"/>
-    <p:sldId id="257" r:id="rId6"/>
-    <p:sldId id="258" r:id="rId7"/>
-    <p:sldId id="262" r:id="rId8"/>
-    <p:sldId id="272" r:id="rId9"/>
-    <p:sldId id="273" r:id="rId10"/>
-    <p:sldId id="274" r:id="rId11"/>
-    <p:sldId id="275" r:id="rId12"/>
-    <p:sldId id="265" r:id="rId13"/>
-    <p:sldId id="276" r:id="rId14"/>
-    <p:sldId id="277" r:id="rId15"/>
-    <p:sldId id="278" r:id="rId16"/>
-    <p:sldId id="279" r:id="rId17"/>
-    <p:sldId id="280" r:id="rId18"/>
-    <p:sldId id="270" r:id="rId19"/>
-    <p:sldId id="281" r:id="rId20"/>
-    <p:sldId id="282" r:id="rId21"/>
-    <p:sldId id="283" r:id="rId22"/>
-    <p:sldId id="266" r:id="rId23"/>
-    <p:sldId id="271" r:id="rId24"/>
+    <p:sldId id="284" r:id="rId5"/>
+    <p:sldId id="256" r:id="rId6"/>
+    <p:sldId id="257" r:id="rId7"/>
+    <p:sldId id="258" r:id="rId8"/>
+    <p:sldId id="262" r:id="rId9"/>
+    <p:sldId id="272" r:id="rId10"/>
+    <p:sldId id="273" r:id="rId11"/>
+    <p:sldId id="274" r:id="rId12"/>
+    <p:sldId id="275" r:id="rId13"/>
+    <p:sldId id="265" r:id="rId14"/>
+    <p:sldId id="276" r:id="rId15"/>
+    <p:sldId id="277" r:id="rId16"/>
+    <p:sldId id="278" r:id="rId17"/>
+    <p:sldId id="279" r:id="rId18"/>
+    <p:sldId id="280" r:id="rId19"/>
+    <p:sldId id="270" r:id="rId20"/>
+    <p:sldId id="281" r:id="rId21"/>
+    <p:sldId id="282" r:id="rId22"/>
+    <p:sldId id="283" r:id="rId23"/>
+    <p:sldId id="266" r:id="rId24"/>
+    <p:sldId id="271" r:id="rId25"/>
   </p:sldIdLst>
   <p:sldSz cx="12192000" cy="6858000"/>
   <p:notesSz cx="6858000" cy="9144000"/>
@@ -852,6 +853,18 @@
   <p:clrMapOvr>
     <a:masterClrMapping/>
   </p:clrMapOvr>
+  <mc:AlternateContent xmlns:mc="http://schemas.openxmlformats.org/markup-compatibility/2006">
+    <mc:Choice xmlns:p14="http://schemas.microsoft.com/office/powerpoint/2010/main" Requires="p14">
+      <p:transition spd="med" p14:dur="700">
+        <p:fade/>
+      </p:transition>
+    </mc:Choice>
+    <mc:Fallback>
+      <p:transition spd="med">
+        <p:fade/>
+      </p:transition>
+    </mc:Fallback>
+  </mc:AlternateContent>
 </p:sldLayout>
 </file>
 
@@ -1170,6 +1183,18 @@
   <p:clrMapOvr>
     <a:overrideClrMapping bg1="lt1" tx1="dk1" bg2="lt2" tx2="dk2" accent1="accent1" accent2="accent2" accent3="accent3" accent4="accent4" accent5="accent5" accent6="accent6" hlink="hlink" folHlink="folHlink"/>
   </p:clrMapOvr>
+  <mc:AlternateContent xmlns:mc="http://schemas.openxmlformats.org/markup-compatibility/2006">
+    <mc:Choice xmlns:p14="http://schemas.microsoft.com/office/powerpoint/2010/main" Requires="p14">
+      <p:transition spd="med" p14:dur="700">
+        <p:fade/>
+      </p:transition>
+    </mc:Choice>
+    <mc:Fallback>
+      <p:transition spd="med">
+        <p:fade/>
+      </p:transition>
+    </mc:Fallback>
+  </mc:AlternateContent>
 </p:sldLayout>
 </file>
 
@@ -1965,6 +1990,18 @@
   <p:clrMapOvr>
     <a:masterClrMapping/>
   </p:clrMapOvr>
+  <mc:AlternateContent xmlns:mc="http://schemas.openxmlformats.org/markup-compatibility/2006">
+    <mc:Choice xmlns:p14="http://schemas.microsoft.com/office/powerpoint/2010/main" Requires="p14">
+      <p:transition spd="med" p14:dur="700">
+        <p:fade/>
+      </p:transition>
+    </mc:Choice>
+    <mc:Fallback>
+      <p:transition spd="med">
+        <p:fade/>
+      </p:transition>
+    </mc:Fallback>
+  </mc:AlternateContent>
 </p:sldLayout>
 </file>
 
@@ -2551,6 +2588,18 @@
   <p:clrMapOvr>
     <a:masterClrMapping/>
   </p:clrMapOvr>
+  <mc:AlternateContent xmlns:mc="http://schemas.openxmlformats.org/markup-compatibility/2006">
+    <mc:Choice xmlns:p14="http://schemas.microsoft.com/office/powerpoint/2010/main" Requires="p14">
+      <p:transition spd="med" p14:dur="700">
+        <p:fade/>
+      </p:transition>
+    </mc:Choice>
+    <mc:Fallback>
+      <p:transition spd="med">
+        <p:fade/>
+      </p:transition>
+    </mc:Fallback>
+  </mc:AlternateContent>
 </p:sldLayout>
 </file>
 
@@ -3390,6 +3439,18 @@
   <p:clrMapOvr>
     <a:overrideClrMapping bg1="lt1" tx1="dk1" bg2="lt2" tx2="dk2" accent1="accent1" accent2="accent2" accent3="accent3" accent4="accent4" accent5="accent5" accent6="accent6" hlink="hlink" folHlink="folHlink"/>
   </p:clrMapOvr>
+  <mc:AlternateContent xmlns:mc="http://schemas.openxmlformats.org/markup-compatibility/2006">
+    <mc:Choice xmlns:p14="http://schemas.microsoft.com/office/powerpoint/2010/main" Requires="p14">
+      <p:transition spd="med" p14:dur="700">
+        <p:fade/>
+      </p:transition>
+    </mc:Choice>
+    <mc:Fallback>
+      <p:transition spd="med">
+        <p:fade/>
+      </p:transition>
+    </mc:Fallback>
+  </mc:AlternateContent>
 </p:sldLayout>
 </file>
 
@@ -3814,6 +3875,18 @@
   <p:clrMapOvr>
     <a:masterClrMapping/>
   </p:clrMapOvr>
+  <mc:AlternateContent xmlns:mc="http://schemas.openxmlformats.org/markup-compatibility/2006">
+    <mc:Choice xmlns:p14="http://schemas.microsoft.com/office/powerpoint/2010/main" Requires="p14">
+      <p:transition spd="med" p14:dur="700">
+        <p:fade/>
+      </p:transition>
+    </mc:Choice>
+    <mc:Fallback>
+      <p:transition spd="med">
+        <p:fade/>
+      </p:transition>
+    </mc:Fallback>
+  </mc:AlternateContent>
   <p:extLst>
     <p:ext uri="{DCECCB84-F9BA-43D5-87BE-67443E8EF086}">
       <p15:sldGuideLst xmlns:p15="http://schemas.microsoft.com/office/powerpoint/2012/main">
@@ -4134,6 +4207,18 @@
   <p:clrMapOvr>
     <a:masterClrMapping/>
   </p:clrMapOvr>
+  <mc:AlternateContent xmlns:mc="http://schemas.openxmlformats.org/markup-compatibility/2006">
+    <mc:Choice xmlns:p14="http://schemas.microsoft.com/office/powerpoint/2010/main" Requires="p14">
+      <p:transition spd="med" p14:dur="700">
+        <p:fade/>
+      </p:transition>
+    </mc:Choice>
+    <mc:Fallback>
+      <p:transition spd="med">
+        <p:fade/>
+      </p:transition>
+    </mc:Fallback>
+  </mc:AlternateContent>
 </p:sldLayout>
 </file>
 
@@ -4483,6 +4568,18 @@
   <p:clrMapOvr>
     <a:masterClrMapping/>
   </p:clrMapOvr>
+  <mc:AlternateContent xmlns:mc="http://schemas.openxmlformats.org/markup-compatibility/2006">
+    <mc:Choice xmlns:p14="http://schemas.microsoft.com/office/powerpoint/2010/main" Requires="p14">
+      <p:transition spd="med" p14:dur="700">
+        <p:fade/>
+      </p:transition>
+    </mc:Choice>
+    <mc:Fallback>
+      <p:transition spd="med">
+        <p:fade/>
+      </p:transition>
+    </mc:Fallback>
+  </mc:AlternateContent>
 </p:sldLayout>
 </file>
 
@@ -4898,6 +4995,18 @@
   <p:clrMapOvr>
     <a:masterClrMapping/>
   </p:clrMapOvr>
+  <mc:AlternateContent xmlns:mc="http://schemas.openxmlformats.org/markup-compatibility/2006">
+    <mc:Choice xmlns:p14="http://schemas.microsoft.com/office/powerpoint/2010/main" Requires="p14">
+      <p:transition spd="med" p14:dur="700">
+        <p:fade/>
+      </p:transition>
+    </mc:Choice>
+    <mc:Fallback>
+      <p:transition spd="med">
+        <p:fade/>
+      </p:transition>
+    </mc:Fallback>
+  </mc:AlternateContent>
 </p:sldLayout>
 </file>
 
@@ -5091,6 +5200,18 @@
   <p:clrMapOvr>
     <a:masterClrMapping/>
   </p:clrMapOvr>
+  <mc:AlternateContent xmlns:mc="http://schemas.openxmlformats.org/markup-compatibility/2006">
+    <mc:Choice xmlns:p14="http://schemas.microsoft.com/office/powerpoint/2010/main" Requires="p14">
+      <p:transition spd="med" p14:dur="700">
+        <p:fade/>
+      </p:transition>
+    </mc:Choice>
+    <mc:Fallback>
+      <p:transition spd="med">
+        <p:fade/>
+      </p:transition>
+    </mc:Fallback>
+  </mc:AlternateContent>
 </p:sldLayout>
 </file>
 
@@ -5302,6 +5423,18 @@
   <p:clrMapOvr>
     <a:masterClrMapping/>
   </p:clrMapOvr>
+  <mc:AlternateContent xmlns:mc="http://schemas.openxmlformats.org/markup-compatibility/2006">
+    <mc:Choice xmlns:p14="http://schemas.microsoft.com/office/powerpoint/2010/main" Requires="p14">
+      <p:transition spd="med" p14:dur="700">
+        <p:fade/>
+      </p:transition>
+    </mc:Choice>
+    <mc:Fallback>
+      <p:transition spd="med">
+        <p:fade/>
+      </p:transition>
+    </mc:Fallback>
+  </mc:AlternateContent>
 </p:sldLayout>
 </file>
 
@@ -5510,6 +5643,18 @@
   <p:clrMapOvr>
     <a:overrideClrMapping bg1="lt1" tx1="dk1" bg2="lt2" tx2="dk2" accent1="accent1" accent2="accent2" accent3="accent3" accent4="accent4" accent5="accent5" accent6="accent6" hlink="hlink" folHlink="folHlink"/>
   </p:clrMapOvr>
+  <mc:AlternateContent xmlns:mc="http://schemas.openxmlformats.org/markup-compatibility/2006">
+    <mc:Choice xmlns:p14="http://schemas.microsoft.com/office/powerpoint/2010/main" Requires="p14">
+      <p:transition spd="med" p14:dur="700">
+        <p:fade/>
+      </p:transition>
+    </mc:Choice>
+    <mc:Fallback>
+      <p:transition spd="med">
+        <p:fade/>
+      </p:transition>
+    </mc:Fallback>
+  </mc:AlternateContent>
 </p:sldLayout>
 </file>
 
@@ -5860,6 +6005,18 @@
   <p:clrMapOvr>
     <a:masterClrMapping/>
   </p:clrMapOvr>
+  <mc:AlternateContent xmlns:mc="http://schemas.openxmlformats.org/markup-compatibility/2006">
+    <mc:Choice xmlns:p14="http://schemas.microsoft.com/office/powerpoint/2010/main" Requires="p14">
+      <p:transition spd="med" p14:dur="700">
+        <p:fade/>
+      </p:transition>
+    </mc:Choice>
+    <mc:Fallback>
+      <p:transition spd="med">
+        <p:fade/>
+      </p:transition>
+    </mc:Fallback>
+  </mc:AlternateContent>
 </p:sldLayout>
 </file>
 
@@ -6944,6 +7101,18 @@
   <p:clrMapOvr>
     <a:overrideClrMapping bg1="lt1" tx1="dk1" bg2="lt2" tx2="dk2" accent1="accent1" accent2="accent2" accent3="accent3" accent4="accent4" accent5="accent5" accent6="accent6" hlink="hlink" folHlink="folHlink"/>
   </p:clrMapOvr>
+  <mc:AlternateContent xmlns:mc="http://schemas.openxmlformats.org/markup-compatibility/2006">
+    <mc:Choice xmlns:p14="http://schemas.microsoft.com/office/powerpoint/2010/main" Requires="p14">
+      <p:transition spd="med" p14:dur="700">
+        <p:fade/>
+      </p:transition>
+    </mc:Choice>
+    <mc:Fallback>
+      <p:transition spd="med">
+        <p:fade/>
+      </p:transition>
+    </mc:Fallback>
+  </mc:AlternateContent>
 </p:sldLayout>
 </file>
 
@@ -8923,6 +9092,18 @@
   <p:clrMapOvr>
     <a:overrideClrMapping bg1="dk1" tx1="lt1" bg2="dk2" tx2="lt2" accent1="accent1" accent2="accent2" accent3="accent3" accent4="accent4" accent5="accent5" accent6="accent6" hlink="hlink" folHlink="folHlink"/>
   </p:clrMapOvr>
+  <mc:AlternateContent xmlns:mc="http://schemas.openxmlformats.org/markup-compatibility/2006">
+    <mc:Choice xmlns:p14="http://schemas.microsoft.com/office/powerpoint/2010/main" Requires="p14">
+      <p:transition spd="med" p14:dur="700">
+        <p:fade/>
+      </p:transition>
+    </mc:Choice>
+    <mc:Fallback>
+      <p:transition spd="med">
+        <p:fade/>
+      </p:transition>
+    </mc:Fallback>
+  </mc:AlternateContent>
 </p:sldLayout>
 </file>
 
@@ -9217,6 +9398,18 @@
     <p:sldLayoutId id="2147483664" r:id="rId14"/>
     <p:sldLayoutId id="2147483665" r:id="rId15"/>
   </p:sldLayoutIdLst>
+  <mc:AlternateContent xmlns:mc="http://schemas.openxmlformats.org/markup-compatibility/2006">
+    <mc:Choice xmlns:p14="http://schemas.microsoft.com/office/powerpoint/2010/main" Requires="p14">
+      <p:transition spd="med" p14:dur="700">
+        <p:fade/>
+      </p:transition>
+    </mc:Choice>
+    <mc:Fallback>
+      <p:transition spd="med">
+        <p:fade/>
+      </p:transition>
+    </mc:Fallback>
+  </mc:AlternateContent>
   <p:hf hdr="0"/>
   <p:txStyles>
     <p:titleStyle>
@@ -9520,486 +9713,101 @@
       </p:grpSpPr>
       <p:sp>
         <p:nvSpPr>
-          <p:cNvPr id="3" name="Subtitle 2">
-            <a:extLst>
-              <a:ext uri="{FF2B5EF4-FFF2-40B4-BE49-F238E27FC236}">
-                <a16:creationId xmlns:a16="http://schemas.microsoft.com/office/drawing/2014/main" id="{0236A1B4-B8D1-4A72-8E20-0703F54BF1FE}"/>
-              </a:ext>
-            </a:extLst>
-          </p:cNvPr>
-          <p:cNvSpPr>
-            <a:spLocks noGrp="1"/>
-          </p:cNvSpPr>
-          <p:nvPr>
-            <p:ph type="subTitle" idx="1"/>
-          </p:nvPr>
-        </p:nvSpPr>
-        <p:spPr>
-          <a:xfrm>
-            <a:off x="6568440" y="5449104"/>
-            <a:ext cx="4941770" cy="396660"/>
-          </a:xfrm>
-        </p:spPr>
-        <p:txBody>
-          <a:bodyPr>
-            <a:normAutofit/>
-          </a:bodyPr>
+          <p:cNvPr id="4" name="Date Placeholder 3">
+            <a:extLst>
+              <a:ext uri="{FF2B5EF4-FFF2-40B4-BE49-F238E27FC236}">
+                <a16:creationId xmlns:a16="http://schemas.microsoft.com/office/drawing/2014/main" id="{FA29EBF0-48BF-4300-A7BA-8C5F2B4D629F}"/>
+              </a:ext>
+            </a:extLst>
+          </p:cNvPr>
+          <p:cNvSpPr>
+            <a:spLocks noGrp="1"/>
+          </p:cNvSpPr>
+          <p:nvPr>
+            <p:ph type="dt" sz="half" idx="10"/>
+          </p:nvPr>
+        </p:nvSpPr>
+        <p:spPr/>
+        <p:txBody>
+          <a:bodyPr/>
           <a:lstStyle/>
           <a:p>
-            <a:r>
-              <a:rPr lang="en-US" dirty="0"/>
-              <a:t>By: Sied Jeremiah Ibarra</a:t>
-            </a:r>
-          </a:p>
-        </p:txBody>
-      </p:sp>
-      <p:sp>
-        <p:nvSpPr>
-          <p:cNvPr id="4" name="Subtitle 2">
-            <a:extLst>
-              <a:ext uri="{FF2B5EF4-FFF2-40B4-BE49-F238E27FC236}">
-                <a16:creationId xmlns:a16="http://schemas.microsoft.com/office/drawing/2014/main" id="{87AD0930-B2AE-44A3-B559-E3EE97B5874E}"/>
-              </a:ext>
-            </a:extLst>
-          </p:cNvPr>
-          <p:cNvSpPr txBox="1">
-            <a:spLocks/>
-          </p:cNvSpPr>
-          <p:nvPr/>
-        </p:nvSpPr>
-        <p:spPr>
-          <a:xfrm>
-            <a:off x="6568440" y="4587240"/>
-            <a:ext cx="4941770" cy="758417"/>
-          </a:xfrm>
-          <a:prstGeom prst="rect">
-            <a:avLst/>
-          </a:prstGeom>
-        </p:spPr>
-        <p:txBody>
-          <a:bodyPr vert="horz" lIns="91440" tIns="45720" rIns="91440" bIns="45720" rtlCol="0">
-            <a:noAutofit/>
-          </a:bodyPr>
-          <a:lstStyle>
-            <a:lvl1pPr marL="0" indent="0" algn="l" defTabSz="914400" rtl="0" eaLnBrk="1" latinLnBrk="0" hangingPunct="1">
-              <a:lnSpc>
-                <a:spcPct val="90000"/>
-              </a:lnSpc>
-              <a:spcBef>
-                <a:spcPts val="1000"/>
-              </a:spcBef>
-              <a:buFont typeface="Arial" panose="020B0604020202020204" pitchFamily="34" charset="0"/>
-              <a:buNone/>
-              <a:defRPr sz="1600" kern="1200">
-                <a:solidFill>
-                  <a:schemeClr val="tx1"/>
-                </a:solidFill>
-                <a:latin typeface="+mn-lt"/>
-                <a:ea typeface="+mn-ea"/>
-                <a:cs typeface="+mn-cs"/>
-              </a:defRPr>
-            </a:lvl1pPr>
-            <a:lvl2pPr marL="457200" indent="0" algn="ctr" defTabSz="914400" rtl="0" eaLnBrk="1" latinLnBrk="0" hangingPunct="1">
-              <a:lnSpc>
-                <a:spcPct val="90000"/>
-              </a:lnSpc>
-              <a:spcBef>
-                <a:spcPts val="500"/>
-              </a:spcBef>
-              <a:buFont typeface="Arial" panose="020B0604020202020204" pitchFamily="34" charset="0"/>
-              <a:buNone/>
-              <a:defRPr sz="2000" kern="1200">
-                <a:solidFill>
-                  <a:schemeClr val="tx1"/>
-                </a:solidFill>
-                <a:latin typeface="+mn-lt"/>
-                <a:ea typeface="+mn-ea"/>
-                <a:cs typeface="+mn-cs"/>
-              </a:defRPr>
-            </a:lvl2pPr>
-            <a:lvl3pPr marL="914400" indent="0" algn="ctr" defTabSz="914400" rtl="0" eaLnBrk="1" latinLnBrk="0" hangingPunct="1">
-              <a:lnSpc>
-                <a:spcPct val="90000"/>
-              </a:lnSpc>
-              <a:spcBef>
-                <a:spcPts val="500"/>
-              </a:spcBef>
-              <a:buFont typeface="Arial" panose="020B0604020202020204" pitchFamily="34" charset="0"/>
-              <a:buNone/>
-              <a:defRPr sz="1800" kern="1200">
-                <a:solidFill>
-                  <a:schemeClr val="tx1"/>
-                </a:solidFill>
-                <a:latin typeface="+mn-lt"/>
-                <a:ea typeface="+mn-ea"/>
-                <a:cs typeface="+mn-cs"/>
-              </a:defRPr>
-            </a:lvl3pPr>
-            <a:lvl4pPr marL="1371600" indent="0" algn="ctr" defTabSz="914400" rtl="0" eaLnBrk="1" latinLnBrk="0" hangingPunct="1">
-              <a:lnSpc>
-                <a:spcPct val="90000"/>
-              </a:lnSpc>
-              <a:spcBef>
-                <a:spcPts val="500"/>
-              </a:spcBef>
-              <a:buFont typeface="Arial" panose="020B0604020202020204" pitchFamily="34" charset="0"/>
-              <a:buNone/>
-              <a:defRPr sz="1600" kern="1200">
-                <a:solidFill>
-                  <a:schemeClr val="tx1"/>
-                </a:solidFill>
-                <a:latin typeface="+mn-lt"/>
-                <a:ea typeface="+mn-ea"/>
-                <a:cs typeface="+mn-cs"/>
-              </a:defRPr>
-            </a:lvl4pPr>
-            <a:lvl5pPr marL="1828800" indent="0" algn="ctr" defTabSz="914400" rtl="0" eaLnBrk="1" latinLnBrk="0" hangingPunct="1">
-              <a:lnSpc>
-                <a:spcPct val="90000"/>
-              </a:lnSpc>
-              <a:spcBef>
-                <a:spcPts val="500"/>
-              </a:spcBef>
-              <a:buFont typeface="Arial" panose="020B0604020202020204" pitchFamily="34" charset="0"/>
-              <a:buNone/>
-              <a:defRPr sz="1600" kern="1200">
-                <a:solidFill>
-                  <a:schemeClr val="tx1"/>
-                </a:solidFill>
-                <a:latin typeface="+mn-lt"/>
-                <a:ea typeface="+mn-ea"/>
-                <a:cs typeface="+mn-cs"/>
-              </a:defRPr>
-            </a:lvl5pPr>
-            <a:lvl6pPr marL="2286000" indent="0" algn="ctr" defTabSz="914400" rtl="0" eaLnBrk="1" latinLnBrk="0" hangingPunct="1">
-              <a:lnSpc>
-                <a:spcPct val="90000"/>
-              </a:lnSpc>
-              <a:spcBef>
-                <a:spcPts val="500"/>
-              </a:spcBef>
-              <a:buFont typeface="Arial" panose="020B0604020202020204" pitchFamily="34" charset="0"/>
-              <a:buNone/>
-              <a:defRPr sz="1600" kern="1200">
-                <a:solidFill>
-                  <a:schemeClr val="tx1"/>
-                </a:solidFill>
-                <a:latin typeface="+mn-lt"/>
-                <a:ea typeface="+mn-ea"/>
-                <a:cs typeface="+mn-cs"/>
-              </a:defRPr>
-            </a:lvl6pPr>
-            <a:lvl7pPr marL="2743200" indent="0" algn="ctr" defTabSz="914400" rtl="0" eaLnBrk="1" latinLnBrk="0" hangingPunct="1">
-              <a:lnSpc>
-                <a:spcPct val="90000"/>
-              </a:lnSpc>
-              <a:spcBef>
-                <a:spcPts val="500"/>
-              </a:spcBef>
-              <a:buFont typeface="Arial" panose="020B0604020202020204" pitchFamily="34" charset="0"/>
-              <a:buNone/>
-              <a:defRPr sz="1600" kern="1200">
-                <a:solidFill>
-                  <a:schemeClr val="tx1"/>
-                </a:solidFill>
-                <a:latin typeface="+mn-lt"/>
-                <a:ea typeface="+mn-ea"/>
-                <a:cs typeface="+mn-cs"/>
-              </a:defRPr>
-            </a:lvl7pPr>
-            <a:lvl8pPr marL="3200400" indent="0" algn="ctr" defTabSz="914400" rtl="0" eaLnBrk="1" latinLnBrk="0" hangingPunct="1">
-              <a:lnSpc>
-                <a:spcPct val="90000"/>
-              </a:lnSpc>
-              <a:spcBef>
-                <a:spcPts val="500"/>
-              </a:spcBef>
-              <a:buFont typeface="Arial" panose="020B0604020202020204" pitchFamily="34" charset="0"/>
-              <a:buNone/>
-              <a:defRPr sz="1600" kern="1200">
-                <a:solidFill>
-                  <a:schemeClr val="tx1"/>
-                </a:solidFill>
-                <a:latin typeface="+mn-lt"/>
-                <a:ea typeface="+mn-ea"/>
-                <a:cs typeface="+mn-cs"/>
-              </a:defRPr>
-            </a:lvl8pPr>
-            <a:lvl9pPr marL="3657600" indent="0" algn="ctr" defTabSz="914400" rtl="0" eaLnBrk="1" latinLnBrk="0" hangingPunct="1">
-              <a:lnSpc>
-                <a:spcPct val="90000"/>
-              </a:lnSpc>
-              <a:spcBef>
-                <a:spcPts val="500"/>
-              </a:spcBef>
-              <a:buFont typeface="Arial" panose="020B0604020202020204" pitchFamily="34" charset="0"/>
-              <a:buNone/>
-              <a:defRPr sz="1600" kern="1200">
-                <a:solidFill>
-                  <a:schemeClr val="tx1"/>
-                </a:solidFill>
-                <a:latin typeface="+mn-lt"/>
-                <a:ea typeface="+mn-ea"/>
-                <a:cs typeface="+mn-cs"/>
-              </a:defRPr>
-            </a:lvl9pPr>
-          </a:lstStyle>
-          <a:p>
-            <a:r>
-              <a:rPr lang="en-US" sz="5400" b="1" dirty="0">
-                <a:solidFill>
-                  <a:srgbClr val="0070C0"/>
-                </a:solidFill>
-              </a:rPr>
-              <a:t>Road</a:t>
-            </a:r>
-            <a:r>
-              <a:rPr lang="en-US" sz="5400" b="1" i="1" dirty="0"/>
-              <a:t>/vise.</a:t>
-            </a:r>
-            <a:endParaRPr lang="en-US" sz="5400" b="1" dirty="0"/>
-          </a:p>
-        </p:txBody>
-      </p:sp>
-      <p:sp>
-        <p:nvSpPr>
-          <p:cNvPr id="9" name="Subtitle 2">
-            <a:extLst>
-              <a:ext uri="{FF2B5EF4-FFF2-40B4-BE49-F238E27FC236}">
-                <a16:creationId xmlns:a16="http://schemas.microsoft.com/office/drawing/2014/main" id="{289BA905-D9A0-446B-AD42-BD293081F33F}"/>
-              </a:ext>
-            </a:extLst>
-          </p:cNvPr>
-          <p:cNvSpPr txBox="1">
-            <a:spLocks/>
-          </p:cNvSpPr>
-          <p:nvPr/>
-        </p:nvSpPr>
-        <p:spPr>
-          <a:xfrm>
-            <a:off x="6568440" y="4190580"/>
-            <a:ext cx="4941770" cy="396660"/>
-          </a:xfrm>
-          <a:prstGeom prst="rect">
-            <a:avLst/>
-          </a:prstGeom>
-        </p:spPr>
-        <p:txBody>
-          <a:bodyPr vert="horz" lIns="91440" tIns="45720" rIns="91440" bIns="45720" rtlCol="0">
-            <a:noAutofit/>
-          </a:bodyPr>
-          <a:lstStyle>
-            <a:lvl1pPr marL="0" indent="0" algn="l" defTabSz="914400" rtl="0" eaLnBrk="1" latinLnBrk="0" hangingPunct="1">
-              <a:lnSpc>
-                <a:spcPct val="90000"/>
-              </a:lnSpc>
-              <a:spcBef>
-                <a:spcPts val="1000"/>
-              </a:spcBef>
-              <a:buFont typeface="Arial" panose="020B0604020202020204" pitchFamily="34" charset="0"/>
-              <a:buNone/>
-              <a:defRPr sz="1600" kern="1200">
-                <a:solidFill>
-                  <a:schemeClr val="tx1"/>
-                </a:solidFill>
-                <a:latin typeface="+mn-lt"/>
-                <a:ea typeface="+mn-ea"/>
-                <a:cs typeface="+mn-cs"/>
-              </a:defRPr>
-            </a:lvl1pPr>
-            <a:lvl2pPr marL="457200" indent="0" algn="ctr" defTabSz="914400" rtl="0" eaLnBrk="1" latinLnBrk="0" hangingPunct="1">
-              <a:lnSpc>
-                <a:spcPct val="90000"/>
-              </a:lnSpc>
-              <a:spcBef>
-                <a:spcPts val="500"/>
-              </a:spcBef>
-              <a:buFont typeface="Arial" panose="020B0604020202020204" pitchFamily="34" charset="0"/>
-              <a:buNone/>
-              <a:defRPr sz="2000" kern="1200">
-                <a:solidFill>
-                  <a:schemeClr val="tx1"/>
-                </a:solidFill>
-                <a:latin typeface="+mn-lt"/>
-                <a:ea typeface="+mn-ea"/>
-                <a:cs typeface="+mn-cs"/>
-              </a:defRPr>
-            </a:lvl2pPr>
-            <a:lvl3pPr marL="914400" indent="0" algn="ctr" defTabSz="914400" rtl="0" eaLnBrk="1" latinLnBrk="0" hangingPunct="1">
-              <a:lnSpc>
-                <a:spcPct val="90000"/>
-              </a:lnSpc>
-              <a:spcBef>
-                <a:spcPts val="500"/>
-              </a:spcBef>
-              <a:buFont typeface="Arial" panose="020B0604020202020204" pitchFamily="34" charset="0"/>
-              <a:buNone/>
-              <a:defRPr sz="1800" kern="1200">
-                <a:solidFill>
-                  <a:schemeClr val="tx1"/>
-                </a:solidFill>
-                <a:latin typeface="+mn-lt"/>
-                <a:ea typeface="+mn-ea"/>
-                <a:cs typeface="+mn-cs"/>
-              </a:defRPr>
-            </a:lvl3pPr>
-            <a:lvl4pPr marL="1371600" indent="0" algn="ctr" defTabSz="914400" rtl="0" eaLnBrk="1" latinLnBrk="0" hangingPunct="1">
-              <a:lnSpc>
-                <a:spcPct val="90000"/>
-              </a:lnSpc>
-              <a:spcBef>
-                <a:spcPts val="500"/>
-              </a:spcBef>
-              <a:buFont typeface="Arial" panose="020B0604020202020204" pitchFamily="34" charset="0"/>
-              <a:buNone/>
-              <a:defRPr sz="1600" kern="1200">
-                <a:solidFill>
-                  <a:schemeClr val="tx1"/>
-                </a:solidFill>
-                <a:latin typeface="+mn-lt"/>
-                <a:ea typeface="+mn-ea"/>
-                <a:cs typeface="+mn-cs"/>
-              </a:defRPr>
-            </a:lvl4pPr>
-            <a:lvl5pPr marL="1828800" indent="0" algn="ctr" defTabSz="914400" rtl="0" eaLnBrk="1" latinLnBrk="0" hangingPunct="1">
-              <a:lnSpc>
-                <a:spcPct val="90000"/>
-              </a:lnSpc>
-              <a:spcBef>
-                <a:spcPts val="500"/>
-              </a:spcBef>
-              <a:buFont typeface="Arial" panose="020B0604020202020204" pitchFamily="34" charset="0"/>
-              <a:buNone/>
-              <a:defRPr sz="1600" kern="1200">
-                <a:solidFill>
-                  <a:schemeClr val="tx1"/>
-                </a:solidFill>
-                <a:latin typeface="+mn-lt"/>
-                <a:ea typeface="+mn-ea"/>
-                <a:cs typeface="+mn-cs"/>
-              </a:defRPr>
-            </a:lvl5pPr>
-            <a:lvl6pPr marL="2286000" indent="0" algn="ctr" defTabSz="914400" rtl="0" eaLnBrk="1" latinLnBrk="0" hangingPunct="1">
-              <a:lnSpc>
-                <a:spcPct val="90000"/>
-              </a:lnSpc>
-              <a:spcBef>
-                <a:spcPts val="500"/>
-              </a:spcBef>
-              <a:buFont typeface="Arial" panose="020B0604020202020204" pitchFamily="34" charset="0"/>
-              <a:buNone/>
-              <a:defRPr sz="1600" kern="1200">
-                <a:solidFill>
-                  <a:schemeClr val="tx1"/>
-                </a:solidFill>
-                <a:latin typeface="+mn-lt"/>
-                <a:ea typeface="+mn-ea"/>
-                <a:cs typeface="+mn-cs"/>
-              </a:defRPr>
-            </a:lvl6pPr>
-            <a:lvl7pPr marL="2743200" indent="0" algn="ctr" defTabSz="914400" rtl="0" eaLnBrk="1" latinLnBrk="0" hangingPunct="1">
-              <a:lnSpc>
-                <a:spcPct val="90000"/>
-              </a:lnSpc>
-              <a:spcBef>
-                <a:spcPts val="500"/>
-              </a:spcBef>
-              <a:buFont typeface="Arial" panose="020B0604020202020204" pitchFamily="34" charset="0"/>
-              <a:buNone/>
-              <a:defRPr sz="1600" kern="1200">
-                <a:solidFill>
-                  <a:schemeClr val="tx1"/>
-                </a:solidFill>
-                <a:latin typeface="+mn-lt"/>
-                <a:ea typeface="+mn-ea"/>
-                <a:cs typeface="+mn-cs"/>
-              </a:defRPr>
-            </a:lvl7pPr>
-            <a:lvl8pPr marL="3200400" indent="0" algn="ctr" defTabSz="914400" rtl="0" eaLnBrk="1" latinLnBrk="0" hangingPunct="1">
-              <a:lnSpc>
-                <a:spcPct val="90000"/>
-              </a:lnSpc>
-              <a:spcBef>
-                <a:spcPts val="500"/>
-              </a:spcBef>
-              <a:buFont typeface="Arial" panose="020B0604020202020204" pitchFamily="34" charset="0"/>
-              <a:buNone/>
-              <a:defRPr sz="1600" kern="1200">
-                <a:solidFill>
-                  <a:schemeClr val="tx1"/>
-                </a:solidFill>
-                <a:latin typeface="+mn-lt"/>
-                <a:ea typeface="+mn-ea"/>
-                <a:cs typeface="+mn-cs"/>
-              </a:defRPr>
-            </a:lvl8pPr>
-            <a:lvl9pPr marL="3657600" indent="0" algn="ctr" defTabSz="914400" rtl="0" eaLnBrk="1" latinLnBrk="0" hangingPunct="1">
-              <a:lnSpc>
-                <a:spcPct val="90000"/>
-              </a:lnSpc>
-              <a:spcBef>
-                <a:spcPts val="500"/>
-              </a:spcBef>
-              <a:buFont typeface="Arial" panose="020B0604020202020204" pitchFamily="34" charset="0"/>
-              <a:buNone/>
-              <a:defRPr sz="1600" kern="1200">
-                <a:solidFill>
-                  <a:schemeClr val="tx1"/>
-                </a:solidFill>
-                <a:latin typeface="+mn-lt"/>
-                <a:ea typeface="+mn-ea"/>
-                <a:cs typeface="+mn-cs"/>
-              </a:defRPr>
-            </a:lvl9pPr>
-          </a:lstStyle>
-          <a:p>
-            <a:r>
-              <a:rPr lang="en-US" sz="2800" dirty="0"/>
-              <a:t>WELCOME TO</a:t>
-            </a:r>
-          </a:p>
-        </p:txBody>
-      </p:sp>
-      <p:pic>
-        <p:nvPicPr>
-          <p:cNvPr id="11" name="Picture 10" descr="Logo&#10;&#10;Description automatically generated">
-            <a:extLst>
-              <a:ext uri="{FF2B5EF4-FFF2-40B4-BE49-F238E27FC236}">
-                <a16:creationId xmlns:a16="http://schemas.microsoft.com/office/drawing/2014/main" id="{B594B16C-C54F-4521-B961-7F9C53D6A960}"/>
-              </a:ext>
-            </a:extLst>
-          </p:cNvPr>
-          <p:cNvPicPr>
-            <a:picLocks noChangeAspect="1"/>
-          </p:cNvPicPr>
-          <p:nvPr/>
-        </p:nvPicPr>
-        <p:blipFill>
-          <a:blip r:embed="rId2"/>
-          <a:stretch>
-            <a:fillRect/>
-          </a:stretch>
-        </p:blipFill>
-        <p:spPr>
-          <a:xfrm>
-            <a:off x="4243107" y="3187151"/>
-            <a:ext cx="2460283" cy="2460283"/>
-          </a:xfrm>
-          <a:prstGeom prst="rect">
-            <a:avLst/>
-          </a:prstGeom>
-        </p:spPr>
-      </p:pic>
+            <a:endParaRPr lang="en-US" dirty="0"/>
+          </a:p>
+        </p:txBody>
+      </p:sp>
+      <p:sp>
+        <p:nvSpPr>
+          <p:cNvPr id="5" name="Footer Placeholder 4">
+            <a:extLst>
+              <a:ext uri="{FF2B5EF4-FFF2-40B4-BE49-F238E27FC236}">
+                <a16:creationId xmlns:a16="http://schemas.microsoft.com/office/drawing/2014/main" id="{75591493-8E77-42F2-A9E7-4E232A7D79BF}"/>
+              </a:ext>
+            </a:extLst>
+          </p:cNvPr>
+          <p:cNvSpPr>
+            <a:spLocks noGrp="1"/>
+          </p:cNvSpPr>
+          <p:nvPr>
+            <p:ph type="ftr" sz="quarter" idx="11"/>
+          </p:nvPr>
+        </p:nvSpPr>
+        <p:spPr/>
+        <p:txBody>
+          <a:bodyPr/>
+          <a:lstStyle/>
+          <a:p>
+            <a:endParaRPr lang="en-US" dirty="0"/>
+          </a:p>
+        </p:txBody>
+      </p:sp>
+      <p:sp>
+        <p:nvSpPr>
+          <p:cNvPr id="6" name="Slide Number Placeholder 5">
+            <a:extLst>
+              <a:ext uri="{FF2B5EF4-FFF2-40B4-BE49-F238E27FC236}">
+                <a16:creationId xmlns:a16="http://schemas.microsoft.com/office/drawing/2014/main" id="{74FB9050-8EA1-4F45-9522-0CDE7747446C}"/>
+              </a:ext>
+            </a:extLst>
+          </p:cNvPr>
+          <p:cNvSpPr>
+            <a:spLocks noGrp="1"/>
+          </p:cNvSpPr>
+          <p:nvPr>
+            <p:ph type="sldNum" sz="quarter" idx="12"/>
+          </p:nvPr>
+        </p:nvSpPr>
+        <p:spPr/>
+        <p:txBody>
+          <a:bodyPr/>
+          <a:lstStyle/>
+          <a:p>
+            <a:endParaRPr lang="en-US" dirty="0"/>
+          </a:p>
+        </p:txBody>
+      </p:sp>
     </p:spTree>
     <p:extLst>
       <p:ext uri="{BB962C8B-B14F-4D97-AF65-F5344CB8AC3E}">
-        <p14:creationId xmlns:p14="http://schemas.microsoft.com/office/powerpoint/2010/main" val="2586058810"/>
+        <p14:creationId xmlns:p14="http://schemas.microsoft.com/office/powerpoint/2010/main" val="1414853109"/>
       </p:ext>
     </p:extLst>
   </p:cSld>
   <p:clrMapOvr>
     <a:masterClrMapping/>
   </p:clrMapOvr>
+  <mc:AlternateContent xmlns:mc="http://schemas.openxmlformats.org/markup-compatibility/2006">
+    <mc:Choice xmlns:p14="http://schemas.microsoft.com/office/powerpoint/2010/main" Requires="p14">
+      <p:transition spd="med" p14:dur="700">
+        <p:fade/>
+      </p:transition>
+    </mc:Choice>
+    <mc:Fallback>
+      <p:transition spd="med">
+        <p:fade/>
+      </p:transition>
+    </mc:Fallback>
+  </mc:AlternateContent>
 </p:sld>
 </file>
 
@@ -10022,24 +9830,76 @@
       </p:grpSpPr>
       <p:sp>
         <p:nvSpPr>
-          <p:cNvPr id="2" name="Title 1">
-            <a:extLst>
-              <a:ext uri="{FF2B5EF4-FFF2-40B4-BE49-F238E27FC236}">
-                <a16:creationId xmlns:a16="http://schemas.microsoft.com/office/drawing/2014/main" id="{B1FE5F11-B7B9-4B80-8C6A-A8A7A7190B77}"/>
-              </a:ext>
-            </a:extLst>
-          </p:cNvPr>
-          <p:cNvSpPr>
-            <a:spLocks noGrp="1"/>
-          </p:cNvSpPr>
-          <p:nvPr>
-            <p:ph type="ctrTitle"/>
-          </p:nvPr>
-        </p:nvSpPr>
-        <p:spPr>
-          <a:xfrm>
-            <a:off x="6991350" y="2148840"/>
-            <a:ext cx="4179570" cy="1715531"/>
+          <p:cNvPr id="3" name="Subtitle 2">
+            <a:extLst>
+              <a:ext uri="{FF2B5EF4-FFF2-40B4-BE49-F238E27FC236}">
+                <a16:creationId xmlns:a16="http://schemas.microsoft.com/office/drawing/2014/main" id="{45FD0450-A909-4CD9-8912-96A19ACEB7CB}"/>
+              </a:ext>
+            </a:extLst>
+          </p:cNvPr>
+          <p:cNvSpPr>
+            <a:spLocks noGrp="1"/>
+          </p:cNvSpPr>
+          <p:nvPr>
+            <p:ph type="subTitle" idx="1"/>
+          </p:nvPr>
+        </p:nvSpPr>
+        <p:spPr>
+          <a:xfrm>
+            <a:off x="3983277" y="2091344"/>
+            <a:ext cx="8367386" cy="2268112"/>
+          </a:xfrm>
+        </p:spPr>
+        <p:txBody>
+          <a:bodyPr>
+            <a:normAutofit/>
+          </a:bodyPr>
+          <a:lstStyle/>
+          <a:p>
+            <a:r>
+              <a:rPr lang="en-US" sz="11500" b="1" dirty="0">
+                <a:solidFill>
+                  <a:srgbClr val="0070C0"/>
+                </a:solidFill>
+              </a:rPr>
+              <a:t>“Road</a:t>
+            </a:r>
+            <a:r>
+              <a:rPr lang="en-US" sz="11500" b="1" i="1" dirty="0">
+                <a:solidFill>
+                  <a:schemeClr val="tx1"/>
+                </a:solidFill>
+              </a:rPr>
+              <a:t>/vise.”</a:t>
+            </a:r>
+            <a:endParaRPr lang="en-US" sz="11500" b="1" dirty="0">
+              <a:solidFill>
+                <a:schemeClr val="tx1"/>
+              </a:solidFill>
+            </a:endParaRPr>
+          </a:p>
+        </p:txBody>
+      </p:sp>
+      <p:sp>
+        <p:nvSpPr>
+          <p:cNvPr id="4" name="Date Placeholder 3">
+            <a:extLst>
+              <a:ext uri="{FF2B5EF4-FFF2-40B4-BE49-F238E27FC236}">
+                <a16:creationId xmlns:a16="http://schemas.microsoft.com/office/drawing/2014/main" id="{DA53D834-F1E2-4848-8093-D412A7B081AF}"/>
+              </a:ext>
+            </a:extLst>
+          </p:cNvPr>
+          <p:cNvSpPr>
+            <a:spLocks noGrp="1"/>
+          </p:cNvSpPr>
+          <p:nvPr>
+            <p:ph type="dt" sz="half" idx="10"/>
+          </p:nvPr>
+        </p:nvSpPr>
+        <p:spPr>
+          <a:xfrm>
+            <a:off x="4676774" y="6356350"/>
+            <a:ext cx="1695450" cy="365125"/>
           </a:xfrm>
         </p:spPr>
         <p:txBody>
@@ -10048,7 +9908,288 @@
           <a:p>
             <a:r>
               <a:rPr lang="en-US" dirty="0"/>
-              <a:t>Objectives</a:t>
+              <a:t>20XX</a:t>
+            </a:r>
+          </a:p>
+        </p:txBody>
+      </p:sp>
+      <p:sp>
+        <p:nvSpPr>
+          <p:cNvPr id="5" name="Footer Placeholder 4">
+            <a:extLst>
+              <a:ext uri="{FF2B5EF4-FFF2-40B4-BE49-F238E27FC236}">
+                <a16:creationId xmlns:a16="http://schemas.microsoft.com/office/drawing/2014/main" id="{3555A49C-96F4-440D-B89E-A0AE94F70108}"/>
+              </a:ext>
+            </a:extLst>
+          </p:cNvPr>
+          <p:cNvSpPr>
+            <a:spLocks noGrp="1"/>
+          </p:cNvSpPr>
+          <p:nvPr>
+            <p:ph type="ftr" sz="quarter" idx="11"/>
+          </p:nvPr>
+        </p:nvSpPr>
+        <p:spPr>
+          <a:xfrm>
+            <a:off x="6743699" y="6356350"/>
+            <a:ext cx="2543175" cy="365125"/>
+          </a:xfrm>
+        </p:spPr>
+        <p:txBody>
+          <a:bodyPr/>
+          <a:lstStyle/>
+          <a:p>
+            <a:r>
+              <a:rPr lang="en-US" dirty="0"/>
+              <a:t>PRESENTATION TITLE</a:t>
+            </a:r>
+          </a:p>
+        </p:txBody>
+      </p:sp>
+      <p:sp>
+        <p:nvSpPr>
+          <p:cNvPr id="6" name="Slide Number Placeholder 5">
+            <a:extLst>
+              <a:ext uri="{FF2B5EF4-FFF2-40B4-BE49-F238E27FC236}">
+                <a16:creationId xmlns:a16="http://schemas.microsoft.com/office/drawing/2014/main" id="{F2A39FA3-9AE3-4689-A469-B7D2DFCCC2D9}"/>
+              </a:ext>
+            </a:extLst>
+          </p:cNvPr>
+          <p:cNvSpPr>
+            <a:spLocks noGrp="1"/>
+          </p:cNvSpPr>
+          <p:nvPr>
+            <p:ph type="sldNum" sz="quarter" idx="12"/>
+          </p:nvPr>
+        </p:nvSpPr>
+        <p:spPr>
+          <a:xfrm>
+            <a:off x="9658350" y="6356350"/>
+            <a:ext cx="1695450" cy="365125"/>
+          </a:xfrm>
+        </p:spPr>
+        <p:txBody>
+          <a:bodyPr/>
+          <a:lstStyle/>
+          <a:p>
+            <a:fld id="{A49DFD55-3C28-40EF-9E31-A92D2E4017FF}" type="slidenum">
+              <a:rPr lang="en-US" smtClean="0"/>
+              <a:pPr/>
+              <a:t>10</a:t>
+            </a:fld>
+            <a:endParaRPr lang="en-US" dirty="0"/>
+          </a:p>
+        </p:txBody>
+      </p:sp>
+      <p:sp>
+        <p:nvSpPr>
+          <p:cNvPr id="9" name="Subtitle 2">
+            <a:extLst>
+              <a:ext uri="{FF2B5EF4-FFF2-40B4-BE49-F238E27FC236}">
+                <a16:creationId xmlns:a16="http://schemas.microsoft.com/office/drawing/2014/main" id="{8EAC0D56-9F72-4BAA-ADB6-BCFD41F9B2B0}"/>
+              </a:ext>
+            </a:extLst>
+          </p:cNvPr>
+          <p:cNvSpPr txBox="1">
+            <a:spLocks/>
+          </p:cNvSpPr>
+          <p:nvPr/>
+        </p:nvSpPr>
+        <p:spPr>
+          <a:xfrm>
+            <a:off x="4676774" y="838450"/>
+            <a:ext cx="6696074" cy="1785356"/>
+          </a:xfrm>
+          <a:prstGeom prst="rect">
+            <a:avLst/>
+          </a:prstGeom>
+        </p:spPr>
+        <p:txBody>
+          <a:bodyPr vert="horz" lIns="91440" tIns="45720" rIns="91440" bIns="45720" rtlCol="0" anchor="b">
+            <a:normAutofit/>
+          </a:bodyPr>
+          <a:lstStyle>
+            <a:lvl1pPr marL="0" indent="0" algn="l" defTabSz="914400" rtl="0" eaLnBrk="1" latinLnBrk="0" hangingPunct="1">
+              <a:lnSpc>
+                <a:spcPct val="90000"/>
+              </a:lnSpc>
+              <a:spcBef>
+                <a:spcPts val="1000"/>
+              </a:spcBef>
+              <a:buFont typeface="Arial" panose="020B0604020202020204" pitchFamily="34" charset="0"/>
+              <a:buNone/>
+              <a:defRPr sz="1600" kern="1200">
+                <a:solidFill>
+                  <a:schemeClr val="bg2">
+                    <a:lumMod val="50000"/>
+                  </a:schemeClr>
+                </a:solidFill>
+                <a:latin typeface="+mn-lt"/>
+                <a:ea typeface="+mn-ea"/>
+                <a:cs typeface="+mn-cs"/>
+              </a:defRPr>
+            </a:lvl1pPr>
+            <a:lvl2pPr marL="457200" indent="0" algn="ctr" defTabSz="914400" rtl="0" eaLnBrk="1" latinLnBrk="0" hangingPunct="1">
+              <a:lnSpc>
+                <a:spcPct val="90000"/>
+              </a:lnSpc>
+              <a:spcBef>
+                <a:spcPts val="500"/>
+              </a:spcBef>
+              <a:buFont typeface="Arial" panose="020B0604020202020204" pitchFamily="34" charset="0"/>
+              <a:buNone/>
+              <a:defRPr sz="2000" kern="1200">
+                <a:solidFill>
+                  <a:schemeClr val="tx1"/>
+                </a:solidFill>
+                <a:latin typeface="+mn-lt"/>
+                <a:ea typeface="+mn-ea"/>
+                <a:cs typeface="+mn-cs"/>
+              </a:defRPr>
+            </a:lvl2pPr>
+            <a:lvl3pPr marL="914400" indent="0" algn="ctr" defTabSz="914400" rtl="0" eaLnBrk="1" latinLnBrk="0" hangingPunct="1">
+              <a:lnSpc>
+                <a:spcPct val="90000"/>
+              </a:lnSpc>
+              <a:spcBef>
+                <a:spcPts val="500"/>
+              </a:spcBef>
+              <a:buFont typeface="Arial" panose="020B0604020202020204" pitchFamily="34" charset="0"/>
+              <a:buNone/>
+              <a:defRPr sz="1800" kern="1200">
+                <a:solidFill>
+                  <a:schemeClr val="tx1"/>
+                </a:solidFill>
+                <a:latin typeface="+mn-lt"/>
+                <a:ea typeface="+mn-ea"/>
+                <a:cs typeface="+mn-cs"/>
+              </a:defRPr>
+            </a:lvl3pPr>
+            <a:lvl4pPr marL="1371600" indent="0" algn="ctr" defTabSz="914400" rtl="0" eaLnBrk="1" latinLnBrk="0" hangingPunct="1">
+              <a:lnSpc>
+                <a:spcPct val="90000"/>
+              </a:lnSpc>
+              <a:spcBef>
+                <a:spcPts val="500"/>
+              </a:spcBef>
+              <a:buFont typeface="Arial" panose="020B0604020202020204" pitchFamily="34" charset="0"/>
+              <a:buNone/>
+              <a:defRPr sz="1600" kern="1200">
+                <a:solidFill>
+                  <a:schemeClr val="tx1"/>
+                </a:solidFill>
+                <a:latin typeface="+mn-lt"/>
+                <a:ea typeface="+mn-ea"/>
+                <a:cs typeface="+mn-cs"/>
+              </a:defRPr>
+            </a:lvl4pPr>
+            <a:lvl5pPr marL="1828800" indent="0" algn="ctr" defTabSz="914400" rtl="0" eaLnBrk="1" latinLnBrk="0" hangingPunct="1">
+              <a:lnSpc>
+                <a:spcPct val="90000"/>
+              </a:lnSpc>
+              <a:spcBef>
+                <a:spcPts val="500"/>
+              </a:spcBef>
+              <a:buFont typeface="Arial" panose="020B0604020202020204" pitchFamily="34" charset="0"/>
+              <a:buNone/>
+              <a:defRPr sz="1600" kern="1200">
+                <a:solidFill>
+                  <a:schemeClr val="tx1"/>
+                </a:solidFill>
+                <a:latin typeface="+mn-lt"/>
+                <a:ea typeface="+mn-ea"/>
+                <a:cs typeface="+mn-cs"/>
+              </a:defRPr>
+            </a:lvl5pPr>
+            <a:lvl6pPr marL="2286000" indent="0" algn="ctr" defTabSz="914400" rtl="0" eaLnBrk="1" latinLnBrk="0" hangingPunct="1">
+              <a:lnSpc>
+                <a:spcPct val="90000"/>
+              </a:lnSpc>
+              <a:spcBef>
+                <a:spcPts val="500"/>
+              </a:spcBef>
+              <a:buFont typeface="Arial" panose="020B0604020202020204" pitchFamily="34" charset="0"/>
+              <a:buNone/>
+              <a:defRPr sz="1600" kern="1200">
+                <a:solidFill>
+                  <a:schemeClr val="tx1"/>
+                </a:solidFill>
+                <a:latin typeface="+mn-lt"/>
+                <a:ea typeface="+mn-ea"/>
+                <a:cs typeface="+mn-cs"/>
+              </a:defRPr>
+            </a:lvl6pPr>
+            <a:lvl7pPr marL="2743200" indent="0" algn="ctr" defTabSz="914400" rtl="0" eaLnBrk="1" latinLnBrk="0" hangingPunct="1">
+              <a:lnSpc>
+                <a:spcPct val="90000"/>
+              </a:lnSpc>
+              <a:spcBef>
+                <a:spcPts val="500"/>
+              </a:spcBef>
+              <a:buFont typeface="Arial" panose="020B0604020202020204" pitchFamily="34" charset="0"/>
+              <a:buNone/>
+              <a:defRPr sz="1600" kern="1200">
+                <a:solidFill>
+                  <a:schemeClr val="tx1"/>
+                </a:solidFill>
+                <a:latin typeface="+mn-lt"/>
+                <a:ea typeface="+mn-ea"/>
+                <a:cs typeface="+mn-cs"/>
+              </a:defRPr>
+            </a:lvl7pPr>
+            <a:lvl8pPr marL="3200400" indent="0" algn="ctr" defTabSz="914400" rtl="0" eaLnBrk="1" latinLnBrk="0" hangingPunct="1">
+              <a:lnSpc>
+                <a:spcPct val="90000"/>
+              </a:lnSpc>
+              <a:spcBef>
+                <a:spcPts val="500"/>
+              </a:spcBef>
+              <a:buFont typeface="Arial" panose="020B0604020202020204" pitchFamily="34" charset="0"/>
+              <a:buNone/>
+              <a:defRPr sz="1600" kern="1200">
+                <a:solidFill>
+                  <a:schemeClr val="tx1"/>
+                </a:solidFill>
+                <a:latin typeface="+mn-lt"/>
+                <a:ea typeface="+mn-ea"/>
+                <a:cs typeface="+mn-cs"/>
+              </a:defRPr>
+            </a:lvl8pPr>
+            <a:lvl9pPr marL="3657600" indent="0" algn="ctr" defTabSz="914400" rtl="0" eaLnBrk="1" latinLnBrk="0" hangingPunct="1">
+              <a:lnSpc>
+                <a:spcPct val="90000"/>
+              </a:lnSpc>
+              <a:spcBef>
+                <a:spcPts val="500"/>
+              </a:spcBef>
+              <a:buFont typeface="Arial" panose="020B0604020202020204" pitchFamily="34" charset="0"/>
+              <a:buNone/>
+              <a:defRPr sz="1600" kern="1200">
+                <a:solidFill>
+                  <a:schemeClr val="tx1"/>
+                </a:solidFill>
+                <a:latin typeface="+mn-lt"/>
+                <a:ea typeface="+mn-ea"/>
+                <a:cs typeface="+mn-cs"/>
+              </a:defRPr>
+            </a:lvl9pPr>
+          </a:lstStyle>
+          <a:p>
+            <a:r>
+              <a:rPr lang="en-US" sz="3200" b="1" dirty="0">
+                <a:solidFill>
+                  <a:srgbClr val="0070C0"/>
+                </a:solidFill>
+              </a:rPr>
+              <a:t>Project </a:t>
+            </a:r>
+            <a:r>
+              <a:rPr lang="en-US" sz="3200" b="1" dirty="0">
+                <a:solidFill>
+                  <a:schemeClr val="tx1"/>
+                </a:solidFill>
+              </a:rPr>
+              <a:t>Title:</a:t>
             </a:r>
           </a:p>
         </p:txBody>
@@ -10056,13 +10197,25 @@
     </p:spTree>
     <p:extLst>
       <p:ext uri="{BB962C8B-B14F-4D97-AF65-F5344CB8AC3E}">
-        <p14:creationId xmlns:p14="http://schemas.microsoft.com/office/powerpoint/2010/main" val="2406375029"/>
+        <p14:creationId xmlns:p14="http://schemas.microsoft.com/office/powerpoint/2010/main" val="744379741"/>
       </p:ext>
     </p:extLst>
   </p:cSld>
   <p:clrMapOvr>
     <a:masterClrMapping/>
   </p:clrMapOvr>
+  <mc:AlternateContent xmlns:mc="http://schemas.openxmlformats.org/markup-compatibility/2006">
+    <mc:Choice xmlns:p14="http://schemas.microsoft.com/office/powerpoint/2010/main" Requires="p14">
+      <p:transition spd="med" p14:dur="700">
+        <p:fade/>
+      </p:transition>
+    </mc:Choice>
+    <mc:Fallback>
+      <p:transition spd="med">
+        <p:fade/>
+      </p:transition>
+    </mc:Fallback>
+  </mc:AlternateContent>
 </p:sld>
 </file>
 
@@ -10088,253 +10241,21 @@
           <p:cNvPr id="2" name="Title 1">
             <a:extLst>
               <a:ext uri="{FF2B5EF4-FFF2-40B4-BE49-F238E27FC236}">
-                <a16:creationId xmlns:a16="http://schemas.microsoft.com/office/drawing/2014/main" id="{0A32731C-311B-46F7-A865-6C3AF6B09A47}"/>
-              </a:ext>
-            </a:extLst>
-          </p:cNvPr>
-          <p:cNvSpPr>
-            <a:spLocks noGrp="1"/>
-          </p:cNvSpPr>
-          <p:nvPr>
-            <p:ph type="title"/>
-          </p:nvPr>
-        </p:nvSpPr>
-        <p:spPr>
-          <a:xfrm>
-            <a:off x="838200" y="657030"/>
-            <a:ext cx="5111750" cy="1204912"/>
-          </a:xfrm>
-        </p:spPr>
-        <p:txBody>
-          <a:bodyPr>
-            <a:normAutofit/>
-          </a:bodyPr>
-          <a:lstStyle/>
-          <a:p>
-            <a:r>
-              <a:rPr lang="en-US" sz="3200" b="1" dirty="0">
-                <a:solidFill>
-                  <a:srgbClr val="0070C0"/>
-                </a:solidFill>
-              </a:rPr>
-              <a:t>Objectives</a:t>
-            </a:r>
-          </a:p>
-        </p:txBody>
-      </p:sp>
-      <p:sp>
-        <p:nvSpPr>
-          <p:cNvPr id="3" name="Text Placeholder 2">
-            <a:extLst>
-              <a:ext uri="{FF2B5EF4-FFF2-40B4-BE49-F238E27FC236}">
-                <a16:creationId xmlns:a16="http://schemas.microsoft.com/office/drawing/2014/main" id="{9D5232F9-FD00-464A-9F17-619C91AEF8F3}"/>
-              </a:ext>
-            </a:extLst>
-          </p:cNvPr>
-          <p:cNvSpPr>
-            <a:spLocks noGrp="1"/>
-          </p:cNvSpPr>
-          <p:nvPr>
-            <p:ph type="body" idx="1"/>
-          </p:nvPr>
-        </p:nvSpPr>
-        <p:spPr>
-          <a:xfrm>
-            <a:off x="1039247" y="2202016"/>
-            <a:ext cx="6328906" cy="3284384"/>
-          </a:xfrm>
-        </p:spPr>
-        <p:txBody>
-          <a:bodyPr>
-            <a:normAutofit/>
-          </a:bodyPr>
-          <a:lstStyle/>
-          <a:p>
-            <a:pPr marL="457200" rtl="0" fontAlgn="base">
-              <a:spcBef>
-                <a:spcPts val="0"/>
-              </a:spcBef>
-              <a:spcAft>
-                <a:spcPts val="0"/>
-              </a:spcAft>
-              <a:buFont typeface="+mj-lt"/>
-              <a:buAutoNum type="arabicPeriod"/>
-            </a:pPr>
-            <a:r>
-              <a:rPr lang="en-US" sz="1800" b="0" i="0" u="none" strike="noStrike" dirty="0">
-                <a:solidFill>
-                  <a:srgbClr val="000000"/>
-                </a:solidFill>
-                <a:effectLst/>
-                <a:latin typeface="Arial" panose="020B0604020202020204" pitchFamily="34" charset="0"/>
-              </a:rPr>
-              <a:t> A more responsible Motorist.</a:t>
-            </a:r>
-          </a:p>
-          <a:p>
-            <a:pPr marL="457200" rtl="0" fontAlgn="base">
-              <a:spcBef>
-                <a:spcPts val="0"/>
-              </a:spcBef>
-              <a:spcAft>
-                <a:spcPts val="0"/>
-              </a:spcAft>
-              <a:buFont typeface="+mj-lt"/>
-              <a:buAutoNum type="arabicPeriod"/>
-            </a:pPr>
-            <a:endParaRPr lang="en-US" sz="1800" b="0" i="0" u="none" strike="noStrike" dirty="0">
-              <a:solidFill>
-                <a:srgbClr val="000000"/>
-              </a:solidFill>
-              <a:effectLst/>
-              <a:latin typeface="Arial" panose="020B0604020202020204" pitchFamily="34" charset="0"/>
-            </a:endParaRPr>
-          </a:p>
-          <a:p>
-            <a:pPr marL="457200" rtl="0" fontAlgn="base">
-              <a:spcBef>
-                <a:spcPts val="0"/>
-              </a:spcBef>
-              <a:spcAft>
-                <a:spcPts val="0"/>
-              </a:spcAft>
-              <a:buFont typeface="+mj-lt"/>
-              <a:buAutoNum type="arabicPeriod"/>
-            </a:pPr>
-            <a:r>
-              <a:rPr lang="en-US" sz="1800" b="0" i="0" u="none" strike="noStrike" dirty="0">
-                <a:solidFill>
-                  <a:srgbClr val="000000"/>
-                </a:solidFill>
-                <a:effectLst/>
-                <a:latin typeface="Arial" panose="020B0604020202020204" pitchFamily="34" charset="0"/>
-              </a:rPr>
-              <a:t> Improved Defensive Driving Skills and Attitude.</a:t>
-            </a:r>
-          </a:p>
-          <a:p>
-            <a:pPr marL="457200" rtl="0" fontAlgn="base">
-              <a:spcBef>
-                <a:spcPts val="0"/>
-              </a:spcBef>
-              <a:spcAft>
-                <a:spcPts val="0"/>
-              </a:spcAft>
-              <a:buFont typeface="+mj-lt"/>
-              <a:buAutoNum type="arabicPeriod"/>
-            </a:pPr>
-            <a:endParaRPr lang="en-US" sz="1800" b="0" i="0" u="none" strike="noStrike" dirty="0">
-              <a:solidFill>
-                <a:srgbClr val="000000"/>
-              </a:solidFill>
-              <a:effectLst/>
-              <a:latin typeface="Arial" panose="020B0604020202020204" pitchFamily="34" charset="0"/>
-            </a:endParaRPr>
-          </a:p>
-          <a:p>
-            <a:pPr marL="457200" rtl="0" fontAlgn="base">
-              <a:spcBef>
-                <a:spcPts val="0"/>
-              </a:spcBef>
-              <a:spcAft>
-                <a:spcPts val="0"/>
-              </a:spcAft>
-              <a:buFont typeface="+mj-lt"/>
-              <a:buAutoNum type="arabicPeriod"/>
-            </a:pPr>
-            <a:r>
-              <a:rPr lang="en-US" sz="1800" b="0" i="0" u="none" strike="noStrike" dirty="0">
-                <a:solidFill>
-                  <a:srgbClr val="000000"/>
-                </a:solidFill>
-                <a:effectLst/>
-                <a:latin typeface="Arial" panose="020B0604020202020204" pitchFamily="34" charset="0"/>
-              </a:rPr>
-              <a:t> A well-rounded motorist with Exemplary       		Situational Awareness in times of distress, 	accidents, and road rage. </a:t>
-            </a:r>
-            <a:endParaRPr lang="en-US" sz="1800" dirty="0">
-              <a:solidFill>
-                <a:srgbClr val="000000"/>
-              </a:solidFill>
-              <a:latin typeface="Arial" panose="020B0604020202020204" pitchFamily="34" charset="0"/>
-            </a:endParaRPr>
-          </a:p>
-          <a:p>
-            <a:pPr marL="457200" rtl="0" fontAlgn="base">
-              <a:spcBef>
-                <a:spcPts val="0"/>
-              </a:spcBef>
-              <a:spcAft>
-                <a:spcPts val="0"/>
-              </a:spcAft>
-              <a:buFont typeface="+mj-lt"/>
-              <a:buAutoNum type="arabicPeriod"/>
-            </a:pPr>
-            <a:endParaRPr lang="en-US" sz="1800" b="0" i="0" u="none" strike="noStrike" dirty="0">
-              <a:solidFill>
-                <a:srgbClr val="000000"/>
-              </a:solidFill>
-              <a:effectLst/>
-              <a:latin typeface="Arial" panose="020B0604020202020204" pitchFamily="34" charset="0"/>
-            </a:endParaRPr>
-          </a:p>
-          <a:p>
-            <a:pPr marL="457200" rtl="0" fontAlgn="base">
-              <a:spcBef>
-                <a:spcPts val="0"/>
-              </a:spcBef>
-              <a:spcAft>
-                <a:spcPts val="0"/>
-              </a:spcAft>
-              <a:buFont typeface="+mj-lt"/>
-              <a:buAutoNum type="arabicPeriod"/>
-            </a:pPr>
-            <a:r>
-              <a:rPr lang="en-US" sz="1800" b="0" i="0" u="none" strike="noStrike" dirty="0">
-                <a:solidFill>
-                  <a:srgbClr val="000000"/>
-                </a:solidFill>
-                <a:effectLst/>
-                <a:latin typeface="Arial" panose="020B0604020202020204" pitchFamily="34" charset="0"/>
-              </a:rPr>
-              <a:t> A motorist with good morals and set an example 	for road users. </a:t>
-            </a:r>
-          </a:p>
-          <a:p>
-            <a:pPr marL="285750" indent="-285750" rtl="0">
-              <a:spcBef>
-                <a:spcPts val="0"/>
-              </a:spcBef>
-              <a:spcAft>
-                <a:spcPts val="0"/>
-              </a:spcAft>
-              <a:buFont typeface="Arial" panose="020B0604020202020204" pitchFamily="34" charset="0"/>
-              <a:buChar char="•"/>
-            </a:pPr>
-            <a:endParaRPr lang="en-US" dirty="0"/>
-          </a:p>
-        </p:txBody>
-      </p:sp>
-      <p:sp>
-        <p:nvSpPr>
-          <p:cNvPr id="4" name="Date Placeholder 3">
-            <a:extLst>
-              <a:ext uri="{FF2B5EF4-FFF2-40B4-BE49-F238E27FC236}">
-                <a16:creationId xmlns:a16="http://schemas.microsoft.com/office/drawing/2014/main" id="{70E12647-CCB2-45E2-A9CB-A868F490497E}"/>
-              </a:ext>
-            </a:extLst>
-          </p:cNvPr>
-          <p:cNvSpPr>
-            <a:spLocks noGrp="1"/>
-          </p:cNvSpPr>
-          <p:nvPr>
-            <p:ph type="dt" sz="half" idx="10"/>
-          </p:nvPr>
-        </p:nvSpPr>
-        <p:spPr>
-          <a:xfrm>
-            <a:off x="838200" y="6356350"/>
-            <a:ext cx="1219200" cy="365125"/>
+                <a16:creationId xmlns:a16="http://schemas.microsoft.com/office/drawing/2014/main" id="{B1FE5F11-B7B9-4B80-8C6A-A8A7A7190B77}"/>
+              </a:ext>
+            </a:extLst>
+          </p:cNvPr>
+          <p:cNvSpPr>
+            <a:spLocks noGrp="1"/>
+          </p:cNvSpPr>
+          <p:nvPr>
+            <p:ph type="ctrTitle"/>
+          </p:nvPr>
+        </p:nvSpPr>
+        <p:spPr>
+          <a:xfrm>
+            <a:off x="6991350" y="2148840"/>
+            <a:ext cx="4179570" cy="1715531"/>
           </a:xfrm>
         </p:spPr>
         <p:txBody>
@@ -10343,89 +10264,33 @@
           <a:p>
             <a:r>
               <a:rPr lang="en-US" dirty="0"/>
-              <a:t>20XX</a:t>
-            </a:r>
-          </a:p>
-        </p:txBody>
-      </p:sp>
-      <p:sp>
-        <p:nvSpPr>
-          <p:cNvPr id="5" name="Footer Placeholder 4">
-            <a:extLst>
-              <a:ext uri="{FF2B5EF4-FFF2-40B4-BE49-F238E27FC236}">
-                <a16:creationId xmlns:a16="http://schemas.microsoft.com/office/drawing/2014/main" id="{8D51ED20-04D4-4894-B0C2-9C541A61A734}"/>
-              </a:ext>
-            </a:extLst>
-          </p:cNvPr>
-          <p:cNvSpPr>
-            <a:spLocks noGrp="1"/>
-          </p:cNvSpPr>
-          <p:nvPr>
-            <p:ph type="ftr" sz="quarter" idx="11"/>
-          </p:nvPr>
-        </p:nvSpPr>
-        <p:spPr>
-          <a:xfrm>
-            <a:off x="2463800" y="6356350"/>
-            <a:ext cx="3479800" cy="365125"/>
-          </a:xfrm>
-        </p:spPr>
-        <p:txBody>
-          <a:bodyPr/>
-          <a:lstStyle/>
-          <a:p>
-            <a:r>
-              <a:rPr lang="en-US" dirty="0"/>
-              <a:t>PRESENTATION TITLE</a:t>
-            </a:r>
-          </a:p>
-        </p:txBody>
-      </p:sp>
-      <p:sp>
-        <p:nvSpPr>
-          <p:cNvPr id="6" name="Slide Number Placeholder 5">
-            <a:extLst>
-              <a:ext uri="{FF2B5EF4-FFF2-40B4-BE49-F238E27FC236}">
-                <a16:creationId xmlns:a16="http://schemas.microsoft.com/office/drawing/2014/main" id="{7BC1787E-7110-4989-B0B8-DD4E0ACC09DF}"/>
-              </a:ext>
-            </a:extLst>
-          </p:cNvPr>
-          <p:cNvSpPr>
-            <a:spLocks noGrp="1"/>
-          </p:cNvSpPr>
-          <p:nvPr>
-            <p:ph type="sldNum" sz="quarter" idx="12"/>
-          </p:nvPr>
-        </p:nvSpPr>
-        <p:spPr>
-          <a:xfrm>
-            <a:off x="8610600" y="6356350"/>
-            <a:ext cx="2743200" cy="365125"/>
-          </a:xfrm>
-        </p:spPr>
-        <p:txBody>
-          <a:bodyPr/>
-          <a:lstStyle/>
-          <a:p>
-            <a:fld id="{A49DFD55-3C28-40EF-9E31-A92D2E4017FF}" type="slidenum">
-              <a:rPr lang="en-US" smtClean="0"/>
-              <a:pPr/>
-              <a:t>11</a:t>
-            </a:fld>
-            <a:endParaRPr lang="en-US" dirty="0"/>
+              <a:t>Objectives</a:t>
+            </a:r>
           </a:p>
         </p:txBody>
       </p:sp>
     </p:spTree>
     <p:extLst>
       <p:ext uri="{BB962C8B-B14F-4D97-AF65-F5344CB8AC3E}">
-        <p14:creationId xmlns:p14="http://schemas.microsoft.com/office/powerpoint/2010/main" val="2350219631"/>
+        <p14:creationId xmlns:p14="http://schemas.microsoft.com/office/powerpoint/2010/main" val="2406375029"/>
       </p:ext>
     </p:extLst>
   </p:cSld>
   <p:clrMapOvr>
     <a:masterClrMapping/>
   </p:clrMapOvr>
+  <mc:AlternateContent xmlns:mc="http://schemas.openxmlformats.org/markup-compatibility/2006">
+    <mc:Choice xmlns:p14="http://schemas.microsoft.com/office/powerpoint/2010/main" Requires="p14">
+      <p:transition spd="med" p14:dur="700">
+        <p:fade/>
+      </p:transition>
+    </mc:Choice>
+    <mc:Fallback>
+      <p:transition spd="med">
+        <p:fade/>
+      </p:transition>
+    </mc:Fallback>
+  </mc:AlternateContent>
 </p:sld>
 </file>
 
@@ -10451,21 +10316,253 @@
           <p:cNvPr id="2" name="Title 1">
             <a:extLst>
               <a:ext uri="{FF2B5EF4-FFF2-40B4-BE49-F238E27FC236}">
-                <a16:creationId xmlns:a16="http://schemas.microsoft.com/office/drawing/2014/main" id="{B1FE5F11-B7B9-4B80-8C6A-A8A7A7190B77}"/>
-              </a:ext>
-            </a:extLst>
-          </p:cNvPr>
-          <p:cNvSpPr>
-            <a:spLocks noGrp="1"/>
-          </p:cNvSpPr>
-          <p:nvPr>
-            <p:ph type="ctrTitle"/>
-          </p:nvPr>
-        </p:nvSpPr>
-        <p:spPr>
-          <a:xfrm>
-            <a:off x="6991350" y="2148840"/>
-            <a:ext cx="4179570" cy="1715531"/>
+                <a16:creationId xmlns:a16="http://schemas.microsoft.com/office/drawing/2014/main" id="{0A32731C-311B-46F7-A865-6C3AF6B09A47}"/>
+              </a:ext>
+            </a:extLst>
+          </p:cNvPr>
+          <p:cNvSpPr>
+            <a:spLocks noGrp="1"/>
+          </p:cNvSpPr>
+          <p:nvPr>
+            <p:ph type="title"/>
+          </p:nvPr>
+        </p:nvSpPr>
+        <p:spPr>
+          <a:xfrm>
+            <a:off x="838200" y="657030"/>
+            <a:ext cx="5111750" cy="1204912"/>
+          </a:xfrm>
+        </p:spPr>
+        <p:txBody>
+          <a:bodyPr>
+            <a:normAutofit/>
+          </a:bodyPr>
+          <a:lstStyle/>
+          <a:p>
+            <a:r>
+              <a:rPr lang="en-US" sz="3200" b="1" dirty="0">
+                <a:solidFill>
+                  <a:srgbClr val="0070C0"/>
+                </a:solidFill>
+              </a:rPr>
+              <a:t>Objectives</a:t>
+            </a:r>
+          </a:p>
+        </p:txBody>
+      </p:sp>
+      <p:sp>
+        <p:nvSpPr>
+          <p:cNvPr id="3" name="Text Placeholder 2">
+            <a:extLst>
+              <a:ext uri="{FF2B5EF4-FFF2-40B4-BE49-F238E27FC236}">
+                <a16:creationId xmlns:a16="http://schemas.microsoft.com/office/drawing/2014/main" id="{9D5232F9-FD00-464A-9F17-619C91AEF8F3}"/>
+              </a:ext>
+            </a:extLst>
+          </p:cNvPr>
+          <p:cNvSpPr>
+            <a:spLocks noGrp="1"/>
+          </p:cNvSpPr>
+          <p:nvPr>
+            <p:ph type="body" idx="1"/>
+          </p:nvPr>
+        </p:nvSpPr>
+        <p:spPr>
+          <a:xfrm>
+            <a:off x="1039247" y="2202016"/>
+            <a:ext cx="6328906" cy="3284384"/>
+          </a:xfrm>
+        </p:spPr>
+        <p:txBody>
+          <a:bodyPr>
+            <a:normAutofit/>
+          </a:bodyPr>
+          <a:lstStyle/>
+          <a:p>
+            <a:pPr marL="457200" rtl="0" fontAlgn="base">
+              <a:spcBef>
+                <a:spcPts val="0"/>
+              </a:spcBef>
+              <a:spcAft>
+                <a:spcPts val="0"/>
+              </a:spcAft>
+              <a:buFont typeface="+mj-lt"/>
+              <a:buAutoNum type="arabicPeriod"/>
+            </a:pPr>
+            <a:r>
+              <a:rPr lang="en-US" sz="1800" b="0" i="0" u="none" strike="noStrike" dirty="0">
+                <a:solidFill>
+                  <a:srgbClr val="000000"/>
+                </a:solidFill>
+                <a:effectLst/>
+                <a:latin typeface="Arial" panose="020B0604020202020204" pitchFamily="34" charset="0"/>
+              </a:rPr>
+              <a:t> A more responsible Motorist.</a:t>
+            </a:r>
+          </a:p>
+          <a:p>
+            <a:pPr marL="457200" rtl="0" fontAlgn="base">
+              <a:spcBef>
+                <a:spcPts val="0"/>
+              </a:spcBef>
+              <a:spcAft>
+                <a:spcPts val="0"/>
+              </a:spcAft>
+              <a:buFont typeface="+mj-lt"/>
+              <a:buAutoNum type="arabicPeriod"/>
+            </a:pPr>
+            <a:endParaRPr lang="en-US" sz="1800" b="0" i="0" u="none" strike="noStrike" dirty="0">
+              <a:solidFill>
+                <a:srgbClr val="000000"/>
+              </a:solidFill>
+              <a:effectLst/>
+              <a:latin typeface="Arial" panose="020B0604020202020204" pitchFamily="34" charset="0"/>
+            </a:endParaRPr>
+          </a:p>
+          <a:p>
+            <a:pPr marL="457200" rtl="0" fontAlgn="base">
+              <a:spcBef>
+                <a:spcPts val="0"/>
+              </a:spcBef>
+              <a:spcAft>
+                <a:spcPts val="0"/>
+              </a:spcAft>
+              <a:buFont typeface="+mj-lt"/>
+              <a:buAutoNum type="arabicPeriod"/>
+            </a:pPr>
+            <a:r>
+              <a:rPr lang="en-US" sz="1800" b="0" i="0" u="none" strike="noStrike" dirty="0">
+                <a:solidFill>
+                  <a:srgbClr val="000000"/>
+                </a:solidFill>
+                <a:effectLst/>
+                <a:latin typeface="Arial" panose="020B0604020202020204" pitchFamily="34" charset="0"/>
+              </a:rPr>
+              <a:t> Improved Defensive Driving Skills and Attitude.</a:t>
+            </a:r>
+          </a:p>
+          <a:p>
+            <a:pPr marL="457200" rtl="0" fontAlgn="base">
+              <a:spcBef>
+                <a:spcPts val="0"/>
+              </a:spcBef>
+              <a:spcAft>
+                <a:spcPts val="0"/>
+              </a:spcAft>
+              <a:buFont typeface="+mj-lt"/>
+              <a:buAutoNum type="arabicPeriod"/>
+            </a:pPr>
+            <a:endParaRPr lang="en-US" sz="1800" b="0" i="0" u="none" strike="noStrike" dirty="0">
+              <a:solidFill>
+                <a:srgbClr val="000000"/>
+              </a:solidFill>
+              <a:effectLst/>
+              <a:latin typeface="Arial" panose="020B0604020202020204" pitchFamily="34" charset="0"/>
+            </a:endParaRPr>
+          </a:p>
+          <a:p>
+            <a:pPr marL="457200" rtl="0" fontAlgn="base">
+              <a:spcBef>
+                <a:spcPts val="0"/>
+              </a:spcBef>
+              <a:spcAft>
+                <a:spcPts val="0"/>
+              </a:spcAft>
+              <a:buFont typeface="+mj-lt"/>
+              <a:buAutoNum type="arabicPeriod"/>
+            </a:pPr>
+            <a:r>
+              <a:rPr lang="en-US" sz="1800" b="0" i="0" u="none" strike="noStrike" dirty="0">
+                <a:solidFill>
+                  <a:srgbClr val="000000"/>
+                </a:solidFill>
+                <a:effectLst/>
+                <a:latin typeface="Arial" panose="020B0604020202020204" pitchFamily="34" charset="0"/>
+              </a:rPr>
+              <a:t> A well-rounded motorist with Exemplary       		Situational Awareness in times of distress, 	accidents, and road rage. </a:t>
+            </a:r>
+            <a:endParaRPr lang="en-US" sz="1800" dirty="0">
+              <a:solidFill>
+                <a:srgbClr val="000000"/>
+              </a:solidFill>
+              <a:latin typeface="Arial" panose="020B0604020202020204" pitchFamily="34" charset="0"/>
+            </a:endParaRPr>
+          </a:p>
+          <a:p>
+            <a:pPr marL="457200" rtl="0" fontAlgn="base">
+              <a:spcBef>
+                <a:spcPts val="0"/>
+              </a:spcBef>
+              <a:spcAft>
+                <a:spcPts val="0"/>
+              </a:spcAft>
+              <a:buFont typeface="+mj-lt"/>
+              <a:buAutoNum type="arabicPeriod"/>
+            </a:pPr>
+            <a:endParaRPr lang="en-US" sz="1800" b="0" i="0" u="none" strike="noStrike" dirty="0">
+              <a:solidFill>
+                <a:srgbClr val="000000"/>
+              </a:solidFill>
+              <a:effectLst/>
+              <a:latin typeface="Arial" panose="020B0604020202020204" pitchFamily="34" charset="0"/>
+            </a:endParaRPr>
+          </a:p>
+          <a:p>
+            <a:pPr marL="457200" rtl="0" fontAlgn="base">
+              <a:spcBef>
+                <a:spcPts val="0"/>
+              </a:spcBef>
+              <a:spcAft>
+                <a:spcPts val="0"/>
+              </a:spcAft>
+              <a:buFont typeface="+mj-lt"/>
+              <a:buAutoNum type="arabicPeriod"/>
+            </a:pPr>
+            <a:r>
+              <a:rPr lang="en-US" sz="1800" b="0" i="0" u="none" strike="noStrike" dirty="0">
+                <a:solidFill>
+                  <a:srgbClr val="000000"/>
+                </a:solidFill>
+                <a:effectLst/>
+                <a:latin typeface="Arial" panose="020B0604020202020204" pitchFamily="34" charset="0"/>
+              </a:rPr>
+              <a:t> A motorist with good morals and set an example 	for road users. </a:t>
+            </a:r>
+          </a:p>
+          <a:p>
+            <a:pPr marL="285750" indent="-285750" rtl="0">
+              <a:spcBef>
+                <a:spcPts val="0"/>
+              </a:spcBef>
+              <a:spcAft>
+                <a:spcPts val="0"/>
+              </a:spcAft>
+              <a:buFont typeface="Arial" panose="020B0604020202020204" pitchFamily="34" charset="0"/>
+              <a:buChar char="•"/>
+            </a:pPr>
+            <a:endParaRPr lang="en-US" dirty="0"/>
+          </a:p>
+        </p:txBody>
+      </p:sp>
+      <p:sp>
+        <p:nvSpPr>
+          <p:cNvPr id="4" name="Date Placeholder 3">
+            <a:extLst>
+              <a:ext uri="{FF2B5EF4-FFF2-40B4-BE49-F238E27FC236}">
+                <a16:creationId xmlns:a16="http://schemas.microsoft.com/office/drawing/2014/main" id="{70E12647-CCB2-45E2-A9CB-A868F490497E}"/>
+              </a:ext>
+            </a:extLst>
+          </p:cNvPr>
+          <p:cNvSpPr>
+            <a:spLocks noGrp="1"/>
+          </p:cNvSpPr>
+          <p:nvPr>
+            <p:ph type="dt" sz="half" idx="10"/>
+          </p:nvPr>
+        </p:nvSpPr>
+        <p:spPr>
+          <a:xfrm>
+            <a:off x="838200" y="6356350"/>
+            <a:ext cx="1219200" cy="365125"/>
           </a:xfrm>
         </p:spPr>
         <p:txBody>
@@ -10474,21 +10571,101 @@
           <a:p>
             <a:r>
               <a:rPr lang="en-US" dirty="0"/>
-              <a:t>Target Users</a:t>
-            </a:r>
+              <a:t>20XX</a:t>
+            </a:r>
+          </a:p>
+        </p:txBody>
+      </p:sp>
+      <p:sp>
+        <p:nvSpPr>
+          <p:cNvPr id="5" name="Footer Placeholder 4">
+            <a:extLst>
+              <a:ext uri="{FF2B5EF4-FFF2-40B4-BE49-F238E27FC236}">
+                <a16:creationId xmlns:a16="http://schemas.microsoft.com/office/drawing/2014/main" id="{8D51ED20-04D4-4894-B0C2-9C541A61A734}"/>
+              </a:ext>
+            </a:extLst>
+          </p:cNvPr>
+          <p:cNvSpPr>
+            <a:spLocks noGrp="1"/>
+          </p:cNvSpPr>
+          <p:nvPr>
+            <p:ph type="ftr" sz="quarter" idx="11"/>
+          </p:nvPr>
+        </p:nvSpPr>
+        <p:spPr>
+          <a:xfrm>
+            <a:off x="2463800" y="6356350"/>
+            <a:ext cx="3479800" cy="365125"/>
+          </a:xfrm>
+        </p:spPr>
+        <p:txBody>
+          <a:bodyPr/>
+          <a:lstStyle/>
+          <a:p>
+            <a:r>
+              <a:rPr lang="en-US" dirty="0"/>
+              <a:t>PRESENTATION TITLE</a:t>
+            </a:r>
+          </a:p>
+        </p:txBody>
+      </p:sp>
+      <p:sp>
+        <p:nvSpPr>
+          <p:cNvPr id="6" name="Slide Number Placeholder 5">
+            <a:extLst>
+              <a:ext uri="{FF2B5EF4-FFF2-40B4-BE49-F238E27FC236}">
+                <a16:creationId xmlns:a16="http://schemas.microsoft.com/office/drawing/2014/main" id="{7BC1787E-7110-4989-B0B8-DD4E0ACC09DF}"/>
+              </a:ext>
+            </a:extLst>
+          </p:cNvPr>
+          <p:cNvSpPr>
+            <a:spLocks noGrp="1"/>
+          </p:cNvSpPr>
+          <p:nvPr>
+            <p:ph type="sldNum" sz="quarter" idx="12"/>
+          </p:nvPr>
+        </p:nvSpPr>
+        <p:spPr>
+          <a:xfrm>
+            <a:off x="8610600" y="6356350"/>
+            <a:ext cx="2743200" cy="365125"/>
+          </a:xfrm>
+        </p:spPr>
+        <p:txBody>
+          <a:bodyPr/>
+          <a:lstStyle/>
+          <a:p>
+            <a:fld id="{A49DFD55-3C28-40EF-9E31-A92D2E4017FF}" type="slidenum">
+              <a:rPr lang="en-US" smtClean="0"/>
+              <a:pPr/>
+              <a:t>12</a:t>
+            </a:fld>
+            <a:endParaRPr lang="en-US" dirty="0"/>
           </a:p>
         </p:txBody>
       </p:sp>
     </p:spTree>
     <p:extLst>
       <p:ext uri="{BB962C8B-B14F-4D97-AF65-F5344CB8AC3E}">
-        <p14:creationId xmlns:p14="http://schemas.microsoft.com/office/powerpoint/2010/main" val="1944942648"/>
+        <p14:creationId xmlns:p14="http://schemas.microsoft.com/office/powerpoint/2010/main" val="2350219631"/>
       </p:ext>
     </p:extLst>
   </p:cSld>
   <p:clrMapOvr>
     <a:masterClrMapping/>
   </p:clrMapOvr>
+  <mc:AlternateContent xmlns:mc="http://schemas.openxmlformats.org/markup-compatibility/2006">
+    <mc:Choice xmlns:p14="http://schemas.microsoft.com/office/powerpoint/2010/main" Requires="p14">
+      <p:transition spd="med" p14:dur="700">
+        <p:fade/>
+      </p:transition>
+    </mc:Choice>
+    <mc:Fallback>
+      <p:transition spd="med">
+        <p:fade/>
+      </p:transition>
+    </mc:Fallback>
+  </mc:AlternateContent>
 </p:sld>
 </file>
 
@@ -10514,306 +10691,21 @@
           <p:cNvPr id="2" name="Title 1">
             <a:extLst>
               <a:ext uri="{FF2B5EF4-FFF2-40B4-BE49-F238E27FC236}">
-                <a16:creationId xmlns:a16="http://schemas.microsoft.com/office/drawing/2014/main" id="{0A32731C-311B-46F7-A865-6C3AF6B09A47}"/>
-              </a:ext>
-            </a:extLst>
-          </p:cNvPr>
-          <p:cNvSpPr>
-            <a:spLocks noGrp="1"/>
-          </p:cNvSpPr>
-          <p:nvPr>
-            <p:ph type="title"/>
-          </p:nvPr>
-        </p:nvSpPr>
-        <p:spPr>
-          <a:xfrm>
-            <a:off x="838200" y="657030"/>
-            <a:ext cx="5111750" cy="1204912"/>
-          </a:xfrm>
-        </p:spPr>
-        <p:txBody>
-          <a:bodyPr>
-            <a:normAutofit/>
-          </a:bodyPr>
-          <a:lstStyle/>
-          <a:p>
-            <a:r>
-              <a:rPr lang="en-US" sz="3200" b="1" dirty="0">
-                <a:solidFill>
-                  <a:srgbClr val="0070C0"/>
-                </a:solidFill>
-              </a:rPr>
-              <a:t>Target Users</a:t>
-            </a:r>
-          </a:p>
-        </p:txBody>
-      </p:sp>
-      <p:sp>
-        <p:nvSpPr>
-          <p:cNvPr id="3" name="Text Placeholder 2">
-            <a:extLst>
-              <a:ext uri="{FF2B5EF4-FFF2-40B4-BE49-F238E27FC236}">
-                <a16:creationId xmlns:a16="http://schemas.microsoft.com/office/drawing/2014/main" id="{9D5232F9-FD00-464A-9F17-619C91AEF8F3}"/>
-              </a:ext>
-            </a:extLst>
-          </p:cNvPr>
-          <p:cNvSpPr>
-            <a:spLocks noGrp="1"/>
-          </p:cNvSpPr>
-          <p:nvPr>
-            <p:ph type="body" idx="1"/>
-          </p:nvPr>
-        </p:nvSpPr>
-        <p:spPr>
-          <a:xfrm>
-            <a:off x="1039247" y="2202016"/>
-            <a:ext cx="6751942" cy="2557874"/>
-          </a:xfrm>
-        </p:spPr>
-        <p:txBody>
-          <a:bodyPr>
-            <a:normAutofit lnSpcReduction="10000"/>
-          </a:bodyPr>
-          <a:lstStyle/>
-          <a:p>
-            <a:pPr rtl="0" fontAlgn="base">
-              <a:spcBef>
-                <a:spcPts val="0"/>
-              </a:spcBef>
-              <a:spcAft>
-                <a:spcPts val="0"/>
-              </a:spcAft>
-              <a:buFont typeface="+mj-lt"/>
-              <a:buAutoNum type="arabicPeriod"/>
-            </a:pPr>
-            <a:r>
-              <a:rPr lang="en-US" sz="1800" b="0" i="0" u="none" strike="noStrike" dirty="0">
-                <a:solidFill>
-                  <a:srgbClr val="000000"/>
-                </a:solidFill>
-                <a:effectLst/>
-                <a:latin typeface="Arial" panose="020B0604020202020204" pitchFamily="34" charset="0"/>
-              </a:rPr>
-              <a:t> Motorcycle Users</a:t>
-            </a:r>
-          </a:p>
-          <a:p>
-            <a:pPr rtl="0" fontAlgn="base">
-              <a:spcBef>
-                <a:spcPts val="0"/>
-              </a:spcBef>
-              <a:spcAft>
-                <a:spcPts val="0"/>
-              </a:spcAft>
-              <a:buFont typeface="+mj-lt"/>
-              <a:buAutoNum type="arabicPeriod"/>
-            </a:pPr>
-            <a:endParaRPr lang="en-US" sz="1800" b="0" i="0" u="none" strike="noStrike" dirty="0">
-              <a:solidFill>
-                <a:srgbClr val="000000"/>
-              </a:solidFill>
-              <a:effectLst/>
-              <a:latin typeface="Arial" panose="020B0604020202020204" pitchFamily="34" charset="0"/>
-            </a:endParaRPr>
-          </a:p>
-          <a:p>
-            <a:pPr rtl="0" fontAlgn="base">
-              <a:spcBef>
-                <a:spcPts val="0"/>
-              </a:spcBef>
-              <a:spcAft>
-                <a:spcPts val="0"/>
-              </a:spcAft>
-              <a:buFont typeface="+mj-lt"/>
-              <a:buAutoNum type="arabicPeriod"/>
-            </a:pPr>
-            <a:r>
-              <a:rPr lang="en-US" sz="1800" b="0" i="0" u="none" strike="noStrike" dirty="0">
-                <a:solidFill>
-                  <a:srgbClr val="000000"/>
-                </a:solidFill>
-                <a:effectLst/>
-                <a:latin typeface="Arial" panose="020B0604020202020204" pitchFamily="34" charset="0"/>
-              </a:rPr>
-              <a:t> Private Vehicle Drivers</a:t>
-            </a:r>
-          </a:p>
-          <a:p>
-            <a:pPr rtl="0" fontAlgn="base">
-              <a:spcBef>
-                <a:spcPts val="0"/>
-              </a:spcBef>
-              <a:spcAft>
-                <a:spcPts val="0"/>
-              </a:spcAft>
-              <a:buFont typeface="+mj-lt"/>
-              <a:buAutoNum type="arabicPeriod"/>
-            </a:pPr>
-            <a:endParaRPr lang="en-US" sz="1800" b="0" i="0" u="none" strike="noStrike" dirty="0">
-              <a:solidFill>
-                <a:srgbClr val="000000"/>
-              </a:solidFill>
-              <a:effectLst/>
-              <a:latin typeface="Arial" panose="020B0604020202020204" pitchFamily="34" charset="0"/>
-            </a:endParaRPr>
-          </a:p>
-          <a:p>
-            <a:pPr rtl="0" fontAlgn="base">
-              <a:spcBef>
-                <a:spcPts val="0"/>
-              </a:spcBef>
-              <a:spcAft>
-                <a:spcPts val="0"/>
-              </a:spcAft>
-              <a:buFont typeface="+mj-lt"/>
-              <a:buAutoNum type="arabicPeriod"/>
-            </a:pPr>
-            <a:r>
-              <a:rPr lang="en-US" sz="1800" b="0" i="0" u="none" strike="noStrike" dirty="0">
-                <a:solidFill>
-                  <a:srgbClr val="000000"/>
-                </a:solidFill>
-                <a:effectLst/>
-                <a:latin typeface="Arial" panose="020B0604020202020204" pitchFamily="34" charset="0"/>
-              </a:rPr>
-              <a:t> Public Utility Vehicle Drivers</a:t>
-            </a:r>
-          </a:p>
-          <a:p>
-            <a:pPr rtl="0" fontAlgn="base">
-              <a:spcBef>
-                <a:spcPts val="0"/>
-              </a:spcBef>
-              <a:spcAft>
-                <a:spcPts val="0"/>
-              </a:spcAft>
-              <a:buFont typeface="+mj-lt"/>
-              <a:buAutoNum type="arabicPeriod"/>
-            </a:pPr>
-            <a:endParaRPr lang="en-US" sz="1800" b="0" i="0" u="none" strike="noStrike" dirty="0">
-              <a:solidFill>
-                <a:srgbClr val="000000"/>
-              </a:solidFill>
-              <a:effectLst/>
-              <a:latin typeface="Arial" panose="020B0604020202020204" pitchFamily="34" charset="0"/>
-            </a:endParaRPr>
-          </a:p>
-          <a:p>
-            <a:pPr rtl="0" fontAlgn="base">
-              <a:spcBef>
-                <a:spcPts val="0"/>
-              </a:spcBef>
-              <a:spcAft>
-                <a:spcPts val="0"/>
-              </a:spcAft>
-              <a:buFont typeface="+mj-lt"/>
-              <a:buAutoNum type="arabicPeriod"/>
-            </a:pPr>
-            <a:r>
-              <a:rPr lang="en-US" sz="1800" b="0" i="0" u="none" strike="noStrike" dirty="0">
-                <a:solidFill>
-                  <a:srgbClr val="000000"/>
-                </a:solidFill>
-                <a:effectLst/>
-                <a:latin typeface="Arial" panose="020B0604020202020204" pitchFamily="34" charset="0"/>
-              </a:rPr>
-              <a:t> Pedestrians (bicycles, e-scoot users, and </a:t>
-            </a:r>
-            <a:r>
-              <a:rPr lang="en-US" sz="1800" b="0" i="0" u="none" strike="noStrike" dirty="0" err="1">
-                <a:solidFill>
-                  <a:srgbClr val="000000"/>
-                </a:solidFill>
-                <a:effectLst/>
-                <a:latin typeface="Arial" panose="020B0604020202020204" pitchFamily="34" charset="0"/>
-              </a:rPr>
-              <a:t>sikads</a:t>
-            </a:r>
-            <a:r>
-              <a:rPr lang="en-US" sz="1800" b="0" i="0" u="none" strike="noStrike" dirty="0">
-                <a:solidFill>
-                  <a:srgbClr val="000000"/>
-                </a:solidFill>
-                <a:effectLst/>
-                <a:latin typeface="Arial" panose="020B0604020202020204" pitchFamily="34" charset="0"/>
-              </a:rPr>
-              <a:t>)</a:t>
-            </a:r>
-          </a:p>
-          <a:p>
-            <a:pPr rtl="0" fontAlgn="base">
-              <a:spcBef>
-                <a:spcPts val="0"/>
-              </a:spcBef>
-              <a:spcAft>
-                <a:spcPts val="0"/>
-              </a:spcAft>
-              <a:buFont typeface="+mj-lt"/>
-              <a:buAutoNum type="arabicPeriod"/>
-            </a:pPr>
-            <a:endParaRPr lang="en-US" sz="1800" b="0" i="0" u="none" strike="noStrike" dirty="0">
-              <a:solidFill>
-                <a:srgbClr val="000000"/>
-              </a:solidFill>
-              <a:effectLst/>
-              <a:latin typeface="Arial" panose="020B0604020202020204" pitchFamily="34" charset="0"/>
-            </a:endParaRPr>
-          </a:p>
-          <a:p>
-            <a:pPr rtl="0" fontAlgn="base">
-              <a:spcBef>
-                <a:spcPts val="0"/>
-              </a:spcBef>
-              <a:spcAft>
-                <a:spcPts val="0"/>
-              </a:spcAft>
-              <a:buFont typeface="+mj-lt"/>
-              <a:buAutoNum type="arabicPeriod"/>
-            </a:pPr>
-            <a:r>
-              <a:rPr lang="en-US" sz="1800" b="0" i="0" u="none" strike="noStrike" dirty="0">
-                <a:solidFill>
-                  <a:srgbClr val="000000"/>
-                </a:solidFill>
-                <a:effectLst/>
-                <a:latin typeface="Arial" panose="020B0604020202020204" pitchFamily="34" charset="0"/>
-              </a:rPr>
-              <a:t> Residents of the Republic of the Philippines</a:t>
-            </a:r>
-          </a:p>
-          <a:p>
-            <a:pPr rtl="0">
-              <a:spcBef>
-                <a:spcPts val="0"/>
-              </a:spcBef>
-              <a:spcAft>
-                <a:spcPts val="0"/>
-              </a:spcAft>
-            </a:pPr>
-            <a:endParaRPr lang="en-US" dirty="0"/>
-          </a:p>
-        </p:txBody>
-      </p:sp>
-      <p:sp>
-        <p:nvSpPr>
-          <p:cNvPr id="4" name="Date Placeholder 3">
-            <a:extLst>
-              <a:ext uri="{FF2B5EF4-FFF2-40B4-BE49-F238E27FC236}">
-                <a16:creationId xmlns:a16="http://schemas.microsoft.com/office/drawing/2014/main" id="{70E12647-CCB2-45E2-A9CB-A868F490497E}"/>
-              </a:ext>
-            </a:extLst>
-          </p:cNvPr>
-          <p:cNvSpPr>
-            <a:spLocks noGrp="1"/>
-          </p:cNvSpPr>
-          <p:nvPr>
-            <p:ph type="dt" sz="half" idx="10"/>
-          </p:nvPr>
-        </p:nvSpPr>
-        <p:spPr>
-          <a:xfrm>
-            <a:off x="838200" y="6356350"/>
-            <a:ext cx="1219200" cy="365125"/>
+                <a16:creationId xmlns:a16="http://schemas.microsoft.com/office/drawing/2014/main" id="{B1FE5F11-B7B9-4B80-8C6A-A8A7A7190B77}"/>
+              </a:ext>
+            </a:extLst>
+          </p:cNvPr>
+          <p:cNvSpPr>
+            <a:spLocks noGrp="1"/>
+          </p:cNvSpPr>
+          <p:nvPr>
+            <p:ph type="ctrTitle"/>
+          </p:nvPr>
+        </p:nvSpPr>
+        <p:spPr>
+          <a:xfrm>
+            <a:off x="6991350" y="2148840"/>
+            <a:ext cx="4179570" cy="1715531"/>
           </a:xfrm>
         </p:spPr>
         <p:txBody>
@@ -10822,89 +10714,33 @@
           <a:p>
             <a:r>
               <a:rPr lang="en-US" dirty="0"/>
-              <a:t>20XX</a:t>
-            </a:r>
-          </a:p>
-        </p:txBody>
-      </p:sp>
-      <p:sp>
-        <p:nvSpPr>
-          <p:cNvPr id="5" name="Footer Placeholder 4">
-            <a:extLst>
-              <a:ext uri="{FF2B5EF4-FFF2-40B4-BE49-F238E27FC236}">
-                <a16:creationId xmlns:a16="http://schemas.microsoft.com/office/drawing/2014/main" id="{8D51ED20-04D4-4894-B0C2-9C541A61A734}"/>
-              </a:ext>
-            </a:extLst>
-          </p:cNvPr>
-          <p:cNvSpPr>
-            <a:spLocks noGrp="1"/>
-          </p:cNvSpPr>
-          <p:nvPr>
-            <p:ph type="ftr" sz="quarter" idx="11"/>
-          </p:nvPr>
-        </p:nvSpPr>
-        <p:spPr>
-          <a:xfrm>
-            <a:off x="2463800" y="6356350"/>
-            <a:ext cx="3479800" cy="365125"/>
-          </a:xfrm>
-        </p:spPr>
-        <p:txBody>
-          <a:bodyPr/>
-          <a:lstStyle/>
-          <a:p>
-            <a:r>
-              <a:rPr lang="en-US" dirty="0"/>
-              <a:t>PRESENTATION TITLE</a:t>
-            </a:r>
-          </a:p>
-        </p:txBody>
-      </p:sp>
-      <p:sp>
-        <p:nvSpPr>
-          <p:cNvPr id="6" name="Slide Number Placeholder 5">
-            <a:extLst>
-              <a:ext uri="{FF2B5EF4-FFF2-40B4-BE49-F238E27FC236}">
-                <a16:creationId xmlns:a16="http://schemas.microsoft.com/office/drawing/2014/main" id="{7BC1787E-7110-4989-B0B8-DD4E0ACC09DF}"/>
-              </a:ext>
-            </a:extLst>
-          </p:cNvPr>
-          <p:cNvSpPr>
-            <a:spLocks noGrp="1"/>
-          </p:cNvSpPr>
-          <p:nvPr>
-            <p:ph type="sldNum" sz="quarter" idx="12"/>
-          </p:nvPr>
-        </p:nvSpPr>
-        <p:spPr>
-          <a:xfrm>
-            <a:off x="8610600" y="6356350"/>
-            <a:ext cx="2743200" cy="365125"/>
-          </a:xfrm>
-        </p:spPr>
-        <p:txBody>
-          <a:bodyPr/>
-          <a:lstStyle/>
-          <a:p>
-            <a:fld id="{A49DFD55-3C28-40EF-9E31-A92D2E4017FF}" type="slidenum">
-              <a:rPr lang="en-US" smtClean="0"/>
-              <a:pPr/>
-              <a:t>13</a:t>
-            </a:fld>
-            <a:endParaRPr lang="en-US" dirty="0"/>
+              <a:t>Target Users</a:t>
+            </a:r>
           </a:p>
         </p:txBody>
       </p:sp>
     </p:spTree>
     <p:extLst>
       <p:ext uri="{BB962C8B-B14F-4D97-AF65-F5344CB8AC3E}">
-        <p14:creationId xmlns:p14="http://schemas.microsoft.com/office/powerpoint/2010/main" val="317954045"/>
+        <p14:creationId xmlns:p14="http://schemas.microsoft.com/office/powerpoint/2010/main" val="1944942648"/>
       </p:ext>
     </p:extLst>
   </p:cSld>
   <p:clrMapOvr>
     <a:masterClrMapping/>
   </p:clrMapOvr>
+  <mc:AlternateContent xmlns:mc="http://schemas.openxmlformats.org/markup-compatibility/2006">
+    <mc:Choice xmlns:p14="http://schemas.microsoft.com/office/powerpoint/2010/main" Requires="p14">
+      <p:transition spd="med" p14:dur="700">
+        <p:fade/>
+      </p:transition>
+    </mc:Choice>
+    <mc:Fallback>
+      <p:transition spd="med">
+        <p:fade/>
+      </p:transition>
+    </mc:Fallback>
+  </mc:AlternateContent>
 </p:sld>
 </file>
 
@@ -10930,21 +10766,306 @@
           <p:cNvPr id="2" name="Title 1">
             <a:extLst>
               <a:ext uri="{FF2B5EF4-FFF2-40B4-BE49-F238E27FC236}">
-                <a16:creationId xmlns:a16="http://schemas.microsoft.com/office/drawing/2014/main" id="{B1FE5F11-B7B9-4B80-8C6A-A8A7A7190B77}"/>
-              </a:ext>
-            </a:extLst>
-          </p:cNvPr>
-          <p:cNvSpPr>
-            <a:spLocks noGrp="1"/>
-          </p:cNvSpPr>
-          <p:nvPr>
-            <p:ph type="ctrTitle"/>
-          </p:nvPr>
-        </p:nvSpPr>
-        <p:spPr>
-          <a:xfrm>
-            <a:off x="6991350" y="2148840"/>
-            <a:ext cx="4179570" cy="1715531"/>
+                <a16:creationId xmlns:a16="http://schemas.microsoft.com/office/drawing/2014/main" id="{0A32731C-311B-46F7-A865-6C3AF6B09A47}"/>
+              </a:ext>
+            </a:extLst>
+          </p:cNvPr>
+          <p:cNvSpPr>
+            <a:spLocks noGrp="1"/>
+          </p:cNvSpPr>
+          <p:nvPr>
+            <p:ph type="title"/>
+          </p:nvPr>
+        </p:nvSpPr>
+        <p:spPr>
+          <a:xfrm>
+            <a:off x="838200" y="657030"/>
+            <a:ext cx="5111750" cy="1204912"/>
+          </a:xfrm>
+        </p:spPr>
+        <p:txBody>
+          <a:bodyPr>
+            <a:normAutofit/>
+          </a:bodyPr>
+          <a:lstStyle/>
+          <a:p>
+            <a:r>
+              <a:rPr lang="en-US" sz="3200" b="1" dirty="0">
+                <a:solidFill>
+                  <a:srgbClr val="0070C0"/>
+                </a:solidFill>
+              </a:rPr>
+              <a:t>Target Users</a:t>
+            </a:r>
+          </a:p>
+        </p:txBody>
+      </p:sp>
+      <p:sp>
+        <p:nvSpPr>
+          <p:cNvPr id="3" name="Text Placeholder 2">
+            <a:extLst>
+              <a:ext uri="{FF2B5EF4-FFF2-40B4-BE49-F238E27FC236}">
+                <a16:creationId xmlns:a16="http://schemas.microsoft.com/office/drawing/2014/main" id="{9D5232F9-FD00-464A-9F17-619C91AEF8F3}"/>
+              </a:ext>
+            </a:extLst>
+          </p:cNvPr>
+          <p:cNvSpPr>
+            <a:spLocks noGrp="1"/>
+          </p:cNvSpPr>
+          <p:nvPr>
+            <p:ph type="body" idx="1"/>
+          </p:nvPr>
+        </p:nvSpPr>
+        <p:spPr>
+          <a:xfrm>
+            <a:off x="1039247" y="2202016"/>
+            <a:ext cx="6751942" cy="2557874"/>
+          </a:xfrm>
+        </p:spPr>
+        <p:txBody>
+          <a:bodyPr>
+            <a:normAutofit lnSpcReduction="10000"/>
+          </a:bodyPr>
+          <a:lstStyle/>
+          <a:p>
+            <a:pPr rtl="0" fontAlgn="base">
+              <a:spcBef>
+                <a:spcPts val="0"/>
+              </a:spcBef>
+              <a:spcAft>
+                <a:spcPts val="0"/>
+              </a:spcAft>
+              <a:buFont typeface="+mj-lt"/>
+              <a:buAutoNum type="arabicPeriod"/>
+            </a:pPr>
+            <a:r>
+              <a:rPr lang="en-US" sz="1800" b="0" i="0" u="none" strike="noStrike" dirty="0">
+                <a:solidFill>
+                  <a:srgbClr val="000000"/>
+                </a:solidFill>
+                <a:effectLst/>
+                <a:latin typeface="Arial" panose="020B0604020202020204" pitchFamily="34" charset="0"/>
+              </a:rPr>
+              <a:t> Motorcycle Users</a:t>
+            </a:r>
+          </a:p>
+          <a:p>
+            <a:pPr rtl="0" fontAlgn="base">
+              <a:spcBef>
+                <a:spcPts val="0"/>
+              </a:spcBef>
+              <a:spcAft>
+                <a:spcPts val="0"/>
+              </a:spcAft>
+              <a:buFont typeface="+mj-lt"/>
+              <a:buAutoNum type="arabicPeriod"/>
+            </a:pPr>
+            <a:endParaRPr lang="en-US" sz="1800" b="0" i="0" u="none" strike="noStrike" dirty="0">
+              <a:solidFill>
+                <a:srgbClr val="000000"/>
+              </a:solidFill>
+              <a:effectLst/>
+              <a:latin typeface="Arial" panose="020B0604020202020204" pitchFamily="34" charset="0"/>
+            </a:endParaRPr>
+          </a:p>
+          <a:p>
+            <a:pPr rtl="0" fontAlgn="base">
+              <a:spcBef>
+                <a:spcPts val="0"/>
+              </a:spcBef>
+              <a:spcAft>
+                <a:spcPts val="0"/>
+              </a:spcAft>
+              <a:buFont typeface="+mj-lt"/>
+              <a:buAutoNum type="arabicPeriod"/>
+            </a:pPr>
+            <a:r>
+              <a:rPr lang="en-US" sz="1800" b="0" i="0" u="none" strike="noStrike" dirty="0">
+                <a:solidFill>
+                  <a:srgbClr val="000000"/>
+                </a:solidFill>
+                <a:effectLst/>
+                <a:latin typeface="Arial" panose="020B0604020202020204" pitchFamily="34" charset="0"/>
+              </a:rPr>
+              <a:t> Private Vehicle Drivers</a:t>
+            </a:r>
+          </a:p>
+          <a:p>
+            <a:pPr rtl="0" fontAlgn="base">
+              <a:spcBef>
+                <a:spcPts val="0"/>
+              </a:spcBef>
+              <a:spcAft>
+                <a:spcPts val="0"/>
+              </a:spcAft>
+              <a:buFont typeface="+mj-lt"/>
+              <a:buAutoNum type="arabicPeriod"/>
+            </a:pPr>
+            <a:endParaRPr lang="en-US" sz="1800" b="0" i="0" u="none" strike="noStrike" dirty="0">
+              <a:solidFill>
+                <a:srgbClr val="000000"/>
+              </a:solidFill>
+              <a:effectLst/>
+              <a:latin typeface="Arial" panose="020B0604020202020204" pitchFamily="34" charset="0"/>
+            </a:endParaRPr>
+          </a:p>
+          <a:p>
+            <a:pPr rtl="0" fontAlgn="base">
+              <a:spcBef>
+                <a:spcPts val="0"/>
+              </a:spcBef>
+              <a:spcAft>
+                <a:spcPts val="0"/>
+              </a:spcAft>
+              <a:buFont typeface="+mj-lt"/>
+              <a:buAutoNum type="arabicPeriod"/>
+            </a:pPr>
+            <a:r>
+              <a:rPr lang="en-US" sz="1800" b="0" i="0" u="none" strike="noStrike" dirty="0">
+                <a:solidFill>
+                  <a:srgbClr val="000000"/>
+                </a:solidFill>
+                <a:effectLst/>
+                <a:latin typeface="Arial" panose="020B0604020202020204" pitchFamily="34" charset="0"/>
+              </a:rPr>
+              <a:t> Public Utility Vehicle Drivers</a:t>
+            </a:r>
+          </a:p>
+          <a:p>
+            <a:pPr rtl="0" fontAlgn="base">
+              <a:spcBef>
+                <a:spcPts val="0"/>
+              </a:spcBef>
+              <a:spcAft>
+                <a:spcPts val="0"/>
+              </a:spcAft>
+              <a:buFont typeface="+mj-lt"/>
+              <a:buAutoNum type="arabicPeriod"/>
+            </a:pPr>
+            <a:endParaRPr lang="en-US" sz="1800" b="0" i="0" u="none" strike="noStrike" dirty="0">
+              <a:solidFill>
+                <a:srgbClr val="000000"/>
+              </a:solidFill>
+              <a:effectLst/>
+              <a:latin typeface="Arial" panose="020B0604020202020204" pitchFamily="34" charset="0"/>
+            </a:endParaRPr>
+          </a:p>
+          <a:p>
+            <a:pPr rtl="0" fontAlgn="base">
+              <a:spcBef>
+                <a:spcPts val="0"/>
+              </a:spcBef>
+              <a:spcAft>
+                <a:spcPts val="0"/>
+              </a:spcAft>
+              <a:buFont typeface="+mj-lt"/>
+              <a:buAutoNum type="arabicPeriod"/>
+            </a:pPr>
+            <a:r>
+              <a:rPr lang="en-US" sz="1800" b="0" i="0" u="none" strike="noStrike" dirty="0">
+                <a:solidFill>
+                  <a:srgbClr val="000000"/>
+                </a:solidFill>
+                <a:effectLst/>
+                <a:latin typeface="Arial" panose="020B0604020202020204" pitchFamily="34" charset="0"/>
+              </a:rPr>
+              <a:t> Pedestrians (bicycles, e-scoot users, and </a:t>
+            </a:r>
+            <a:r>
+              <a:rPr lang="en-US" sz="1800" b="0" i="0" u="none" strike="noStrike" dirty="0" err="1">
+                <a:solidFill>
+                  <a:srgbClr val="000000"/>
+                </a:solidFill>
+                <a:effectLst/>
+                <a:latin typeface="Arial" panose="020B0604020202020204" pitchFamily="34" charset="0"/>
+              </a:rPr>
+              <a:t>sikads</a:t>
+            </a:r>
+            <a:r>
+              <a:rPr lang="en-US" sz="1800" b="0" i="0" u="none" strike="noStrike" dirty="0">
+                <a:solidFill>
+                  <a:srgbClr val="000000"/>
+                </a:solidFill>
+                <a:effectLst/>
+                <a:latin typeface="Arial" panose="020B0604020202020204" pitchFamily="34" charset="0"/>
+              </a:rPr>
+              <a:t>)</a:t>
+            </a:r>
+          </a:p>
+          <a:p>
+            <a:pPr rtl="0" fontAlgn="base">
+              <a:spcBef>
+                <a:spcPts val="0"/>
+              </a:spcBef>
+              <a:spcAft>
+                <a:spcPts val="0"/>
+              </a:spcAft>
+              <a:buFont typeface="+mj-lt"/>
+              <a:buAutoNum type="arabicPeriod"/>
+            </a:pPr>
+            <a:endParaRPr lang="en-US" sz="1800" b="0" i="0" u="none" strike="noStrike" dirty="0">
+              <a:solidFill>
+                <a:srgbClr val="000000"/>
+              </a:solidFill>
+              <a:effectLst/>
+              <a:latin typeface="Arial" panose="020B0604020202020204" pitchFamily="34" charset="0"/>
+            </a:endParaRPr>
+          </a:p>
+          <a:p>
+            <a:pPr rtl="0" fontAlgn="base">
+              <a:spcBef>
+                <a:spcPts val="0"/>
+              </a:spcBef>
+              <a:spcAft>
+                <a:spcPts val="0"/>
+              </a:spcAft>
+              <a:buFont typeface="+mj-lt"/>
+              <a:buAutoNum type="arabicPeriod"/>
+            </a:pPr>
+            <a:r>
+              <a:rPr lang="en-US" sz="1800" b="0" i="0" u="none" strike="noStrike" dirty="0">
+                <a:solidFill>
+                  <a:srgbClr val="000000"/>
+                </a:solidFill>
+                <a:effectLst/>
+                <a:latin typeface="Arial" panose="020B0604020202020204" pitchFamily="34" charset="0"/>
+              </a:rPr>
+              <a:t> Residents of the Republic of the Philippines</a:t>
+            </a:r>
+          </a:p>
+          <a:p>
+            <a:pPr rtl="0">
+              <a:spcBef>
+                <a:spcPts val="0"/>
+              </a:spcBef>
+              <a:spcAft>
+                <a:spcPts val="0"/>
+              </a:spcAft>
+            </a:pPr>
+            <a:endParaRPr lang="en-US" dirty="0"/>
+          </a:p>
+        </p:txBody>
+      </p:sp>
+      <p:sp>
+        <p:nvSpPr>
+          <p:cNvPr id="4" name="Date Placeholder 3">
+            <a:extLst>
+              <a:ext uri="{FF2B5EF4-FFF2-40B4-BE49-F238E27FC236}">
+                <a16:creationId xmlns:a16="http://schemas.microsoft.com/office/drawing/2014/main" id="{70E12647-CCB2-45E2-A9CB-A868F490497E}"/>
+              </a:ext>
+            </a:extLst>
+          </p:cNvPr>
+          <p:cNvSpPr>
+            <a:spLocks noGrp="1"/>
+          </p:cNvSpPr>
+          <p:nvPr>
+            <p:ph type="dt" sz="half" idx="10"/>
+          </p:nvPr>
+        </p:nvSpPr>
+        <p:spPr>
+          <a:xfrm>
+            <a:off x="838200" y="6356350"/>
+            <a:ext cx="1219200" cy="365125"/>
           </a:xfrm>
         </p:spPr>
         <p:txBody>
@@ -10953,21 +11074,101 @@
           <a:p>
             <a:r>
               <a:rPr lang="en-US" dirty="0"/>
-              <a:t>Site map</a:t>
-            </a:r>
+              <a:t>20XX</a:t>
+            </a:r>
+          </a:p>
+        </p:txBody>
+      </p:sp>
+      <p:sp>
+        <p:nvSpPr>
+          <p:cNvPr id="5" name="Footer Placeholder 4">
+            <a:extLst>
+              <a:ext uri="{FF2B5EF4-FFF2-40B4-BE49-F238E27FC236}">
+                <a16:creationId xmlns:a16="http://schemas.microsoft.com/office/drawing/2014/main" id="{8D51ED20-04D4-4894-B0C2-9C541A61A734}"/>
+              </a:ext>
+            </a:extLst>
+          </p:cNvPr>
+          <p:cNvSpPr>
+            <a:spLocks noGrp="1"/>
+          </p:cNvSpPr>
+          <p:nvPr>
+            <p:ph type="ftr" sz="quarter" idx="11"/>
+          </p:nvPr>
+        </p:nvSpPr>
+        <p:spPr>
+          <a:xfrm>
+            <a:off x="2463800" y="6356350"/>
+            <a:ext cx="3479800" cy="365125"/>
+          </a:xfrm>
+        </p:spPr>
+        <p:txBody>
+          <a:bodyPr/>
+          <a:lstStyle/>
+          <a:p>
+            <a:r>
+              <a:rPr lang="en-US" dirty="0"/>
+              <a:t>PRESENTATION TITLE</a:t>
+            </a:r>
+          </a:p>
+        </p:txBody>
+      </p:sp>
+      <p:sp>
+        <p:nvSpPr>
+          <p:cNvPr id="6" name="Slide Number Placeholder 5">
+            <a:extLst>
+              <a:ext uri="{FF2B5EF4-FFF2-40B4-BE49-F238E27FC236}">
+                <a16:creationId xmlns:a16="http://schemas.microsoft.com/office/drawing/2014/main" id="{7BC1787E-7110-4989-B0B8-DD4E0ACC09DF}"/>
+              </a:ext>
+            </a:extLst>
+          </p:cNvPr>
+          <p:cNvSpPr>
+            <a:spLocks noGrp="1"/>
+          </p:cNvSpPr>
+          <p:nvPr>
+            <p:ph type="sldNum" sz="quarter" idx="12"/>
+          </p:nvPr>
+        </p:nvSpPr>
+        <p:spPr>
+          <a:xfrm>
+            <a:off x="8610600" y="6356350"/>
+            <a:ext cx="2743200" cy="365125"/>
+          </a:xfrm>
+        </p:spPr>
+        <p:txBody>
+          <a:bodyPr/>
+          <a:lstStyle/>
+          <a:p>
+            <a:fld id="{A49DFD55-3C28-40EF-9E31-A92D2E4017FF}" type="slidenum">
+              <a:rPr lang="en-US" smtClean="0"/>
+              <a:pPr/>
+              <a:t>14</a:t>
+            </a:fld>
+            <a:endParaRPr lang="en-US" dirty="0"/>
           </a:p>
         </p:txBody>
       </p:sp>
     </p:spTree>
     <p:extLst>
       <p:ext uri="{BB962C8B-B14F-4D97-AF65-F5344CB8AC3E}">
-        <p14:creationId xmlns:p14="http://schemas.microsoft.com/office/powerpoint/2010/main" val="2669583377"/>
+        <p14:creationId xmlns:p14="http://schemas.microsoft.com/office/powerpoint/2010/main" val="317954045"/>
       </p:ext>
     </p:extLst>
   </p:cSld>
   <p:clrMapOvr>
     <a:masterClrMapping/>
   </p:clrMapOvr>
+  <mc:AlternateContent xmlns:mc="http://schemas.openxmlformats.org/markup-compatibility/2006">
+    <mc:Choice xmlns:p14="http://schemas.microsoft.com/office/powerpoint/2010/main" Requires="p14">
+      <p:transition spd="med" p14:dur="700">
+        <p:fade/>
+      </p:transition>
+    </mc:Choice>
+    <mc:Fallback>
+      <p:transition spd="med">
+        <p:fade/>
+      </p:transition>
+    </mc:Fallback>
+  </mc:AlternateContent>
 </p:sld>
 </file>
 
@@ -10990,59 +11191,24 @@
       </p:grpSpPr>
       <p:sp>
         <p:nvSpPr>
-          <p:cNvPr id="3" name="Title 2">
-            <a:extLst>
-              <a:ext uri="{FF2B5EF4-FFF2-40B4-BE49-F238E27FC236}">
-                <a16:creationId xmlns:a16="http://schemas.microsoft.com/office/drawing/2014/main" id="{77762301-F83A-4BEA-9D11-E6C99FB574A8}"/>
-              </a:ext>
-            </a:extLst>
-          </p:cNvPr>
-          <p:cNvSpPr>
-            <a:spLocks noGrp="1"/>
-          </p:cNvSpPr>
-          <p:nvPr>
-            <p:ph type="title"/>
-          </p:nvPr>
-        </p:nvSpPr>
-        <p:spPr>
-          <a:xfrm>
-            <a:off x="-96206" y="3000753"/>
-            <a:ext cx="2834536" cy="1325563"/>
-          </a:xfrm>
-        </p:spPr>
-        <p:txBody>
-          <a:bodyPr>
-            <a:normAutofit/>
-          </a:bodyPr>
-          <a:lstStyle/>
-          <a:p>
-            <a:r>
-              <a:rPr lang="en-US" sz="3600" b="1" dirty="0"/>
-              <a:t>Sitemap</a:t>
-            </a:r>
-          </a:p>
-        </p:txBody>
-      </p:sp>
-      <p:sp>
-        <p:nvSpPr>
-          <p:cNvPr id="6" name="Date Placeholder 5">
-            <a:extLst>
-              <a:ext uri="{FF2B5EF4-FFF2-40B4-BE49-F238E27FC236}">
-                <a16:creationId xmlns:a16="http://schemas.microsoft.com/office/drawing/2014/main" id="{3627CC26-34EF-4BB9-B289-9EC56B07D1E6}"/>
-              </a:ext>
-            </a:extLst>
-          </p:cNvPr>
-          <p:cNvSpPr>
-            <a:spLocks noGrp="1"/>
-          </p:cNvSpPr>
-          <p:nvPr>
-            <p:ph type="dt" sz="half" idx="10"/>
-          </p:nvPr>
-        </p:nvSpPr>
-        <p:spPr>
-          <a:xfrm>
-            <a:off x="838200" y="6356350"/>
-            <a:ext cx="2743200" cy="365125"/>
+          <p:cNvPr id="2" name="Title 1">
+            <a:extLst>
+              <a:ext uri="{FF2B5EF4-FFF2-40B4-BE49-F238E27FC236}">
+                <a16:creationId xmlns:a16="http://schemas.microsoft.com/office/drawing/2014/main" id="{B1FE5F11-B7B9-4B80-8C6A-A8A7A7190B77}"/>
+              </a:ext>
+            </a:extLst>
+          </p:cNvPr>
+          <p:cNvSpPr>
+            <a:spLocks noGrp="1"/>
+          </p:cNvSpPr>
+          <p:nvPr>
+            <p:ph type="ctrTitle"/>
+          </p:nvPr>
+        </p:nvSpPr>
+        <p:spPr>
+          <a:xfrm>
+            <a:off x="6991350" y="2148840"/>
+            <a:ext cx="4179570" cy="1715531"/>
           </a:xfrm>
         </p:spPr>
         <p:txBody>
@@ -11051,136 +11217,33 @@
           <a:p>
             <a:r>
               <a:rPr lang="en-US" dirty="0"/>
-              <a:t>20XX</a:t>
-            </a:r>
-          </a:p>
-        </p:txBody>
-      </p:sp>
-      <p:sp>
-        <p:nvSpPr>
-          <p:cNvPr id="7" name="Footer Placeholder 6">
-            <a:extLst>
-              <a:ext uri="{FF2B5EF4-FFF2-40B4-BE49-F238E27FC236}">
-                <a16:creationId xmlns:a16="http://schemas.microsoft.com/office/drawing/2014/main" id="{4E98E6AD-9D37-499C-898E-ED12AC36D31D}"/>
-              </a:ext>
-            </a:extLst>
-          </p:cNvPr>
-          <p:cNvSpPr>
-            <a:spLocks noGrp="1"/>
-          </p:cNvSpPr>
-          <p:nvPr>
-            <p:ph type="ftr" sz="quarter" idx="11"/>
-          </p:nvPr>
-        </p:nvSpPr>
-        <p:spPr>
-          <a:xfrm>
-            <a:off x="4038600" y="6356350"/>
-            <a:ext cx="4114800" cy="365125"/>
-          </a:xfrm>
-        </p:spPr>
-        <p:txBody>
-          <a:bodyPr/>
-          <a:lstStyle/>
-          <a:p>
-            <a:r>
-              <a:rPr lang="en-US" dirty="0"/>
-              <a:t>PRESENTATION TITLE</a:t>
-            </a:r>
-          </a:p>
-        </p:txBody>
-      </p:sp>
-      <p:sp>
-        <p:nvSpPr>
-          <p:cNvPr id="8" name="Slide Number Placeholder 7">
-            <a:extLst>
-              <a:ext uri="{FF2B5EF4-FFF2-40B4-BE49-F238E27FC236}">
-                <a16:creationId xmlns:a16="http://schemas.microsoft.com/office/drawing/2014/main" id="{92908AF9-2A07-4B50-BC13-471792106EC8}"/>
-              </a:ext>
-            </a:extLst>
-          </p:cNvPr>
-          <p:cNvSpPr>
-            <a:spLocks noGrp="1"/>
-          </p:cNvSpPr>
-          <p:nvPr>
-            <p:ph type="sldNum" sz="quarter" idx="12"/>
-          </p:nvPr>
-        </p:nvSpPr>
-        <p:spPr>
-          <a:xfrm>
-            <a:off x="8610600" y="6356350"/>
-            <a:ext cx="2743200" cy="365125"/>
-          </a:xfrm>
-        </p:spPr>
-        <p:txBody>
-          <a:bodyPr/>
-          <a:lstStyle/>
-          <a:p>
-            <a:fld id="{A49DFD55-3C28-40EF-9E31-A92D2E4017FF}" type="slidenum">
-              <a:rPr lang="en-US" smtClean="0"/>
-              <a:pPr/>
-              <a:t>15</a:t>
-            </a:fld>
-            <a:endParaRPr lang="en-US" dirty="0"/>
-          </a:p>
-        </p:txBody>
-      </p:sp>
-      <p:pic>
-        <p:nvPicPr>
-          <p:cNvPr id="1026" name="Picture 2">
-            <a:extLst>
-              <a:ext uri="{FF2B5EF4-FFF2-40B4-BE49-F238E27FC236}">
-                <a16:creationId xmlns:a16="http://schemas.microsoft.com/office/drawing/2014/main" id="{AC317B45-723B-4BCD-8352-267145DE6762}"/>
-              </a:ext>
-            </a:extLst>
-          </p:cNvPr>
-          <p:cNvPicPr>
-            <a:picLocks noChangeAspect="1" noChangeArrowheads="1"/>
-          </p:cNvPicPr>
-          <p:nvPr/>
-        </p:nvPicPr>
-        <p:blipFill>
-          <a:blip r:embed="rId2">
-            <a:extLst>
-              <a:ext uri="{28A0092B-C50C-407E-A947-70E740481C1C}">
-                <a14:useLocalDpi xmlns:a14="http://schemas.microsoft.com/office/drawing/2010/main" val="0"/>
-              </a:ext>
-            </a:extLst>
-          </a:blip>
-          <a:srcRect/>
-          <a:stretch>
-            <a:fillRect/>
-          </a:stretch>
-        </p:blipFill>
-        <p:spPr bwMode="auto">
-          <a:xfrm>
-            <a:off x="2317315" y="534833"/>
-            <a:ext cx="9641039" cy="6257405"/>
-          </a:xfrm>
-          <a:prstGeom prst="rect">
-            <a:avLst/>
-          </a:prstGeom>
-          <a:noFill/>
-          <a:extLst>
-            <a:ext uri="{909E8E84-426E-40DD-AFC4-6F175D3DCCD1}">
-              <a14:hiddenFill xmlns:a14="http://schemas.microsoft.com/office/drawing/2010/main">
-                <a:solidFill>
-                  <a:srgbClr val="FFFFFF"/>
-                </a:solidFill>
-              </a14:hiddenFill>
-            </a:ext>
-          </a:extLst>
-        </p:spPr>
-      </p:pic>
+              <a:t>Site map</a:t>
+            </a:r>
+          </a:p>
+        </p:txBody>
+      </p:sp>
     </p:spTree>
     <p:extLst>
       <p:ext uri="{BB962C8B-B14F-4D97-AF65-F5344CB8AC3E}">
-        <p14:creationId xmlns:p14="http://schemas.microsoft.com/office/powerpoint/2010/main" val="2896385493"/>
+        <p14:creationId xmlns:p14="http://schemas.microsoft.com/office/powerpoint/2010/main" val="2669583377"/>
       </p:ext>
     </p:extLst>
   </p:cSld>
   <p:clrMapOvr>
     <a:masterClrMapping/>
   </p:clrMapOvr>
+  <mc:AlternateContent xmlns:mc="http://schemas.openxmlformats.org/markup-compatibility/2006">
+    <mc:Choice xmlns:p14="http://schemas.microsoft.com/office/powerpoint/2010/main" Requires="p14">
+      <p:transition spd="med" p14:dur="700">
+        <p:fade/>
+      </p:transition>
+    </mc:Choice>
+    <mc:Fallback>
+      <p:transition spd="med">
+        <p:fade/>
+      </p:transition>
+    </mc:Fallback>
+  </mc:AlternateContent>
 </p:sld>
 </file>
 
@@ -11203,24 +11266,59 @@
       </p:grpSpPr>
       <p:sp>
         <p:nvSpPr>
-          <p:cNvPr id="2" name="Title 1">
-            <a:extLst>
-              <a:ext uri="{FF2B5EF4-FFF2-40B4-BE49-F238E27FC236}">
-                <a16:creationId xmlns:a16="http://schemas.microsoft.com/office/drawing/2014/main" id="{B1FE5F11-B7B9-4B80-8C6A-A8A7A7190B77}"/>
-              </a:ext>
-            </a:extLst>
-          </p:cNvPr>
-          <p:cNvSpPr>
-            <a:spLocks noGrp="1"/>
-          </p:cNvSpPr>
-          <p:nvPr>
-            <p:ph type="ctrTitle"/>
-          </p:nvPr>
-        </p:nvSpPr>
-        <p:spPr>
-          <a:xfrm>
-            <a:off x="6991350" y="2148840"/>
-            <a:ext cx="4179570" cy="1715531"/>
+          <p:cNvPr id="3" name="Title 2">
+            <a:extLst>
+              <a:ext uri="{FF2B5EF4-FFF2-40B4-BE49-F238E27FC236}">
+                <a16:creationId xmlns:a16="http://schemas.microsoft.com/office/drawing/2014/main" id="{77762301-F83A-4BEA-9D11-E6C99FB574A8}"/>
+              </a:ext>
+            </a:extLst>
+          </p:cNvPr>
+          <p:cNvSpPr>
+            <a:spLocks noGrp="1"/>
+          </p:cNvSpPr>
+          <p:nvPr>
+            <p:ph type="title"/>
+          </p:nvPr>
+        </p:nvSpPr>
+        <p:spPr>
+          <a:xfrm>
+            <a:off x="-96206" y="3000753"/>
+            <a:ext cx="2834536" cy="1325563"/>
+          </a:xfrm>
+        </p:spPr>
+        <p:txBody>
+          <a:bodyPr>
+            <a:normAutofit/>
+          </a:bodyPr>
+          <a:lstStyle/>
+          <a:p>
+            <a:r>
+              <a:rPr lang="en-US" sz="3600" b="1" dirty="0"/>
+              <a:t>Sitemap</a:t>
+            </a:r>
+          </a:p>
+        </p:txBody>
+      </p:sp>
+      <p:sp>
+        <p:nvSpPr>
+          <p:cNvPr id="6" name="Date Placeholder 5">
+            <a:extLst>
+              <a:ext uri="{FF2B5EF4-FFF2-40B4-BE49-F238E27FC236}">
+                <a16:creationId xmlns:a16="http://schemas.microsoft.com/office/drawing/2014/main" id="{3627CC26-34EF-4BB9-B289-9EC56B07D1E6}"/>
+              </a:ext>
+            </a:extLst>
+          </p:cNvPr>
+          <p:cNvSpPr>
+            <a:spLocks noGrp="1"/>
+          </p:cNvSpPr>
+          <p:nvPr>
+            <p:ph type="dt" sz="half" idx="10"/>
+          </p:nvPr>
+        </p:nvSpPr>
+        <p:spPr>
+          <a:xfrm>
+            <a:off x="838200" y="6356350"/>
+            <a:ext cx="2743200" cy="365125"/>
           </a:xfrm>
         </p:spPr>
         <p:txBody>
@@ -11229,21 +11327,148 @@
           <a:p>
             <a:r>
               <a:rPr lang="en-US" dirty="0"/>
-              <a:t>Wireframe</a:t>
-            </a:r>
-          </a:p>
-        </p:txBody>
-      </p:sp>
+              <a:t>20XX</a:t>
+            </a:r>
+          </a:p>
+        </p:txBody>
+      </p:sp>
+      <p:sp>
+        <p:nvSpPr>
+          <p:cNvPr id="7" name="Footer Placeholder 6">
+            <a:extLst>
+              <a:ext uri="{FF2B5EF4-FFF2-40B4-BE49-F238E27FC236}">
+                <a16:creationId xmlns:a16="http://schemas.microsoft.com/office/drawing/2014/main" id="{4E98E6AD-9D37-499C-898E-ED12AC36D31D}"/>
+              </a:ext>
+            </a:extLst>
+          </p:cNvPr>
+          <p:cNvSpPr>
+            <a:spLocks noGrp="1"/>
+          </p:cNvSpPr>
+          <p:nvPr>
+            <p:ph type="ftr" sz="quarter" idx="11"/>
+          </p:nvPr>
+        </p:nvSpPr>
+        <p:spPr>
+          <a:xfrm>
+            <a:off x="4038600" y="6356350"/>
+            <a:ext cx="4114800" cy="365125"/>
+          </a:xfrm>
+        </p:spPr>
+        <p:txBody>
+          <a:bodyPr/>
+          <a:lstStyle/>
+          <a:p>
+            <a:r>
+              <a:rPr lang="en-US" dirty="0"/>
+              <a:t>PRESENTATION TITLE</a:t>
+            </a:r>
+          </a:p>
+        </p:txBody>
+      </p:sp>
+      <p:sp>
+        <p:nvSpPr>
+          <p:cNvPr id="8" name="Slide Number Placeholder 7">
+            <a:extLst>
+              <a:ext uri="{FF2B5EF4-FFF2-40B4-BE49-F238E27FC236}">
+                <a16:creationId xmlns:a16="http://schemas.microsoft.com/office/drawing/2014/main" id="{92908AF9-2A07-4B50-BC13-471792106EC8}"/>
+              </a:ext>
+            </a:extLst>
+          </p:cNvPr>
+          <p:cNvSpPr>
+            <a:spLocks noGrp="1"/>
+          </p:cNvSpPr>
+          <p:nvPr>
+            <p:ph type="sldNum" sz="quarter" idx="12"/>
+          </p:nvPr>
+        </p:nvSpPr>
+        <p:spPr>
+          <a:xfrm>
+            <a:off x="8610600" y="6356350"/>
+            <a:ext cx="2743200" cy="365125"/>
+          </a:xfrm>
+        </p:spPr>
+        <p:txBody>
+          <a:bodyPr/>
+          <a:lstStyle/>
+          <a:p>
+            <a:fld id="{A49DFD55-3C28-40EF-9E31-A92D2E4017FF}" type="slidenum">
+              <a:rPr lang="en-US" smtClean="0"/>
+              <a:pPr/>
+              <a:t>16</a:t>
+            </a:fld>
+            <a:endParaRPr lang="en-US" dirty="0"/>
+          </a:p>
+        </p:txBody>
+      </p:sp>
+      <p:pic>
+        <p:nvPicPr>
+          <p:cNvPr id="1026" name="Picture 2">
+            <a:extLst>
+              <a:ext uri="{FF2B5EF4-FFF2-40B4-BE49-F238E27FC236}">
+                <a16:creationId xmlns:a16="http://schemas.microsoft.com/office/drawing/2014/main" id="{AC317B45-723B-4BCD-8352-267145DE6762}"/>
+              </a:ext>
+            </a:extLst>
+          </p:cNvPr>
+          <p:cNvPicPr>
+            <a:picLocks noChangeAspect="1" noChangeArrowheads="1"/>
+          </p:cNvPicPr>
+          <p:nvPr/>
+        </p:nvPicPr>
+        <p:blipFill>
+          <a:blip r:embed="rId2">
+            <a:extLst>
+              <a:ext uri="{28A0092B-C50C-407E-A947-70E740481C1C}">
+                <a14:useLocalDpi xmlns:a14="http://schemas.microsoft.com/office/drawing/2010/main" val="0"/>
+              </a:ext>
+            </a:extLst>
+          </a:blip>
+          <a:srcRect/>
+          <a:stretch>
+            <a:fillRect/>
+          </a:stretch>
+        </p:blipFill>
+        <p:spPr bwMode="auto">
+          <a:xfrm>
+            <a:off x="2317315" y="534833"/>
+            <a:ext cx="9641039" cy="6257405"/>
+          </a:xfrm>
+          <a:prstGeom prst="rect">
+            <a:avLst/>
+          </a:prstGeom>
+          <a:noFill/>
+          <a:extLst>
+            <a:ext uri="{909E8E84-426E-40DD-AFC4-6F175D3DCCD1}">
+              <a14:hiddenFill xmlns:a14="http://schemas.microsoft.com/office/drawing/2010/main">
+                <a:solidFill>
+                  <a:srgbClr val="FFFFFF"/>
+                </a:solidFill>
+              </a14:hiddenFill>
+            </a:ext>
+          </a:extLst>
+        </p:spPr>
+      </p:pic>
     </p:spTree>
     <p:extLst>
       <p:ext uri="{BB962C8B-B14F-4D97-AF65-F5344CB8AC3E}">
-        <p14:creationId xmlns:p14="http://schemas.microsoft.com/office/powerpoint/2010/main" val="3668577574"/>
+        <p14:creationId xmlns:p14="http://schemas.microsoft.com/office/powerpoint/2010/main" val="2896385493"/>
       </p:ext>
     </p:extLst>
   </p:cSld>
   <p:clrMapOvr>
     <a:masterClrMapping/>
   </p:clrMapOvr>
+  <mc:AlternateContent xmlns:mc="http://schemas.openxmlformats.org/markup-compatibility/2006">
+    <mc:Choice xmlns:p14="http://schemas.microsoft.com/office/powerpoint/2010/main" Requires="p14">
+      <p:transition spd="med" p14:dur="700">
+        <p:fade/>
+      </p:transition>
+    </mc:Choice>
+    <mc:Fallback>
+      <p:transition spd="med">
+        <p:fade/>
+      </p:transition>
+    </mc:Fallback>
+  </mc:AlternateContent>
 </p:sld>
 </file>
 
@@ -11266,59 +11491,24 @@
       </p:grpSpPr>
       <p:sp>
         <p:nvSpPr>
-          <p:cNvPr id="3" name="Title 2">
-            <a:extLst>
-              <a:ext uri="{FF2B5EF4-FFF2-40B4-BE49-F238E27FC236}">
-                <a16:creationId xmlns:a16="http://schemas.microsoft.com/office/drawing/2014/main" id="{77762301-F83A-4BEA-9D11-E6C99FB574A8}"/>
-              </a:ext>
-            </a:extLst>
-          </p:cNvPr>
-          <p:cNvSpPr>
-            <a:spLocks noGrp="1"/>
-          </p:cNvSpPr>
-          <p:nvPr>
-            <p:ph type="title"/>
-          </p:nvPr>
-        </p:nvSpPr>
-        <p:spPr>
-          <a:xfrm>
-            <a:off x="166841" y="2449608"/>
-            <a:ext cx="2834536" cy="1325563"/>
-          </a:xfrm>
-        </p:spPr>
-        <p:txBody>
-          <a:bodyPr>
-            <a:normAutofit/>
-          </a:bodyPr>
-          <a:lstStyle/>
-          <a:p>
-            <a:r>
-              <a:rPr lang="en-US" sz="3600" b="1" dirty="0"/>
-              <a:t>wireframe</a:t>
-            </a:r>
-          </a:p>
-        </p:txBody>
-      </p:sp>
-      <p:sp>
-        <p:nvSpPr>
-          <p:cNvPr id="6" name="Date Placeholder 5">
-            <a:extLst>
-              <a:ext uri="{FF2B5EF4-FFF2-40B4-BE49-F238E27FC236}">
-                <a16:creationId xmlns:a16="http://schemas.microsoft.com/office/drawing/2014/main" id="{3627CC26-34EF-4BB9-B289-9EC56B07D1E6}"/>
-              </a:ext>
-            </a:extLst>
-          </p:cNvPr>
-          <p:cNvSpPr>
-            <a:spLocks noGrp="1"/>
-          </p:cNvSpPr>
-          <p:nvPr>
-            <p:ph type="dt" sz="half" idx="10"/>
-          </p:nvPr>
-        </p:nvSpPr>
-        <p:spPr>
-          <a:xfrm>
-            <a:off x="838200" y="6356350"/>
-            <a:ext cx="2743200" cy="365125"/>
+          <p:cNvPr id="2" name="Title 1">
+            <a:extLst>
+              <a:ext uri="{FF2B5EF4-FFF2-40B4-BE49-F238E27FC236}">
+                <a16:creationId xmlns:a16="http://schemas.microsoft.com/office/drawing/2014/main" id="{B1FE5F11-B7B9-4B80-8C6A-A8A7A7190B77}"/>
+              </a:ext>
+            </a:extLst>
+          </p:cNvPr>
+          <p:cNvSpPr>
+            <a:spLocks noGrp="1"/>
+          </p:cNvSpPr>
+          <p:nvPr>
+            <p:ph type="ctrTitle"/>
+          </p:nvPr>
+        </p:nvSpPr>
+        <p:spPr>
+          <a:xfrm>
+            <a:off x="6991350" y="2148840"/>
+            <a:ext cx="4179570" cy="1715531"/>
           </a:xfrm>
         </p:spPr>
         <p:txBody>
@@ -11327,136 +11517,33 @@
           <a:p>
             <a:r>
               <a:rPr lang="en-US" dirty="0"/>
-              <a:t>20XX</a:t>
-            </a:r>
-          </a:p>
-        </p:txBody>
-      </p:sp>
-      <p:sp>
-        <p:nvSpPr>
-          <p:cNvPr id="7" name="Footer Placeholder 6">
-            <a:extLst>
-              <a:ext uri="{FF2B5EF4-FFF2-40B4-BE49-F238E27FC236}">
-                <a16:creationId xmlns:a16="http://schemas.microsoft.com/office/drawing/2014/main" id="{4E98E6AD-9D37-499C-898E-ED12AC36D31D}"/>
-              </a:ext>
-            </a:extLst>
-          </p:cNvPr>
-          <p:cNvSpPr>
-            <a:spLocks noGrp="1"/>
-          </p:cNvSpPr>
-          <p:nvPr>
-            <p:ph type="ftr" sz="quarter" idx="11"/>
-          </p:nvPr>
-        </p:nvSpPr>
-        <p:spPr>
-          <a:xfrm>
-            <a:off x="4038600" y="6356350"/>
-            <a:ext cx="4114800" cy="365125"/>
-          </a:xfrm>
-        </p:spPr>
-        <p:txBody>
-          <a:bodyPr/>
-          <a:lstStyle/>
-          <a:p>
-            <a:r>
-              <a:rPr lang="en-US" dirty="0"/>
-              <a:t>PRESENTATION TITLE</a:t>
-            </a:r>
-          </a:p>
-        </p:txBody>
-      </p:sp>
-      <p:sp>
-        <p:nvSpPr>
-          <p:cNvPr id="8" name="Slide Number Placeholder 7">
-            <a:extLst>
-              <a:ext uri="{FF2B5EF4-FFF2-40B4-BE49-F238E27FC236}">
-                <a16:creationId xmlns:a16="http://schemas.microsoft.com/office/drawing/2014/main" id="{92908AF9-2A07-4B50-BC13-471792106EC8}"/>
-              </a:ext>
-            </a:extLst>
-          </p:cNvPr>
-          <p:cNvSpPr>
-            <a:spLocks noGrp="1"/>
-          </p:cNvSpPr>
-          <p:nvPr>
-            <p:ph type="sldNum" sz="quarter" idx="12"/>
-          </p:nvPr>
-        </p:nvSpPr>
-        <p:spPr>
-          <a:xfrm>
-            <a:off x="8610600" y="6356350"/>
-            <a:ext cx="2743200" cy="365125"/>
-          </a:xfrm>
-        </p:spPr>
-        <p:txBody>
-          <a:bodyPr/>
-          <a:lstStyle/>
-          <a:p>
-            <a:fld id="{A49DFD55-3C28-40EF-9E31-A92D2E4017FF}" type="slidenum">
-              <a:rPr lang="en-US" smtClean="0"/>
-              <a:pPr/>
-              <a:t>17</a:t>
-            </a:fld>
-            <a:endParaRPr lang="en-US" dirty="0"/>
-          </a:p>
-        </p:txBody>
-      </p:sp>
-      <p:pic>
-        <p:nvPicPr>
-          <p:cNvPr id="2052" name="Picture 4">
-            <a:extLst>
-              <a:ext uri="{FF2B5EF4-FFF2-40B4-BE49-F238E27FC236}">
-                <a16:creationId xmlns:a16="http://schemas.microsoft.com/office/drawing/2014/main" id="{0EE82DD9-06CB-4B0A-93D1-53975FDCDEBC}"/>
-              </a:ext>
-            </a:extLst>
-          </p:cNvPr>
-          <p:cNvPicPr>
-            <a:picLocks noChangeAspect="1" noChangeArrowheads="1"/>
-          </p:cNvPicPr>
-          <p:nvPr/>
-        </p:nvPicPr>
-        <p:blipFill>
-          <a:blip r:embed="rId2">
-            <a:extLst>
-              <a:ext uri="{28A0092B-C50C-407E-A947-70E740481C1C}">
-                <a14:useLocalDpi xmlns:a14="http://schemas.microsoft.com/office/drawing/2010/main" val="0"/>
-              </a:ext>
-            </a:extLst>
-          </a:blip>
-          <a:srcRect/>
-          <a:stretch>
-            <a:fillRect/>
-          </a:stretch>
-        </p:blipFill>
-        <p:spPr bwMode="auto">
-          <a:xfrm>
-            <a:off x="3340901" y="219655"/>
-            <a:ext cx="8133344" cy="6638345"/>
-          </a:xfrm>
-          <a:prstGeom prst="rect">
-            <a:avLst/>
-          </a:prstGeom>
-          <a:noFill/>
-          <a:extLst>
-            <a:ext uri="{909E8E84-426E-40DD-AFC4-6F175D3DCCD1}">
-              <a14:hiddenFill xmlns:a14="http://schemas.microsoft.com/office/drawing/2010/main">
-                <a:solidFill>
-                  <a:srgbClr val="FFFFFF"/>
-                </a:solidFill>
-              </a14:hiddenFill>
-            </a:ext>
-          </a:extLst>
-        </p:spPr>
-      </p:pic>
+              <a:t>Wireframe</a:t>
+            </a:r>
+          </a:p>
+        </p:txBody>
+      </p:sp>
     </p:spTree>
     <p:extLst>
       <p:ext uri="{BB962C8B-B14F-4D97-AF65-F5344CB8AC3E}">
-        <p14:creationId xmlns:p14="http://schemas.microsoft.com/office/powerpoint/2010/main" val="1446076992"/>
+        <p14:creationId xmlns:p14="http://schemas.microsoft.com/office/powerpoint/2010/main" val="3668577574"/>
       </p:ext>
     </p:extLst>
   </p:cSld>
   <p:clrMapOvr>
     <a:masterClrMapping/>
   </p:clrMapOvr>
+  <mc:AlternateContent xmlns:mc="http://schemas.openxmlformats.org/markup-compatibility/2006">
+    <mc:Choice xmlns:p14="http://schemas.microsoft.com/office/powerpoint/2010/main" Requires="p14">
+      <p:transition spd="med" p14:dur="700">
+        <p:fade/>
+      </p:transition>
+    </mc:Choice>
+    <mc:Fallback>
+      <p:transition spd="med">
+        <p:fade/>
+      </p:transition>
+    </mc:Fallback>
+  </mc:AlternateContent>
 </p:sld>
 </file>
 
@@ -11479,24 +11566,59 @@
       </p:grpSpPr>
       <p:sp>
         <p:nvSpPr>
-          <p:cNvPr id="2" name="Title 1">
-            <a:extLst>
-              <a:ext uri="{FF2B5EF4-FFF2-40B4-BE49-F238E27FC236}">
-                <a16:creationId xmlns:a16="http://schemas.microsoft.com/office/drawing/2014/main" id="{B1FE5F11-B7B9-4B80-8C6A-A8A7A7190B77}"/>
-              </a:ext>
-            </a:extLst>
-          </p:cNvPr>
-          <p:cNvSpPr>
-            <a:spLocks noGrp="1"/>
-          </p:cNvSpPr>
-          <p:nvPr>
-            <p:ph type="ctrTitle"/>
-          </p:nvPr>
-        </p:nvSpPr>
-        <p:spPr>
-          <a:xfrm>
-            <a:off x="6991350" y="2148840"/>
-            <a:ext cx="4179570" cy="1715531"/>
+          <p:cNvPr id="3" name="Title 2">
+            <a:extLst>
+              <a:ext uri="{FF2B5EF4-FFF2-40B4-BE49-F238E27FC236}">
+                <a16:creationId xmlns:a16="http://schemas.microsoft.com/office/drawing/2014/main" id="{77762301-F83A-4BEA-9D11-E6C99FB574A8}"/>
+              </a:ext>
+            </a:extLst>
+          </p:cNvPr>
+          <p:cNvSpPr>
+            <a:spLocks noGrp="1"/>
+          </p:cNvSpPr>
+          <p:nvPr>
+            <p:ph type="title"/>
+          </p:nvPr>
+        </p:nvSpPr>
+        <p:spPr>
+          <a:xfrm>
+            <a:off x="166841" y="2449608"/>
+            <a:ext cx="2834536" cy="1325563"/>
+          </a:xfrm>
+        </p:spPr>
+        <p:txBody>
+          <a:bodyPr>
+            <a:normAutofit/>
+          </a:bodyPr>
+          <a:lstStyle/>
+          <a:p>
+            <a:r>
+              <a:rPr lang="en-US" sz="3600" b="1" dirty="0"/>
+              <a:t>wireframe</a:t>
+            </a:r>
+          </a:p>
+        </p:txBody>
+      </p:sp>
+      <p:sp>
+        <p:nvSpPr>
+          <p:cNvPr id="6" name="Date Placeholder 5">
+            <a:extLst>
+              <a:ext uri="{FF2B5EF4-FFF2-40B4-BE49-F238E27FC236}">
+                <a16:creationId xmlns:a16="http://schemas.microsoft.com/office/drawing/2014/main" id="{3627CC26-34EF-4BB9-B289-9EC56B07D1E6}"/>
+              </a:ext>
+            </a:extLst>
+          </p:cNvPr>
+          <p:cNvSpPr>
+            <a:spLocks noGrp="1"/>
+          </p:cNvSpPr>
+          <p:nvPr>
+            <p:ph type="dt" sz="half" idx="10"/>
+          </p:nvPr>
+        </p:nvSpPr>
+        <p:spPr>
+          <a:xfrm>
+            <a:off x="838200" y="6356350"/>
+            <a:ext cx="2743200" cy="365125"/>
           </a:xfrm>
         </p:spPr>
         <p:txBody>
@@ -11505,21 +11627,148 @@
           <a:p>
             <a:r>
               <a:rPr lang="en-US" dirty="0"/>
-              <a:t>Website Demo</a:t>
-            </a:r>
-          </a:p>
-        </p:txBody>
-      </p:sp>
+              <a:t>20XX</a:t>
+            </a:r>
+          </a:p>
+        </p:txBody>
+      </p:sp>
+      <p:sp>
+        <p:nvSpPr>
+          <p:cNvPr id="7" name="Footer Placeholder 6">
+            <a:extLst>
+              <a:ext uri="{FF2B5EF4-FFF2-40B4-BE49-F238E27FC236}">
+                <a16:creationId xmlns:a16="http://schemas.microsoft.com/office/drawing/2014/main" id="{4E98E6AD-9D37-499C-898E-ED12AC36D31D}"/>
+              </a:ext>
+            </a:extLst>
+          </p:cNvPr>
+          <p:cNvSpPr>
+            <a:spLocks noGrp="1"/>
+          </p:cNvSpPr>
+          <p:nvPr>
+            <p:ph type="ftr" sz="quarter" idx="11"/>
+          </p:nvPr>
+        </p:nvSpPr>
+        <p:spPr>
+          <a:xfrm>
+            <a:off x="4038600" y="6356350"/>
+            <a:ext cx="4114800" cy="365125"/>
+          </a:xfrm>
+        </p:spPr>
+        <p:txBody>
+          <a:bodyPr/>
+          <a:lstStyle/>
+          <a:p>
+            <a:r>
+              <a:rPr lang="en-US" dirty="0"/>
+              <a:t>PRESENTATION TITLE</a:t>
+            </a:r>
+          </a:p>
+        </p:txBody>
+      </p:sp>
+      <p:sp>
+        <p:nvSpPr>
+          <p:cNvPr id="8" name="Slide Number Placeholder 7">
+            <a:extLst>
+              <a:ext uri="{FF2B5EF4-FFF2-40B4-BE49-F238E27FC236}">
+                <a16:creationId xmlns:a16="http://schemas.microsoft.com/office/drawing/2014/main" id="{92908AF9-2A07-4B50-BC13-471792106EC8}"/>
+              </a:ext>
+            </a:extLst>
+          </p:cNvPr>
+          <p:cNvSpPr>
+            <a:spLocks noGrp="1"/>
+          </p:cNvSpPr>
+          <p:nvPr>
+            <p:ph type="sldNum" sz="quarter" idx="12"/>
+          </p:nvPr>
+        </p:nvSpPr>
+        <p:spPr>
+          <a:xfrm>
+            <a:off x="8610600" y="6356350"/>
+            <a:ext cx="2743200" cy="365125"/>
+          </a:xfrm>
+        </p:spPr>
+        <p:txBody>
+          <a:bodyPr/>
+          <a:lstStyle/>
+          <a:p>
+            <a:fld id="{A49DFD55-3C28-40EF-9E31-A92D2E4017FF}" type="slidenum">
+              <a:rPr lang="en-US" smtClean="0"/>
+              <a:pPr/>
+              <a:t>18</a:t>
+            </a:fld>
+            <a:endParaRPr lang="en-US" dirty="0"/>
+          </a:p>
+        </p:txBody>
+      </p:sp>
+      <p:pic>
+        <p:nvPicPr>
+          <p:cNvPr id="2052" name="Picture 4">
+            <a:extLst>
+              <a:ext uri="{FF2B5EF4-FFF2-40B4-BE49-F238E27FC236}">
+                <a16:creationId xmlns:a16="http://schemas.microsoft.com/office/drawing/2014/main" id="{0EE82DD9-06CB-4B0A-93D1-53975FDCDEBC}"/>
+              </a:ext>
+            </a:extLst>
+          </p:cNvPr>
+          <p:cNvPicPr>
+            <a:picLocks noChangeAspect="1" noChangeArrowheads="1"/>
+          </p:cNvPicPr>
+          <p:nvPr/>
+        </p:nvPicPr>
+        <p:blipFill>
+          <a:blip r:embed="rId2">
+            <a:extLst>
+              <a:ext uri="{28A0092B-C50C-407E-A947-70E740481C1C}">
+                <a14:useLocalDpi xmlns:a14="http://schemas.microsoft.com/office/drawing/2010/main" val="0"/>
+              </a:ext>
+            </a:extLst>
+          </a:blip>
+          <a:srcRect/>
+          <a:stretch>
+            <a:fillRect/>
+          </a:stretch>
+        </p:blipFill>
+        <p:spPr bwMode="auto">
+          <a:xfrm>
+            <a:off x="3340901" y="219655"/>
+            <a:ext cx="8133344" cy="6638345"/>
+          </a:xfrm>
+          <a:prstGeom prst="rect">
+            <a:avLst/>
+          </a:prstGeom>
+          <a:noFill/>
+          <a:extLst>
+            <a:ext uri="{909E8E84-426E-40DD-AFC4-6F175D3DCCD1}">
+              <a14:hiddenFill xmlns:a14="http://schemas.microsoft.com/office/drawing/2010/main">
+                <a:solidFill>
+                  <a:srgbClr val="FFFFFF"/>
+                </a:solidFill>
+              </a14:hiddenFill>
+            </a:ext>
+          </a:extLst>
+        </p:spPr>
+      </p:pic>
     </p:spTree>
     <p:extLst>
       <p:ext uri="{BB962C8B-B14F-4D97-AF65-F5344CB8AC3E}">
-        <p14:creationId xmlns:p14="http://schemas.microsoft.com/office/powerpoint/2010/main" val="2484502366"/>
+        <p14:creationId xmlns:p14="http://schemas.microsoft.com/office/powerpoint/2010/main" val="1446076992"/>
       </p:ext>
     </p:extLst>
   </p:cSld>
   <p:clrMapOvr>
     <a:masterClrMapping/>
   </p:clrMapOvr>
+  <mc:AlternateContent xmlns:mc="http://schemas.openxmlformats.org/markup-compatibility/2006">
+    <mc:Choice xmlns:p14="http://schemas.microsoft.com/office/powerpoint/2010/main" Requires="p14">
+      <p:transition spd="med" p14:dur="700">
+        <p:fade/>
+      </p:transition>
+    </mc:Choice>
+    <mc:Fallback>
+      <p:transition spd="med">
+        <p:fade/>
+      </p:transition>
+    </mc:Fallback>
+  </mc:AlternateContent>
 </p:sld>
 </file>
 
@@ -11542,24 +11791,24 @@
       </p:grpSpPr>
       <p:sp>
         <p:nvSpPr>
-          <p:cNvPr id="4" name="Date Placeholder 3">
-            <a:extLst>
-              <a:ext uri="{FF2B5EF4-FFF2-40B4-BE49-F238E27FC236}">
-                <a16:creationId xmlns:a16="http://schemas.microsoft.com/office/drawing/2014/main" id="{00560550-EE65-43CE-B899-F421E74287A1}"/>
-              </a:ext>
-            </a:extLst>
-          </p:cNvPr>
-          <p:cNvSpPr>
-            <a:spLocks noGrp="1"/>
-          </p:cNvSpPr>
-          <p:nvPr>
-            <p:ph type="dt" sz="half" idx="10"/>
-          </p:nvPr>
-        </p:nvSpPr>
-        <p:spPr>
-          <a:xfrm>
-            <a:off x="838200" y="6356350"/>
-            <a:ext cx="2743200" cy="365125"/>
+          <p:cNvPr id="2" name="Title 1">
+            <a:extLst>
+              <a:ext uri="{FF2B5EF4-FFF2-40B4-BE49-F238E27FC236}">
+                <a16:creationId xmlns:a16="http://schemas.microsoft.com/office/drawing/2014/main" id="{B1FE5F11-B7B9-4B80-8C6A-A8A7A7190B77}"/>
+              </a:ext>
+            </a:extLst>
+          </p:cNvPr>
+          <p:cNvSpPr>
+            <a:spLocks noGrp="1"/>
+          </p:cNvSpPr>
+          <p:nvPr>
+            <p:ph type="ctrTitle"/>
+          </p:nvPr>
+        </p:nvSpPr>
+        <p:spPr>
+          <a:xfrm>
+            <a:off x="6991350" y="2148840"/>
+            <a:ext cx="4179570" cy="1715531"/>
           </a:xfrm>
         </p:spPr>
         <p:txBody>
@@ -11568,971 +11817,33 @@
           <a:p>
             <a:r>
               <a:rPr lang="en-US" dirty="0"/>
-              <a:t>20XX</a:t>
-            </a:r>
-          </a:p>
-        </p:txBody>
-      </p:sp>
-      <p:sp>
-        <p:nvSpPr>
-          <p:cNvPr id="5" name="Footer Placeholder 4">
-            <a:extLst>
-              <a:ext uri="{FF2B5EF4-FFF2-40B4-BE49-F238E27FC236}">
-                <a16:creationId xmlns:a16="http://schemas.microsoft.com/office/drawing/2014/main" id="{4135E32A-1A8C-43D2-9C6E-12887B4DEDFB}"/>
-              </a:ext>
-            </a:extLst>
-          </p:cNvPr>
-          <p:cNvSpPr>
-            <a:spLocks noGrp="1"/>
-          </p:cNvSpPr>
-          <p:nvPr>
-            <p:ph type="ftr" sz="quarter" idx="11"/>
-          </p:nvPr>
-        </p:nvSpPr>
-        <p:spPr>
-          <a:xfrm>
-            <a:off x="4038600" y="6356350"/>
-            <a:ext cx="4114800" cy="365125"/>
-          </a:xfrm>
-        </p:spPr>
-        <p:txBody>
-          <a:bodyPr/>
-          <a:lstStyle/>
-          <a:p>
-            <a:r>
-              <a:rPr lang="en-US" dirty="0"/>
-              <a:t>PRESENTATION TITLE</a:t>
-            </a:r>
-          </a:p>
-        </p:txBody>
-      </p:sp>
-      <p:sp>
-        <p:nvSpPr>
-          <p:cNvPr id="6" name="Slide Number Placeholder 5">
-            <a:extLst>
-              <a:ext uri="{FF2B5EF4-FFF2-40B4-BE49-F238E27FC236}">
-                <a16:creationId xmlns:a16="http://schemas.microsoft.com/office/drawing/2014/main" id="{7C4B8313-9270-4128-8674-3A3E42B806BC}"/>
-              </a:ext>
-            </a:extLst>
-          </p:cNvPr>
-          <p:cNvSpPr>
-            <a:spLocks noGrp="1"/>
-          </p:cNvSpPr>
-          <p:nvPr>
-            <p:ph type="sldNum" sz="quarter" idx="12"/>
-          </p:nvPr>
-        </p:nvSpPr>
-        <p:spPr>
-          <a:xfrm>
-            <a:off x="8610600" y="6356350"/>
-            <a:ext cx="2743200" cy="365125"/>
-          </a:xfrm>
-        </p:spPr>
-        <p:txBody>
-          <a:bodyPr/>
-          <a:lstStyle/>
-          <a:p>
-            <a:fld id="{A49DFD55-3C28-40EF-9E31-A92D2E4017FF}" type="slidenum">
-              <a:rPr lang="en-US" smtClean="0"/>
-              <a:pPr/>
-              <a:t>19</a:t>
-            </a:fld>
-            <a:endParaRPr lang="en-US" dirty="0"/>
-          </a:p>
-        </p:txBody>
-      </p:sp>
-      <p:sp>
-        <p:nvSpPr>
-          <p:cNvPr id="7" name="Subtitle 2">
-            <a:extLst>
-              <a:ext uri="{FF2B5EF4-FFF2-40B4-BE49-F238E27FC236}">
-                <a16:creationId xmlns:a16="http://schemas.microsoft.com/office/drawing/2014/main" id="{8BE3038E-6FD5-4714-9C5B-818893BDEE47}"/>
-              </a:ext>
-            </a:extLst>
-          </p:cNvPr>
-          <p:cNvSpPr txBox="1">
-            <a:spLocks/>
-          </p:cNvSpPr>
-          <p:nvPr/>
-        </p:nvSpPr>
-        <p:spPr>
-          <a:xfrm>
-            <a:off x="7545471" y="3032340"/>
-            <a:ext cx="4941770" cy="396660"/>
-          </a:xfrm>
-          <a:prstGeom prst="rect">
-            <a:avLst/>
-          </a:prstGeom>
-        </p:spPr>
-        <p:txBody>
-          <a:bodyPr vert="horz" lIns="91440" tIns="45720" rIns="91440" bIns="45720" rtlCol="0">
-            <a:normAutofit/>
-          </a:bodyPr>
-          <a:lstStyle>
-            <a:lvl1pPr marL="0" indent="0" algn="l" defTabSz="914400" rtl="0" eaLnBrk="1" latinLnBrk="0" hangingPunct="1">
-              <a:lnSpc>
-                <a:spcPct val="100000"/>
-              </a:lnSpc>
-              <a:spcBef>
-                <a:spcPts val="1000"/>
-              </a:spcBef>
-              <a:buFont typeface="Arial" panose="020B0604020202020204" pitchFamily="34" charset="0"/>
-              <a:buNone/>
-              <a:defRPr sz="1400" kern="1200" spc="50" baseline="0">
-                <a:solidFill>
-                  <a:schemeClr val="tx1"/>
-                </a:solidFill>
-                <a:latin typeface="+mn-lt"/>
-                <a:ea typeface="+mn-ea"/>
-                <a:cs typeface="+mn-cs"/>
-              </a:defRPr>
-            </a:lvl1pPr>
-            <a:lvl2pPr marL="457200" indent="0" algn="l" defTabSz="914400" rtl="0" eaLnBrk="1" latinLnBrk="0" hangingPunct="1">
-              <a:lnSpc>
-                <a:spcPct val="90000"/>
-              </a:lnSpc>
-              <a:spcBef>
-                <a:spcPts val="500"/>
-              </a:spcBef>
-              <a:buFont typeface="Arial" panose="020B0604020202020204" pitchFamily="34" charset="0"/>
-              <a:buNone/>
-              <a:defRPr sz="2000" kern="1200">
-                <a:solidFill>
-                  <a:schemeClr val="tx1">
-                    <a:tint val="75000"/>
-                  </a:schemeClr>
-                </a:solidFill>
-                <a:latin typeface="+mn-lt"/>
-                <a:ea typeface="+mn-ea"/>
-                <a:cs typeface="+mn-cs"/>
-              </a:defRPr>
-            </a:lvl2pPr>
-            <a:lvl3pPr marL="914400" indent="0" algn="l" defTabSz="914400" rtl="0" eaLnBrk="1" latinLnBrk="0" hangingPunct="1">
-              <a:lnSpc>
-                <a:spcPct val="90000"/>
-              </a:lnSpc>
-              <a:spcBef>
-                <a:spcPts val="500"/>
-              </a:spcBef>
-              <a:buFont typeface="Arial" panose="020B0604020202020204" pitchFamily="34" charset="0"/>
-              <a:buNone/>
-              <a:defRPr sz="1800" kern="1200">
-                <a:solidFill>
-                  <a:schemeClr val="tx1">
-                    <a:tint val="75000"/>
-                  </a:schemeClr>
-                </a:solidFill>
-                <a:latin typeface="+mn-lt"/>
-                <a:ea typeface="+mn-ea"/>
-                <a:cs typeface="+mn-cs"/>
-              </a:defRPr>
-            </a:lvl3pPr>
-            <a:lvl4pPr marL="1371600" indent="0" algn="l" defTabSz="914400" rtl="0" eaLnBrk="1" latinLnBrk="0" hangingPunct="1">
-              <a:lnSpc>
-                <a:spcPct val="90000"/>
-              </a:lnSpc>
-              <a:spcBef>
-                <a:spcPts val="500"/>
-              </a:spcBef>
-              <a:buFont typeface="Arial" panose="020B0604020202020204" pitchFamily="34" charset="0"/>
-              <a:buNone/>
-              <a:defRPr sz="1600" kern="1200">
-                <a:solidFill>
-                  <a:schemeClr val="tx1">
-                    <a:tint val="75000"/>
-                  </a:schemeClr>
-                </a:solidFill>
-                <a:latin typeface="+mn-lt"/>
-                <a:ea typeface="+mn-ea"/>
-                <a:cs typeface="+mn-cs"/>
-              </a:defRPr>
-            </a:lvl4pPr>
-            <a:lvl5pPr marL="1828800" indent="0" algn="l" defTabSz="914400" rtl="0" eaLnBrk="1" latinLnBrk="0" hangingPunct="1">
-              <a:lnSpc>
-                <a:spcPct val="90000"/>
-              </a:lnSpc>
-              <a:spcBef>
-                <a:spcPts val="500"/>
-              </a:spcBef>
-              <a:buFont typeface="Arial" panose="020B0604020202020204" pitchFamily="34" charset="0"/>
-              <a:buNone/>
-              <a:defRPr sz="1600" kern="1200">
-                <a:solidFill>
-                  <a:schemeClr val="tx1">
-                    <a:tint val="75000"/>
-                  </a:schemeClr>
-                </a:solidFill>
-                <a:latin typeface="+mn-lt"/>
-                <a:ea typeface="+mn-ea"/>
-                <a:cs typeface="+mn-cs"/>
-              </a:defRPr>
-            </a:lvl5pPr>
-            <a:lvl6pPr marL="2286000" indent="0" algn="l" defTabSz="914400" rtl="0" eaLnBrk="1" latinLnBrk="0" hangingPunct="1">
-              <a:lnSpc>
-                <a:spcPct val="90000"/>
-              </a:lnSpc>
-              <a:spcBef>
-                <a:spcPts val="500"/>
-              </a:spcBef>
-              <a:buFont typeface="Arial" panose="020B0604020202020204" pitchFamily="34" charset="0"/>
-              <a:buNone/>
-              <a:defRPr sz="1600" kern="1200">
-                <a:solidFill>
-                  <a:schemeClr val="tx1">
-                    <a:tint val="75000"/>
-                  </a:schemeClr>
-                </a:solidFill>
-                <a:latin typeface="+mn-lt"/>
-                <a:ea typeface="+mn-ea"/>
-                <a:cs typeface="+mn-cs"/>
-              </a:defRPr>
-            </a:lvl6pPr>
-            <a:lvl7pPr marL="2743200" indent="0" algn="l" defTabSz="914400" rtl="0" eaLnBrk="1" latinLnBrk="0" hangingPunct="1">
-              <a:lnSpc>
-                <a:spcPct val="90000"/>
-              </a:lnSpc>
-              <a:spcBef>
-                <a:spcPts val="500"/>
-              </a:spcBef>
-              <a:buFont typeface="Arial" panose="020B0604020202020204" pitchFamily="34" charset="0"/>
-              <a:buNone/>
-              <a:defRPr sz="1600" kern="1200">
-                <a:solidFill>
-                  <a:schemeClr val="tx1">
-                    <a:tint val="75000"/>
-                  </a:schemeClr>
-                </a:solidFill>
-                <a:latin typeface="+mn-lt"/>
-                <a:ea typeface="+mn-ea"/>
-                <a:cs typeface="+mn-cs"/>
-              </a:defRPr>
-            </a:lvl7pPr>
-            <a:lvl8pPr marL="3200400" indent="0" algn="l" defTabSz="914400" rtl="0" eaLnBrk="1" latinLnBrk="0" hangingPunct="1">
-              <a:lnSpc>
-                <a:spcPct val="90000"/>
-              </a:lnSpc>
-              <a:spcBef>
-                <a:spcPts val="500"/>
-              </a:spcBef>
-              <a:buFont typeface="Arial" panose="020B0604020202020204" pitchFamily="34" charset="0"/>
-              <a:buNone/>
-              <a:defRPr sz="1600" kern="1200">
-                <a:solidFill>
-                  <a:schemeClr val="tx1">
-                    <a:tint val="75000"/>
-                  </a:schemeClr>
-                </a:solidFill>
-                <a:latin typeface="+mn-lt"/>
-                <a:ea typeface="+mn-ea"/>
-                <a:cs typeface="+mn-cs"/>
-              </a:defRPr>
-            </a:lvl8pPr>
-            <a:lvl9pPr marL="3657600" indent="0" algn="l" defTabSz="914400" rtl="0" eaLnBrk="1" latinLnBrk="0" hangingPunct="1">
-              <a:lnSpc>
-                <a:spcPct val="90000"/>
-              </a:lnSpc>
-              <a:spcBef>
-                <a:spcPts val="500"/>
-              </a:spcBef>
-              <a:buFont typeface="Arial" panose="020B0604020202020204" pitchFamily="34" charset="0"/>
-              <a:buNone/>
-              <a:defRPr sz="1600" kern="1200">
-                <a:solidFill>
-                  <a:schemeClr val="tx1">
-                    <a:tint val="75000"/>
-                  </a:schemeClr>
-                </a:solidFill>
-                <a:latin typeface="+mn-lt"/>
-                <a:ea typeface="+mn-ea"/>
-                <a:cs typeface="+mn-cs"/>
-              </a:defRPr>
-            </a:lvl9pPr>
-          </a:lstStyle>
-          <a:p>
-            <a:r>
-              <a:rPr lang="en-US" dirty="0"/>
-              <a:t>By: Sied Jeremiah Ibarra</a:t>
-            </a:r>
-          </a:p>
-        </p:txBody>
-      </p:sp>
-      <p:sp>
-        <p:nvSpPr>
-          <p:cNvPr id="8" name="Subtitle 2">
-            <a:extLst>
-              <a:ext uri="{FF2B5EF4-FFF2-40B4-BE49-F238E27FC236}">
-                <a16:creationId xmlns:a16="http://schemas.microsoft.com/office/drawing/2014/main" id="{FD0C3527-12F2-4516-84C2-25867599BDB8}"/>
-              </a:ext>
-            </a:extLst>
-          </p:cNvPr>
-          <p:cNvSpPr txBox="1">
-            <a:spLocks/>
-          </p:cNvSpPr>
-          <p:nvPr/>
-        </p:nvSpPr>
-        <p:spPr>
-          <a:xfrm>
-            <a:off x="7545471" y="2170476"/>
-            <a:ext cx="4941770" cy="758417"/>
-          </a:xfrm>
-          <a:prstGeom prst="rect">
-            <a:avLst/>
-          </a:prstGeom>
-        </p:spPr>
-        <p:txBody>
-          <a:bodyPr vert="horz" lIns="91440" tIns="45720" rIns="91440" bIns="45720" rtlCol="0">
-            <a:noAutofit/>
-          </a:bodyPr>
-          <a:lstStyle>
-            <a:lvl1pPr marL="0" indent="0" algn="l" defTabSz="914400" rtl="0" eaLnBrk="1" latinLnBrk="0" hangingPunct="1">
-              <a:lnSpc>
-                <a:spcPct val="90000"/>
-              </a:lnSpc>
-              <a:spcBef>
-                <a:spcPts val="1000"/>
-              </a:spcBef>
-              <a:buFont typeface="Arial" panose="020B0604020202020204" pitchFamily="34" charset="0"/>
-              <a:buNone/>
-              <a:defRPr sz="1600" kern="1200">
-                <a:solidFill>
-                  <a:schemeClr val="tx1"/>
-                </a:solidFill>
-                <a:latin typeface="+mn-lt"/>
-                <a:ea typeface="+mn-ea"/>
-                <a:cs typeface="+mn-cs"/>
-              </a:defRPr>
-            </a:lvl1pPr>
-            <a:lvl2pPr marL="457200" indent="0" algn="ctr" defTabSz="914400" rtl="0" eaLnBrk="1" latinLnBrk="0" hangingPunct="1">
-              <a:lnSpc>
-                <a:spcPct val="90000"/>
-              </a:lnSpc>
-              <a:spcBef>
-                <a:spcPts val="500"/>
-              </a:spcBef>
-              <a:buFont typeface="Arial" panose="020B0604020202020204" pitchFamily="34" charset="0"/>
-              <a:buNone/>
-              <a:defRPr sz="2000" kern="1200">
-                <a:solidFill>
-                  <a:schemeClr val="tx1"/>
-                </a:solidFill>
-                <a:latin typeface="+mn-lt"/>
-                <a:ea typeface="+mn-ea"/>
-                <a:cs typeface="+mn-cs"/>
-              </a:defRPr>
-            </a:lvl2pPr>
-            <a:lvl3pPr marL="914400" indent="0" algn="ctr" defTabSz="914400" rtl="0" eaLnBrk="1" latinLnBrk="0" hangingPunct="1">
-              <a:lnSpc>
-                <a:spcPct val="90000"/>
-              </a:lnSpc>
-              <a:spcBef>
-                <a:spcPts val="500"/>
-              </a:spcBef>
-              <a:buFont typeface="Arial" panose="020B0604020202020204" pitchFamily="34" charset="0"/>
-              <a:buNone/>
-              <a:defRPr sz="1800" kern="1200">
-                <a:solidFill>
-                  <a:schemeClr val="tx1"/>
-                </a:solidFill>
-                <a:latin typeface="+mn-lt"/>
-                <a:ea typeface="+mn-ea"/>
-                <a:cs typeface="+mn-cs"/>
-              </a:defRPr>
-            </a:lvl3pPr>
-            <a:lvl4pPr marL="1371600" indent="0" algn="ctr" defTabSz="914400" rtl="0" eaLnBrk="1" latinLnBrk="0" hangingPunct="1">
-              <a:lnSpc>
-                <a:spcPct val="90000"/>
-              </a:lnSpc>
-              <a:spcBef>
-                <a:spcPts val="500"/>
-              </a:spcBef>
-              <a:buFont typeface="Arial" panose="020B0604020202020204" pitchFamily="34" charset="0"/>
-              <a:buNone/>
-              <a:defRPr sz="1600" kern="1200">
-                <a:solidFill>
-                  <a:schemeClr val="tx1"/>
-                </a:solidFill>
-                <a:latin typeface="+mn-lt"/>
-                <a:ea typeface="+mn-ea"/>
-                <a:cs typeface="+mn-cs"/>
-              </a:defRPr>
-            </a:lvl4pPr>
-            <a:lvl5pPr marL="1828800" indent="0" algn="ctr" defTabSz="914400" rtl="0" eaLnBrk="1" latinLnBrk="0" hangingPunct="1">
-              <a:lnSpc>
-                <a:spcPct val="90000"/>
-              </a:lnSpc>
-              <a:spcBef>
-                <a:spcPts val="500"/>
-              </a:spcBef>
-              <a:buFont typeface="Arial" panose="020B0604020202020204" pitchFamily="34" charset="0"/>
-              <a:buNone/>
-              <a:defRPr sz="1600" kern="1200">
-                <a:solidFill>
-                  <a:schemeClr val="tx1"/>
-                </a:solidFill>
-                <a:latin typeface="+mn-lt"/>
-                <a:ea typeface="+mn-ea"/>
-                <a:cs typeface="+mn-cs"/>
-              </a:defRPr>
-            </a:lvl5pPr>
-            <a:lvl6pPr marL="2286000" indent="0" algn="ctr" defTabSz="914400" rtl="0" eaLnBrk="1" latinLnBrk="0" hangingPunct="1">
-              <a:lnSpc>
-                <a:spcPct val="90000"/>
-              </a:lnSpc>
-              <a:spcBef>
-                <a:spcPts val="500"/>
-              </a:spcBef>
-              <a:buFont typeface="Arial" panose="020B0604020202020204" pitchFamily="34" charset="0"/>
-              <a:buNone/>
-              <a:defRPr sz="1600" kern="1200">
-                <a:solidFill>
-                  <a:schemeClr val="tx1"/>
-                </a:solidFill>
-                <a:latin typeface="+mn-lt"/>
-                <a:ea typeface="+mn-ea"/>
-                <a:cs typeface="+mn-cs"/>
-              </a:defRPr>
-            </a:lvl6pPr>
-            <a:lvl7pPr marL="2743200" indent="0" algn="ctr" defTabSz="914400" rtl="0" eaLnBrk="1" latinLnBrk="0" hangingPunct="1">
-              <a:lnSpc>
-                <a:spcPct val="90000"/>
-              </a:lnSpc>
-              <a:spcBef>
-                <a:spcPts val="500"/>
-              </a:spcBef>
-              <a:buFont typeface="Arial" panose="020B0604020202020204" pitchFamily="34" charset="0"/>
-              <a:buNone/>
-              <a:defRPr sz="1600" kern="1200">
-                <a:solidFill>
-                  <a:schemeClr val="tx1"/>
-                </a:solidFill>
-                <a:latin typeface="+mn-lt"/>
-                <a:ea typeface="+mn-ea"/>
-                <a:cs typeface="+mn-cs"/>
-              </a:defRPr>
-            </a:lvl7pPr>
-            <a:lvl8pPr marL="3200400" indent="0" algn="ctr" defTabSz="914400" rtl="0" eaLnBrk="1" latinLnBrk="0" hangingPunct="1">
-              <a:lnSpc>
-                <a:spcPct val="90000"/>
-              </a:lnSpc>
-              <a:spcBef>
-                <a:spcPts val="500"/>
-              </a:spcBef>
-              <a:buFont typeface="Arial" panose="020B0604020202020204" pitchFamily="34" charset="0"/>
-              <a:buNone/>
-              <a:defRPr sz="1600" kern="1200">
-                <a:solidFill>
-                  <a:schemeClr val="tx1"/>
-                </a:solidFill>
-                <a:latin typeface="+mn-lt"/>
-                <a:ea typeface="+mn-ea"/>
-                <a:cs typeface="+mn-cs"/>
-              </a:defRPr>
-            </a:lvl8pPr>
-            <a:lvl9pPr marL="3657600" indent="0" algn="ctr" defTabSz="914400" rtl="0" eaLnBrk="1" latinLnBrk="0" hangingPunct="1">
-              <a:lnSpc>
-                <a:spcPct val="90000"/>
-              </a:lnSpc>
-              <a:spcBef>
-                <a:spcPts val="500"/>
-              </a:spcBef>
-              <a:buFont typeface="Arial" panose="020B0604020202020204" pitchFamily="34" charset="0"/>
-              <a:buNone/>
-              <a:defRPr sz="1600" kern="1200">
-                <a:solidFill>
-                  <a:schemeClr val="tx1"/>
-                </a:solidFill>
-                <a:latin typeface="+mn-lt"/>
-                <a:ea typeface="+mn-ea"/>
-                <a:cs typeface="+mn-cs"/>
-              </a:defRPr>
-            </a:lvl9pPr>
-          </a:lstStyle>
-          <a:p>
-            <a:r>
-              <a:rPr lang="en-US" sz="5400" b="1" dirty="0">
-                <a:solidFill>
-                  <a:srgbClr val="0070C0"/>
-                </a:solidFill>
-              </a:rPr>
-              <a:t>Road</a:t>
-            </a:r>
-            <a:r>
-              <a:rPr lang="en-US" sz="5400" b="1" i="1" dirty="0"/>
-              <a:t>/vise.</a:t>
-            </a:r>
-            <a:endParaRPr lang="en-US" sz="5400" b="1" dirty="0"/>
-          </a:p>
-        </p:txBody>
-      </p:sp>
-      <p:sp>
-        <p:nvSpPr>
-          <p:cNvPr id="9" name="Subtitle 2">
-            <a:extLst>
-              <a:ext uri="{FF2B5EF4-FFF2-40B4-BE49-F238E27FC236}">
-                <a16:creationId xmlns:a16="http://schemas.microsoft.com/office/drawing/2014/main" id="{6791EC9B-C80D-42CE-84B9-3C8070F8BC3B}"/>
-              </a:ext>
-            </a:extLst>
-          </p:cNvPr>
-          <p:cNvSpPr txBox="1">
-            <a:spLocks/>
-          </p:cNvSpPr>
-          <p:nvPr/>
-        </p:nvSpPr>
-        <p:spPr>
-          <a:xfrm>
-            <a:off x="7545471" y="1773816"/>
-            <a:ext cx="4941770" cy="396660"/>
-          </a:xfrm>
-          <a:prstGeom prst="rect">
-            <a:avLst/>
-          </a:prstGeom>
-        </p:spPr>
-        <p:txBody>
-          <a:bodyPr vert="horz" lIns="91440" tIns="45720" rIns="91440" bIns="45720" rtlCol="0">
-            <a:noAutofit/>
-          </a:bodyPr>
-          <a:lstStyle>
-            <a:lvl1pPr marL="0" indent="0" algn="l" defTabSz="914400" rtl="0" eaLnBrk="1" latinLnBrk="0" hangingPunct="1">
-              <a:lnSpc>
-                <a:spcPct val="90000"/>
-              </a:lnSpc>
-              <a:spcBef>
-                <a:spcPts val="1000"/>
-              </a:spcBef>
-              <a:buFont typeface="Arial" panose="020B0604020202020204" pitchFamily="34" charset="0"/>
-              <a:buNone/>
-              <a:defRPr sz="1600" kern="1200">
-                <a:solidFill>
-                  <a:schemeClr val="tx1"/>
-                </a:solidFill>
-                <a:latin typeface="+mn-lt"/>
-                <a:ea typeface="+mn-ea"/>
-                <a:cs typeface="+mn-cs"/>
-              </a:defRPr>
-            </a:lvl1pPr>
-            <a:lvl2pPr marL="457200" indent="0" algn="ctr" defTabSz="914400" rtl="0" eaLnBrk="1" latinLnBrk="0" hangingPunct="1">
-              <a:lnSpc>
-                <a:spcPct val="90000"/>
-              </a:lnSpc>
-              <a:spcBef>
-                <a:spcPts val="500"/>
-              </a:spcBef>
-              <a:buFont typeface="Arial" panose="020B0604020202020204" pitchFamily="34" charset="0"/>
-              <a:buNone/>
-              <a:defRPr sz="2000" kern="1200">
-                <a:solidFill>
-                  <a:schemeClr val="tx1"/>
-                </a:solidFill>
-                <a:latin typeface="+mn-lt"/>
-                <a:ea typeface="+mn-ea"/>
-                <a:cs typeface="+mn-cs"/>
-              </a:defRPr>
-            </a:lvl2pPr>
-            <a:lvl3pPr marL="914400" indent="0" algn="ctr" defTabSz="914400" rtl="0" eaLnBrk="1" latinLnBrk="0" hangingPunct="1">
-              <a:lnSpc>
-                <a:spcPct val="90000"/>
-              </a:lnSpc>
-              <a:spcBef>
-                <a:spcPts val="500"/>
-              </a:spcBef>
-              <a:buFont typeface="Arial" panose="020B0604020202020204" pitchFamily="34" charset="0"/>
-              <a:buNone/>
-              <a:defRPr sz="1800" kern="1200">
-                <a:solidFill>
-                  <a:schemeClr val="tx1"/>
-                </a:solidFill>
-                <a:latin typeface="+mn-lt"/>
-                <a:ea typeface="+mn-ea"/>
-                <a:cs typeface="+mn-cs"/>
-              </a:defRPr>
-            </a:lvl3pPr>
-            <a:lvl4pPr marL="1371600" indent="0" algn="ctr" defTabSz="914400" rtl="0" eaLnBrk="1" latinLnBrk="0" hangingPunct="1">
-              <a:lnSpc>
-                <a:spcPct val="90000"/>
-              </a:lnSpc>
-              <a:spcBef>
-                <a:spcPts val="500"/>
-              </a:spcBef>
-              <a:buFont typeface="Arial" panose="020B0604020202020204" pitchFamily="34" charset="0"/>
-              <a:buNone/>
-              <a:defRPr sz="1600" kern="1200">
-                <a:solidFill>
-                  <a:schemeClr val="tx1"/>
-                </a:solidFill>
-                <a:latin typeface="+mn-lt"/>
-                <a:ea typeface="+mn-ea"/>
-                <a:cs typeface="+mn-cs"/>
-              </a:defRPr>
-            </a:lvl4pPr>
-            <a:lvl5pPr marL="1828800" indent="0" algn="ctr" defTabSz="914400" rtl="0" eaLnBrk="1" latinLnBrk="0" hangingPunct="1">
-              <a:lnSpc>
-                <a:spcPct val="90000"/>
-              </a:lnSpc>
-              <a:spcBef>
-                <a:spcPts val="500"/>
-              </a:spcBef>
-              <a:buFont typeface="Arial" panose="020B0604020202020204" pitchFamily="34" charset="0"/>
-              <a:buNone/>
-              <a:defRPr sz="1600" kern="1200">
-                <a:solidFill>
-                  <a:schemeClr val="tx1"/>
-                </a:solidFill>
-                <a:latin typeface="+mn-lt"/>
-                <a:ea typeface="+mn-ea"/>
-                <a:cs typeface="+mn-cs"/>
-              </a:defRPr>
-            </a:lvl5pPr>
-            <a:lvl6pPr marL="2286000" indent="0" algn="ctr" defTabSz="914400" rtl="0" eaLnBrk="1" latinLnBrk="0" hangingPunct="1">
-              <a:lnSpc>
-                <a:spcPct val="90000"/>
-              </a:lnSpc>
-              <a:spcBef>
-                <a:spcPts val="500"/>
-              </a:spcBef>
-              <a:buFont typeface="Arial" panose="020B0604020202020204" pitchFamily="34" charset="0"/>
-              <a:buNone/>
-              <a:defRPr sz="1600" kern="1200">
-                <a:solidFill>
-                  <a:schemeClr val="tx1"/>
-                </a:solidFill>
-                <a:latin typeface="+mn-lt"/>
-                <a:ea typeface="+mn-ea"/>
-                <a:cs typeface="+mn-cs"/>
-              </a:defRPr>
-            </a:lvl6pPr>
-            <a:lvl7pPr marL="2743200" indent="0" algn="ctr" defTabSz="914400" rtl="0" eaLnBrk="1" latinLnBrk="0" hangingPunct="1">
-              <a:lnSpc>
-                <a:spcPct val="90000"/>
-              </a:lnSpc>
-              <a:spcBef>
-                <a:spcPts val="500"/>
-              </a:spcBef>
-              <a:buFont typeface="Arial" panose="020B0604020202020204" pitchFamily="34" charset="0"/>
-              <a:buNone/>
-              <a:defRPr sz="1600" kern="1200">
-                <a:solidFill>
-                  <a:schemeClr val="tx1"/>
-                </a:solidFill>
-                <a:latin typeface="+mn-lt"/>
-                <a:ea typeface="+mn-ea"/>
-                <a:cs typeface="+mn-cs"/>
-              </a:defRPr>
-            </a:lvl7pPr>
-            <a:lvl8pPr marL="3200400" indent="0" algn="ctr" defTabSz="914400" rtl="0" eaLnBrk="1" latinLnBrk="0" hangingPunct="1">
-              <a:lnSpc>
-                <a:spcPct val="90000"/>
-              </a:lnSpc>
-              <a:spcBef>
-                <a:spcPts val="500"/>
-              </a:spcBef>
-              <a:buFont typeface="Arial" panose="020B0604020202020204" pitchFamily="34" charset="0"/>
-              <a:buNone/>
-              <a:defRPr sz="1600" kern="1200">
-                <a:solidFill>
-                  <a:schemeClr val="tx1"/>
-                </a:solidFill>
-                <a:latin typeface="+mn-lt"/>
-                <a:ea typeface="+mn-ea"/>
-                <a:cs typeface="+mn-cs"/>
-              </a:defRPr>
-            </a:lvl8pPr>
-            <a:lvl9pPr marL="3657600" indent="0" algn="ctr" defTabSz="914400" rtl="0" eaLnBrk="1" latinLnBrk="0" hangingPunct="1">
-              <a:lnSpc>
-                <a:spcPct val="90000"/>
-              </a:lnSpc>
-              <a:spcBef>
-                <a:spcPts val="500"/>
-              </a:spcBef>
-              <a:buFont typeface="Arial" panose="020B0604020202020204" pitchFamily="34" charset="0"/>
-              <a:buNone/>
-              <a:defRPr sz="1600" kern="1200">
-                <a:solidFill>
-                  <a:schemeClr val="tx1"/>
-                </a:solidFill>
-                <a:latin typeface="+mn-lt"/>
-                <a:ea typeface="+mn-ea"/>
-                <a:cs typeface="+mn-cs"/>
-              </a:defRPr>
-            </a:lvl9pPr>
-          </a:lstStyle>
-          <a:p>
-            <a:r>
-              <a:rPr lang="en-US" sz="2800" dirty="0"/>
-              <a:t>WELCOME TO</a:t>
-            </a:r>
-          </a:p>
-        </p:txBody>
-      </p:sp>
-      <p:pic>
-        <p:nvPicPr>
-          <p:cNvPr id="10" name="Picture 9" descr="Logo&#10;&#10;Description automatically generated">
-            <a:extLst>
-              <a:ext uri="{FF2B5EF4-FFF2-40B4-BE49-F238E27FC236}">
-                <a16:creationId xmlns:a16="http://schemas.microsoft.com/office/drawing/2014/main" id="{76F3DF28-6453-4669-812D-AC0F2EF2D5AA}"/>
-              </a:ext>
-            </a:extLst>
-          </p:cNvPr>
-          <p:cNvPicPr>
-            <a:picLocks noChangeAspect="1"/>
-          </p:cNvPicPr>
-          <p:nvPr/>
-        </p:nvPicPr>
-        <p:blipFill>
-          <a:blip r:embed="rId2"/>
-          <a:stretch>
-            <a:fillRect/>
-          </a:stretch>
-        </p:blipFill>
-        <p:spPr>
-          <a:xfrm>
-            <a:off x="5220138" y="770387"/>
-            <a:ext cx="2460283" cy="2460283"/>
-          </a:xfrm>
-          <a:prstGeom prst="rect">
-            <a:avLst/>
-          </a:prstGeom>
-        </p:spPr>
-      </p:pic>
-      <p:sp>
-        <p:nvSpPr>
-          <p:cNvPr id="15" name="Subtitle 2">
-            <a:extLst>
-              <a:ext uri="{FF2B5EF4-FFF2-40B4-BE49-F238E27FC236}">
-                <a16:creationId xmlns:a16="http://schemas.microsoft.com/office/drawing/2014/main" id="{9C1C6CBD-24D8-47B5-8B06-7DC15247EC46}"/>
-              </a:ext>
-            </a:extLst>
-          </p:cNvPr>
-          <p:cNvSpPr txBox="1">
-            <a:spLocks/>
-          </p:cNvSpPr>
-          <p:nvPr/>
-        </p:nvSpPr>
-        <p:spPr>
-          <a:xfrm>
-            <a:off x="5519967" y="4111880"/>
-            <a:ext cx="5996671" cy="1499780"/>
-          </a:xfrm>
-          <a:prstGeom prst="rect">
-            <a:avLst/>
-          </a:prstGeom>
-        </p:spPr>
-        <p:txBody>
-          <a:bodyPr vert="horz" lIns="91440" tIns="45720" rIns="91440" bIns="45720" rtlCol="0">
-            <a:normAutofit/>
-          </a:bodyPr>
-          <a:lstStyle>
-            <a:lvl1pPr marL="0" indent="0" algn="l" defTabSz="914400" rtl="0" eaLnBrk="1" latinLnBrk="0" hangingPunct="1">
-              <a:lnSpc>
-                <a:spcPct val="100000"/>
-              </a:lnSpc>
-              <a:spcBef>
-                <a:spcPts val="1000"/>
-              </a:spcBef>
-              <a:buFont typeface="Arial" panose="020B0604020202020204" pitchFamily="34" charset="0"/>
-              <a:buNone/>
-              <a:defRPr sz="1400" kern="1200" spc="50" baseline="0">
-                <a:solidFill>
-                  <a:schemeClr val="tx1"/>
-                </a:solidFill>
-                <a:latin typeface="+mn-lt"/>
-                <a:ea typeface="+mn-ea"/>
-                <a:cs typeface="+mn-cs"/>
-              </a:defRPr>
-            </a:lvl1pPr>
-            <a:lvl2pPr marL="457200" indent="0" algn="l" defTabSz="914400" rtl="0" eaLnBrk="1" latinLnBrk="0" hangingPunct="1">
-              <a:lnSpc>
-                <a:spcPct val="90000"/>
-              </a:lnSpc>
-              <a:spcBef>
-                <a:spcPts val="500"/>
-              </a:spcBef>
-              <a:buFont typeface="Arial" panose="020B0604020202020204" pitchFamily="34" charset="0"/>
-              <a:buNone/>
-              <a:defRPr sz="2000" kern="1200">
-                <a:solidFill>
-                  <a:schemeClr val="tx1">
-                    <a:tint val="75000"/>
-                  </a:schemeClr>
-                </a:solidFill>
-                <a:latin typeface="+mn-lt"/>
-                <a:ea typeface="+mn-ea"/>
-                <a:cs typeface="+mn-cs"/>
-              </a:defRPr>
-            </a:lvl2pPr>
-            <a:lvl3pPr marL="914400" indent="0" algn="l" defTabSz="914400" rtl="0" eaLnBrk="1" latinLnBrk="0" hangingPunct="1">
-              <a:lnSpc>
-                <a:spcPct val="90000"/>
-              </a:lnSpc>
-              <a:spcBef>
-                <a:spcPts val="500"/>
-              </a:spcBef>
-              <a:buFont typeface="Arial" panose="020B0604020202020204" pitchFamily="34" charset="0"/>
-              <a:buNone/>
-              <a:defRPr sz="1800" kern="1200">
-                <a:solidFill>
-                  <a:schemeClr val="tx1">
-                    <a:tint val="75000"/>
-                  </a:schemeClr>
-                </a:solidFill>
-                <a:latin typeface="+mn-lt"/>
-                <a:ea typeface="+mn-ea"/>
-                <a:cs typeface="+mn-cs"/>
-              </a:defRPr>
-            </a:lvl3pPr>
-            <a:lvl4pPr marL="1371600" indent="0" algn="l" defTabSz="914400" rtl="0" eaLnBrk="1" latinLnBrk="0" hangingPunct="1">
-              <a:lnSpc>
-                <a:spcPct val="90000"/>
-              </a:lnSpc>
-              <a:spcBef>
-                <a:spcPts val="500"/>
-              </a:spcBef>
-              <a:buFont typeface="Arial" panose="020B0604020202020204" pitchFamily="34" charset="0"/>
-              <a:buNone/>
-              <a:defRPr sz="1600" kern="1200">
-                <a:solidFill>
-                  <a:schemeClr val="tx1">
-                    <a:tint val="75000"/>
-                  </a:schemeClr>
-                </a:solidFill>
-                <a:latin typeface="+mn-lt"/>
-                <a:ea typeface="+mn-ea"/>
-                <a:cs typeface="+mn-cs"/>
-              </a:defRPr>
-            </a:lvl4pPr>
-            <a:lvl5pPr marL="1828800" indent="0" algn="l" defTabSz="914400" rtl="0" eaLnBrk="1" latinLnBrk="0" hangingPunct="1">
-              <a:lnSpc>
-                <a:spcPct val="90000"/>
-              </a:lnSpc>
-              <a:spcBef>
-                <a:spcPts val="500"/>
-              </a:spcBef>
-              <a:buFont typeface="Arial" panose="020B0604020202020204" pitchFamily="34" charset="0"/>
-              <a:buNone/>
-              <a:defRPr sz="1600" kern="1200">
-                <a:solidFill>
-                  <a:schemeClr val="tx1">
-                    <a:tint val="75000"/>
-                  </a:schemeClr>
-                </a:solidFill>
-                <a:latin typeface="+mn-lt"/>
-                <a:ea typeface="+mn-ea"/>
-                <a:cs typeface="+mn-cs"/>
-              </a:defRPr>
-            </a:lvl5pPr>
-            <a:lvl6pPr marL="2286000" indent="0" algn="l" defTabSz="914400" rtl="0" eaLnBrk="1" latinLnBrk="0" hangingPunct="1">
-              <a:lnSpc>
-                <a:spcPct val="90000"/>
-              </a:lnSpc>
-              <a:spcBef>
-                <a:spcPts val="500"/>
-              </a:spcBef>
-              <a:buFont typeface="Arial" panose="020B0604020202020204" pitchFamily="34" charset="0"/>
-              <a:buNone/>
-              <a:defRPr sz="1600" kern="1200">
-                <a:solidFill>
-                  <a:schemeClr val="tx1">
-                    <a:tint val="75000"/>
-                  </a:schemeClr>
-                </a:solidFill>
-                <a:latin typeface="+mn-lt"/>
-                <a:ea typeface="+mn-ea"/>
-                <a:cs typeface="+mn-cs"/>
-              </a:defRPr>
-            </a:lvl6pPr>
-            <a:lvl7pPr marL="2743200" indent="0" algn="l" defTabSz="914400" rtl="0" eaLnBrk="1" latinLnBrk="0" hangingPunct="1">
-              <a:lnSpc>
-                <a:spcPct val="90000"/>
-              </a:lnSpc>
-              <a:spcBef>
-                <a:spcPts val="500"/>
-              </a:spcBef>
-              <a:buFont typeface="Arial" panose="020B0604020202020204" pitchFamily="34" charset="0"/>
-              <a:buNone/>
-              <a:defRPr sz="1600" kern="1200">
-                <a:solidFill>
-                  <a:schemeClr val="tx1">
-                    <a:tint val="75000"/>
-                  </a:schemeClr>
-                </a:solidFill>
-                <a:latin typeface="+mn-lt"/>
-                <a:ea typeface="+mn-ea"/>
-                <a:cs typeface="+mn-cs"/>
-              </a:defRPr>
-            </a:lvl7pPr>
-            <a:lvl8pPr marL="3200400" indent="0" algn="l" defTabSz="914400" rtl="0" eaLnBrk="1" latinLnBrk="0" hangingPunct="1">
-              <a:lnSpc>
-                <a:spcPct val="90000"/>
-              </a:lnSpc>
-              <a:spcBef>
-                <a:spcPts val="500"/>
-              </a:spcBef>
-              <a:buFont typeface="Arial" panose="020B0604020202020204" pitchFamily="34" charset="0"/>
-              <a:buNone/>
-              <a:defRPr sz="1600" kern="1200">
-                <a:solidFill>
-                  <a:schemeClr val="tx1">
-                    <a:tint val="75000"/>
-                  </a:schemeClr>
-                </a:solidFill>
-                <a:latin typeface="+mn-lt"/>
-                <a:ea typeface="+mn-ea"/>
-                <a:cs typeface="+mn-cs"/>
-              </a:defRPr>
-            </a:lvl8pPr>
-            <a:lvl9pPr marL="3657600" indent="0" algn="l" defTabSz="914400" rtl="0" eaLnBrk="1" latinLnBrk="0" hangingPunct="1">
-              <a:lnSpc>
-                <a:spcPct val="90000"/>
-              </a:lnSpc>
-              <a:spcBef>
-                <a:spcPts val="500"/>
-              </a:spcBef>
-              <a:buFont typeface="Arial" panose="020B0604020202020204" pitchFamily="34" charset="0"/>
-              <a:buNone/>
-              <a:defRPr sz="1600" kern="1200">
-                <a:solidFill>
-                  <a:schemeClr val="tx1">
-                    <a:tint val="75000"/>
-                  </a:schemeClr>
-                </a:solidFill>
-                <a:latin typeface="+mn-lt"/>
-                <a:ea typeface="+mn-ea"/>
-                <a:cs typeface="+mn-cs"/>
-              </a:defRPr>
-            </a:lvl9pPr>
-          </a:lstStyle>
-          <a:p>
-            <a:r>
-              <a:rPr lang="en-US" sz="2000" dirty="0"/>
-              <a:t>Live link:</a:t>
-            </a:r>
-          </a:p>
-          <a:p>
-            <a:r>
-              <a:rPr lang="en-US" sz="1600" dirty="0"/>
-              <a:t> </a:t>
-            </a:r>
-            <a:r>
-              <a:rPr lang="en-PH" sz="2000" b="1" i="0" u="none" strike="noStrike" dirty="0">
-                <a:effectLst/>
-                <a:latin typeface="-apple-system"/>
-                <a:hlinkClick r:id="rId3"/>
-              </a:rPr>
-              <a:t>https://siedibarra.github.io/css-sample/</a:t>
-            </a:r>
-            <a:endParaRPr lang="en-US" sz="1600" dirty="0"/>
+              <a:t>Website Demo</a:t>
+            </a:r>
           </a:p>
         </p:txBody>
       </p:sp>
     </p:spTree>
     <p:extLst>
       <p:ext uri="{BB962C8B-B14F-4D97-AF65-F5344CB8AC3E}">
-        <p14:creationId xmlns:p14="http://schemas.microsoft.com/office/powerpoint/2010/main" val="1742861620"/>
+        <p14:creationId xmlns:p14="http://schemas.microsoft.com/office/powerpoint/2010/main" val="2484502366"/>
       </p:ext>
     </p:extLst>
   </p:cSld>
   <p:clrMapOvr>
     <a:masterClrMapping/>
   </p:clrMapOvr>
+  <mc:AlternateContent xmlns:mc="http://schemas.openxmlformats.org/markup-compatibility/2006">
+    <mc:Choice xmlns:p14="http://schemas.microsoft.com/office/powerpoint/2010/main" Requires="p14">
+      <p:transition spd="med" p14:dur="700">
+        <p:fade/>
+      </p:transition>
+    </mc:Choice>
+    <mc:Fallback>
+      <p:transition spd="med">
+        <p:fade/>
+      </p:transition>
+    </mc:Fallback>
+  </mc:AlternateContent>
 </p:sld>
 </file>
 
@@ -12555,24 +11866,24 @@
       </p:grpSpPr>
       <p:sp>
         <p:nvSpPr>
-          <p:cNvPr id="2" name="Title 1">
-            <a:extLst>
-              <a:ext uri="{FF2B5EF4-FFF2-40B4-BE49-F238E27FC236}">
-                <a16:creationId xmlns:a16="http://schemas.microsoft.com/office/drawing/2014/main" id="{1BEF5859-10C9-4588-9727-B9362E26C29D}"/>
-              </a:ext>
-            </a:extLst>
-          </p:cNvPr>
-          <p:cNvSpPr>
-            <a:spLocks noGrp="1"/>
-          </p:cNvSpPr>
-          <p:nvPr>
-            <p:ph type="title"/>
-          </p:nvPr>
-        </p:nvSpPr>
-        <p:spPr>
-          <a:xfrm>
-            <a:off x="870857" y="290195"/>
-            <a:ext cx="2895600" cy="1325563"/>
+          <p:cNvPr id="3" name="Subtitle 2">
+            <a:extLst>
+              <a:ext uri="{FF2B5EF4-FFF2-40B4-BE49-F238E27FC236}">
+                <a16:creationId xmlns:a16="http://schemas.microsoft.com/office/drawing/2014/main" id="{0236A1B4-B8D1-4A72-8E20-0703F54BF1FE}"/>
+              </a:ext>
+            </a:extLst>
+          </p:cNvPr>
+          <p:cNvSpPr>
+            <a:spLocks noGrp="1"/>
+          </p:cNvSpPr>
+          <p:nvPr>
+            <p:ph type="subTitle" idx="1"/>
+          </p:nvPr>
+        </p:nvSpPr>
+        <p:spPr>
+          <a:xfrm>
+            <a:off x="6568440" y="5449104"/>
+            <a:ext cx="4941770" cy="396660"/>
           </a:xfrm>
         </p:spPr>
         <p:txBody>
@@ -12582,206 +11893,471 @@
           <a:lstStyle/>
           <a:p>
             <a:r>
-              <a:rPr lang="en-US" sz="3600" dirty="0"/>
-              <a:t>AGENDA</a:t>
-            </a:r>
-          </a:p>
-        </p:txBody>
-      </p:sp>
-      <p:sp>
-        <p:nvSpPr>
-          <p:cNvPr id="3" name="Content Placeholder 2">
-            <a:extLst>
-              <a:ext uri="{FF2B5EF4-FFF2-40B4-BE49-F238E27FC236}">
-                <a16:creationId xmlns:a16="http://schemas.microsoft.com/office/drawing/2014/main" id="{5671D7E5-EF66-4BCD-8DAA-E9061157F0BE}"/>
-              </a:ext>
-            </a:extLst>
-          </p:cNvPr>
-          <p:cNvSpPr>
-            <a:spLocks noGrp="1"/>
-          </p:cNvSpPr>
-          <p:nvPr>
-            <p:ph idx="1"/>
-          </p:nvPr>
-        </p:nvSpPr>
-        <p:spPr>
-          <a:xfrm>
-            <a:off x="1222087" y="1798320"/>
-            <a:ext cx="3930642" cy="4339434"/>
-          </a:xfrm>
-        </p:spPr>
-        <p:txBody>
-          <a:bodyPr>
-            <a:normAutofit fontScale="92500" lnSpcReduction="10000"/>
+              <a:rPr lang="en-US" dirty="0"/>
+              <a:t>By: Sied Jeremiah Ibarra</a:t>
+            </a:r>
+          </a:p>
+        </p:txBody>
+      </p:sp>
+      <p:sp>
+        <p:nvSpPr>
+          <p:cNvPr id="4" name="Subtitle 2">
+            <a:extLst>
+              <a:ext uri="{FF2B5EF4-FFF2-40B4-BE49-F238E27FC236}">
+                <a16:creationId xmlns:a16="http://schemas.microsoft.com/office/drawing/2014/main" id="{87AD0930-B2AE-44A3-B559-E3EE97B5874E}"/>
+              </a:ext>
+            </a:extLst>
+          </p:cNvPr>
+          <p:cNvSpPr txBox="1">
+            <a:spLocks/>
+          </p:cNvSpPr>
+          <p:nvPr/>
+        </p:nvSpPr>
+        <p:spPr>
+          <a:xfrm>
+            <a:off x="6568440" y="4587240"/>
+            <a:ext cx="4941770" cy="758417"/>
+          </a:xfrm>
+          <a:prstGeom prst="rect">
+            <a:avLst/>
+          </a:prstGeom>
+        </p:spPr>
+        <p:txBody>
+          <a:bodyPr vert="horz" lIns="91440" tIns="45720" rIns="91440" bIns="45720" rtlCol="0">
+            <a:noAutofit/>
           </a:bodyPr>
-          <a:lstStyle/>
-          <a:p>
-            <a:r>
-              <a:rPr lang="en-US" sz="1800" dirty="0"/>
-              <a:t>Introduction</a:t>
-            </a:r>
-          </a:p>
-          <a:p>
-            <a:r>
-              <a:rPr lang="en-US" sz="1800" dirty="0"/>
-              <a:t>Problems</a:t>
-            </a:r>
-          </a:p>
-          <a:p>
-            <a:r>
-              <a:rPr lang="en-US" sz="1800" dirty="0"/>
-              <a:t>Solution</a:t>
-            </a:r>
-          </a:p>
-          <a:p>
-            <a:r>
-              <a:rPr lang="en-US" sz="1800" dirty="0"/>
-              <a:t>Project Title</a:t>
-            </a:r>
-          </a:p>
-          <a:p>
-            <a:r>
-              <a:rPr lang="en-US" sz="1800" dirty="0"/>
-              <a:t>Project Objectives</a:t>
-            </a:r>
-          </a:p>
-          <a:p>
-            <a:r>
-              <a:rPr lang="en-US" sz="1800" dirty="0"/>
-              <a:t>Target Users</a:t>
-            </a:r>
-          </a:p>
-          <a:p>
-            <a:r>
-              <a:rPr lang="en-US" sz="1800" dirty="0"/>
-              <a:t>Sitemap</a:t>
-            </a:r>
-          </a:p>
-          <a:p>
-            <a:r>
-              <a:rPr lang="en-US" sz="1800" dirty="0"/>
-              <a:t>Wireframe</a:t>
-            </a:r>
-          </a:p>
-          <a:p>
-            <a:r>
-              <a:rPr lang="en-US" sz="1800" dirty="0"/>
-              <a:t>Website Demo</a:t>
-            </a:r>
-          </a:p>
-        </p:txBody>
-      </p:sp>
-      <p:sp>
-        <p:nvSpPr>
-          <p:cNvPr id="5" name="Date Placeholder 4">
-            <a:extLst>
-              <a:ext uri="{FF2B5EF4-FFF2-40B4-BE49-F238E27FC236}">
-                <a16:creationId xmlns:a16="http://schemas.microsoft.com/office/drawing/2014/main" id="{9AB5BAF8-EA80-4AD4-8D83-5960C299573A}"/>
-              </a:ext>
-            </a:extLst>
-          </p:cNvPr>
-          <p:cNvSpPr>
-            <a:spLocks noGrp="1"/>
-          </p:cNvSpPr>
-          <p:nvPr>
-            <p:ph type="dt" sz="half" idx="10"/>
-          </p:nvPr>
-        </p:nvSpPr>
-        <p:spPr>
-          <a:xfrm>
-            <a:off x="1333500" y="6356350"/>
-            <a:ext cx="985157" cy="365125"/>
-          </a:xfrm>
-        </p:spPr>
-        <p:txBody>
-          <a:bodyPr/>
-          <a:lstStyle/>
-          <a:p>
-            <a:r>
-              <a:rPr lang="en-US" dirty="0"/>
-              <a:t>20XX</a:t>
-            </a:r>
-          </a:p>
-        </p:txBody>
-      </p:sp>
-      <p:sp>
-        <p:nvSpPr>
-          <p:cNvPr id="4" name="Footer Placeholder 3">
-            <a:extLst>
-              <a:ext uri="{FF2B5EF4-FFF2-40B4-BE49-F238E27FC236}">
-                <a16:creationId xmlns:a16="http://schemas.microsoft.com/office/drawing/2014/main" id="{36C19884-873C-4D13-BE6D-318CF07B0D12}"/>
-              </a:ext>
-            </a:extLst>
-          </p:cNvPr>
-          <p:cNvSpPr>
-            <a:spLocks noGrp="1"/>
-          </p:cNvSpPr>
-          <p:nvPr>
-            <p:ph type="ftr" sz="quarter" idx="11"/>
-          </p:nvPr>
-        </p:nvSpPr>
-        <p:spPr>
-          <a:xfrm>
-            <a:off x="2669886" y="6356349"/>
-            <a:ext cx="2482842" cy="365125"/>
-          </a:xfrm>
-        </p:spPr>
-        <p:txBody>
-          <a:bodyPr/>
-          <a:lstStyle/>
-          <a:p>
-            <a:r>
-              <a:rPr lang="en-US" dirty="0"/>
-              <a:t>PRESENTATION TITLE</a:t>
-            </a:r>
-          </a:p>
-        </p:txBody>
-      </p:sp>
-      <p:sp>
-        <p:nvSpPr>
-          <p:cNvPr id="6" name="Slide Number Placeholder 5">
-            <a:extLst>
-              <a:ext uri="{FF2B5EF4-FFF2-40B4-BE49-F238E27FC236}">
-                <a16:creationId xmlns:a16="http://schemas.microsoft.com/office/drawing/2014/main" id="{7C991F00-87A7-45A6-8029-B097FA72498D}"/>
-              </a:ext>
-            </a:extLst>
-          </p:cNvPr>
-          <p:cNvSpPr>
-            <a:spLocks noGrp="1"/>
-          </p:cNvSpPr>
-          <p:nvPr>
-            <p:ph type="sldNum" sz="quarter" idx="12"/>
-          </p:nvPr>
-        </p:nvSpPr>
-        <p:spPr>
-          <a:xfrm>
-            <a:off x="5536305" y="6356350"/>
-            <a:ext cx="987552" cy="365125"/>
-          </a:xfrm>
-        </p:spPr>
-        <p:txBody>
-          <a:bodyPr/>
-          <a:lstStyle/>
-          <a:p>
-            <a:fld id="{A49DFD55-3C28-40EF-9E31-A92D2E4017FF}" type="slidenum">
-              <a:rPr lang="en-US" smtClean="0"/>
-              <a:pPr/>
-              <a:t>2</a:t>
-            </a:fld>
-            <a:endParaRPr lang="en-US" dirty="0"/>
-          </a:p>
-        </p:txBody>
-      </p:sp>
+          <a:lstStyle>
+            <a:lvl1pPr marL="0" indent="0" algn="l" defTabSz="914400" rtl="0" eaLnBrk="1" latinLnBrk="0" hangingPunct="1">
+              <a:lnSpc>
+                <a:spcPct val="90000"/>
+              </a:lnSpc>
+              <a:spcBef>
+                <a:spcPts val="1000"/>
+              </a:spcBef>
+              <a:buFont typeface="Arial" panose="020B0604020202020204" pitchFamily="34" charset="0"/>
+              <a:buNone/>
+              <a:defRPr sz="1600" kern="1200">
+                <a:solidFill>
+                  <a:schemeClr val="tx1"/>
+                </a:solidFill>
+                <a:latin typeface="+mn-lt"/>
+                <a:ea typeface="+mn-ea"/>
+                <a:cs typeface="+mn-cs"/>
+              </a:defRPr>
+            </a:lvl1pPr>
+            <a:lvl2pPr marL="457200" indent="0" algn="ctr" defTabSz="914400" rtl="0" eaLnBrk="1" latinLnBrk="0" hangingPunct="1">
+              <a:lnSpc>
+                <a:spcPct val="90000"/>
+              </a:lnSpc>
+              <a:spcBef>
+                <a:spcPts val="500"/>
+              </a:spcBef>
+              <a:buFont typeface="Arial" panose="020B0604020202020204" pitchFamily="34" charset="0"/>
+              <a:buNone/>
+              <a:defRPr sz="2000" kern="1200">
+                <a:solidFill>
+                  <a:schemeClr val="tx1"/>
+                </a:solidFill>
+                <a:latin typeface="+mn-lt"/>
+                <a:ea typeface="+mn-ea"/>
+                <a:cs typeface="+mn-cs"/>
+              </a:defRPr>
+            </a:lvl2pPr>
+            <a:lvl3pPr marL="914400" indent="0" algn="ctr" defTabSz="914400" rtl="0" eaLnBrk="1" latinLnBrk="0" hangingPunct="1">
+              <a:lnSpc>
+                <a:spcPct val="90000"/>
+              </a:lnSpc>
+              <a:spcBef>
+                <a:spcPts val="500"/>
+              </a:spcBef>
+              <a:buFont typeface="Arial" panose="020B0604020202020204" pitchFamily="34" charset="0"/>
+              <a:buNone/>
+              <a:defRPr sz="1800" kern="1200">
+                <a:solidFill>
+                  <a:schemeClr val="tx1"/>
+                </a:solidFill>
+                <a:latin typeface="+mn-lt"/>
+                <a:ea typeface="+mn-ea"/>
+                <a:cs typeface="+mn-cs"/>
+              </a:defRPr>
+            </a:lvl3pPr>
+            <a:lvl4pPr marL="1371600" indent="0" algn="ctr" defTabSz="914400" rtl="0" eaLnBrk="1" latinLnBrk="0" hangingPunct="1">
+              <a:lnSpc>
+                <a:spcPct val="90000"/>
+              </a:lnSpc>
+              <a:spcBef>
+                <a:spcPts val="500"/>
+              </a:spcBef>
+              <a:buFont typeface="Arial" panose="020B0604020202020204" pitchFamily="34" charset="0"/>
+              <a:buNone/>
+              <a:defRPr sz="1600" kern="1200">
+                <a:solidFill>
+                  <a:schemeClr val="tx1"/>
+                </a:solidFill>
+                <a:latin typeface="+mn-lt"/>
+                <a:ea typeface="+mn-ea"/>
+                <a:cs typeface="+mn-cs"/>
+              </a:defRPr>
+            </a:lvl4pPr>
+            <a:lvl5pPr marL="1828800" indent="0" algn="ctr" defTabSz="914400" rtl="0" eaLnBrk="1" latinLnBrk="0" hangingPunct="1">
+              <a:lnSpc>
+                <a:spcPct val="90000"/>
+              </a:lnSpc>
+              <a:spcBef>
+                <a:spcPts val="500"/>
+              </a:spcBef>
+              <a:buFont typeface="Arial" panose="020B0604020202020204" pitchFamily="34" charset="0"/>
+              <a:buNone/>
+              <a:defRPr sz="1600" kern="1200">
+                <a:solidFill>
+                  <a:schemeClr val="tx1"/>
+                </a:solidFill>
+                <a:latin typeface="+mn-lt"/>
+                <a:ea typeface="+mn-ea"/>
+                <a:cs typeface="+mn-cs"/>
+              </a:defRPr>
+            </a:lvl5pPr>
+            <a:lvl6pPr marL="2286000" indent="0" algn="ctr" defTabSz="914400" rtl="0" eaLnBrk="1" latinLnBrk="0" hangingPunct="1">
+              <a:lnSpc>
+                <a:spcPct val="90000"/>
+              </a:lnSpc>
+              <a:spcBef>
+                <a:spcPts val="500"/>
+              </a:spcBef>
+              <a:buFont typeface="Arial" panose="020B0604020202020204" pitchFamily="34" charset="0"/>
+              <a:buNone/>
+              <a:defRPr sz="1600" kern="1200">
+                <a:solidFill>
+                  <a:schemeClr val="tx1"/>
+                </a:solidFill>
+                <a:latin typeface="+mn-lt"/>
+                <a:ea typeface="+mn-ea"/>
+                <a:cs typeface="+mn-cs"/>
+              </a:defRPr>
+            </a:lvl6pPr>
+            <a:lvl7pPr marL="2743200" indent="0" algn="ctr" defTabSz="914400" rtl="0" eaLnBrk="1" latinLnBrk="0" hangingPunct="1">
+              <a:lnSpc>
+                <a:spcPct val="90000"/>
+              </a:lnSpc>
+              <a:spcBef>
+                <a:spcPts val="500"/>
+              </a:spcBef>
+              <a:buFont typeface="Arial" panose="020B0604020202020204" pitchFamily="34" charset="0"/>
+              <a:buNone/>
+              <a:defRPr sz="1600" kern="1200">
+                <a:solidFill>
+                  <a:schemeClr val="tx1"/>
+                </a:solidFill>
+                <a:latin typeface="+mn-lt"/>
+                <a:ea typeface="+mn-ea"/>
+                <a:cs typeface="+mn-cs"/>
+              </a:defRPr>
+            </a:lvl7pPr>
+            <a:lvl8pPr marL="3200400" indent="0" algn="ctr" defTabSz="914400" rtl="0" eaLnBrk="1" latinLnBrk="0" hangingPunct="1">
+              <a:lnSpc>
+                <a:spcPct val="90000"/>
+              </a:lnSpc>
+              <a:spcBef>
+                <a:spcPts val="500"/>
+              </a:spcBef>
+              <a:buFont typeface="Arial" panose="020B0604020202020204" pitchFamily="34" charset="0"/>
+              <a:buNone/>
+              <a:defRPr sz="1600" kern="1200">
+                <a:solidFill>
+                  <a:schemeClr val="tx1"/>
+                </a:solidFill>
+                <a:latin typeface="+mn-lt"/>
+                <a:ea typeface="+mn-ea"/>
+                <a:cs typeface="+mn-cs"/>
+              </a:defRPr>
+            </a:lvl8pPr>
+            <a:lvl9pPr marL="3657600" indent="0" algn="ctr" defTabSz="914400" rtl="0" eaLnBrk="1" latinLnBrk="0" hangingPunct="1">
+              <a:lnSpc>
+                <a:spcPct val="90000"/>
+              </a:lnSpc>
+              <a:spcBef>
+                <a:spcPts val="500"/>
+              </a:spcBef>
+              <a:buFont typeface="Arial" panose="020B0604020202020204" pitchFamily="34" charset="0"/>
+              <a:buNone/>
+              <a:defRPr sz="1600" kern="1200">
+                <a:solidFill>
+                  <a:schemeClr val="tx1"/>
+                </a:solidFill>
+                <a:latin typeface="+mn-lt"/>
+                <a:ea typeface="+mn-ea"/>
+                <a:cs typeface="+mn-cs"/>
+              </a:defRPr>
+            </a:lvl9pPr>
+          </a:lstStyle>
+          <a:p>
+            <a:r>
+              <a:rPr lang="en-US" sz="5400" b="1" dirty="0">
+                <a:solidFill>
+                  <a:srgbClr val="0070C0"/>
+                </a:solidFill>
+              </a:rPr>
+              <a:t>Road</a:t>
+            </a:r>
+            <a:r>
+              <a:rPr lang="en-US" sz="5400" b="1" i="1" dirty="0"/>
+              <a:t>/vise.</a:t>
+            </a:r>
+            <a:endParaRPr lang="en-US" sz="5400" b="1" dirty="0"/>
+          </a:p>
+        </p:txBody>
+      </p:sp>
+      <p:sp>
+        <p:nvSpPr>
+          <p:cNvPr id="9" name="Subtitle 2">
+            <a:extLst>
+              <a:ext uri="{FF2B5EF4-FFF2-40B4-BE49-F238E27FC236}">
+                <a16:creationId xmlns:a16="http://schemas.microsoft.com/office/drawing/2014/main" id="{289BA905-D9A0-446B-AD42-BD293081F33F}"/>
+              </a:ext>
+            </a:extLst>
+          </p:cNvPr>
+          <p:cNvSpPr txBox="1">
+            <a:spLocks/>
+          </p:cNvSpPr>
+          <p:nvPr/>
+        </p:nvSpPr>
+        <p:spPr>
+          <a:xfrm>
+            <a:off x="6568440" y="4190580"/>
+            <a:ext cx="4941770" cy="396660"/>
+          </a:xfrm>
+          <a:prstGeom prst="rect">
+            <a:avLst/>
+          </a:prstGeom>
+        </p:spPr>
+        <p:txBody>
+          <a:bodyPr vert="horz" lIns="91440" tIns="45720" rIns="91440" bIns="45720" rtlCol="0">
+            <a:noAutofit/>
+          </a:bodyPr>
+          <a:lstStyle>
+            <a:lvl1pPr marL="0" indent="0" algn="l" defTabSz="914400" rtl="0" eaLnBrk="1" latinLnBrk="0" hangingPunct="1">
+              <a:lnSpc>
+                <a:spcPct val="90000"/>
+              </a:lnSpc>
+              <a:spcBef>
+                <a:spcPts val="1000"/>
+              </a:spcBef>
+              <a:buFont typeface="Arial" panose="020B0604020202020204" pitchFamily="34" charset="0"/>
+              <a:buNone/>
+              <a:defRPr sz="1600" kern="1200">
+                <a:solidFill>
+                  <a:schemeClr val="tx1"/>
+                </a:solidFill>
+                <a:latin typeface="+mn-lt"/>
+                <a:ea typeface="+mn-ea"/>
+                <a:cs typeface="+mn-cs"/>
+              </a:defRPr>
+            </a:lvl1pPr>
+            <a:lvl2pPr marL="457200" indent="0" algn="ctr" defTabSz="914400" rtl="0" eaLnBrk="1" latinLnBrk="0" hangingPunct="1">
+              <a:lnSpc>
+                <a:spcPct val="90000"/>
+              </a:lnSpc>
+              <a:spcBef>
+                <a:spcPts val="500"/>
+              </a:spcBef>
+              <a:buFont typeface="Arial" panose="020B0604020202020204" pitchFamily="34" charset="0"/>
+              <a:buNone/>
+              <a:defRPr sz="2000" kern="1200">
+                <a:solidFill>
+                  <a:schemeClr val="tx1"/>
+                </a:solidFill>
+                <a:latin typeface="+mn-lt"/>
+                <a:ea typeface="+mn-ea"/>
+                <a:cs typeface="+mn-cs"/>
+              </a:defRPr>
+            </a:lvl2pPr>
+            <a:lvl3pPr marL="914400" indent="0" algn="ctr" defTabSz="914400" rtl="0" eaLnBrk="1" latinLnBrk="0" hangingPunct="1">
+              <a:lnSpc>
+                <a:spcPct val="90000"/>
+              </a:lnSpc>
+              <a:spcBef>
+                <a:spcPts val="500"/>
+              </a:spcBef>
+              <a:buFont typeface="Arial" panose="020B0604020202020204" pitchFamily="34" charset="0"/>
+              <a:buNone/>
+              <a:defRPr sz="1800" kern="1200">
+                <a:solidFill>
+                  <a:schemeClr val="tx1"/>
+                </a:solidFill>
+                <a:latin typeface="+mn-lt"/>
+                <a:ea typeface="+mn-ea"/>
+                <a:cs typeface="+mn-cs"/>
+              </a:defRPr>
+            </a:lvl3pPr>
+            <a:lvl4pPr marL="1371600" indent="0" algn="ctr" defTabSz="914400" rtl="0" eaLnBrk="1" latinLnBrk="0" hangingPunct="1">
+              <a:lnSpc>
+                <a:spcPct val="90000"/>
+              </a:lnSpc>
+              <a:spcBef>
+                <a:spcPts val="500"/>
+              </a:spcBef>
+              <a:buFont typeface="Arial" panose="020B0604020202020204" pitchFamily="34" charset="0"/>
+              <a:buNone/>
+              <a:defRPr sz="1600" kern="1200">
+                <a:solidFill>
+                  <a:schemeClr val="tx1"/>
+                </a:solidFill>
+                <a:latin typeface="+mn-lt"/>
+                <a:ea typeface="+mn-ea"/>
+                <a:cs typeface="+mn-cs"/>
+              </a:defRPr>
+            </a:lvl4pPr>
+            <a:lvl5pPr marL="1828800" indent="0" algn="ctr" defTabSz="914400" rtl="0" eaLnBrk="1" latinLnBrk="0" hangingPunct="1">
+              <a:lnSpc>
+                <a:spcPct val="90000"/>
+              </a:lnSpc>
+              <a:spcBef>
+                <a:spcPts val="500"/>
+              </a:spcBef>
+              <a:buFont typeface="Arial" panose="020B0604020202020204" pitchFamily="34" charset="0"/>
+              <a:buNone/>
+              <a:defRPr sz="1600" kern="1200">
+                <a:solidFill>
+                  <a:schemeClr val="tx1"/>
+                </a:solidFill>
+                <a:latin typeface="+mn-lt"/>
+                <a:ea typeface="+mn-ea"/>
+                <a:cs typeface="+mn-cs"/>
+              </a:defRPr>
+            </a:lvl5pPr>
+            <a:lvl6pPr marL="2286000" indent="0" algn="ctr" defTabSz="914400" rtl="0" eaLnBrk="1" latinLnBrk="0" hangingPunct="1">
+              <a:lnSpc>
+                <a:spcPct val="90000"/>
+              </a:lnSpc>
+              <a:spcBef>
+                <a:spcPts val="500"/>
+              </a:spcBef>
+              <a:buFont typeface="Arial" panose="020B0604020202020204" pitchFamily="34" charset="0"/>
+              <a:buNone/>
+              <a:defRPr sz="1600" kern="1200">
+                <a:solidFill>
+                  <a:schemeClr val="tx1"/>
+                </a:solidFill>
+                <a:latin typeface="+mn-lt"/>
+                <a:ea typeface="+mn-ea"/>
+                <a:cs typeface="+mn-cs"/>
+              </a:defRPr>
+            </a:lvl6pPr>
+            <a:lvl7pPr marL="2743200" indent="0" algn="ctr" defTabSz="914400" rtl="0" eaLnBrk="1" latinLnBrk="0" hangingPunct="1">
+              <a:lnSpc>
+                <a:spcPct val="90000"/>
+              </a:lnSpc>
+              <a:spcBef>
+                <a:spcPts val="500"/>
+              </a:spcBef>
+              <a:buFont typeface="Arial" panose="020B0604020202020204" pitchFamily="34" charset="0"/>
+              <a:buNone/>
+              <a:defRPr sz="1600" kern="1200">
+                <a:solidFill>
+                  <a:schemeClr val="tx1"/>
+                </a:solidFill>
+                <a:latin typeface="+mn-lt"/>
+                <a:ea typeface="+mn-ea"/>
+                <a:cs typeface="+mn-cs"/>
+              </a:defRPr>
+            </a:lvl7pPr>
+            <a:lvl8pPr marL="3200400" indent="0" algn="ctr" defTabSz="914400" rtl="0" eaLnBrk="1" latinLnBrk="0" hangingPunct="1">
+              <a:lnSpc>
+                <a:spcPct val="90000"/>
+              </a:lnSpc>
+              <a:spcBef>
+                <a:spcPts val="500"/>
+              </a:spcBef>
+              <a:buFont typeface="Arial" panose="020B0604020202020204" pitchFamily="34" charset="0"/>
+              <a:buNone/>
+              <a:defRPr sz="1600" kern="1200">
+                <a:solidFill>
+                  <a:schemeClr val="tx1"/>
+                </a:solidFill>
+                <a:latin typeface="+mn-lt"/>
+                <a:ea typeface="+mn-ea"/>
+                <a:cs typeface="+mn-cs"/>
+              </a:defRPr>
+            </a:lvl8pPr>
+            <a:lvl9pPr marL="3657600" indent="0" algn="ctr" defTabSz="914400" rtl="0" eaLnBrk="1" latinLnBrk="0" hangingPunct="1">
+              <a:lnSpc>
+                <a:spcPct val="90000"/>
+              </a:lnSpc>
+              <a:spcBef>
+                <a:spcPts val="500"/>
+              </a:spcBef>
+              <a:buFont typeface="Arial" panose="020B0604020202020204" pitchFamily="34" charset="0"/>
+              <a:buNone/>
+              <a:defRPr sz="1600" kern="1200">
+                <a:solidFill>
+                  <a:schemeClr val="tx1"/>
+                </a:solidFill>
+                <a:latin typeface="+mn-lt"/>
+                <a:ea typeface="+mn-ea"/>
+                <a:cs typeface="+mn-cs"/>
+              </a:defRPr>
+            </a:lvl9pPr>
+          </a:lstStyle>
+          <a:p>
+            <a:r>
+              <a:rPr lang="en-US" sz="2800" dirty="0"/>
+              <a:t>WELCOME TO</a:t>
+            </a:r>
+          </a:p>
+        </p:txBody>
+      </p:sp>
+      <p:pic>
+        <p:nvPicPr>
+          <p:cNvPr id="11" name="Picture 10" descr="Logo&#10;&#10;Description automatically generated">
+            <a:extLst>
+              <a:ext uri="{FF2B5EF4-FFF2-40B4-BE49-F238E27FC236}">
+                <a16:creationId xmlns:a16="http://schemas.microsoft.com/office/drawing/2014/main" id="{B594B16C-C54F-4521-B961-7F9C53D6A960}"/>
+              </a:ext>
+            </a:extLst>
+          </p:cNvPr>
+          <p:cNvPicPr>
+            <a:picLocks noChangeAspect="1"/>
+          </p:cNvPicPr>
+          <p:nvPr/>
+        </p:nvPicPr>
+        <p:blipFill>
+          <a:blip r:embed="rId2"/>
+          <a:stretch>
+            <a:fillRect/>
+          </a:stretch>
+        </p:blipFill>
+        <p:spPr>
+          <a:xfrm>
+            <a:off x="4243107" y="3187151"/>
+            <a:ext cx="2460283" cy="2460283"/>
+          </a:xfrm>
+          <a:prstGeom prst="rect">
+            <a:avLst/>
+          </a:prstGeom>
+        </p:spPr>
+      </p:pic>
     </p:spTree>
     <p:extLst>
       <p:ext uri="{BB962C8B-B14F-4D97-AF65-F5344CB8AC3E}">
-        <p14:creationId xmlns:p14="http://schemas.microsoft.com/office/powerpoint/2010/main" val="1713219598"/>
+        <p14:creationId xmlns:p14="http://schemas.microsoft.com/office/powerpoint/2010/main" val="2586058810"/>
       </p:ext>
     </p:extLst>
   </p:cSld>
   <p:clrMapOvr>
     <a:masterClrMapping/>
   </p:clrMapOvr>
+  <mc:AlternateContent xmlns:mc="http://schemas.openxmlformats.org/markup-compatibility/2006">
+    <mc:Choice xmlns:p14="http://schemas.microsoft.com/office/powerpoint/2010/main" Requires="p14">
+      <p:transition spd="med" p14:dur="700">
+        <p:fade/>
+      </p:transition>
+    </mc:Choice>
+    <mc:Fallback>
+      <p:transition spd="med">
+        <p:fade/>
+      </p:transition>
+    </mc:Fallback>
+  </mc:AlternateContent>
 </p:sld>
 </file>
 
@@ -12804,6 +12380,1031 @@
       </p:grpSpPr>
       <p:sp>
         <p:nvSpPr>
+          <p:cNvPr id="4" name="Date Placeholder 3">
+            <a:extLst>
+              <a:ext uri="{FF2B5EF4-FFF2-40B4-BE49-F238E27FC236}">
+                <a16:creationId xmlns:a16="http://schemas.microsoft.com/office/drawing/2014/main" id="{00560550-EE65-43CE-B899-F421E74287A1}"/>
+              </a:ext>
+            </a:extLst>
+          </p:cNvPr>
+          <p:cNvSpPr>
+            <a:spLocks noGrp="1"/>
+          </p:cNvSpPr>
+          <p:nvPr>
+            <p:ph type="dt" sz="half" idx="10"/>
+          </p:nvPr>
+        </p:nvSpPr>
+        <p:spPr>
+          <a:xfrm>
+            <a:off x="838200" y="6356350"/>
+            <a:ext cx="2743200" cy="365125"/>
+          </a:xfrm>
+        </p:spPr>
+        <p:txBody>
+          <a:bodyPr/>
+          <a:lstStyle/>
+          <a:p>
+            <a:r>
+              <a:rPr lang="en-US" dirty="0"/>
+              <a:t>20XX</a:t>
+            </a:r>
+          </a:p>
+        </p:txBody>
+      </p:sp>
+      <p:sp>
+        <p:nvSpPr>
+          <p:cNvPr id="5" name="Footer Placeholder 4">
+            <a:extLst>
+              <a:ext uri="{FF2B5EF4-FFF2-40B4-BE49-F238E27FC236}">
+                <a16:creationId xmlns:a16="http://schemas.microsoft.com/office/drawing/2014/main" id="{4135E32A-1A8C-43D2-9C6E-12887B4DEDFB}"/>
+              </a:ext>
+            </a:extLst>
+          </p:cNvPr>
+          <p:cNvSpPr>
+            <a:spLocks noGrp="1"/>
+          </p:cNvSpPr>
+          <p:nvPr>
+            <p:ph type="ftr" sz="quarter" idx="11"/>
+          </p:nvPr>
+        </p:nvSpPr>
+        <p:spPr>
+          <a:xfrm>
+            <a:off x="4038600" y="6356350"/>
+            <a:ext cx="4114800" cy="365125"/>
+          </a:xfrm>
+        </p:spPr>
+        <p:txBody>
+          <a:bodyPr/>
+          <a:lstStyle/>
+          <a:p>
+            <a:r>
+              <a:rPr lang="en-US" dirty="0"/>
+              <a:t>PRESENTATION TITLE</a:t>
+            </a:r>
+          </a:p>
+        </p:txBody>
+      </p:sp>
+      <p:sp>
+        <p:nvSpPr>
+          <p:cNvPr id="6" name="Slide Number Placeholder 5">
+            <a:extLst>
+              <a:ext uri="{FF2B5EF4-FFF2-40B4-BE49-F238E27FC236}">
+                <a16:creationId xmlns:a16="http://schemas.microsoft.com/office/drawing/2014/main" id="{7C4B8313-9270-4128-8674-3A3E42B806BC}"/>
+              </a:ext>
+            </a:extLst>
+          </p:cNvPr>
+          <p:cNvSpPr>
+            <a:spLocks noGrp="1"/>
+          </p:cNvSpPr>
+          <p:nvPr>
+            <p:ph type="sldNum" sz="quarter" idx="12"/>
+          </p:nvPr>
+        </p:nvSpPr>
+        <p:spPr>
+          <a:xfrm>
+            <a:off x="8610600" y="6356350"/>
+            <a:ext cx="2743200" cy="365125"/>
+          </a:xfrm>
+        </p:spPr>
+        <p:txBody>
+          <a:bodyPr/>
+          <a:lstStyle/>
+          <a:p>
+            <a:fld id="{A49DFD55-3C28-40EF-9E31-A92D2E4017FF}" type="slidenum">
+              <a:rPr lang="en-US" smtClean="0"/>
+              <a:pPr/>
+              <a:t>20</a:t>
+            </a:fld>
+            <a:endParaRPr lang="en-US" dirty="0"/>
+          </a:p>
+        </p:txBody>
+      </p:sp>
+      <p:sp>
+        <p:nvSpPr>
+          <p:cNvPr id="7" name="Subtitle 2">
+            <a:extLst>
+              <a:ext uri="{FF2B5EF4-FFF2-40B4-BE49-F238E27FC236}">
+                <a16:creationId xmlns:a16="http://schemas.microsoft.com/office/drawing/2014/main" id="{8BE3038E-6FD5-4714-9C5B-818893BDEE47}"/>
+              </a:ext>
+            </a:extLst>
+          </p:cNvPr>
+          <p:cNvSpPr txBox="1">
+            <a:spLocks/>
+          </p:cNvSpPr>
+          <p:nvPr/>
+        </p:nvSpPr>
+        <p:spPr>
+          <a:xfrm>
+            <a:off x="7545471" y="3032340"/>
+            <a:ext cx="4941770" cy="396660"/>
+          </a:xfrm>
+          <a:prstGeom prst="rect">
+            <a:avLst/>
+          </a:prstGeom>
+        </p:spPr>
+        <p:txBody>
+          <a:bodyPr vert="horz" lIns="91440" tIns="45720" rIns="91440" bIns="45720" rtlCol="0">
+            <a:normAutofit/>
+          </a:bodyPr>
+          <a:lstStyle>
+            <a:lvl1pPr marL="0" indent="0" algn="l" defTabSz="914400" rtl="0" eaLnBrk="1" latinLnBrk="0" hangingPunct="1">
+              <a:lnSpc>
+                <a:spcPct val="100000"/>
+              </a:lnSpc>
+              <a:spcBef>
+                <a:spcPts val="1000"/>
+              </a:spcBef>
+              <a:buFont typeface="Arial" panose="020B0604020202020204" pitchFamily="34" charset="0"/>
+              <a:buNone/>
+              <a:defRPr sz="1400" kern="1200" spc="50" baseline="0">
+                <a:solidFill>
+                  <a:schemeClr val="tx1"/>
+                </a:solidFill>
+                <a:latin typeface="+mn-lt"/>
+                <a:ea typeface="+mn-ea"/>
+                <a:cs typeface="+mn-cs"/>
+              </a:defRPr>
+            </a:lvl1pPr>
+            <a:lvl2pPr marL="457200" indent="0" algn="l" defTabSz="914400" rtl="0" eaLnBrk="1" latinLnBrk="0" hangingPunct="1">
+              <a:lnSpc>
+                <a:spcPct val="90000"/>
+              </a:lnSpc>
+              <a:spcBef>
+                <a:spcPts val="500"/>
+              </a:spcBef>
+              <a:buFont typeface="Arial" panose="020B0604020202020204" pitchFamily="34" charset="0"/>
+              <a:buNone/>
+              <a:defRPr sz="2000" kern="1200">
+                <a:solidFill>
+                  <a:schemeClr val="tx1">
+                    <a:tint val="75000"/>
+                  </a:schemeClr>
+                </a:solidFill>
+                <a:latin typeface="+mn-lt"/>
+                <a:ea typeface="+mn-ea"/>
+                <a:cs typeface="+mn-cs"/>
+              </a:defRPr>
+            </a:lvl2pPr>
+            <a:lvl3pPr marL="914400" indent="0" algn="l" defTabSz="914400" rtl="0" eaLnBrk="1" latinLnBrk="0" hangingPunct="1">
+              <a:lnSpc>
+                <a:spcPct val="90000"/>
+              </a:lnSpc>
+              <a:spcBef>
+                <a:spcPts val="500"/>
+              </a:spcBef>
+              <a:buFont typeface="Arial" panose="020B0604020202020204" pitchFamily="34" charset="0"/>
+              <a:buNone/>
+              <a:defRPr sz="1800" kern="1200">
+                <a:solidFill>
+                  <a:schemeClr val="tx1">
+                    <a:tint val="75000"/>
+                  </a:schemeClr>
+                </a:solidFill>
+                <a:latin typeface="+mn-lt"/>
+                <a:ea typeface="+mn-ea"/>
+                <a:cs typeface="+mn-cs"/>
+              </a:defRPr>
+            </a:lvl3pPr>
+            <a:lvl4pPr marL="1371600" indent="0" algn="l" defTabSz="914400" rtl="0" eaLnBrk="1" latinLnBrk="0" hangingPunct="1">
+              <a:lnSpc>
+                <a:spcPct val="90000"/>
+              </a:lnSpc>
+              <a:spcBef>
+                <a:spcPts val="500"/>
+              </a:spcBef>
+              <a:buFont typeface="Arial" panose="020B0604020202020204" pitchFamily="34" charset="0"/>
+              <a:buNone/>
+              <a:defRPr sz="1600" kern="1200">
+                <a:solidFill>
+                  <a:schemeClr val="tx1">
+                    <a:tint val="75000"/>
+                  </a:schemeClr>
+                </a:solidFill>
+                <a:latin typeface="+mn-lt"/>
+                <a:ea typeface="+mn-ea"/>
+                <a:cs typeface="+mn-cs"/>
+              </a:defRPr>
+            </a:lvl4pPr>
+            <a:lvl5pPr marL="1828800" indent="0" algn="l" defTabSz="914400" rtl="0" eaLnBrk="1" latinLnBrk="0" hangingPunct="1">
+              <a:lnSpc>
+                <a:spcPct val="90000"/>
+              </a:lnSpc>
+              <a:spcBef>
+                <a:spcPts val="500"/>
+              </a:spcBef>
+              <a:buFont typeface="Arial" panose="020B0604020202020204" pitchFamily="34" charset="0"/>
+              <a:buNone/>
+              <a:defRPr sz="1600" kern="1200">
+                <a:solidFill>
+                  <a:schemeClr val="tx1">
+                    <a:tint val="75000"/>
+                  </a:schemeClr>
+                </a:solidFill>
+                <a:latin typeface="+mn-lt"/>
+                <a:ea typeface="+mn-ea"/>
+                <a:cs typeface="+mn-cs"/>
+              </a:defRPr>
+            </a:lvl5pPr>
+            <a:lvl6pPr marL="2286000" indent="0" algn="l" defTabSz="914400" rtl="0" eaLnBrk="1" latinLnBrk="0" hangingPunct="1">
+              <a:lnSpc>
+                <a:spcPct val="90000"/>
+              </a:lnSpc>
+              <a:spcBef>
+                <a:spcPts val="500"/>
+              </a:spcBef>
+              <a:buFont typeface="Arial" panose="020B0604020202020204" pitchFamily="34" charset="0"/>
+              <a:buNone/>
+              <a:defRPr sz="1600" kern="1200">
+                <a:solidFill>
+                  <a:schemeClr val="tx1">
+                    <a:tint val="75000"/>
+                  </a:schemeClr>
+                </a:solidFill>
+                <a:latin typeface="+mn-lt"/>
+                <a:ea typeface="+mn-ea"/>
+                <a:cs typeface="+mn-cs"/>
+              </a:defRPr>
+            </a:lvl6pPr>
+            <a:lvl7pPr marL="2743200" indent="0" algn="l" defTabSz="914400" rtl="0" eaLnBrk="1" latinLnBrk="0" hangingPunct="1">
+              <a:lnSpc>
+                <a:spcPct val="90000"/>
+              </a:lnSpc>
+              <a:spcBef>
+                <a:spcPts val="500"/>
+              </a:spcBef>
+              <a:buFont typeface="Arial" panose="020B0604020202020204" pitchFamily="34" charset="0"/>
+              <a:buNone/>
+              <a:defRPr sz="1600" kern="1200">
+                <a:solidFill>
+                  <a:schemeClr val="tx1">
+                    <a:tint val="75000"/>
+                  </a:schemeClr>
+                </a:solidFill>
+                <a:latin typeface="+mn-lt"/>
+                <a:ea typeface="+mn-ea"/>
+                <a:cs typeface="+mn-cs"/>
+              </a:defRPr>
+            </a:lvl7pPr>
+            <a:lvl8pPr marL="3200400" indent="0" algn="l" defTabSz="914400" rtl="0" eaLnBrk="1" latinLnBrk="0" hangingPunct="1">
+              <a:lnSpc>
+                <a:spcPct val="90000"/>
+              </a:lnSpc>
+              <a:spcBef>
+                <a:spcPts val="500"/>
+              </a:spcBef>
+              <a:buFont typeface="Arial" panose="020B0604020202020204" pitchFamily="34" charset="0"/>
+              <a:buNone/>
+              <a:defRPr sz="1600" kern="1200">
+                <a:solidFill>
+                  <a:schemeClr val="tx1">
+                    <a:tint val="75000"/>
+                  </a:schemeClr>
+                </a:solidFill>
+                <a:latin typeface="+mn-lt"/>
+                <a:ea typeface="+mn-ea"/>
+                <a:cs typeface="+mn-cs"/>
+              </a:defRPr>
+            </a:lvl8pPr>
+            <a:lvl9pPr marL="3657600" indent="0" algn="l" defTabSz="914400" rtl="0" eaLnBrk="1" latinLnBrk="0" hangingPunct="1">
+              <a:lnSpc>
+                <a:spcPct val="90000"/>
+              </a:lnSpc>
+              <a:spcBef>
+                <a:spcPts val="500"/>
+              </a:spcBef>
+              <a:buFont typeface="Arial" panose="020B0604020202020204" pitchFamily="34" charset="0"/>
+              <a:buNone/>
+              <a:defRPr sz="1600" kern="1200">
+                <a:solidFill>
+                  <a:schemeClr val="tx1">
+                    <a:tint val="75000"/>
+                  </a:schemeClr>
+                </a:solidFill>
+                <a:latin typeface="+mn-lt"/>
+                <a:ea typeface="+mn-ea"/>
+                <a:cs typeface="+mn-cs"/>
+              </a:defRPr>
+            </a:lvl9pPr>
+          </a:lstStyle>
+          <a:p>
+            <a:r>
+              <a:rPr lang="en-US" dirty="0"/>
+              <a:t>By: Sied Jeremiah Ibarra</a:t>
+            </a:r>
+          </a:p>
+        </p:txBody>
+      </p:sp>
+      <p:sp>
+        <p:nvSpPr>
+          <p:cNvPr id="8" name="Subtitle 2">
+            <a:extLst>
+              <a:ext uri="{FF2B5EF4-FFF2-40B4-BE49-F238E27FC236}">
+                <a16:creationId xmlns:a16="http://schemas.microsoft.com/office/drawing/2014/main" id="{FD0C3527-12F2-4516-84C2-25867599BDB8}"/>
+              </a:ext>
+            </a:extLst>
+          </p:cNvPr>
+          <p:cNvSpPr txBox="1">
+            <a:spLocks/>
+          </p:cNvSpPr>
+          <p:nvPr/>
+        </p:nvSpPr>
+        <p:spPr>
+          <a:xfrm>
+            <a:off x="7545471" y="2170476"/>
+            <a:ext cx="4941770" cy="758417"/>
+          </a:xfrm>
+          <a:prstGeom prst="rect">
+            <a:avLst/>
+          </a:prstGeom>
+        </p:spPr>
+        <p:txBody>
+          <a:bodyPr vert="horz" lIns="91440" tIns="45720" rIns="91440" bIns="45720" rtlCol="0">
+            <a:noAutofit/>
+          </a:bodyPr>
+          <a:lstStyle>
+            <a:lvl1pPr marL="0" indent="0" algn="l" defTabSz="914400" rtl="0" eaLnBrk="1" latinLnBrk="0" hangingPunct="1">
+              <a:lnSpc>
+                <a:spcPct val="90000"/>
+              </a:lnSpc>
+              <a:spcBef>
+                <a:spcPts val="1000"/>
+              </a:spcBef>
+              <a:buFont typeface="Arial" panose="020B0604020202020204" pitchFamily="34" charset="0"/>
+              <a:buNone/>
+              <a:defRPr sz="1600" kern="1200">
+                <a:solidFill>
+                  <a:schemeClr val="tx1"/>
+                </a:solidFill>
+                <a:latin typeface="+mn-lt"/>
+                <a:ea typeface="+mn-ea"/>
+                <a:cs typeface="+mn-cs"/>
+              </a:defRPr>
+            </a:lvl1pPr>
+            <a:lvl2pPr marL="457200" indent="0" algn="ctr" defTabSz="914400" rtl="0" eaLnBrk="1" latinLnBrk="0" hangingPunct="1">
+              <a:lnSpc>
+                <a:spcPct val="90000"/>
+              </a:lnSpc>
+              <a:spcBef>
+                <a:spcPts val="500"/>
+              </a:spcBef>
+              <a:buFont typeface="Arial" panose="020B0604020202020204" pitchFamily="34" charset="0"/>
+              <a:buNone/>
+              <a:defRPr sz="2000" kern="1200">
+                <a:solidFill>
+                  <a:schemeClr val="tx1"/>
+                </a:solidFill>
+                <a:latin typeface="+mn-lt"/>
+                <a:ea typeface="+mn-ea"/>
+                <a:cs typeface="+mn-cs"/>
+              </a:defRPr>
+            </a:lvl2pPr>
+            <a:lvl3pPr marL="914400" indent="0" algn="ctr" defTabSz="914400" rtl="0" eaLnBrk="1" latinLnBrk="0" hangingPunct="1">
+              <a:lnSpc>
+                <a:spcPct val="90000"/>
+              </a:lnSpc>
+              <a:spcBef>
+                <a:spcPts val="500"/>
+              </a:spcBef>
+              <a:buFont typeface="Arial" panose="020B0604020202020204" pitchFamily="34" charset="0"/>
+              <a:buNone/>
+              <a:defRPr sz="1800" kern="1200">
+                <a:solidFill>
+                  <a:schemeClr val="tx1"/>
+                </a:solidFill>
+                <a:latin typeface="+mn-lt"/>
+                <a:ea typeface="+mn-ea"/>
+                <a:cs typeface="+mn-cs"/>
+              </a:defRPr>
+            </a:lvl3pPr>
+            <a:lvl4pPr marL="1371600" indent="0" algn="ctr" defTabSz="914400" rtl="0" eaLnBrk="1" latinLnBrk="0" hangingPunct="1">
+              <a:lnSpc>
+                <a:spcPct val="90000"/>
+              </a:lnSpc>
+              <a:spcBef>
+                <a:spcPts val="500"/>
+              </a:spcBef>
+              <a:buFont typeface="Arial" panose="020B0604020202020204" pitchFamily="34" charset="0"/>
+              <a:buNone/>
+              <a:defRPr sz="1600" kern="1200">
+                <a:solidFill>
+                  <a:schemeClr val="tx1"/>
+                </a:solidFill>
+                <a:latin typeface="+mn-lt"/>
+                <a:ea typeface="+mn-ea"/>
+                <a:cs typeface="+mn-cs"/>
+              </a:defRPr>
+            </a:lvl4pPr>
+            <a:lvl5pPr marL="1828800" indent="0" algn="ctr" defTabSz="914400" rtl="0" eaLnBrk="1" latinLnBrk="0" hangingPunct="1">
+              <a:lnSpc>
+                <a:spcPct val="90000"/>
+              </a:lnSpc>
+              <a:spcBef>
+                <a:spcPts val="500"/>
+              </a:spcBef>
+              <a:buFont typeface="Arial" panose="020B0604020202020204" pitchFamily="34" charset="0"/>
+              <a:buNone/>
+              <a:defRPr sz="1600" kern="1200">
+                <a:solidFill>
+                  <a:schemeClr val="tx1"/>
+                </a:solidFill>
+                <a:latin typeface="+mn-lt"/>
+                <a:ea typeface="+mn-ea"/>
+                <a:cs typeface="+mn-cs"/>
+              </a:defRPr>
+            </a:lvl5pPr>
+            <a:lvl6pPr marL="2286000" indent="0" algn="ctr" defTabSz="914400" rtl="0" eaLnBrk="1" latinLnBrk="0" hangingPunct="1">
+              <a:lnSpc>
+                <a:spcPct val="90000"/>
+              </a:lnSpc>
+              <a:spcBef>
+                <a:spcPts val="500"/>
+              </a:spcBef>
+              <a:buFont typeface="Arial" panose="020B0604020202020204" pitchFamily="34" charset="0"/>
+              <a:buNone/>
+              <a:defRPr sz="1600" kern="1200">
+                <a:solidFill>
+                  <a:schemeClr val="tx1"/>
+                </a:solidFill>
+                <a:latin typeface="+mn-lt"/>
+                <a:ea typeface="+mn-ea"/>
+                <a:cs typeface="+mn-cs"/>
+              </a:defRPr>
+            </a:lvl6pPr>
+            <a:lvl7pPr marL="2743200" indent="0" algn="ctr" defTabSz="914400" rtl="0" eaLnBrk="1" latinLnBrk="0" hangingPunct="1">
+              <a:lnSpc>
+                <a:spcPct val="90000"/>
+              </a:lnSpc>
+              <a:spcBef>
+                <a:spcPts val="500"/>
+              </a:spcBef>
+              <a:buFont typeface="Arial" panose="020B0604020202020204" pitchFamily="34" charset="0"/>
+              <a:buNone/>
+              <a:defRPr sz="1600" kern="1200">
+                <a:solidFill>
+                  <a:schemeClr val="tx1"/>
+                </a:solidFill>
+                <a:latin typeface="+mn-lt"/>
+                <a:ea typeface="+mn-ea"/>
+                <a:cs typeface="+mn-cs"/>
+              </a:defRPr>
+            </a:lvl7pPr>
+            <a:lvl8pPr marL="3200400" indent="0" algn="ctr" defTabSz="914400" rtl="0" eaLnBrk="1" latinLnBrk="0" hangingPunct="1">
+              <a:lnSpc>
+                <a:spcPct val="90000"/>
+              </a:lnSpc>
+              <a:spcBef>
+                <a:spcPts val="500"/>
+              </a:spcBef>
+              <a:buFont typeface="Arial" panose="020B0604020202020204" pitchFamily="34" charset="0"/>
+              <a:buNone/>
+              <a:defRPr sz="1600" kern="1200">
+                <a:solidFill>
+                  <a:schemeClr val="tx1"/>
+                </a:solidFill>
+                <a:latin typeface="+mn-lt"/>
+                <a:ea typeface="+mn-ea"/>
+                <a:cs typeface="+mn-cs"/>
+              </a:defRPr>
+            </a:lvl8pPr>
+            <a:lvl9pPr marL="3657600" indent="0" algn="ctr" defTabSz="914400" rtl="0" eaLnBrk="1" latinLnBrk="0" hangingPunct="1">
+              <a:lnSpc>
+                <a:spcPct val="90000"/>
+              </a:lnSpc>
+              <a:spcBef>
+                <a:spcPts val="500"/>
+              </a:spcBef>
+              <a:buFont typeface="Arial" panose="020B0604020202020204" pitchFamily="34" charset="0"/>
+              <a:buNone/>
+              <a:defRPr sz="1600" kern="1200">
+                <a:solidFill>
+                  <a:schemeClr val="tx1"/>
+                </a:solidFill>
+                <a:latin typeface="+mn-lt"/>
+                <a:ea typeface="+mn-ea"/>
+                <a:cs typeface="+mn-cs"/>
+              </a:defRPr>
+            </a:lvl9pPr>
+          </a:lstStyle>
+          <a:p>
+            <a:r>
+              <a:rPr lang="en-US" sz="5400" b="1" dirty="0">
+                <a:solidFill>
+                  <a:srgbClr val="0070C0"/>
+                </a:solidFill>
+              </a:rPr>
+              <a:t>Road</a:t>
+            </a:r>
+            <a:r>
+              <a:rPr lang="en-US" sz="5400" b="1" i="1" dirty="0"/>
+              <a:t>/vise.</a:t>
+            </a:r>
+            <a:endParaRPr lang="en-US" sz="5400" b="1" dirty="0"/>
+          </a:p>
+        </p:txBody>
+      </p:sp>
+      <p:sp>
+        <p:nvSpPr>
+          <p:cNvPr id="9" name="Subtitle 2">
+            <a:extLst>
+              <a:ext uri="{FF2B5EF4-FFF2-40B4-BE49-F238E27FC236}">
+                <a16:creationId xmlns:a16="http://schemas.microsoft.com/office/drawing/2014/main" id="{6791EC9B-C80D-42CE-84B9-3C8070F8BC3B}"/>
+              </a:ext>
+            </a:extLst>
+          </p:cNvPr>
+          <p:cNvSpPr txBox="1">
+            <a:spLocks/>
+          </p:cNvSpPr>
+          <p:nvPr/>
+        </p:nvSpPr>
+        <p:spPr>
+          <a:xfrm>
+            <a:off x="7545471" y="1773816"/>
+            <a:ext cx="4941770" cy="396660"/>
+          </a:xfrm>
+          <a:prstGeom prst="rect">
+            <a:avLst/>
+          </a:prstGeom>
+        </p:spPr>
+        <p:txBody>
+          <a:bodyPr vert="horz" lIns="91440" tIns="45720" rIns="91440" bIns="45720" rtlCol="0">
+            <a:noAutofit/>
+          </a:bodyPr>
+          <a:lstStyle>
+            <a:lvl1pPr marL="0" indent="0" algn="l" defTabSz="914400" rtl="0" eaLnBrk="1" latinLnBrk="0" hangingPunct="1">
+              <a:lnSpc>
+                <a:spcPct val="90000"/>
+              </a:lnSpc>
+              <a:spcBef>
+                <a:spcPts val="1000"/>
+              </a:spcBef>
+              <a:buFont typeface="Arial" panose="020B0604020202020204" pitchFamily="34" charset="0"/>
+              <a:buNone/>
+              <a:defRPr sz="1600" kern="1200">
+                <a:solidFill>
+                  <a:schemeClr val="tx1"/>
+                </a:solidFill>
+                <a:latin typeface="+mn-lt"/>
+                <a:ea typeface="+mn-ea"/>
+                <a:cs typeface="+mn-cs"/>
+              </a:defRPr>
+            </a:lvl1pPr>
+            <a:lvl2pPr marL="457200" indent="0" algn="ctr" defTabSz="914400" rtl="0" eaLnBrk="1" latinLnBrk="0" hangingPunct="1">
+              <a:lnSpc>
+                <a:spcPct val="90000"/>
+              </a:lnSpc>
+              <a:spcBef>
+                <a:spcPts val="500"/>
+              </a:spcBef>
+              <a:buFont typeface="Arial" panose="020B0604020202020204" pitchFamily="34" charset="0"/>
+              <a:buNone/>
+              <a:defRPr sz="2000" kern="1200">
+                <a:solidFill>
+                  <a:schemeClr val="tx1"/>
+                </a:solidFill>
+                <a:latin typeface="+mn-lt"/>
+                <a:ea typeface="+mn-ea"/>
+                <a:cs typeface="+mn-cs"/>
+              </a:defRPr>
+            </a:lvl2pPr>
+            <a:lvl3pPr marL="914400" indent="0" algn="ctr" defTabSz="914400" rtl="0" eaLnBrk="1" latinLnBrk="0" hangingPunct="1">
+              <a:lnSpc>
+                <a:spcPct val="90000"/>
+              </a:lnSpc>
+              <a:spcBef>
+                <a:spcPts val="500"/>
+              </a:spcBef>
+              <a:buFont typeface="Arial" panose="020B0604020202020204" pitchFamily="34" charset="0"/>
+              <a:buNone/>
+              <a:defRPr sz="1800" kern="1200">
+                <a:solidFill>
+                  <a:schemeClr val="tx1"/>
+                </a:solidFill>
+                <a:latin typeface="+mn-lt"/>
+                <a:ea typeface="+mn-ea"/>
+                <a:cs typeface="+mn-cs"/>
+              </a:defRPr>
+            </a:lvl3pPr>
+            <a:lvl4pPr marL="1371600" indent="0" algn="ctr" defTabSz="914400" rtl="0" eaLnBrk="1" latinLnBrk="0" hangingPunct="1">
+              <a:lnSpc>
+                <a:spcPct val="90000"/>
+              </a:lnSpc>
+              <a:spcBef>
+                <a:spcPts val="500"/>
+              </a:spcBef>
+              <a:buFont typeface="Arial" panose="020B0604020202020204" pitchFamily="34" charset="0"/>
+              <a:buNone/>
+              <a:defRPr sz="1600" kern="1200">
+                <a:solidFill>
+                  <a:schemeClr val="tx1"/>
+                </a:solidFill>
+                <a:latin typeface="+mn-lt"/>
+                <a:ea typeface="+mn-ea"/>
+                <a:cs typeface="+mn-cs"/>
+              </a:defRPr>
+            </a:lvl4pPr>
+            <a:lvl5pPr marL="1828800" indent="0" algn="ctr" defTabSz="914400" rtl="0" eaLnBrk="1" latinLnBrk="0" hangingPunct="1">
+              <a:lnSpc>
+                <a:spcPct val="90000"/>
+              </a:lnSpc>
+              <a:spcBef>
+                <a:spcPts val="500"/>
+              </a:spcBef>
+              <a:buFont typeface="Arial" panose="020B0604020202020204" pitchFamily="34" charset="0"/>
+              <a:buNone/>
+              <a:defRPr sz="1600" kern="1200">
+                <a:solidFill>
+                  <a:schemeClr val="tx1"/>
+                </a:solidFill>
+                <a:latin typeface="+mn-lt"/>
+                <a:ea typeface="+mn-ea"/>
+                <a:cs typeface="+mn-cs"/>
+              </a:defRPr>
+            </a:lvl5pPr>
+            <a:lvl6pPr marL="2286000" indent="0" algn="ctr" defTabSz="914400" rtl="0" eaLnBrk="1" latinLnBrk="0" hangingPunct="1">
+              <a:lnSpc>
+                <a:spcPct val="90000"/>
+              </a:lnSpc>
+              <a:spcBef>
+                <a:spcPts val="500"/>
+              </a:spcBef>
+              <a:buFont typeface="Arial" panose="020B0604020202020204" pitchFamily="34" charset="0"/>
+              <a:buNone/>
+              <a:defRPr sz="1600" kern="1200">
+                <a:solidFill>
+                  <a:schemeClr val="tx1"/>
+                </a:solidFill>
+                <a:latin typeface="+mn-lt"/>
+                <a:ea typeface="+mn-ea"/>
+                <a:cs typeface="+mn-cs"/>
+              </a:defRPr>
+            </a:lvl6pPr>
+            <a:lvl7pPr marL="2743200" indent="0" algn="ctr" defTabSz="914400" rtl="0" eaLnBrk="1" latinLnBrk="0" hangingPunct="1">
+              <a:lnSpc>
+                <a:spcPct val="90000"/>
+              </a:lnSpc>
+              <a:spcBef>
+                <a:spcPts val="500"/>
+              </a:spcBef>
+              <a:buFont typeface="Arial" panose="020B0604020202020204" pitchFamily="34" charset="0"/>
+              <a:buNone/>
+              <a:defRPr sz="1600" kern="1200">
+                <a:solidFill>
+                  <a:schemeClr val="tx1"/>
+                </a:solidFill>
+                <a:latin typeface="+mn-lt"/>
+                <a:ea typeface="+mn-ea"/>
+                <a:cs typeface="+mn-cs"/>
+              </a:defRPr>
+            </a:lvl7pPr>
+            <a:lvl8pPr marL="3200400" indent="0" algn="ctr" defTabSz="914400" rtl="0" eaLnBrk="1" latinLnBrk="0" hangingPunct="1">
+              <a:lnSpc>
+                <a:spcPct val="90000"/>
+              </a:lnSpc>
+              <a:spcBef>
+                <a:spcPts val="500"/>
+              </a:spcBef>
+              <a:buFont typeface="Arial" panose="020B0604020202020204" pitchFamily="34" charset="0"/>
+              <a:buNone/>
+              <a:defRPr sz="1600" kern="1200">
+                <a:solidFill>
+                  <a:schemeClr val="tx1"/>
+                </a:solidFill>
+                <a:latin typeface="+mn-lt"/>
+                <a:ea typeface="+mn-ea"/>
+                <a:cs typeface="+mn-cs"/>
+              </a:defRPr>
+            </a:lvl8pPr>
+            <a:lvl9pPr marL="3657600" indent="0" algn="ctr" defTabSz="914400" rtl="0" eaLnBrk="1" latinLnBrk="0" hangingPunct="1">
+              <a:lnSpc>
+                <a:spcPct val="90000"/>
+              </a:lnSpc>
+              <a:spcBef>
+                <a:spcPts val="500"/>
+              </a:spcBef>
+              <a:buFont typeface="Arial" panose="020B0604020202020204" pitchFamily="34" charset="0"/>
+              <a:buNone/>
+              <a:defRPr sz="1600" kern="1200">
+                <a:solidFill>
+                  <a:schemeClr val="tx1"/>
+                </a:solidFill>
+                <a:latin typeface="+mn-lt"/>
+                <a:ea typeface="+mn-ea"/>
+                <a:cs typeface="+mn-cs"/>
+              </a:defRPr>
+            </a:lvl9pPr>
+          </a:lstStyle>
+          <a:p>
+            <a:r>
+              <a:rPr lang="en-US" sz="2800" dirty="0"/>
+              <a:t>WELCOME TO</a:t>
+            </a:r>
+          </a:p>
+        </p:txBody>
+      </p:sp>
+      <p:pic>
+        <p:nvPicPr>
+          <p:cNvPr id="10" name="Picture 9" descr="Logo&#10;&#10;Description automatically generated">
+            <a:extLst>
+              <a:ext uri="{FF2B5EF4-FFF2-40B4-BE49-F238E27FC236}">
+                <a16:creationId xmlns:a16="http://schemas.microsoft.com/office/drawing/2014/main" id="{76F3DF28-6453-4669-812D-AC0F2EF2D5AA}"/>
+              </a:ext>
+            </a:extLst>
+          </p:cNvPr>
+          <p:cNvPicPr>
+            <a:picLocks noChangeAspect="1"/>
+          </p:cNvPicPr>
+          <p:nvPr/>
+        </p:nvPicPr>
+        <p:blipFill>
+          <a:blip r:embed="rId2"/>
+          <a:stretch>
+            <a:fillRect/>
+          </a:stretch>
+        </p:blipFill>
+        <p:spPr>
+          <a:xfrm>
+            <a:off x="5220138" y="770387"/>
+            <a:ext cx="2460283" cy="2460283"/>
+          </a:xfrm>
+          <a:prstGeom prst="rect">
+            <a:avLst/>
+          </a:prstGeom>
+        </p:spPr>
+      </p:pic>
+      <p:sp>
+        <p:nvSpPr>
+          <p:cNvPr id="15" name="Subtitle 2">
+            <a:extLst>
+              <a:ext uri="{FF2B5EF4-FFF2-40B4-BE49-F238E27FC236}">
+                <a16:creationId xmlns:a16="http://schemas.microsoft.com/office/drawing/2014/main" id="{9C1C6CBD-24D8-47B5-8B06-7DC15247EC46}"/>
+              </a:ext>
+            </a:extLst>
+          </p:cNvPr>
+          <p:cNvSpPr txBox="1">
+            <a:spLocks/>
+          </p:cNvSpPr>
+          <p:nvPr/>
+        </p:nvSpPr>
+        <p:spPr>
+          <a:xfrm>
+            <a:off x="5519967" y="4111880"/>
+            <a:ext cx="5996671" cy="1499780"/>
+          </a:xfrm>
+          <a:prstGeom prst="rect">
+            <a:avLst/>
+          </a:prstGeom>
+        </p:spPr>
+        <p:txBody>
+          <a:bodyPr vert="horz" lIns="91440" tIns="45720" rIns="91440" bIns="45720" rtlCol="0">
+            <a:normAutofit/>
+          </a:bodyPr>
+          <a:lstStyle>
+            <a:lvl1pPr marL="0" indent="0" algn="l" defTabSz="914400" rtl="0" eaLnBrk="1" latinLnBrk="0" hangingPunct="1">
+              <a:lnSpc>
+                <a:spcPct val="100000"/>
+              </a:lnSpc>
+              <a:spcBef>
+                <a:spcPts val="1000"/>
+              </a:spcBef>
+              <a:buFont typeface="Arial" panose="020B0604020202020204" pitchFamily="34" charset="0"/>
+              <a:buNone/>
+              <a:defRPr sz="1400" kern="1200" spc="50" baseline="0">
+                <a:solidFill>
+                  <a:schemeClr val="tx1"/>
+                </a:solidFill>
+                <a:latin typeface="+mn-lt"/>
+                <a:ea typeface="+mn-ea"/>
+                <a:cs typeface="+mn-cs"/>
+              </a:defRPr>
+            </a:lvl1pPr>
+            <a:lvl2pPr marL="457200" indent="0" algn="l" defTabSz="914400" rtl="0" eaLnBrk="1" latinLnBrk="0" hangingPunct="1">
+              <a:lnSpc>
+                <a:spcPct val="90000"/>
+              </a:lnSpc>
+              <a:spcBef>
+                <a:spcPts val="500"/>
+              </a:spcBef>
+              <a:buFont typeface="Arial" panose="020B0604020202020204" pitchFamily="34" charset="0"/>
+              <a:buNone/>
+              <a:defRPr sz="2000" kern="1200">
+                <a:solidFill>
+                  <a:schemeClr val="tx1">
+                    <a:tint val="75000"/>
+                  </a:schemeClr>
+                </a:solidFill>
+                <a:latin typeface="+mn-lt"/>
+                <a:ea typeface="+mn-ea"/>
+                <a:cs typeface="+mn-cs"/>
+              </a:defRPr>
+            </a:lvl2pPr>
+            <a:lvl3pPr marL="914400" indent="0" algn="l" defTabSz="914400" rtl="0" eaLnBrk="1" latinLnBrk="0" hangingPunct="1">
+              <a:lnSpc>
+                <a:spcPct val="90000"/>
+              </a:lnSpc>
+              <a:spcBef>
+                <a:spcPts val="500"/>
+              </a:spcBef>
+              <a:buFont typeface="Arial" panose="020B0604020202020204" pitchFamily="34" charset="0"/>
+              <a:buNone/>
+              <a:defRPr sz="1800" kern="1200">
+                <a:solidFill>
+                  <a:schemeClr val="tx1">
+                    <a:tint val="75000"/>
+                  </a:schemeClr>
+                </a:solidFill>
+                <a:latin typeface="+mn-lt"/>
+                <a:ea typeface="+mn-ea"/>
+                <a:cs typeface="+mn-cs"/>
+              </a:defRPr>
+            </a:lvl3pPr>
+            <a:lvl4pPr marL="1371600" indent="0" algn="l" defTabSz="914400" rtl="0" eaLnBrk="1" latinLnBrk="0" hangingPunct="1">
+              <a:lnSpc>
+                <a:spcPct val="90000"/>
+              </a:lnSpc>
+              <a:spcBef>
+                <a:spcPts val="500"/>
+              </a:spcBef>
+              <a:buFont typeface="Arial" panose="020B0604020202020204" pitchFamily="34" charset="0"/>
+              <a:buNone/>
+              <a:defRPr sz="1600" kern="1200">
+                <a:solidFill>
+                  <a:schemeClr val="tx1">
+                    <a:tint val="75000"/>
+                  </a:schemeClr>
+                </a:solidFill>
+                <a:latin typeface="+mn-lt"/>
+                <a:ea typeface="+mn-ea"/>
+                <a:cs typeface="+mn-cs"/>
+              </a:defRPr>
+            </a:lvl4pPr>
+            <a:lvl5pPr marL="1828800" indent="0" algn="l" defTabSz="914400" rtl="0" eaLnBrk="1" latinLnBrk="0" hangingPunct="1">
+              <a:lnSpc>
+                <a:spcPct val="90000"/>
+              </a:lnSpc>
+              <a:spcBef>
+                <a:spcPts val="500"/>
+              </a:spcBef>
+              <a:buFont typeface="Arial" panose="020B0604020202020204" pitchFamily="34" charset="0"/>
+              <a:buNone/>
+              <a:defRPr sz="1600" kern="1200">
+                <a:solidFill>
+                  <a:schemeClr val="tx1">
+                    <a:tint val="75000"/>
+                  </a:schemeClr>
+                </a:solidFill>
+                <a:latin typeface="+mn-lt"/>
+                <a:ea typeface="+mn-ea"/>
+                <a:cs typeface="+mn-cs"/>
+              </a:defRPr>
+            </a:lvl5pPr>
+            <a:lvl6pPr marL="2286000" indent="0" algn="l" defTabSz="914400" rtl="0" eaLnBrk="1" latinLnBrk="0" hangingPunct="1">
+              <a:lnSpc>
+                <a:spcPct val="90000"/>
+              </a:lnSpc>
+              <a:spcBef>
+                <a:spcPts val="500"/>
+              </a:spcBef>
+              <a:buFont typeface="Arial" panose="020B0604020202020204" pitchFamily="34" charset="0"/>
+              <a:buNone/>
+              <a:defRPr sz="1600" kern="1200">
+                <a:solidFill>
+                  <a:schemeClr val="tx1">
+                    <a:tint val="75000"/>
+                  </a:schemeClr>
+                </a:solidFill>
+                <a:latin typeface="+mn-lt"/>
+                <a:ea typeface="+mn-ea"/>
+                <a:cs typeface="+mn-cs"/>
+              </a:defRPr>
+            </a:lvl6pPr>
+            <a:lvl7pPr marL="2743200" indent="0" algn="l" defTabSz="914400" rtl="0" eaLnBrk="1" latinLnBrk="0" hangingPunct="1">
+              <a:lnSpc>
+                <a:spcPct val="90000"/>
+              </a:lnSpc>
+              <a:spcBef>
+                <a:spcPts val="500"/>
+              </a:spcBef>
+              <a:buFont typeface="Arial" panose="020B0604020202020204" pitchFamily="34" charset="0"/>
+              <a:buNone/>
+              <a:defRPr sz="1600" kern="1200">
+                <a:solidFill>
+                  <a:schemeClr val="tx1">
+                    <a:tint val="75000"/>
+                  </a:schemeClr>
+                </a:solidFill>
+                <a:latin typeface="+mn-lt"/>
+                <a:ea typeface="+mn-ea"/>
+                <a:cs typeface="+mn-cs"/>
+              </a:defRPr>
+            </a:lvl7pPr>
+            <a:lvl8pPr marL="3200400" indent="0" algn="l" defTabSz="914400" rtl="0" eaLnBrk="1" latinLnBrk="0" hangingPunct="1">
+              <a:lnSpc>
+                <a:spcPct val="90000"/>
+              </a:lnSpc>
+              <a:spcBef>
+                <a:spcPts val="500"/>
+              </a:spcBef>
+              <a:buFont typeface="Arial" panose="020B0604020202020204" pitchFamily="34" charset="0"/>
+              <a:buNone/>
+              <a:defRPr sz="1600" kern="1200">
+                <a:solidFill>
+                  <a:schemeClr val="tx1">
+                    <a:tint val="75000"/>
+                  </a:schemeClr>
+                </a:solidFill>
+                <a:latin typeface="+mn-lt"/>
+                <a:ea typeface="+mn-ea"/>
+                <a:cs typeface="+mn-cs"/>
+              </a:defRPr>
+            </a:lvl8pPr>
+            <a:lvl9pPr marL="3657600" indent="0" algn="l" defTabSz="914400" rtl="0" eaLnBrk="1" latinLnBrk="0" hangingPunct="1">
+              <a:lnSpc>
+                <a:spcPct val="90000"/>
+              </a:lnSpc>
+              <a:spcBef>
+                <a:spcPts val="500"/>
+              </a:spcBef>
+              <a:buFont typeface="Arial" panose="020B0604020202020204" pitchFamily="34" charset="0"/>
+              <a:buNone/>
+              <a:defRPr sz="1600" kern="1200">
+                <a:solidFill>
+                  <a:schemeClr val="tx1">
+                    <a:tint val="75000"/>
+                  </a:schemeClr>
+                </a:solidFill>
+                <a:latin typeface="+mn-lt"/>
+                <a:ea typeface="+mn-ea"/>
+                <a:cs typeface="+mn-cs"/>
+              </a:defRPr>
+            </a:lvl9pPr>
+          </a:lstStyle>
+          <a:p>
+            <a:r>
+              <a:rPr lang="en-US" sz="2000" dirty="0"/>
+              <a:t>Live link:</a:t>
+            </a:r>
+          </a:p>
+          <a:p>
+            <a:r>
+              <a:rPr lang="en-US" sz="1600" dirty="0"/>
+              <a:t> </a:t>
+            </a:r>
+            <a:r>
+              <a:rPr lang="en-PH" sz="2000" b="1" i="0" u="none" strike="noStrike" dirty="0">
+                <a:effectLst/>
+                <a:latin typeface="-apple-system"/>
+                <a:hlinkClick r:id="rId3"/>
+              </a:rPr>
+              <a:t>https://siedibarra.github.io/css-sample/</a:t>
+            </a:r>
+            <a:endParaRPr lang="en-US" sz="1600" dirty="0"/>
+          </a:p>
+        </p:txBody>
+      </p:sp>
+    </p:spTree>
+    <p:extLst>
+      <p:ext uri="{BB962C8B-B14F-4D97-AF65-F5344CB8AC3E}">
+        <p14:creationId xmlns:p14="http://schemas.microsoft.com/office/powerpoint/2010/main" val="1742861620"/>
+      </p:ext>
+    </p:extLst>
+  </p:cSld>
+  <p:clrMapOvr>
+    <a:masterClrMapping/>
+  </p:clrMapOvr>
+  <mc:AlternateContent xmlns:mc="http://schemas.openxmlformats.org/markup-compatibility/2006">
+    <mc:Choice xmlns:p14="http://schemas.microsoft.com/office/powerpoint/2010/main" Requires="p14">
+      <p:transition spd="med" p14:dur="700">
+        <p:fade/>
+      </p:transition>
+    </mc:Choice>
+    <mc:Fallback>
+      <p:transition spd="med">
+        <p:fade/>
+      </p:transition>
+    </mc:Fallback>
+  </mc:AlternateContent>
+</p:sld>
+</file>
+
+<file path=ppt/slides/slide21.xml><?xml version="1.0" encoding="utf-8"?>
+<p:sld xmlns:a="http://schemas.openxmlformats.org/drawingml/2006/main" xmlns:r="http://schemas.openxmlformats.org/officeDocument/2006/relationships" xmlns:p="http://schemas.openxmlformats.org/presentationml/2006/main">
+  <p:cSld>
+    <p:spTree>
+      <p:nvGrpSpPr>
+        <p:cNvPr id="1" name=""/>
+        <p:cNvGrpSpPr/>
+        <p:nvPr/>
+      </p:nvGrpSpPr>
+      <p:grpSpPr>
+        <a:xfrm>
+          <a:off x="0" y="0"/>
+          <a:ext cx="0" cy="0"/>
+          <a:chOff x="0" y="0"/>
+          <a:chExt cx="0" cy="0"/>
+        </a:xfrm>
+      </p:grpSpPr>
+      <p:sp>
+        <p:nvSpPr>
           <p:cNvPr id="2" name="Title 1">
             <a:extLst>
               <a:ext uri="{FF2B5EF4-FFF2-40B4-BE49-F238E27FC236}">
@@ -12988,7 +13589,7 @@
             <a:fld id="{A49DFD55-3C28-40EF-9E31-A92D2E4017FF}" type="slidenum">
               <a:rPr lang="en-US" smtClean="0"/>
               <a:pPr/>
-              <a:t>20</a:t>
+              <a:t>21</a:t>
             </a:fld>
             <a:endParaRPr lang="en-US" dirty="0"/>
           </a:p>
@@ -13004,6 +13605,18 @@
   <p:clrMapOvr>
     <a:masterClrMapping/>
   </p:clrMapOvr>
+  <mc:AlternateContent xmlns:mc="http://schemas.openxmlformats.org/markup-compatibility/2006">
+    <mc:Choice xmlns:p14="http://schemas.microsoft.com/office/powerpoint/2010/main" Requires="p14">
+      <p:transition spd="med" p14:dur="700">
+        <p:fade/>
+      </p:transition>
+    </mc:Choice>
+    <mc:Fallback>
+      <p:transition spd="med">
+        <p:fade/>
+      </p:transition>
+    </mc:Fallback>
+  </mc:AlternateContent>
 </p:sld>
 </file>
 
@@ -13029,7 +13642,7 @@
           <p:cNvPr id="2" name="Title 1">
             <a:extLst>
               <a:ext uri="{FF2B5EF4-FFF2-40B4-BE49-F238E27FC236}">
-                <a16:creationId xmlns:a16="http://schemas.microsoft.com/office/drawing/2014/main" id="{0A32731C-311B-46F7-A865-6C3AF6B09A47}"/>
+                <a16:creationId xmlns:a16="http://schemas.microsoft.com/office/drawing/2014/main" id="{1BEF5859-10C9-4588-9727-B9362E26C29D}"/>
               </a:ext>
             </a:extLst>
           </p:cNvPr>
@@ -13042,8 +13655,8 @@
         </p:nvSpPr>
         <p:spPr>
           <a:xfrm>
-            <a:off x="838200" y="544296"/>
-            <a:ext cx="5111750" cy="1204912"/>
+            <a:off x="870857" y="290195"/>
+            <a:ext cx="2895600" cy="1325563"/>
           </a:xfrm>
         </p:spPr>
         <p:txBody>
@@ -13053,159 +13666,101 @@
           <a:lstStyle/>
           <a:p>
             <a:r>
-              <a:rPr lang="en-US" sz="4000" b="1" dirty="0">
-                <a:solidFill>
-                  <a:srgbClr val="0070C0"/>
-                </a:solidFill>
-              </a:rPr>
-              <a:t>INTRODUCTION</a:t>
-            </a:r>
-          </a:p>
-        </p:txBody>
-      </p:sp>
-      <p:sp>
-        <p:nvSpPr>
-          <p:cNvPr id="3" name="Text Placeholder 2">
-            <a:extLst>
-              <a:ext uri="{FF2B5EF4-FFF2-40B4-BE49-F238E27FC236}">
-                <a16:creationId xmlns:a16="http://schemas.microsoft.com/office/drawing/2014/main" id="{9D5232F9-FD00-464A-9F17-619C91AEF8F3}"/>
-              </a:ext>
-            </a:extLst>
-          </p:cNvPr>
-          <p:cNvSpPr>
-            <a:spLocks noGrp="1"/>
-          </p:cNvSpPr>
-          <p:nvPr>
-            <p:ph type="body" idx="1"/>
-          </p:nvPr>
-        </p:nvSpPr>
-        <p:spPr>
-          <a:xfrm>
-            <a:off x="986294" y="2149127"/>
-            <a:ext cx="6980259" cy="4164577"/>
+              <a:rPr lang="en-US" sz="3600" dirty="0"/>
+              <a:t>AGENDA</a:t>
+            </a:r>
+          </a:p>
+        </p:txBody>
+      </p:sp>
+      <p:sp>
+        <p:nvSpPr>
+          <p:cNvPr id="3" name="Content Placeholder 2">
+            <a:extLst>
+              <a:ext uri="{FF2B5EF4-FFF2-40B4-BE49-F238E27FC236}">
+                <a16:creationId xmlns:a16="http://schemas.microsoft.com/office/drawing/2014/main" id="{5671D7E5-EF66-4BCD-8DAA-E9061157F0BE}"/>
+              </a:ext>
+            </a:extLst>
+          </p:cNvPr>
+          <p:cNvSpPr>
+            <a:spLocks noGrp="1"/>
+          </p:cNvSpPr>
+          <p:nvPr>
+            <p:ph idx="1"/>
+          </p:nvPr>
+        </p:nvSpPr>
+        <p:spPr>
+          <a:xfrm>
+            <a:off x="1222087" y="1798320"/>
+            <a:ext cx="3930642" cy="4339434"/>
           </a:xfrm>
         </p:spPr>
         <p:txBody>
           <a:bodyPr>
-            <a:normAutofit/>
+            <a:normAutofit fontScale="92500" lnSpcReduction="10000"/>
           </a:bodyPr>
           <a:lstStyle/>
           <a:p>
-            <a:pPr indent="457200" rtl="0">
-              <a:spcBef>
-                <a:spcPts val="0"/>
-              </a:spcBef>
-              <a:spcAft>
-                <a:spcPts val="0"/>
-              </a:spcAft>
-            </a:pPr>
-            <a:r>
-              <a:rPr lang="en-US" sz="1800" b="1" i="0" u="none" strike="noStrike" dirty="0">
-                <a:solidFill>
-                  <a:srgbClr val="000000"/>
-                </a:solidFill>
-                <a:effectLst/>
-                <a:latin typeface="Arial" panose="020B0604020202020204" pitchFamily="34" charset="0"/>
-              </a:rPr>
-              <a:t> </a:t>
-            </a:r>
-            <a:r>
-              <a:rPr lang="en-US" sz="1800" b="0" i="0" u="none" strike="noStrike" dirty="0">
-                <a:solidFill>
-                  <a:srgbClr val="000000"/>
-                </a:solidFill>
-                <a:effectLst/>
-                <a:latin typeface="Arial" panose="020B0604020202020204" pitchFamily="34" charset="0"/>
-              </a:rPr>
-              <a:t>Since the pandemic began, the increasing demand for means of private transportation has doubled. </a:t>
-            </a:r>
-          </a:p>
-          <a:p>
-            <a:pPr indent="457200" rtl="0">
-              <a:spcBef>
-                <a:spcPts val="0"/>
-              </a:spcBef>
-              <a:spcAft>
-                <a:spcPts val="0"/>
-              </a:spcAft>
-            </a:pPr>
-            <a:endParaRPr lang="en-US" sz="1800" dirty="0">
-              <a:solidFill>
-                <a:srgbClr val="000000"/>
-              </a:solidFill>
-              <a:latin typeface="Arial" panose="020B0604020202020204" pitchFamily="34" charset="0"/>
-            </a:endParaRPr>
-          </a:p>
-          <a:p>
-            <a:pPr indent="457200" rtl="0">
-              <a:spcBef>
-                <a:spcPts val="0"/>
-              </a:spcBef>
-              <a:spcAft>
-                <a:spcPts val="0"/>
-              </a:spcAft>
-            </a:pPr>
-            <a:r>
-              <a:rPr lang="en-US" sz="1800" b="0" i="0" u="none" strike="noStrike" dirty="0">
-                <a:solidFill>
-                  <a:srgbClr val="000000"/>
-                </a:solidFill>
-                <a:effectLst/>
-                <a:latin typeface="Arial" panose="020B0604020202020204" pitchFamily="34" charset="0"/>
-              </a:rPr>
-              <a:t>Since then, there is an observed increase in road fatalities and accidents, as well as the congestion of traffic along the highways and public roads. </a:t>
-            </a:r>
-            <a:endParaRPr lang="en-US" b="0" dirty="0">
-              <a:effectLst/>
-            </a:endParaRPr>
-          </a:p>
-          <a:p>
-            <a:pPr rtl="0">
-              <a:spcBef>
-                <a:spcPts val="0"/>
-              </a:spcBef>
-              <a:spcAft>
-                <a:spcPts val="0"/>
-              </a:spcAft>
-            </a:pPr>
-            <a:br>
-              <a:rPr lang="en-US" b="0" dirty="0">
-                <a:effectLst/>
-              </a:rPr>
-            </a:br>
-            <a:br>
-              <a:rPr lang="en-US" b="0" dirty="0">
-                <a:effectLst/>
-              </a:rPr>
-            </a:br>
-            <a:r>
-              <a:rPr lang="en-US" sz="1800" b="0" i="0" u="none" strike="noStrike" dirty="0">
-                <a:solidFill>
-                  <a:srgbClr val="000000"/>
-                </a:solidFill>
-                <a:effectLst/>
-                <a:latin typeface="Arial" panose="020B0604020202020204" pitchFamily="34" charset="0"/>
-              </a:rPr>
-              <a:t>This website aims to provide free education in a simplified manner to address any ignorance of traffic rules, road safety, the use of public roads, and the privilege of a private motorized vehicle, and for the betterment of the community. </a:t>
-            </a:r>
-            <a:endParaRPr lang="en-US" b="0" dirty="0">
-              <a:effectLst/>
-            </a:endParaRPr>
-          </a:p>
-          <a:p>
-            <a:br>
-              <a:rPr lang="en-US" dirty="0"/>
-            </a:br>
-            <a:endParaRPr lang="en-US" dirty="0"/>
-          </a:p>
-        </p:txBody>
-      </p:sp>
-      <p:sp>
-        <p:nvSpPr>
-          <p:cNvPr id="4" name="Date Placeholder 3">
-            <a:extLst>
-              <a:ext uri="{FF2B5EF4-FFF2-40B4-BE49-F238E27FC236}">
-                <a16:creationId xmlns:a16="http://schemas.microsoft.com/office/drawing/2014/main" id="{70E12647-CCB2-45E2-A9CB-A868F490497E}"/>
+            <a:r>
+              <a:rPr lang="en-US" sz="1800" dirty="0"/>
+              <a:t>Introduction</a:t>
+            </a:r>
+          </a:p>
+          <a:p>
+            <a:r>
+              <a:rPr lang="en-US" sz="1800" dirty="0"/>
+              <a:t>Problems</a:t>
+            </a:r>
+          </a:p>
+          <a:p>
+            <a:r>
+              <a:rPr lang="en-US" sz="1800" dirty="0"/>
+              <a:t>Solution</a:t>
+            </a:r>
+          </a:p>
+          <a:p>
+            <a:r>
+              <a:rPr lang="en-US" sz="1800" dirty="0"/>
+              <a:t>Project Title</a:t>
+            </a:r>
+          </a:p>
+          <a:p>
+            <a:r>
+              <a:rPr lang="en-US" sz="1800" dirty="0"/>
+              <a:t>Project Objectives</a:t>
+            </a:r>
+          </a:p>
+          <a:p>
+            <a:r>
+              <a:rPr lang="en-US" sz="1800" dirty="0"/>
+              <a:t>Target Users</a:t>
+            </a:r>
+          </a:p>
+          <a:p>
+            <a:r>
+              <a:rPr lang="en-US" sz="1800" dirty="0"/>
+              <a:t>Sitemap</a:t>
+            </a:r>
+          </a:p>
+          <a:p>
+            <a:r>
+              <a:rPr lang="en-US" sz="1800" dirty="0"/>
+              <a:t>Wireframe</a:t>
+            </a:r>
+          </a:p>
+          <a:p>
+            <a:r>
+              <a:rPr lang="en-US" sz="1800" dirty="0"/>
+              <a:t>Website Demo</a:t>
+            </a:r>
+          </a:p>
+        </p:txBody>
+      </p:sp>
+      <p:sp>
+        <p:nvSpPr>
+          <p:cNvPr id="5" name="Date Placeholder 4">
+            <a:extLst>
+              <a:ext uri="{FF2B5EF4-FFF2-40B4-BE49-F238E27FC236}">
+                <a16:creationId xmlns:a16="http://schemas.microsoft.com/office/drawing/2014/main" id="{9AB5BAF8-EA80-4AD4-8D83-5960C299573A}"/>
               </a:ext>
             </a:extLst>
           </p:cNvPr>
@@ -13218,8 +13773,8 @@
         </p:nvSpPr>
         <p:spPr>
           <a:xfrm>
-            <a:off x="838200" y="6356350"/>
-            <a:ext cx="1219200" cy="365125"/>
+            <a:off x="1333500" y="6356350"/>
+            <a:ext cx="985157" cy="365125"/>
           </a:xfrm>
         </p:spPr>
         <p:txBody>
@@ -13235,10 +13790,10 @@
       </p:sp>
       <p:sp>
         <p:nvSpPr>
-          <p:cNvPr id="5" name="Footer Placeholder 4">
-            <a:extLst>
-              <a:ext uri="{FF2B5EF4-FFF2-40B4-BE49-F238E27FC236}">
-                <a16:creationId xmlns:a16="http://schemas.microsoft.com/office/drawing/2014/main" id="{8D51ED20-04D4-4894-B0C2-9C541A61A734}"/>
+          <p:cNvPr id="4" name="Footer Placeholder 3">
+            <a:extLst>
+              <a:ext uri="{FF2B5EF4-FFF2-40B4-BE49-F238E27FC236}">
+                <a16:creationId xmlns:a16="http://schemas.microsoft.com/office/drawing/2014/main" id="{36C19884-873C-4D13-BE6D-318CF07B0D12}"/>
               </a:ext>
             </a:extLst>
           </p:cNvPr>
@@ -13251,8 +13806,8 @@
         </p:nvSpPr>
         <p:spPr>
           <a:xfrm>
-            <a:off x="2463800" y="6356350"/>
-            <a:ext cx="3479800" cy="365125"/>
+            <a:off x="2669886" y="6356349"/>
+            <a:ext cx="2482842" cy="365125"/>
           </a:xfrm>
         </p:spPr>
         <p:txBody>
@@ -13271,7 +13826,7 @@
           <p:cNvPr id="6" name="Slide Number Placeholder 5">
             <a:extLst>
               <a:ext uri="{FF2B5EF4-FFF2-40B4-BE49-F238E27FC236}">
-                <a16:creationId xmlns:a16="http://schemas.microsoft.com/office/drawing/2014/main" id="{7BC1787E-7110-4989-B0B8-DD4E0ACC09DF}"/>
+                <a16:creationId xmlns:a16="http://schemas.microsoft.com/office/drawing/2014/main" id="{7C991F00-87A7-45A6-8029-B097FA72498D}"/>
               </a:ext>
             </a:extLst>
           </p:cNvPr>
@@ -13284,8 +13839,8 @@
         </p:nvSpPr>
         <p:spPr>
           <a:xfrm>
-            <a:off x="8610600" y="6356350"/>
-            <a:ext cx="2743200" cy="365125"/>
+            <a:off x="5536305" y="6356350"/>
+            <a:ext cx="987552" cy="365125"/>
           </a:xfrm>
         </p:spPr>
         <p:txBody>
@@ -13304,13 +13859,25 @@
     </p:spTree>
     <p:extLst>
       <p:ext uri="{BB962C8B-B14F-4D97-AF65-F5344CB8AC3E}">
-        <p14:creationId xmlns:p14="http://schemas.microsoft.com/office/powerpoint/2010/main" val="3571516367"/>
+        <p14:creationId xmlns:p14="http://schemas.microsoft.com/office/powerpoint/2010/main" val="1713219598"/>
       </p:ext>
     </p:extLst>
   </p:cSld>
   <p:clrMapOvr>
     <a:masterClrMapping/>
   </p:clrMapOvr>
+  <mc:AlternateContent xmlns:mc="http://schemas.openxmlformats.org/markup-compatibility/2006">
+    <mc:Choice xmlns:p14="http://schemas.microsoft.com/office/powerpoint/2010/main" Requires="p14">
+      <p:transition spd="med" p14:dur="700">
+        <p:fade/>
+      </p:transition>
+    </mc:Choice>
+    <mc:Fallback>
+      <p:transition spd="med">
+        <p:fade/>
+      </p:transition>
+    </mc:Fallback>
+  </mc:AlternateContent>
 </p:sld>
 </file>
 
@@ -13336,21 +13903,197 @@
           <p:cNvPr id="2" name="Title 1">
             <a:extLst>
               <a:ext uri="{FF2B5EF4-FFF2-40B4-BE49-F238E27FC236}">
-                <a16:creationId xmlns:a16="http://schemas.microsoft.com/office/drawing/2014/main" id="{B1FE5F11-B7B9-4B80-8C6A-A8A7A7190B77}"/>
-              </a:ext>
-            </a:extLst>
-          </p:cNvPr>
-          <p:cNvSpPr>
-            <a:spLocks noGrp="1"/>
-          </p:cNvSpPr>
-          <p:nvPr>
-            <p:ph type="ctrTitle"/>
-          </p:nvPr>
-        </p:nvSpPr>
-        <p:spPr>
-          <a:xfrm>
-            <a:off x="6991350" y="2148840"/>
-            <a:ext cx="4179570" cy="1715531"/>
+                <a16:creationId xmlns:a16="http://schemas.microsoft.com/office/drawing/2014/main" id="{0A32731C-311B-46F7-A865-6C3AF6B09A47}"/>
+              </a:ext>
+            </a:extLst>
+          </p:cNvPr>
+          <p:cNvSpPr>
+            <a:spLocks noGrp="1"/>
+          </p:cNvSpPr>
+          <p:nvPr>
+            <p:ph type="title"/>
+          </p:nvPr>
+        </p:nvSpPr>
+        <p:spPr>
+          <a:xfrm>
+            <a:off x="838200" y="544296"/>
+            <a:ext cx="5111750" cy="1204912"/>
+          </a:xfrm>
+        </p:spPr>
+        <p:txBody>
+          <a:bodyPr>
+            <a:normAutofit/>
+          </a:bodyPr>
+          <a:lstStyle/>
+          <a:p>
+            <a:r>
+              <a:rPr lang="en-US" sz="4000" b="1" dirty="0">
+                <a:solidFill>
+                  <a:srgbClr val="0070C0"/>
+                </a:solidFill>
+              </a:rPr>
+              <a:t>INTRODUCTION</a:t>
+            </a:r>
+          </a:p>
+        </p:txBody>
+      </p:sp>
+      <p:sp>
+        <p:nvSpPr>
+          <p:cNvPr id="3" name="Text Placeholder 2">
+            <a:extLst>
+              <a:ext uri="{FF2B5EF4-FFF2-40B4-BE49-F238E27FC236}">
+                <a16:creationId xmlns:a16="http://schemas.microsoft.com/office/drawing/2014/main" id="{9D5232F9-FD00-464A-9F17-619C91AEF8F3}"/>
+              </a:ext>
+            </a:extLst>
+          </p:cNvPr>
+          <p:cNvSpPr>
+            <a:spLocks noGrp="1"/>
+          </p:cNvSpPr>
+          <p:nvPr>
+            <p:ph type="body" idx="1"/>
+          </p:nvPr>
+        </p:nvSpPr>
+        <p:spPr>
+          <a:xfrm>
+            <a:off x="986294" y="2149127"/>
+            <a:ext cx="6980259" cy="4164577"/>
+          </a:xfrm>
+        </p:spPr>
+        <p:txBody>
+          <a:bodyPr>
+            <a:normAutofit/>
+          </a:bodyPr>
+          <a:lstStyle/>
+          <a:p>
+            <a:pPr indent="457200" rtl="0">
+              <a:spcBef>
+                <a:spcPts val="0"/>
+              </a:spcBef>
+              <a:spcAft>
+                <a:spcPts val="0"/>
+              </a:spcAft>
+            </a:pPr>
+            <a:r>
+              <a:rPr lang="en-US" sz="1800" b="1" i="0" u="none" strike="noStrike" dirty="0">
+                <a:solidFill>
+                  <a:srgbClr val="000000"/>
+                </a:solidFill>
+                <a:effectLst/>
+                <a:latin typeface="Arial" panose="020B0604020202020204" pitchFamily="34" charset="0"/>
+              </a:rPr>
+              <a:t> </a:t>
+            </a:r>
+            <a:r>
+              <a:rPr lang="en-US" sz="1800" b="0" i="0" u="none" strike="noStrike" dirty="0">
+                <a:solidFill>
+                  <a:srgbClr val="000000"/>
+                </a:solidFill>
+                <a:effectLst/>
+                <a:latin typeface="Arial" panose="020B0604020202020204" pitchFamily="34" charset="0"/>
+              </a:rPr>
+              <a:t>Since the pandemic began, the increasing demand for means of private transportation has doubled. </a:t>
+            </a:r>
+          </a:p>
+          <a:p>
+            <a:pPr indent="457200" rtl="0">
+              <a:spcBef>
+                <a:spcPts val="0"/>
+              </a:spcBef>
+              <a:spcAft>
+                <a:spcPts val="0"/>
+              </a:spcAft>
+            </a:pPr>
+            <a:endParaRPr lang="en-US" sz="1800" dirty="0">
+              <a:solidFill>
+                <a:srgbClr val="000000"/>
+              </a:solidFill>
+              <a:latin typeface="Arial" panose="020B0604020202020204" pitchFamily="34" charset="0"/>
+            </a:endParaRPr>
+          </a:p>
+          <a:p>
+            <a:pPr indent="457200" rtl="0">
+              <a:spcBef>
+                <a:spcPts val="0"/>
+              </a:spcBef>
+              <a:spcAft>
+                <a:spcPts val="0"/>
+              </a:spcAft>
+            </a:pPr>
+            <a:r>
+              <a:rPr lang="en-US" sz="1800" b="0" i="0" u="none" strike="noStrike" dirty="0">
+                <a:solidFill>
+                  <a:srgbClr val="000000"/>
+                </a:solidFill>
+                <a:effectLst/>
+                <a:latin typeface="Arial" panose="020B0604020202020204" pitchFamily="34" charset="0"/>
+              </a:rPr>
+              <a:t>Since then, there is an observed increase in road fatalities and accidents, as well as the congestion of traffic along the highways and public roads. </a:t>
+            </a:r>
+            <a:endParaRPr lang="en-US" b="0" dirty="0">
+              <a:effectLst/>
+            </a:endParaRPr>
+          </a:p>
+          <a:p>
+            <a:pPr rtl="0">
+              <a:spcBef>
+                <a:spcPts val="0"/>
+              </a:spcBef>
+              <a:spcAft>
+                <a:spcPts val="0"/>
+              </a:spcAft>
+            </a:pPr>
+            <a:br>
+              <a:rPr lang="en-US" b="0" dirty="0">
+                <a:effectLst/>
+              </a:rPr>
+            </a:br>
+            <a:br>
+              <a:rPr lang="en-US" b="0" dirty="0">
+                <a:effectLst/>
+              </a:rPr>
+            </a:br>
+            <a:r>
+              <a:rPr lang="en-US" sz="1800" b="0" i="0" u="none" strike="noStrike" dirty="0">
+                <a:solidFill>
+                  <a:srgbClr val="000000"/>
+                </a:solidFill>
+                <a:effectLst/>
+                <a:latin typeface="Arial" panose="020B0604020202020204" pitchFamily="34" charset="0"/>
+              </a:rPr>
+              <a:t>This website aims to provide free education in a simplified manner to address any ignorance of traffic rules, road safety, the use of public roads, and the privilege of a private motorized vehicle, and for the betterment of the community. </a:t>
+            </a:r>
+            <a:endParaRPr lang="en-US" b="0" dirty="0">
+              <a:effectLst/>
+            </a:endParaRPr>
+          </a:p>
+          <a:p>
+            <a:br>
+              <a:rPr lang="en-US" dirty="0"/>
+            </a:br>
+            <a:endParaRPr lang="en-US" dirty="0"/>
+          </a:p>
+        </p:txBody>
+      </p:sp>
+      <p:sp>
+        <p:nvSpPr>
+          <p:cNvPr id="4" name="Date Placeholder 3">
+            <a:extLst>
+              <a:ext uri="{FF2B5EF4-FFF2-40B4-BE49-F238E27FC236}">
+                <a16:creationId xmlns:a16="http://schemas.microsoft.com/office/drawing/2014/main" id="{70E12647-CCB2-45E2-A9CB-A868F490497E}"/>
+              </a:ext>
+            </a:extLst>
+          </p:cNvPr>
+          <p:cNvSpPr>
+            <a:spLocks noGrp="1"/>
+          </p:cNvSpPr>
+          <p:nvPr>
+            <p:ph type="dt" sz="half" idx="10"/>
+          </p:nvPr>
+        </p:nvSpPr>
+        <p:spPr>
+          <a:xfrm>
+            <a:off x="838200" y="6356350"/>
+            <a:ext cx="1219200" cy="365125"/>
           </a:xfrm>
         </p:spPr>
         <p:txBody>
@@ -13358,9 +14101,76 @@
           <a:lstStyle/>
           <a:p>
             <a:r>
-              <a:rPr lang="en-US" dirty="0" err="1"/>
-              <a:t>PRoblems</a:t>
-            </a:r>
+              <a:rPr lang="en-US" dirty="0"/>
+              <a:t>20XX</a:t>
+            </a:r>
+          </a:p>
+        </p:txBody>
+      </p:sp>
+      <p:sp>
+        <p:nvSpPr>
+          <p:cNvPr id="5" name="Footer Placeholder 4">
+            <a:extLst>
+              <a:ext uri="{FF2B5EF4-FFF2-40B4-BE49-F238E27FC236}">
+                <a16:creationId xmlns:a16="http://schemas.microsoft.com/office/drawing/2014/main" id="{8D51ED20-04D4-4894-B0C2-9C541A61A734}"/>
+              </a:ext>
+            </a:extLst>
+          </p:cNvPr>
+          <p:cNvSpPr>
+            <a:spLocks noGrp="1"/>
+          </p:cNvSpPr>
+          <p:nvPr>
+            <p:ph type="ftr" sz="quarter" idx="11"/>
+          </p:nvPr>
+        </p:nvSpPr>
+        <p:spPr>
+          <a:xfrm>
+            <a:off x="2463800" y="6356350"/>
+            <a:ext cx="3479800" cy="365125"/>
+          </a:xfrm>
+        </p:spPr>
+        <p:txBody>
+          <a:bodyPr/>
+          <a:lstStyle/>
+          <a:p>
+            <a:r>
+              <a:rPr lang="en-US" dirty="0"/>
+              <a:t>PRESENTATION TITLE</a:t>
+            </a:r>
+          </a:p>
+        </p:txBody>
+      </p:sp>
+      <p:sp>
+        <p:nvSpPr>
+          <p:cNvPr id="6" name="Slide Number Placeholder 5">
+            <a:extLst>
+              <a:ext uri="{FF2B5EF4-FFF2-40B4-BE49-F238E27FC236}">
+                <a16:creationId xmlns:a16="http://schemas.microsoft.com/office/drawing/2014/main" id="{7BC1787E-7110-4989-B0B8-DD4E0ACC09DF}"/>
+              </a:ext>
+            </a:extLst>
+          </p:cNvPr>
+          <p:cNvSpPr>
+            <a:spLocks noGrp="1"/>
+          </p:cNvSpPr>
+          <p:nvPr>
+            <p:ph type="sldNum" sz="quarter" idx="12"/>
+          </p:nvPr>
+        </p:nvSpPr>
+        <p:spPr>
+          <a:xfrm>
+            <a:off x="8610600" y="6356350"/>
+            <a:ext cx="2743200" cy="365125"/>
+          </a:xfrm>
+        </p:spPr>
+        <p:txBody>
+          <a:bodyPr/>
+          <a:lstStyle/>
+          <a:p>
+            <a:fld id="{A49DFD55-3C28-40EF-9E31-A92D2E4017FF}" type="slidenum">
+              <a:rPr lang="en-US" smtClean="0"/>
+              <a:pPr/>
+              <a:t>4</a:t>
+            </a:fld>
             <a:endParaRPr lang="en-US" dirty="0"/>
           </a:p>
         </p:txBody>
@@ -13368,13 +14178,25 @@
     </p:spTree>
     <p:extLst>
       <p:ext uri="{BB962C8B-B14F-4D97-AF65-F5344CB8AC3E}">
-        <p14:creationId xmlns:p14="http://schemas.microsoft.com/office/powerpoint/2010/main" val="379728094"/>
+        <p14:creationId xmlns:p14="http://schemas.microsoft.com/office/powerpoint/2010/main" val="3571516367"/>
       </p:ext>
     </p:extLst>
   </p:cSld>
   <p:clrMapOvr>
     <a:masterClrMapping/>
   </p:clrMapOvr>
+  <mc:AlternateContent xmlns:mc="http://schemas.openxmlformats.org/markup-compatibility/2006">
+    <mc:Choice xmlns:p14="http://schemas.microsoft.com/office/powerpoint/2010/main" Requires="p14">
+      <p:transition spd="med" p14:dur="700">
+        <p:fade/>
+      </p:transition>
+    </mc:Choice>
+    <mc:Fallback>
+      <p:transition spd="med">
+        <p:fade/>
+      </p:transition>
+    </mc:Fallback>
+  </mc:AlternateContent>
 </p:sld>
 </file>
 
@@ -13400,227 +14222,21 @@
           <p:cNvPr id="2" name="Title 1">
             <a:extLst>
               <a:ext uri="{FF2B5EF4-FFF2-40B4-BE49-F238E27FC236}">
-                <a16:creationId xmlns:a16="http://schemas.microsoft.com/office/drawing/2014/main" id="{0A32731C-311B-46F7-A865-6C3AF6B09A47}"/>
-              </a:ext>
-            </a:extLst>
-          </p:cNvPr>
-          <p:cNvSpPr>
-            <a:spLocks noGrp="1"/>
-          </p:cNvSpPr>
-          <p:nvPr>
-            <p:ph type="title"/>
-          </p:nvPr>
-        </p:nvSpPr>
-        <p:spPr>
-          <a:xfrm>
-            <a:off x="1261867" y="1056579"/>
-            <a:ext cx="5111750" cy="1204912"/>
-          </a:xfrm>
-        </p:spPr>
-        <p:txBody>
-          <a:bodyPr>
-            <a:normAutofit/>
-          </a:bodyPr>
-          <a:lstStyle/>
-          <a:p>
-            <a:r>
-              <a:rPr lang="en-US" sz="3600" b="1" dirty="0">
-                <a:solidFill>
-                  <a:srgbClr val="0070C0"/>
-                </a:solidFill>
-              </a:rPr>
-              <a:t>Problems</a:t>
-            </a:r>
-          </a:p>
-        </p:txBody>
-      </p:sp>
-      <p:sp>
-        <p:nvSpPr>
-          <p:cNvPr id="3" name="Text Placeholder 2">
-            <a:extLst>
-              <a:ext uri="{FF2B5EF4-FFF2-40B4-BE49-F238E27FC236}">
-                <a16:creationId xmlns:a16="http://schemas.microsoft.com/office/drawing/2014/main" id="{9D5232F9-FD00-464A-9F17-619C91AEF8F3}"/>
-              </a:ext>
-            </a:extLst>
-          </p:cNvPr>
-          <p:cNvSpPr>
-            <a:spLocks noGrp="1"/>
-          </p:cNvSpPr>
-          <p:nvPr>
-            <p:ph type="body" idx="1"/>
-          </p:nvPr>
-        </p:nvSpPr>
-        <p:spPr>
-          <a:xfrm>
-            <a:off x="1261866" y="2429354"/>
-            <a:ext cx="8070023" cy="3771029"/>
-          </a:xfrm>
-        </p:spPr>
-        <p:txBody>
-          <a:bodyPr>
-            <a:normAutofit/>
-          </a:bodyPr>
-          <a:lstStyle/>
-          <a:p>
-            <a:pPr marL="285750" indent="-285750" rtl="0">
-              <a:spcBef>
-                <a:spcPts val="0"/>
-              </a:spcBef>
-              <a:spcAft>
-                <a:spcPts val="0"/>
-              </a:spcAft>
-              <a:buFont typeface="Arial" panose="020B0604020202020204" pitchFamily="34" charset="0"/>
-              <a:buChar char="•"/>
-            </a:pPr>
-            <a:r>
-              <a:rPr lang="en-US" sz="2000" b="1" i="0" u="none" strike="noStrike" dirty="0">
-                <a:solidFill>
-                  <a:srgbClr val="000000"/>
-                </a:solidFill>
-                <a:effectLst/>
-                <a:latin typeface="Arial" panose="020B0604020202020204" pitchFamily="34" charset="0"/>
-              </a:rPr>
-              <a:t> </a:t>
-            </a:r>
-            <a:r>
-              <a:rPr lang="en-US" sz="2000" b="0" i="0" u="none" strike="noStrike" dirty="0">
-                <a:solidFill>
-                  <a:srgbClr val="000000"/>
-                </a:solidFill>
-                <a:effectLst/>
-                <a:latin typeface="Arial" panose="020B0604020202020204" pitchFamily="34" charset="0"/>
-              </a:rPr>
-              <a:t>Ignorance in the road rules and road usage</a:t>
-            </a:r>
-          </a:p>
-          <a:p>
-            <a:pPr indent="457200" rtl="0">
-              <a:spcBef>
-                <a:spcPts val="0"/>
-              </a:spcBef>
-              <a:spcAft>
-                <a:spcPts val="0"/>
-              </a:spcAft>
-            </a:pPr>
-            <a:endParaRPr lang="en-US" sz="2000" dirty="0">
-              <a:solidFill>
-                <a:srgbClr val="000000"/>
-              </a:solidFill>
-              <a:latin typeface="Arial" panose="020B0604020202020204" pitchFamily="34" charset="0"/>
-            </a:endParaRPr>
-          </a:p>
-          <a:p>
-            <a:pPr marL="285750" indent="-285750">
-              <a:buFont typeface="Arial" panose="020B0604020202020204" pitchFamily="34" charset="0"/>
-              <a:buChar char="•"/>
-            </a:pPr>
-            <a:r>
-              <a:rPr lang="en-US" sz="2000" b="0" i="0" u="none" strike="noStrike" dirty="0">
-                <a:solidFill>
-                  <a:srgbClr val="000000"/>
-                </a:solidFill>
-                <a:effectLst/>
-                <a:latin typeface="Arial" panose="020B0604020202020204" pitchFamily="34" charset="0"/>
-              </a:rPr>
-              <a:t>Lack of physical and situational awareness</a:t>
-            </a:r>
-          </a:p>
-          <a:p>
-            <a:pPr marL="742950" lvl="1" indent="-285750">
-              <a:buFont typeface="Arial" panose="020B0604020202020204" pitchFamily="34" charset="0"/>
-              <a:buChar char="•"/>
-            </a:pPr>
-            <a:r>
-              <a:rPr lang="en-US" dirty="0">
-                <a:solidFill>
-                  <a:srgbClr val="000000"/>
-                </a:solidFill>
-                <a:latin typeface="Arial" panose="020B0604020202020204" pitchFamily="34" charset="0"/>
-              </a:rPr>
-              <a:t>Security of pedestrians</a:t>
-            </a:r>
-          </a:p>
-          <a:p>
-            <a:pPr marL="742950" lvl="1" indent="-285750">
-              <a:buFont typeface="Arial" panose="020B0604020202020204" pitchFamily="34" charset="0"/>
-              <a:buChar char="•"/>
-            </a:pPr>
-            <a:r>
-              <a:rPr lang="en-US" dirty="0">
-                <a:solidFill>
-                  <a:srgbClr val="000000"/>
-                </a:solidFill>
-                <a:latin typeface="Arial" panose="020B0604020202020204" pitchFamily="34" charset="0"/>
-              </a:rPr>
-              <a:t>Safety of other motorists</a:t>
-            </a:r>
-          </a:p>
-          <a:p>
-            <a:pPr marL="285750" indent="-285750">
-              <a:buFont typeface="Arial" panose="020B0604020202020204" pitchFamily="34" charset="0"/>
-              <a:buChar char="•"/>
-            </a:pPr>
-            <a:r>
-              <a:rPr lang="en-US" sz="2000" b="0" i="0" u="none" strike="noStrike" dirty="0">
-                <a:solidFill>
-                  <a:srgbClr val="000000"/>
-                </a:solidFill>
-                <a:effectLst/>
-                <a:latin typeface="Arial" panose="020B0604020202020204" pitchFamily="34" charset="0"/>
-              </a:rPr>
-              <a:t>Lack of proper driving etiquette</a:t>
-            </a:r>
-          </a:p>
-          <a:p>
-            <a:endParaRPr lang="en-US" sz="2000" b="0" i="0" u="none" strike="noStrike" dirty="0">
-              <a:solidFill>
-                <a:srgbClr val="000000"/>
-              </a:solidFill>
-              <a:effectLst/>
-              <a:latin typeface="Arial" panose="020B0604020202020204" pitchFamily="34" charset="0"/>
-            </a:endParaRPr>
-          </a:p>
-          <a:p>
-            <a:pPr marL="285750" indent="-285750">
-              <a:buFont typeface="Arial" panose="020B0604020202020204" pitchFamily="34" charset="0"/>
-              <a:buChar char="•"/>
-            </a:pPr>
-            <a:r>
-              <a:rPr lang="en-US" sz="2000" dirty="0">
-                <a:solidFill>
-                  <a:srgbClr val="000000"/>
-                </a:solidFill>
-                <a:latin typeface="Arial" panose="020B0604020202020204" pitchFamily="34" charset="0"/>
-              </a:rPr>
-              <a:t>Drivers with anger management Issues</a:t>
-            </a:r>
-            <a:br>
-              <a:rPr lang="en-US" sz="1600" dirty="0"/>
-            </a:br>
-            <a:endParaRPr lang="en-US" sz="1600" dirty="0"/>
-          </a:p>
-        </p:txBody>
-      </p:sp>
-      <p:sp>
-        <p:nvSpPr>
-          <p:cNvPr id="4" name="Date Placeholder 3">
-            <a:extLst>
-              <a:ext uri="{FF2B5EF4-FFF2-40B4-BE49-F238E27FC236}">
-                <a16:creationId xmlns:a16="http://schemas.microsoft.com/office/drawing/2014/main" id="{70E12647-CCB2-45E2-A9CB-A868F490497E}"/>
-              </a:ext>
-            </a:extLst>
-          </p:cNvPr>
-          <p:cNvSpPr>
-            <a:spLocks noGrp="1"/>
-          </p:cNvSpPr>
-          <p:nvPr>
-            <p:ph type="dt" sz="half" idx="10"/>
-          </p:nvPr>
-        </p:nvSpPr>
-        <p:spPr>
-          <a:xfrm>
-            <a:off x="838200" y="6356350"/>
-            <a:ext cx="1219200" cy="365125"/>
+                <a16:creationId xmlns:a16="http://schemas.microsoft.com/office/drawing/2014/main" id="{B1FE5F11-B7B9-4B80-8C6A-A8A7A7190B77}"/>
+              </a:ext>
+            </a:extLst>
+          </p:cNvPr>
+          <p:cNvSpPr>
+            <a:spLocks noGrp="1"/>
+          </p:cNvSpPr>
+          <p:nvPr>
+            <p:ph type="ctrTitle"/>
+          </p:nvPr>
+        </p:nvSpPr>
+        <p:spPr>
+          <a:xfrm>
+            <a:off x="6991350" y="2148840"/>
+            <a:ext cx="4179570" cy="1715531"/>
           </a:xfrm>
         </p:spPr>
         <p:txBody>
@@ -13628,76 +14244,9 @@
           <a:lstStyle/>
           <a:p>
             <a:r>
-              <a:rPr lang="en-US" dirty="0"/>
-              <a:t>20XX</a:t>
-            </a:r>
-          </a:p>
-        </p:txBody>
-      </p:sp>
-      <p:sp>
-        <p:nvSpPr>
-          <p:cNvPr id="5" name="Footer Placeholder 4">
-            <a:extLst>
-              <a:ext uri="{FF2B5EF4-FFF2-40B4-BE49-F238E27FC236}">
-                <a16:creationId xmlns:a16="http://schemas.microsoft.com/office/drawing/2014/main" id="{8D51ED20-04D4-4894-B0C2-9C541A61A734}"/>
-              </a:ext>
-            </a:extLst>
-          </p:cNvPr>
-          <p:cNvSpPr>
-            <a:spLocks noGrp="1"/>
-          </p:cNvSpPr>
-          <p:nvPr>
-            <p:ph type="ftr" sz="quarter" idx="11"/>
-          </p:nvPr>
-        </p:nvSpPr>
-        <p:spPr>
-          <a:xfrm>
-            <a:off x="2463800" y="6356350"/>
-            <a:ext cx="3479800" cy="365125"/>
-          </a:xfrm>
-        </p:spPr>
-        <p:txBody>
-          <a:bodyPr/>
-          <a:lstStyle/>
-          <a:p>
-            <a:r>
-              <a:rPr lang="en-US" dirty="0"/>
-              <a:t>PRESENTATION TITLE</a:t>
-            </a:r>
-          </a:p>
-        </p:txBody>
-      </p:sp>
-      <p:sp>
-        <p:nvSpPr>
-          <p:cNvPr id="6" name="Slide Number Placeholder 5">
-            <a:extLst>
-              <a:ext uri="{FF2B5EF4-FFF2-40B4-BE49-F238E27FC236}">
-                <a16:creationId xmlns:a16="http://schemas.microsoft.com/office/drawing/2014/main" id="{7BC1787E-7110-4989-B0B8-DD4E0ACC09DF}"/>
-              </a:ext>
-            </a:extLst>
-          </p:cNvPr>
-          <p:cNvSpPr>
-            <a:spLocks noGrp="1"/>
-          </p:cNvSpPr>
-          <p:nvPr>
-            <p:ph type="sldNum" sz="quarter" idx="12"/>
-          </p:nvPr>
-        </p:nvSpPr>
-        <p:spPr>
-          <a:xfrm>
-            <a:off x="8610600" y="6356350"/>
-            <a:ext cx="2743200" cy="365125"/>
-          </a:xfrm>
-        </p:spPr>
-        <p:txBody>
-          <a:bodyPr/>
-          <a:lstStyle/>
-          <a:p>
-            <a:fld id="{A49DFD55-3C28-40EF-9E31-A92D2E4017FF}" type="slidenum">
-              <a:rPr lang="en-US" smtClean="0"/>
-              <a:pPr/>
-              <a:t>5</a:t>
-            </a:fld>
+              <a:rPr lang="en-US" dirty="0" err="1"/>
+              <a:t>PRoblems</a:t>
+            </a:r>
             <a:endParaRPr lang="en-US" dirty="0"/>
           </a:p>
         </p:txBody>
@@ -13705,13 +14254,25 @@
     </p:spTree>
     <p:extLst>
       <p:ext uri="{BB962C8B-B14F-4D97-AF65-F5344CB8AC3E}">
-        <p14:creationId xmlns:p14="http://schemas.microsoft.com/office/powerpoint/2010/main" val="2845908831"/>
+        <p14:creationId xmlns:p14="http://schemas.microsoft.com/office/powerpoint/2010/main" val="379728094"/>
       </p:ext>
     </p:extLst>
   </p:cSld>
   <p:clrMapOvr>
     <a:masterClrMapping/>
   </p:clrMapOvr>
+  <mc:AlternateContent xmlns:mc="http://schemas.openxmlformats.org/markup-compatibility/2006">
+    <mc:Choice xmlns:p14="http://schemas.microsoft.com/office/powerpoint/2010/main" Requires="p14">
+      <p:transition spd="med" p14:dur="700">
+        <p:fade/>
+      </p:transition>
+    </mc:Choice>
+    <mc:Fallback>
+      <p:transition spd="med">
+        <p:fade/>
+      </p:transition>
+    </mc:Fallback>
+  </mc:AlternateContent>
 </p:sld>
 </file>
 
@@ -13737,21 +14298,227 @@
           <p:cNvPr id="2" name="Title 1">
             <a:extLst>
               <a:ext uri="{FF2B5EF4-FFF2-40B4-BE49-F238E27FC236}">
-                <a16:creationId xmlns:a16="http://schemas.microsoft.com/office/drawing/2014/main" id="{B1FE5F11-B7B9-4B80-8C6A-A8A7A7190B77}"/>
-              </a:ext>
-            </a:extLst>
-          </p:cNvPr>
-          <p:cNvSpPr>
-            <a:spLocks noGrp="1"/>
-          </p:cNvSpPr>
-          <p:nvPr>
-            <p:ph type="ctrTitle"/>
-          </p:nvPr>
-        </p:nvSpPr>
-        <p:spPr>
-          <a:xfrm>
-            <a:off x="6991350" y="2148840"/>
-            <a:ext cx="4179570" cy="1715531"/>
+                <a16:creationId xmlns:a16="http://schemas.microsoft.com/office/drawing/2014/main" id="{0A32731C-311B-46F7-A865-6C3AF6B09A47}"/>
+              </a:ext>
+            </a:extLst>
+          </p:cNvPr>
+          <p:cNvSpPr>
+            <a:spLocks noGrp="1"/>
+          </p:cNvSpPr>
+          <p:nvPr>
+            <p:ph type="title"/>
+          </p:nvPr>
+        </p:nvSpPr>
+        <p:spPr>
+          <a:xfrm>
+            <a:off x="1261867" y="1056579"/>
+            <a:ext cx="5111750" cy="1204912"/>
+          </a:xfrm>
+        </p:spPr>
+        <p:txBody>
+          <a:bodyPr>
+            <a:normAutofit/>
+          </a:bodyPr>
+          <a:lstStyle/>
+          <a:p>
+            <a:r>
+              <a:rPr lang="en-US" sz="3600" b="1" dirty="0">
+                <a:solidFill>
+                  <a:srgbClr val="0070C0"/>
+                </a:solidFill>
+              </a:rPr>
+              <a:t>Problems</a:t>
+            </a:r>
+          </a:p>
+        </p:txBody>
+      </p:sp>
+      <p:sp>
+        <p:nvSpPr>
+          <p:cNvPr id="3" name="Text Placeholder 2">
+            <a:extLst>
+              <a:ext uri="{FF2B5EF4-FFF2-40B4-BE49-F238E27FC236}">
+                <a16:creationId xmlns:a16="http://schemas.microsoft.com/office/drawing/2014/main" id="{9D5232F9-FD00-464A-9F17-619C91AEF8F3}"/>
+              </a:ext>
+            </a:extLst>
+          </p:cNvPr>
+          <p:cNvSpPr>
+            <a:spLocks noGrp="1"/>
+          </p:cNvSpPr>
+          <p:nvPr>
+            <p:ph type="body" idx="1"/>
+          </p:nvPr>
+        </p:nvSpPr>
+        <p:spPr>
+          <a:xfrm>
+            <a:off x="1261866" y="2429354"/>
+            <a:ext cx="8070023" cy="3771029"/>
+          </a:xfrm>
+        </p:spPr>
+        <p:txBody>
+          <a:bodyPr>
+            <a:normAutofit/>
+          </a:bodyPr>
+          <a:lstStyle/>
+          <a:p>
+            <a:pPr marL="285750" indent="-285750" rtl="0">
+              <a:spcBef>
+                <a:spcPts val="0"/>
+              </a:spcBef>
+              <a:spcAft>
+                <a:spcPts val="0"/>
+              </a:spcAft>
+              <a:buFont typeface="Arial" panose="020B0604020202020204" pitchFamily="34" charset="0"/>
+              <a:buChar char="•"/>
+            </a:pPr>
+            <a:r>
+              <a:rPr lang="en-US" sz="2000" b="1" i="0" u="none" strike="noStrike" dirty="0">
+                <a:solidFill>
+                  <a:srgbClr val="000000"/>
+                </a:solidFill>
+                <a:effectLst/>
+                <a:latin typeface="Arial" panose="020B0604020202020204" pitchFamily="34" charset="0"/>
+              </a:rPr>
+              <a:t> </a:t>
+            </a:r>
+            <a:r>
+              <a:rPr lang="en-US" sz="2000" b="0" i="0" u="none" strike="noStrike" dirty="0">
+                <a:solidFill>
+                  <a:srgbClr val="000000"/>
+                </a:solidFill>
+                <a:effectLst/>
+                <a:latin typeface="Arial" panose="020B0604020202020204" pitchFamily="34" charset="0"/>
+              </a:rPr>
+              <a:t>Ignorance in the road rules and road usage</a:t>
+            </a:r>
+          </a:p>
+          <a:p>
+            <a:pPr indent="457200" rtl="0">
+              <a:spcBef>
+                <a:spcPts val="0"/>
+              </a:spcBef>
+              <a:spcAft>
+                <a:spcPts val="0"/>
+              </a:spcAft>
+            </a:pPr>
+            <a:endParaRPr lang="en-US" sz="2000" dirty="0">
+              <a:solidFill>
+                <a:srgbClr val="000000"/>
+              </a:solidFill>
+              <a:latin typeface="Arial" panose="020B0604020202020204" pitchFamily="34" charset="0"/>
+            </a:endParaRPr>
+          </a:p>
+          <a:p>
+            <a:pPr marL="285750" indent="-285750">
+              <a:buFont typeface="Arial" panose="020B0604020202020204" pitchFamily="34" charset="0"/>
+              <a:buChar char="•"/>
+            </a:pPr>
+            <a:r>
+              <a:rPr lang="en-US" sz="2000" b="0" i="0" u="none" strike="noStrike" dirty="0">
+                <a:solidFill>
+                  <a:srgbClr val="000000"/>
+                </a:solidFill>
+                <a:effectLst/>
+                <a:latin typeface="Arial" panose="020B0604020202020204" pitchFamily="34" charset="0"/>
+              </a:rPr>
+              <a:t>Lack of physical and situational awareness</a:t>
+            </a:r>
+          </a:p>
+          <a:p>
+            <a:pPr marL="742950" lvl="1" indent="-285750">
+              <a:buFont typeface="Arial" panose="020B0604020202020204" pitchFamily="34" charset="0"/>
+              <a:buChar char="•"/>
+            </a:pPr>
+            <a:r>
+              <a:rPr lang="en-US" dirty="0">
+                <a:solidFill>
+                  <a:srgbClr val="000000"/>
+                </a:solidFill>
+                <a:latin typeface="Arial" panose="020B0604020202020204" pitchFamily="34" charset="0"/>
+              </a:rPr>
+              <a:t>Security of pedestrians</a:t>
+            </a:r>
+          </a:p>
+          <a:p>
+            <a:pPr marL="742950" lvl="1" indent="-285750">
+              <a:buFont typeface="Arial" panose="020B0604020202020204" pitchFamily="34" charset="0"/>
+              <a:buChar char="•"/>
+            </a:pPr>
+            <a:r>
+              <a:rPr lang="en-US" dirty="0">
+                <a:solidFill>
+                  <a:srgbClr val="000000"/>
+                </a:solidFill>
+                <a:latin typeface="Arial" panose="020B0604020202020204" pitchFamily="34" charset="0"/>
+              </a:rPr>
+              <a:t>Safety of other motorists</a:t>
+            </a:r>
+          </a:p>
+          <a:p>
+            <a:pPr marL="285750" indent="-285750">
+              <a:buFont typeface="Arial" panose="020B0604020202020204" pitchFamily="34" charset="0"/>
+              <a:buChar char="•"/>
+            </a:pPr>
+            <a:r>
+              <a:rPr lang="en-US" sz="2000" b="0" i="0" u="none" strike="noStrike" dirty="0">
+                <a:solidFill>
+                  <a:srgbClr val="000000"/>
+                </a:solidFill>
+                <a:effectLst/>
+                <a:latin typeface="Arial" panose="020B0604020202020204" pitchFamily="34" charset="0"/>
+              </a:rPr>
+              <a:t>Lack of proper driving etiquette</a:t>
+            </a:r>
+          </a:p>
+          <a:p>
+            <a:endParaRPr lang="en-US" sz="2000" b="0" i="0" u="none" strike="noStrike" dirty="0">
+              <a:solidFill>
+                <a:srgbClr val="000000"/>
+              </a:solidFill>
+              <a:effectLst/>
+              <a:latin typeface="Arial" panose="020B0604020202020204" pitchFamily="34" charset="0"/>
+            </a:endParaRPr>
+          </a:p>
+          <a:p>
+            <a:pPr marL="285750" indent="-285750">
+              <a:buFont typeface="Arial" panose="020B0604020202020204" pitchFamily="34" charset="0"/>
+              <a:buChar char="•"/>
+            </a:pPr>
+            <a:r>
+              <a:rPr lang="en-US" sz="2000" dirty="0">
+                <a:solidFill>
+                  <a:srgbClr val="000000"/>
+                </a:solidFill>
+                <a:latin typeface="Arial" panose="020B0604020202020204" pitchFamily="34" charset="0"/>
+              </a:rPr>
+              <a:t>Drivers with anger management Issues</a:t>
+            </a:r>
+            <a:br>
+              <a:rPr lang="en-US" sz="1600" dirty="0"/>
+            </a:br>
+            <a:endParaRPr lang="en-US" sz="1600" dirty="0"/>
+          </a:p>
+        </p:txBody>
+      </p:sp>
+      <p:sp>
+        <p:nvSpPr>
+          <p:cNvPr id="4" name="Date Placeholder 3">
+            <a:extLst>
+              <a:ext uri="{FF2B5EF4-FFF2-40B4-BE49-F238E27FC236}">
+                <a16:creationId xmlns:a16="http://schemas.microsoft.com/office/drawing/2014/main" id="{70E12647-CCB2-45E2-A9CB-A868F490497E}"/>
+              </a:ext>
+            </a:extLst>
+          </p:cNvPr>
+          <p:cNvSpPr>
+            <a:spLocks noGrp="1"/>
+          </p:cNvSpPr>
+          <p:nvPr>
+            <p:ph type="dt" sz="half" idx="10"/>
+          </p:nvPr>
+        </p:nvSpPr>
+        <p:spPr>
+          <a:xfrm>
+            <a:off x="838200" y="6356350"/>
+            <a:ext cx="1219200" cy="365125"/>
           </a:xfrm>
         </p:spPr>
         <p:txBody>
@@ -13760,21 +14527,101 @@
           <a:p>
             <a:r>
               <a:rPr lang="en-US" dirty="0"/>
-              <a:t>Solutions</a:t>
-            </a:r>
+              <a:t>20XX</a:t>
+            </a:r>
+          </a:p>
+        </p:txBody>
+      </p:sp>
+      <p:sp>
+        <p:nvSpPr>
+          <p:cNvPr id="5" name="Footer Placeholder 4">
+            <a:extLst>
+              <a:ext uri="{FF2B5EF4-FFF2-40B4-BE49-F238E27FC236}">
+                <a16:creationId xmlns:a16="http://schemas.microsoft.com/office/drawing/2014/main" id="{8D51ED20-04D4-4894-B0C2-9C541A61A734}"/>
+              </a:ext>
+            </a:extLst>
+          </p:cNvPr>
+          <p:cNvSpPr>
+            <a:spLocks noGrp="1"/>
+          </p:cNvSpPr>
+          <p:nvPr>
+            <p:ph type="ftr" sz="quarter" idx="11"/>
+          </p:nvPr>
+        </p:nvSpPr>
+        <p:spPr>
+          <a:xfrm>
+            <a:off x="2463800" y="6356350"/>
+            <a:ext cx="3479800" cy="365125"/>
+          </a:xfrm>
+        </p:spPr>
+        <p:txBody>
+          <a:bodyPr/>
+          <a:lstStyle/>
+          <a:p>
+            <a:r>
+              <a:rPr lang="en-US" dirty="0"/>
+              <a:t>PRESENTATION TITLE</a:t>
+            </a:r>
+          </a:p>
+        </p:txBody>
+      </p:sp>
+      <p:sp>
+        <p:nvSpPr>
+          <p:cNvPr id="6" name="Slide Number Placeholder 5">
+            <a:extLst>
+              <a:ext uri="{FF2B5EF4-FFF2-40B4-BE49-F238E27FC236}">
+                <a16:creationId xmlns:a16="http://schemas.microsoft.com/office/drawing/2014/main" id="{7BC1787E-7110-4989-B0B8-DD4E0ACC09DF}"/>
+              </a:ext>
+            </a:extLst>
+          </p:cNvPr>
+          <p:cNvSpPr>
+            <a:spLocks noGrp="1"/>
+          </p:cNvSpPr>
+          <p:nvPr>
+            <p:ph type="sldNum" sz="quarter" idx="12"/>
+          </p:nvPr>
+        </p:nvSpPr>
+        <p:spPr>
+          <a:xfrm>
+            <a:off x="8610600" y="6356350"/>
+            <a:ext cx="2743200" cy="365125"/>
+          </a:xfrm>
+        </p:spPr>
+        <p:txBody>
+          <a:bodyPr/>
+          <a:lstStyle/>
+          <a:p>
+            <a:fld id="{A49DFD55-3C28-40EF-9E31-A92D2E4017FF}" type="slidenum">
+              <a:rPr lang="en-US" smtClean="0"/>
+              <a:pPr/>
+              <a:t>6</a:t>
+            </a:fld>
+            <a:endParaRPr lang="en-US" dirty="0"/>
           </a:p>
         </p:txBody>
       </p:sp>
     </p:spTree>
     <p:extLst>
       <p:ext uri="{BB962C8B-B14F-4D97-AF65-F5344CB8AC3E}">
-        <p14:creationId xmlns:p14="http://schemas.microsoft.com/office/powerpoint/2010/main" val="1917269502"/>
+        <p14:creationId xmlns:p14="http://schemas.microsoft.com/office/powerpoint/2010/main" val="2845908831"/>
       </p:ext>
     </p:extLst>
   </p:cSld>
   <p:clrMapOvr>
     <a:masterClrMapping/>
   </p:clrMapOvr>
+  <mc:AlternateContent xmlns:mc="http://schemas.openxmlformats.org/markup-compatibility/2006">
+    <mc:Choice xmlns:p14="http://schemas.microsoft.com/office/powerpoint/2010/main" Requires="p14">
+      <p:transition spd="med" p14:dur="700">
+        <p:fade/>
+      </p:transition>
+    </mc:Choice>
+    <mc:Fallback>
+      <p:transition spd="med">
+        <p:fade/>
+      </p:transition>
+    </mc:Fallback>
+  </mc:AlternateContent>
 </p:sld>
 </file>
 
@@ -13800,21 +14647,21 @@
           <p:cNvPr id="2" name="Title 1">
             <a:extLst>
               <a:ext uri="{FF2B5EF4-FFF2-40B4-BE49-F238E27FC236}">
-                <a16:creationId xmlns:a16="http://schemas.microsoft.com/office/drawing/2014/main" id="{0A32731C-311B-46F7-A865-6C3AF6B09A47}"/>
-              </a:ext>
-            </a:extLst>
-          </p:cNvPr>
-          <p:cNvSpPr>
-            <a:spLocks noGrp="1"/>
-          </p:cNvSpPr>
-          <p:nvPr>
-            <p:ph type="title"/>
-          </p:nvPr>
-        </p:nvSpPr>
-        <p:spPr>
-          <a:xfrm>
-            <a:off x="984250" y="1056579"/>
-            <a:ext cx="5111750" cy="1204912"/>
+                <a16:creationId xmlns:a16="http://schemas.microsoft.com/office/drawing/2014/main" id="{B1FE5F11-B7B9-4B80-8C6A-A8A7A7190B77}"/>
+              </a:ext>
+            </a:extLst>
+          </p:cNvPr>
+          <p:cNvSpPr>
+            <a:spLocks noGrp="1"/>
+          </p:cNvSpPr>
+          <p:nvPr>
+            <p:ph type="ctrTitle"/>
+          </p:nvPr>
+        </p:nvSpPr>
+        <p:spPr>
+          <a:xfrm>
+            <a:off x="6991350" y="2148840"/>
+            <a:ext cx="4179570" cy="1715531"/>
           </a:xfrm>
         </p:spPr>
         <p:txBody>
@@ -13822,257 +14669,34 @@
           <a:lstStyle/>
           <a:p>
             <a:r>
-              <a:rPr lang="en-US" b="1" dirty="0" err="1">
-                <a:solidFill>
-                  <a:srgbClr val="0070C0"/>
-                </a:solidFill>
-              </a:rPr>
-              <a:t>SOlutions</a:t>
-            </a:r>
-            <a:endParaRPr lang="en-US" b="1" dirty="0">
-              <a:solidFill>
-                <a:srgbClr val="0070C0"/>
-              </a:solidFill>
-            </a:endParaRPr>
-          </a:p>
-        </p:txBody>
-      </p:sp>
-      <p:sp>
-        <p:nvSpPr>
-          <p:cNvPr id="3" name="Text Placeholder 2">
-            <a:extLst>
-              <a:ext uri="{FF2B5EF4-FFF2-40B4-BE49-F238E27FC236}">
-                <a16:creationId xmlns:a16="http://schemas.microsoft.com/office/drawing/2014/main" id="{9D5232F9-FD00-464A-9F17-619C91AEF8F3}"/>
-              </a:ext>
-            </a:extLst>
-          </p:cNvPr>
-          <p:cNvSpPr>
-            <a:spLocks noGrp="1"/>
-          </p:cNvSpPr>
-          <p:nvPr>
-            <p:ph type="body" idx="1"/>
-          </p:nvPr>
-        </p:nvSpPr>
-        <p:spPr>
-          <a:xfrm>
-            <a:off x="1286918" y="2640427"/>
-            <a:ext cx="5214090" cy="2559745"/>
-          </a:xfrm>
-        </p:spPr>
-        <p:txBody>
-          <a:bodyPr>
-            <a:normAutofit fontScale="92500" lnSpcReduction="10000"/>
-          </a:bodyPr>
-          <a:lstStyle/>
-          <a:p>
-            <a:pPr marL="285750" indent="-285750" rtl="0">
-              <a:spcBef>
-                <a:spcPts val="0"/>
-              </a:spcBef>
-              <a:spcAft>
-                <a:spcPts val="0"/>
-              </a:spcAft>
-              <a:buFont typeface="Arial" panose="020B0604020202020204" pitchFamily="34" charset="0"/>
-              <a:buChar char="•"/>
-            </a:pPr>
-            <a:r>
-              <a:rPr lang="en-US" sz="1800" b="0" i="0" u="none" strike="noStrike" dirty="0">
-                <a:solidFill>
-                  <a:srgbClr val="000000"/>
-                </a:solidFill>
-                <a:effectLst/>
-                <a:latin typeface="Arial" panose="020B0604020202020204" pitchFamily="34" charset="0"/>
-              </a:rPr>
-              <a:t>A proper driving refresher course</a:t>
-            </a:r>
-            <a:endParaRPr lang="en-US" sz="1800" dirty="0">
-              <a:solidFill>
-                <a:srgbClr val="000000"/>
-              </a:solidFill>
-              <a:latin typeface="Arial" panose="020B0604020202020204" pitchFamily="34" charset="0"/>
-            </a:endParaRPr>
-          </a:p>
-          <a:p>
-            <a:pPr marL="285750" indent="-285750">
-              <a:buFont typeface="Arial" panose="020B0604020202020204" pitchFamily="34" charset="0"/>
-              <a:buChar char="•"/>
-            </a:pPr>
-            <a:r>
-              <a:rPr lang="en-US" sz="1800" b="0" i="0" u="none" strike="noStrike" dirty="0">
-                <a:solidFill>
-                  <a:srgbClr val="000000"/>
-                </a:solidFill>
-                <a:effectLst/>
-                <a:latin typeface="Arial" panose="020B0604020202020204" pitchFamily="34" charset="0"/>
-              </a:rPr>
-              <a:t>Demonstration and evaluation of related scenarios</a:t>
-            </a:r>
-          </a:p>
-          <a:p>
-            <a:pPr marL="285750" indent="-285750">
-              <a:buFont typeface="Arial" panose="020B0604020202020204" pitchFamily="34" charset="0"/>
-              <a:buChar char="•"/>
-            </a:pPr>
-            <a:r>
-              <a:rPr lang="en-US" sz="1800" b="0" i="0" u="none" strike="noStrike" dirty="0">
-                <a:solidFill>
-                  <a:srgbClr val="000000"/>
-                </a:solidFill>
-                <a:effectLst/>
-                <a:latin typeface="Arial" panose="020B0604020202020204" pitchFamily="34" charset="0"/>
-              </a:rPr>
-              <a:t>Lack of proper driving etiquette</a:t>
-            </a:r>
-          </a:p>
-          <a:p>
-            <a:pPr marL="285750" indent="-285750">
-              <a:buFont typeface="Arial" panose="020B0604020202020204" pitchFamily="34" charset="0"/>
-              <a:buChar char="•"/>
-            </a:pPr>
-            <a:r>
-              <a:rPr lang="en-US" sz="1800" b="0" i="0" u="none" strike="noStrike" dirty="0">
-                <a:solidFill>
-                  <a:srgbClr val="000000"/>
-                </a:solidFill>
-                <a:effectLst/>
-                <a:latin typeface="Arial" panose="020B0604020202020204" pitchFamily="34" charset="0"/>
-              </a:rPr>
-              <a:t>Mental exercises for self-development and action outcomes evaluation.</a:t>
-            </a:r>
-          </a:p>
-          <a:p>
-            <a:pPr marL="285750" indent="-285750">
-              <a:buFont typeface="Arial" panose="020B0604020202020204" pitchFamily="34" charset="0"/>
-              <a:buChar char="•"/>
-            </a:pPr>
-            <a:r>
-              <a:rPr lang="en-US" sz="1800" b="0" i="0" u="none" strike="noStrike" dirty="0">
-                <a:solidFill>
-                  <a:srgbClr val="000000"/>
-                </a:solidFill>
-                <a:effectLst/>
-                <a:latin typeface="Arial" panose="020B0604020202020204" pitchFamily="34" charset="0"/>
-              </a:rPr>
-              <a:t>Use of the Social Media platforms</a:t>
-            </a:r>
-            <a:br>
               <a:rPr lang="en-US" dirty="0"/>
-            </a:br>
-            <a:endParaRPr lang="en-US" dirty="0"/>
-          </a:p>
-        </p:txBody>
-      </p:sp>
-      <p:sp>
-        <p:nvSpPr>
-          <p:cNvPr id="4" name="Date Placeholder 3">
-            <a:extLst>
-              <a:ext uri="{FF2B5EF4-FFF2-40B4-BE49-F238E27FC236}">
-                <a16:creationId xmlns:a16="http://schemas.microsoft.com/office/drawing/2014/main" id="{70E12647-CCB2-45E2-A9CB-A868F490497E}"/>
-              </a:ext>
-            </a:extLst>
-          </p:cNvPr>
-          <p:cNvSpPr>
-            <a:spLocks noGrp="1"/>
-          </p:cNvSpPr>
-          <p:nvPr>
-            <p:ph type="dt" sz="half" idx="10"/>
-          </p:nvPr>
-        </p:nvSpPr>
-        <p:spPr>
-          <a:xfrm>
-            <a:off x="838200" y="6356350"/>
-            <a:ext cx="1219200" cy="365125"/>
-          </a:xfrm>
-        </p:spPr>
-        <p:txBody>
-          <a:bodyPr/>
-          <a:lstStyle/>
-          <a:p>
-            <a:r>
-              <a:rPr lang="en-US" dirty="0"/>
-              <a:t>20XX</a:t>
-            </a:r>
-          </a:p>
-        </p:txBody>
-      </p:sp>
-      <p:sp>
-        <p:nvSpPr>
-          <p:cNvPr id="5" name="Footer Placeholder 4">
-            <a:extLst>
-              <a:ext uri="{FF2B5EF4-FFF2-40B4-BE49-F238E27FC236}">
-                <a16:creationId xmlns:a16="http://schemas.microsoft.com/office/drawing/2014/main" id="{8D51ED20-04D4-4894-B0C2-9C541A61A734}"/>
-              </a:ext>
-            </a:extLst>
-          </p:cNvPr>
-          <p:cNvSpPr>
-            <a:spLocks noGrp="1"/>
-          </p:cNvSpPr>
-          <p:nvPr>
-            <p:ph type="ftr" sz="quarter" idx="11"/>
-          </p:nvPr>
-        </p:nvSpPr>
-        <p:spPr>
-          <a:xfrm>
-            <a:off x="2463800" y="6356350"/>
-            <a:ext cx="3479800" cy="365125"/>
-          </a:xfrm>
-        </p:spPr>
-        <p:txBody>
-          <a:bodyPr/>
-          <a:lstStyle/>
-          <a:p>
-            <a:r>
-              <a:rPr lang="en-US" dirty="0"/>
-              <a:t>PRESENTATION TITLE</a:t>
-            </a:r>
-          </a:p>
-        </p:txBody>
-      </p:sp>
-      <p:sp>
-        <p:nvSpPr>
-          <p:cNvPr id="6" name="Slide Number Placeholder 5">
-            <a:extLst>
-              <a:ext uri="{FF2B5EF4-FFF2-40B4-BE49-F238E27FC236}">
-                <a16:creationId xmlns:a16="http://schemas.microsoft.com/office/drawing/2014/main" id="{7BC1787E-7110-4989-B0B8-DD4E0ACC09DF}"/>
-              </a:ext>
-            </a:extLst>
-          </p:cNvPr>
-          <p:cNvSpPr>
-            <a:spLocks noGrp="1"/>
-          </p:cNvSpPr>
-          <p:nvPr>
-            <p:ph type="sldNum" sz="quarter" idx="12"/>
-          </p:nvPr>
-        </p:nvSpPr>
-        <p:spPr>
-          <a:xfrm>
-            <a:off x="8610600" y="6356350"/>
-            <a:ext cx="2743200" cy="365125"/>
-          </a:xfrm>
-        </p:spPr>
-        <p:txBody>
-          <a:bodyPr/>
-          <a:lstStyle/>
-          <a:p>
-            <a:fld id="{A49DFD55-3C28-40EF-9E31-A92D2E4017FF}" type="slidenum">
-              <a:rPr lang="en-US" smtClean="0"/>
-              <a:pPr/>
-              <a:t>7</a:t>
-            </a:fld>
-            <a:endParaRPr lang="en-US" dirty="0"/>
+              <a:t>Solutions</a:t>
+            </a:r>
           </a:p>
         </p:txBody>
       </p:sp>
     </p:spTree>
     <p:extLst>
       <p:ext uri="{BB962C8B-B14F-4D97-AF65-F5344CB8AC3E}">
-        <p14:creationId xmlns:p14="http://schemas.microsoft.com/office/powerpoint/2010/main" val="654716760"/>
+        <p14:creationId xmlns:p14="http://schemas.microsoft.com/office/powerpoint/2010/main" val="1917269502"/>
       </p:ext>
     </p:extLst>
   </p:cSld>
   <p:clrMapOvr>
     <a:masterClrMapping/>
   </p:clrMapOvr>
+  <mc:AlternateContent xmlns:mc="http://schemas.openxmlformats.org/markup-compatibility/2006">
+    <mc:Choice xmlns:p14="http://schemas.microsoft.com/office/powerpoint/2010/main" Requires="p14">
+      <p:transition spd="med" p14:dur="700">
+        <p:fade/>
+      </p:transition>
+    </mc:Choice>
+    <mc:Fallback>
+      <p:transition spd="med">
+        <p:fade/>
+      </p:transition>
+    </mc:Fallback>
+  </mc:AlternateContent>
 </p:sld>
 </file>
 
@@ -14098,21 +14722,21 @@
           <p:cNvPr id="2" name="Title 1">
             <a:extLst>
               <a:ext uri="{FF2B5EF4-FFF2-40B4-BE49-F238E27FC236}">
-                <a16:creationId xmlns:a16="http://schemas.microsoft.com/office/drawing/2014/main" id="{B1FE5F11-B7B9-4B80-8C6A-A8A7A7190B77}"/>
-              </a:ext>
-            </a:extLst>
-          </p:cNvPr>
-          <p:cNvSpPr>
-            <a:spLocks noGrp="1"/>
-          </p:cNvSpPr>
-          <p:nvPr>
-            <p:ph type="ctrTitle"/>
-          </p:nvPr>
-        </p:nvSpPr>
-        <p:spPr>
-          <a:xfrm>
-            <a:off x="6991350" y="2148840"/>
-            <a:ext cx="4179570" cy="1715531"/>
+                <a16:creationId xmlns:a16="http://schemas.microsoft.com/office/drawing/2014/main" id="{0A32731C-311B-46F7-A865-6C3AF6B09A47}"/>
+              </a:ext>
+            </a:extLst>
+          </p:cNvPr>
+          <p:cNvSpPr>
+            <a:spLocks noGrp="1"/>
+          </p:cNvSpPr>
+          <p:nvPr>
+            <p:ph type="title"/>
+          </p:nvPr>
+        </p:nvSpPr>
+        <p:spPr>
+          <a:xfrm>
+            <a:off x="984250" y="1056579"/>
+            <a:ext cx="5111750" cy="1204912"/>
           </a:xfrm>
         </p:spPr>
         <p:txBody>
@@ -14120,22 +14744,269 @@
           <a:lstStyle/>
           <a:p>
             <a:r>
+              <a:rPr lang="en-US" b="1" dirty="0" err="1">
+                <a:solidFill>
+                  <a:srgbClr val="0070C0"/>
+                </a:solidFill>
+              </a:rPr>
+              <a:t>SOlutions</a:t>
+            </a:r>
+            <a:endParaRPr lang="en-US" b="1" dirty="0">
+              <a:solidFill>
+                <a:srgbClr val="0070C0"/>
+              </a:solidFill>
+            </a:endParaRPr>
+          </a:p>
+        </p:txBody>
+      </p:sp>
+      <p:sp>
+        <p:nvSpPr>
+          <p:cNvPr id="3" name="Text Placeholder 2">
+            <a:extLst>
+              <a:ext uri="{FF2B5EF4-FFF2-40B4-BE49-F238E27FC236}">
+                <a16:creationId xmlns:a16="http://schemas.microsoft.com/office/drawing/2014/main" id="{9D5232F9-FD00-464A-9F17-619C91AEF8F3}"/>
+              </a:ext>
+            </a:extLst>
+          </p:cNvPr>
+          <p:cNvSpPr>
+            <a:spLocks noGrp="1"/>
+          </p:cNvSpPr>
+          <p:nvPr>
+            <p:ph type="body" idx="1"/>
+          </p:nvPr>
+        </p:nvSpPr>
+        <p:spPr>
+          <a:xfrm>
+            <a:off x="1286918" y="2640427"/>
+            <a:ext cx="5214090" cy="2559745"/>
+          </a:xfrm>
+        </p:spPr>
+        <p:txBody>
+          <a:bodyPr>
+            <a:normAutofit fontScale="92500" lnSpcReduction="10000"/>
+          </a:bodyPr>
+          <a:lstStyle/>
+          <a:p>
+            <a:pPr marL="285750" indent="-285750" rtl="0">
+              <a:spcBef>
+                <a:spcPts val="0"/>
+              </a:spcBef>
+              <a:spcAft>
+                <a:spcPts val="0"/>
+              </a:spcAft>
+              <a:buFont typeface="Arial" panose="020B0604020202020204" pitchFamily="34" charset="0"/>
+              <a:buChar char="•"/>
+            </a:pPr>
+            <a:r>
+              <a:rPr lang="en-US" sz="1800" b="0" i="0" u="none" strike="noStrike" dirty="0">
+                <a:solidFill>
+                  <a:srgbClr val="000000"/>
+                </a:solidFill>
+                <a:effectLst/>
+                <a:latin typeface="Arial" panose="020B0604020202020204" pitchFamily="34" charset="0"/>
+              </a:rPr>
+              <a:t>A proper driving refresher course</a:t>
+            </a:r>
+            <a:endParaRPr lang="en-US" sz="1800" dirty="0">
+              <a:solidFill>
+                <a:srgbClr val="000000"/>
+              </a:solidFill>
+              <a:latin typeface="Arial" panose="020B0604020202020204" pitchFamily="34" charset="0"/>
+            </a:endParaRPr>
+          </a:p>
+          <a:p>
+            <a:pPr marL="285750" indent="-285750">
+              <a:buFont typeface="Arial" panose="020B0604020202020204" pitchFamily="34" charset="0"/>
+              <a:buChar char="•"/>
+            </a:pPr>
+            <a:r>
+              <a:rPr lang="en-US" sz="1800" b="0" i="0" u="none" strike="noStrike" dirty="0">
+                <a:solidFill>
+                  <a:srgbClr val="000000"/>
+                </a:solidFill>
+                <a:effectLst/>
+                <a:latin typeface="Arial" panose="020B0604020202020204" pitchFamily="34" charset="0"/>
+              </a:rPr>
+              <a:t>Demonstration and evaluation of related scenarios</a:t>
+            </a:r>
+          </a:p>
+          <a:p>
+            <a:pPr marL="285750" indent="-285750">
+              <a:buFont typeface="Arial" panose="020B0604020202020204" pitchFamily="34" charset="0"/>
+              <a:buChar char="•"/>
+            </a:pPr>
+            <a:r>
+              <a:rPr lang="en-US" sz="1800" b="0" i="0" u="none" strike="noStrike" dirty="0">
+                <a:solidFill>
+                  <a:srgbClr val="000000"/>
+                </a:solidFill>
+                <a:effectLst/>
+                <a:latin typeface="Arial" panose="020B0604020202020204" pitchFamily="34" charset="0"/>
+              </a:rPr>
+              <a:t>Lack of proper driving etiquette</a:t>
+            </a:r>
+          </a:p>
+          <a:p>
+            <a:pPr marL="285750" indent="-285750">
+              <a:buFont typeface="Arial" panose="020B0604020202020204" pitchFamily="34" charset="0"/>
+              <a:buChar char="•"/>
+            </a:pPr>
+            <a:r>
+              <a:rPr lang="en-US" sz="1800" b="0" i="0" u="none" strike="noStrike" dirty="0">
+                <a:solidFill>
+                  <a:srgbClr val="000000"/>
+                </a:solidFill>
+                <a:effectLst/>
+                <a:latin typeface="Arial" panose="020B0604020202020204" pitchFamily="34" charset="0"/>
+              </a:rPr>
+              <a:t>Mental exercises for self-development and action outcomes evaluation.</a:t>
+            </a:r>
+          </a:p>
+          <a:p>
+            <a:pPr marL="285750" indent="-285750">
+              <a:buFont typeface="Arial" panose="020B0604020202020204" pitchFamily="34" charset="0"/>
+              <a:buChar char="•"/>
+            </a:pPr>
+            <a:r>
+              <a:rPr lang="en-US" sz="1800" b="0" i="0" u="none" strike="noStrike" dirty="0">
+                <a:solidFill>
+                  <a:srgbClr val="000000"/>
+                </a:solidFill>
+                <a:effectLst/>
+                <a:latin typeface="Arial" panose="020B0604020202020204" pitchFamily="34" charset="0"/>
+              </a:rPr>
+              <a:t>Use of the Social Media platforms</a:t>
+            </a:r>
+            <a:br>
               <a:rPr lang="en-US" dirty="0"/>
-              <a:t>Project Title</a:t>
-            </a:r>
+            </a:br>
+            <a:endParaRPr lang="en-US" dirty="0"/>
+          </a:p>
+        </p:txBody>
+      </p:sp>
+      <p:sp>
+        <p:nvSpPr>
+          <p:cNvPr id="4" name="Date Placeholder 3">
+            <a:extLst>
+              <a:ext uri="{FF2B5EF4-FFF2-40B4-BE49-F238E27FC236}">
+                <a16:creationId xmlns:a16="http://schemas.microsoft.com/office/drawing/2014/main" id="{70E12647-CCB2-45E2-A9CB-A868F490497E}"/>
+              </a:ext>
+            </a:extLst>
+          </p:cNvPr>
+          <p:cNvSpPr>
+            <a:spLocks noGrp="1"/>
+          </p:cNvSpPr>
+          <p:nvPr>
+            <p:ph type="dt" sz="half" idx="10"/>
+          </p:nvPr>
+        </p:nvSpPr>
+        <p:spPr>
+          <a:xfrm>
+            <a:off x="838200" y="6356350"/>
+            <a:ext cx="1219200" cy="365125"/>
+          </a:xfrm>
+        </p:spPr>
+        <p:txBody>
+          <a:bodyPr/>
+          <a:lstStyle/>
+          <a:p>
+            <a:r>
+              <a:rPr lang="en-US" dirty="0"/>
+              <a:t>20XX</a:t>
+            </a:r>
+          </a:p>
+        </p:txBody>
+      </p:sp>
+      <p:sp>
+        <p:nvSpPr>
+          <p:cNvPr id="5" name="Footer Placeholder 4">
+            <a:extLst>
+              <a:ext uri="{FF2B5EF4-FFF2-40B4-BE49-F238E27FC236}">
+                <a16:creationId xmlns:a16="http://schemas.microsoft.com/office/drawing/2014/main" id="{8D51ED20-04D4-4894-B0C2-9C541A61A734}"/>
+              </a:ext>
+            </a:extLst>
+          </p:cNvPr>
+          <p:cNvSpPr>
+            <a:spLocks noGrp="1"/>
+          </p:cNvSpPr>
+          <p:nvPr>
+            <p:ph type="ftr" sz="quarter" idx="11"/>
+          </p:nvPr>
+        </p:nvSpPr>
+        <p:spPr>
+          <a:xfrm>
+            <a:off x="2463800" y="6356350"/>
+            <a:ext cx="3479800" cy="365125"/>
+          </a:xfrm>
+        </p:spPr>
+        <p:txBody>
+          <a:bodyPr/>
+          <a:lstStyle/>
+          <a:p>
+            <a:r>
+              <a:rPr lang="en-US" dirty="0"/>
+              <a:t>PRESENTATION TITLE</a:t>
+            </a:r>
+          </a:p>
+        </p:txBody>
+      </p:sp>
+      <p:sp>
+        <p:nvSpPr>
+          <p:cNvPr id="6" name="Slide Number Placeholder 5">
+            <a:extLst>
+              <a:ext uri="{FF2B5EF4-FFF2-40B4-BE49-F238E27FC236}">
+                <a16:creationId xmlns:a16="http://schemas.microsoft.com/office/drawing/2014/main" id="{7BC1787E-7110-4989-B0B8-DD4E0ACC09DF}"/>
+              </a:ext>
+            </a:extLst>
+          </p:cNvPr>
+          <p:cNvSpPr>
+            <a:spLocks noGrp="1"/>
+          </p:cNvSpPr>
+          <p:nvPr>
+            <p:ph type="sldNum" sz="quarter" idx="12"/>
+          </p:nvPr>
+        </p:nvSpPr>
+        <p:spPr>
+          <a:xfrm>
+            <a:off x="8610600" y="6356350"/>
+            <a:ext cx="2743200" cy="365125"/>
+          </a:xfrm>
+        </p:spPr>
+        <p:txBody>
+          <a:bodyPr/>
+          <a:lstStyle/>
+          <a:p>
+            <a:fld id="{A49DFD55-3C28-40EF-9E31-A92D2E4017FF}" type="slidenum">
+              <a:rPr lang="en-US" smtClean="0"/>
+              <a:pPr/>
+              <a:t>8</a:t>
+            </a:fld>
+            <a:endParaRPr lang="en-US" dirty="0"/>
           </a:p>
         </p:txBody>
       </p:sp>
     </p:spTree>
     <p:extLst>
       <p:ext uri="{BB962C8B-B14F-4D97-AF65-F5344CB8AC3E}">
-        <p14:creationId xmlns:p14="http://schemas.microsoft.com/office/powerpoint/2010/main" val="817920362"/>
+        <p14:creationId xmlns:p14="http://schemas.microsoft.com/office/powerpoint/2010/main" val="654716760"/>
       </p:ext>
     </p:extLst>
   </p:cSld>
   <p:clrMapOvr>
     <a:masterClrMapping/>
   </p:clrMapOvr>
+  <mc:AlternateContent xmlns:mc="http://schemas.openxmlformats.org/markup-compatibility/2006">
+    <mc:Choice xmlns:p14="http://schemas.microsoft.com/office/powerpoint/2010/main" Requires="p14">
+      <p:transition spd="med" p14:dur="700">
+        <p:fade/>
+      </p:transition>
+    </mc:Choice>
+    <mc:Fallback>
+      <p:transition spd="med">
+        <p:fade/>
+      </p:transition>
+    </mc:Fallback>
+  </mc:AlternateContent>
 </p:sld>
 </file>
 
@@ -14158,76 +15029,24 @@
       </p:grpSpPr>
       <p:sp>
         <p:nvSpPr>
-          <p:cNvPr id="3" name="Subtitle 2">
-            <a:extLst>
-              <a:ext uri="{FF2B5EF4-FFF2-40B4-BE49-F238E27FC236}">
-                <a16:creationId xmlns:a16="http://schemas.microsoft.com/office/drawing/2014/main" id="{45FD0450-A909-4CD9-8912-96A19ACEB7CB}"/>
-              </a:ext>
-            </a:extLst>
-          </p:cNvPr>
-          <p:cNvSpPr>
-            <a:spLocks noGrp="1"/>
-          </p:cNvSpPr>
-          <p:nvPr>
-            <p:ph type="subTitle" idx="1"/>
-          </p:nvPr>
-        </p:nvSpPr>
-        <p:spPr>
-          <a:xfrm>
-            <a:off x="3983277" y="2091344"/>
-            <a:ext cx="8367386" cy="2268112"/>
-          </a:xfrm>
-        </p:spPr>
-        <p:txBody>
-          <a:bodyPr>
-            <a:normAutofit/>
-          </a:bodyPr>
-          <a:lstStyle/>
-          <a:p>
-            <a:r>
-              <a:rPr lang="en-US" sz="11500" b="1" dirty="0">
-                <a:solidFill>
-                  <a:srgbClr val="0070C0"/>
-                </a:solidFill>
-              </a:rPr>
-              <a:t>“Road</a:t>
-            </a:r>
-            <a:r>
-              <a:rPr lang="en-US" sz="11500" b="1" i="1" dirty="0">
-                <a:solidFill>
-                  <a:schemeClr val="tx1"/>
-                </a:solidFill>
-              </a:rPr>
-              <a:t>/vise.”</a:t>
-            </a:r>
-            <a:endParaRPr lang="en-US" sz="11500" b="1" dirty="0">
-              <a:solidFill>
-                <a:schemeClr val="tx1"/>
-              </a:solidFill>
-            </a:endParaRPr>
-          </a:p>
-        </p:txBody>
-      </p:sp>
-      <p:sp>
-        <p:nvSpPr>
-          <p:cNvPr id="4" name="Date Placeholder 3">
-            <a:extLst>
-              <a:ext uri="{FF2B5EF4-FFF2-40B4-BE49-F238E27FC236}">
-                <a16:creationId xmlns:a16="http://schemas.microsoft.com/office/drawing/2014/main" id="{DA53D834-F1E2-4848-8093-D412A7B081AF}"/>
-              </a:ext>
-            </a:extLst>
-          </p:cNvPr>
-          <p:cNvSpPr>
-            <a:spLocks noGrp="1"/>
-          </p:cNvSpPr>
-          <p:nvPr>
-            <p:ph type="dt" sz="half" idx="10"/>
-          </p:nvPr>
-        </p:nvSpPr>
-        <p:spPr>
-          <a:xfrm>
-            <a:off x="4676774" y="6356350"/>
-            <a:ext cx="1695450" cy="365125"/>
+          <p:cNvPr id="2" name="Title 1">
+            <a:extLst>
+              <a:ext uri="{FF2B5EF4-FFF2-40B4-BE49-F238E27FC236}">
+                <a16:creationId xmlns:a16="http://schemas.microsoft.com/office/drawing/2014/main" id="{B1FE5F11-B7B9-4B80-8C6A-A8A7A7190B77}"/>
+              </a:ext>
+            </a:extLst>
+          </p:cNvPr>
+          <p:cNvSpPr>
+            <a:spLocks noGrp="1"/>
+          </p:cNvSpPr>
+          <p:nvPr>
+            <p:ph type="ctrTitle"/>
+          </p:nvPr>
+        </p:nvSpPr>
+        <p:spPr>
+          <a:xfrm>
+            <a:off x="6991350" y="2148840"/>
+            <a:ext cx="4179570" cy="1715531"/>
           </a:xfrm>
         </p:spPr>
         <p:txBody>
@@ -14236,288 +15055,7 @@
           <a:p>
             <a:r>
               <a:rPr lang="en-US" dirty="0"/>
-              <a:t>20XX</a:t>
-            </a:r>
-          </a:p>
-        </p:txBody>
-      </p:sp>
-      <p:sp>
-        <p:nvSpPr>
-          <p:cNvPr id="5" name="Footer Placeholder 4">
-            <a:extLst>
-              <a:ext uri="{FF2B5EF4-FFF2-40B4-BE49-F238E27FC236}">
-                <a16:creationId xmlns:a16="http://schemas.microsoft.com/office/drawing/2014/main" id="{3555A49C-96F4-440D-B89E-A0AE94F70108}"/>
-              </a:ext>
-            </a:extLst>
-          </p:cNvPr>
-          <p:cNvSpPr>
-            <a:spLocks noGrp="1"/>
-          </p:cNvSpPr>
-          <p:nvPr>
-            <p:ph type="ftr" sz="quarter" idx="11"/>
-          </p:nvPr>
-        </p:nvSpPr>
-        <p:spPr>
-          <a:xfrm>
-            <a:off x="6743699" y="6356350"/>
-            <a:ext cx="2543175" cy="365125"/>
-          </a:xfrm>
-        </p:spPr>
-        <p:txBody>
-          <a:bodyPr/>
-          <a:lstStyle/>
-          <a:p>
-            <a:r>
-              <a:rPr lang="en-US" dirty="0"/>
-              <a:t>PRESENTATION TITLE</a:t>
-            </a:r>
-          </a:p>
-        </p:txBody>
-      </p:sp>
-      <p:sp>
-        <p:nvSpPr>
-          <p:cNvPr id="6" name="Slide Number Placeholder 5">
-            <a:extLst>
-              <a:ext uri="{FF2B5EF4-FFF2-40B4-BE49-F238E27FC236}">
-                <a16:creationId xmlns:a16="http://schemas.microsoft.com/office/drawing/2014/main" id="{F2A39FA3-9AE3-4689-A469-B7D2DFCCC2D9}"/>
-              </a:ext>
-            </a:extLst>
-          </p:cNvPr>
-          <p:cNvSpPr>
-            <a:spLocks noGrp="1"/>
-          </p:cNvSpPr>
-          <p:nvPr>
-            <p:ph type="sldNum" sz="quarter" idx="12"/>
-          </p:nvPr>
-        </p:nvSpPr>
-        <p:spPr>
-          <a:xfrm>
-            <a:off x="9658350" y="6356350"/>
-            <a:ext cx="1695450" cy="365125"/>
-          </a:xfrm>
-        </p:spPr>
-        <p:txBody>
-          <a:bodyPr/>
-          <a:lstStyle/>
-          <a:p>
-            <a:fld id="{A49DFD55-3C28-40EF-9E31-A92D2E4017FF}" type="slidenum">
-              <a:rPr lang="en-US" smtClean="0"/>
-              <a:pPr/>
-              <a:t>9</a:t>
-            </a:fld>
-            <a:endParaRPr lang="en-US" dirty="0"/>
-          </a:p>
-        </p:txBody>
-      </p:sp>
-      <p:sp>
-        <p:nvSpPr>
-          <p:cNvPr id="9" name="Subtitle 2">
-            <a:extLst>
-              <a:ext uri="{FF2B5EF4-FFF2-40B4-BE49-F238E27FC236}">
-                <a16:creationId xmlns:a16="http://schemas.microsoft.com/office/drawing/2014/main" id="{8EAC0D56-9F72-4BAA-ADB6-BCFD41F9B2B0}"/>
-              </a:ext>
-            </a:extLst>
-          </p:cNvPr>
-          <p:cNvSpPr txBox="1">
-            <a:spLocks/>
-          </p:cNvSpPr>
-          <p:nvPr/>
-        </p:nvSpPr>
-        <p:spPr>
-          <a:xfrm>
-            <a:off x="4676774" y="838450"/>
-            <a:ext cx="6696074" cy="1785356"/>
-          </a:xfrm>
-          <a:prstGeom prst="rect">
-            <a:avLst/>
-          </a:prstGeom>
-        </p:spPr>
-        <p:txBody>
-          <a:bodyPr vert="horz" lIns="91440" tIns="45720" rIns="91440" bIns="45720" rtlCol="0" anchor="b">
-            <a:normAutofit/>
-          </a:bodyPr>
-          <a:lstStyle>
-            <a:lvl1pPr marL="0" indent="0" algn="l" defTabSz="914400" rtl="0" eaLnBrk="1" latinLnBrk="0" hangingPunct="1">
-              <a:lnSpc>
-                <a:spcPct val="90000"/>
-              </a:lnSpc>
-              <a:spcBef>
-                <a:spcPts val="1000"/>
-              </a:spcBef>
-              <a:buFont typeface="Arial" panose="020B0604020202020204" pitchFamily="34" charset="0"/>
-              <a:buNone/>
-              <a:defRPr sz="1600" kern="1200">
-                <a:solidFill>
-                  <a:schemeClr val="bg2">
-                    <a:lumMod val="50000"/>
-                  </a:schemeClr>
-                </a:solidFill>
-                <a:latin typeface="+mn-lt"/>
-                <a:ea typeface="+mn-ea"/>
-                <a:cs typeface="+mn-cs"/>
-              </a:defRPr>
-            </a:lvl1pPr>
-            <a:lvl2pPr marL="457200" indent="0" algn="ctr" defTabSz="914400" rtl="0" eaLnBrk="1" latinLnBrk="0" hangingPunct="1">
-              <a:lnSpc>
-                <a:spcPct val="90000"/>
-              </a:lnSpc>
-              <a:spcBef>
-                <a:spcPts val="500"/>
-              </a:spcBef>
-              <a:buFont typeface="Arial" panose="020B0604020202020204" pitchFamily="34" charset="0"/>
-              <a:buNone/>
-              <a:defRPr sz="2000" kern="1200">
-                <a:solidFill>
-                  <a:schemeClr val="tx1"/>
-                </a:solidFill>
-                <a:latin typeface="+mn-lt"/>
-                <a:ea typeface="+mn-ea"/>
-                <a:cs typeface="+mn-cs"/>
-              </a:defRPr>
-            </a:lvl2pPr>
-            <a:lvl3pPr marL="914400" indent="0" algn="ctr" defTabSz="914400" rtl="0" eaLnBrk="1" latinLnBrk="0" hangingPunct="1">
-              <a:lnSpc>
-                <a:spcPct val="90000"/>
-              </a:lnSpc>
-              <a:spcBef>
-                <a:spcPts val="500"/>
-              </a:spcBef>
-              <a:buFont typeface="Arial" panose="020B0604020202020204" pitchFamily="34" charset="0"/>
-              <a:buNone/>
-              <a:defRPr sz="1800" kern="1200">
-                <a:solidFill>
-                  <a:schemeClr val="tx1"/>
-                </a:solidFill>
-                <a:latin typeface="+mn-lt"/>
-                <a:ea typeface="+mn-ea"/>
-                <a:cs typeface="+mn-cs"/>
-              </a:defRPr>
-            </a:lvl3pPr>
-            <a:lvl4pPr marL="1371600" indent="0" algn="ctr" defTabSz="914400" rtl="0" eaLnBrk="1" latinLnBrk="0" hangingPunct="1">
-              <a:lnSpc>
-                <a:spcPct val="90000"/>
-              </a:lnSpc>
-              <a:spcBef>
-                <a:spcPts val="500"/>
-              </a:spcBef>
-              <a:buFont typeface="Arial" panose="020B0604020202020204" pitchFamily="34" charset="0"/>
-              <a:buNone/>
-              <a:defRPr sz="1600" kern="1200">
-                <a:solidFill>
-                  <a:schemeClr val="tx1"/>
-                </a:solidFill>
-                <a:latin typeface="+mn-lt"/>
-                <a:ea typeface="+mn-ea"/>
-                <a:cs typeface="+mn-cs"/>
-              </a:defRPr>
-            </a:lvl4pPr>
-            <a:lvl5pPr marL="1828800" indent="0" algn="ctr" defTabSz="914400" rtl="0" eaLnBrk="1" latinLnBrk="0" hangingPunct="1">
-              <a:lnSpc>
-                <a:spcPct val="90000"/>
-              </a:lnSpc>
-              <a:spcBef>
-                <a:spcPts val="500"/>
-              </a:spcBef>
-              <a:buFont typeface="Arial" panose="020B0604020202020204" pitchFamily="34" charset="0"/>
-              <a:buNone/>
-              <a:defRPr sz="1600" kern="1200">
-                <a:solidFill>
-                  <a:schemeClr val="tx1"/>
-                </a:solidFill>
-                <a:latin typeface="+mn-lt"/>
-                <a:ea typeface="+mn-ea"/>
-                <a:cs typeface="+mn-cs"/>
-              </a:defRPr>
-            </a:lvl5pPr>
-            <a:lvl6pPr marL="2286000" indent="0" algn="ctr" defTabSz="914400" rtl="0" eaLnBrk="1" latinLnBrk="0" hangingPunct="1">
-              <a:lnSpc>
-                <a:spcPct val="90000"/>
-              </a:lnSpc>
-              <a:spcBef>
-                <a:spcPts val="500"/>
-              </a:spcBef>
-              <a:buFont typeface="Arial" panose="020B0604020202020204" pitchFamily="34" charset="0"/>
-              <a:buNone/>
-              <a:defRPr sz="1600" kern="1200">
-                <a:solidFill>
-                  <a:schemeClr val="tx1"/>
-                </a:solidFill>
-                <a:latin typeface="+mn-lt"/>
-                <a:ea typeface="+mn-ea"/>
-                <a:cs typeface="+mn-cs"/>
-              </a:defRPr>
-            </a:lvl6pPr>
-            <a:lvl7pPr marL="2743200" indent="0" algn="ctr" defTabSz="914400" rtl="0" eaLnBrk="1" latinLnBrk="0" hangingPunct="1">
-              <a:lnSpc>
-                <a:spcPct val="90000"/>
-              </a:lnSpc>
-              <a:spcBef>
-                <a:spcPts val="500"/>
-              </a:spcBef>
-              <a:buFont typeface="Arial" panose="020B0604020202020204" pitchFamily="34" charset="0"/>
-              <a:buNone/>
-              <a:defRPr sz="1600" kern="1200">
-                <a:solidFill>
-                  <a:schemeClr val="tx1"/>
-                </a:solidFill>
-                <a:latin typeface="+mn-lt"/>
-                <a:ea typeface="+mn-ea"/>
-                <a:cs typeface="+mn-cs"/>
-              </a:defRPr>
-            </a:lvl7pPr>
-            <a:lvl8pPr marL="3200400" indent="0" algn="ctr" defTabSz="914400" rtl="0" eaLnBrk="1" latinLnBrk="0" hangingPunct="1">
-              <a:lnSpc>
-                <a:spcPct val="90000"/>
-              </a:lnSpc>
-              <a:spcBef>
-                <a:spcPts val="500"/>
-              </a:spcBef>
-              <a:buFont typeface="Arial" panose="020B0604020202020204" pitchFamily="34" charset="0"/>
-              <a:buNone/>
-              <a:defRPr sz="1600" kern="1200">
-                <a:solidFill>
-                  <a:schemeClr val="tx1"/>
-                </a:solidFill>
-                <a:latin typeface="+mn-lt"/>
-                <a:ea typeface="+mn-ea"/>
-                <a:cs typeface="+mn-cs"/>
-              </a:defRPr>
-            </a:lvl8pPr>
-            <a:lvl9pPr marL="3657600" indent="0" algn="ctr" defTabSz="914400" rtl="0" eaLnBrk="1" latinLnBrk="0" hangingPunct="1">
-              <a:lnSpc>
-                <a:spcPct val="90000"/>
-              </a:lnSpc>
-              <a:spcBef>
-                <a:spcPts val="500"/>
-              </a:spcBef>
-              <a:buFont typeface="Arial" panose="020B0604020202020204" pitchFamily="34" charset="0"/>
-              <a:buNone/>
-              <a:defRPr sz="1600" kern="1200">
-                <a:solidFill>
-                  <a:schemeClr val="tx1"/>
-                </a:solidFill>
-                <a:latin typeface="+mn-lt"/>
-                <a:ea typeface="+mn-ea"/>
-                <a:cs typeface="+mn-cs"/>
-              </a:defRPr>
-            </a:lvl9pPr>
-          </a:lstStyle>
-          <a:p>
-            <a:r>
-              <a:rPr lang="en-US" sz="3200" b="1" dirty="0">
-                <a:solidFill>
-                  <a:srgbClr val="0070C0"/>
-                </a:solidFill>
-              </a:rPr>
-              <a:t>Project </a:t>
-            </a:r>
-            <a:r>
-              <a:rPr lang="en-US" sz="3200" b="1" dirty="0">
-                <a:solidFill>
-                  <a:schemeClr val="tx1"/>
-                </a:solidFill>
-              </a:rPr>
-              <a:t>Title:</a:t>
+              <a:t>Project Title</a:t>
             </a:r>
           </a:p>
         </p:txBody>
@@ -14525,13 +15063,25 @@
     </p:spTree>
     <p:extLst>
       <p:ext uri="{BB962C8B-B14F-4D97-AF65-F5344CB8AC3E}">
-        <p14:creationId xmlns:p14="http://schemas.microsoft.com/office/powerpoint/2010/main" val="744379741"/>
+        <p14:creationId xmlns:p14="http://schemas.microsoft.com/office/powerpoint/2010/main" val="817920362"/>
       </p:ext>
     </p:extLst>
   </p:cSld>
   <p:clrMapOvr>
     <a:masterClrMapping/>
   </p:clrMapOvr>
+  <mc:AlternateContent xmlns:mc="http://schemas.openxmlformats.org/markup-compatibility/2006">
+    <mc:Choice xmlns:p14="http://schemas.microsoft.com/office/powerpoint/2010/main" Requires="p14">
+      <p:transition spd="med" p14:dur="700">
+        <p:fade/>
+      </p:transition>
+    </mc:Choice>
+    <mc:Fallback>
+      <p:transition spd="med">
+        <p:fade/>
+      </p:transition>
+    </mc:Fallback>
+  </mc:AlternateContent>
 </p:sld>
 </file>
 
@@ -15327,15 +15877,6 @@
 </file>
 
 <file path=customXml/item1.xml><?xml version="1.0" encoding="utf-8"?>
-<?mso-contentType ?>
-<FormTemplates xmlns="http://schemas.microsoft.com/sharepoint/v3/contenttype/forms">
-  <Display>DocumentLibraryForm</Display>
-  <Edit>DocumentLibraryForm</Edit>
-  <New>DocumentLibraryForm</New>
-</FormTemplates>
-</file>
-
-<file path=customXml/item2.xml><?xml version="1.0" encoding="utf-8"?>
 <p:properties xmlns:p="http://schemas.microsoft.com/office/2006/metadata/properties" xmlns:xsi="http://www.w3.org/2001/XMLSchema-instance" xmlns:pc="http://schemas.microsoft.com/office/infopath/2007/PartnerControls">
   <documentManagement>
     <_ip_UnifiedCompliancePolicyUIAction xmlns="http://schemas.microsoft.com/sharepoint/v3" xsi:nil="true"/>
@@ -15352,6 +15893,15 @@
     <MediaServiceKeyPoints xmlns="71af3243-3dd4-4a8d-8c0d-dd76da1f02a5" xsi:nil="true"/>
   </documentManagement>
 </p:properties>
+</file>
+
+<file path=customXml/item2.xml><?xml version="1.0" encoding="utf-8"?>
+<?mso-contentType ?>
+<FormTemplates xmlns="http://schemas.microsoft.com/sharepoint/v3/contenttype/forms">
+  <Display>DocumentLibraryForm</Display>
+  <Edit>DocumentLibraryForm</Edit>
+  <New>DocumentLibraryForm</New>
+</FormTemplates>
 </file>
 
 <file path=customXml/item3.xml><?xml version="1.0" encoding="utf-8"?>
@@ -15631,14 +16181,6 @@
 </file>
 
 <file path=customXml/itemProps1.xml><?xml version="1.0" encoding="utf-8"?>
-<ds:datastoreItem xmlns:ds="http://schemas.openxmlformats.org/officeDocument/2006/customXml" ds:itemID="{0FD6FE22-81A0-4500-AFD0-342D21BB9A2C}">
-  <ds:schemaRefs>
-    <ds:schemaRef ds:uri="http://schemas.microsoft.com/sharepoint/v3/contenttype/forms"/>
-  </ds:schemaRefs>
-</ds:datastoreItem>
-</file>
-
-<file path=customXml/itemProps2.xml><?xml version="1.0" encoding="utf-8"?>
 <ds:datastoreItem xmlns:ds="http://schemas.openxmlformats.org/officeDocument/2006/customXml" ds:itemID="{29C43685-694E-4579-B109-3C418D49DA65}">
   <ds:schemaRefs>
     <ds:schemaRef ds:uri="http://schemas.microsoft.com/office/2006/metadata/properties"/>
@@ -15646,6 +16188,14 @@
     <ds:schemaRef ds:uri="http://schemas.microsoft.com/sharepoint/v3"/>
     <ds:schemaRef ds:uri="71af3243-3dd4-4a8d-8c0d-dd76da1f02a5"/>
     <ds:schemaRef ds:uri="230e9df3-be65-4c73-a93b-d1236ebd677e"/>
+  </ds:schemaRefs>
+</ds:datastoreItem>
+</file>
+
+<file path=customXml/itemProps2.xml><?xml version="1.0" encoding="utf-8"?>
+<ds:datastoreItem xmlns:ds="http://schemas.openxmlformats.org/officeDocument/2006/customXml" ds:itemID="{0FD6FE22-81A0-4500-AFD0-342D21BB9A2C}">
+  <ds:schemaRefs>
+    <ds:schemaRef ds:uri="http://schemas.microsoft.com/sharepoint/v3/contenttype/forms"/>
   </ds:schemaRefs>
 </ds:datastoreItem>
 </file>

--- a/Presentation MP1.pptx
+++ b/Presentation MP1.pptx
@@ -853,13 +853,13 @@
   <p:clrMapOvr>
     <a:masterClrMapping/>
   </p:clrMapOvr>
-  <mc:AlternateContent xmlns:mc="http://schemas.openxmlformats.org/markup-compatibility/2006">
-    <mc:Choice xmlns:p14="http://schemas.microsoft.com/office/powerpoint/2010/main" Requires="p14">
+  <mc:AlternateContent xmlns:mc="http://schemas.openxmlformats.org/markup-compatibility/2006" xmlns:p14="http://schemas.microsoft.com/office/powerpoint/2010/main">
+    <mc:Choice Requires="p14">
       <p:transition spd="med" p14:dur="700">
         <p:fade/>
       </p:transition>
     </mc:Choice>
-    <mc:Fallback>
+    <mc:Fallback xmlns="">
       <p:transition spd="med">
         <p:fade/>
       </p:transition>
@@ -1183,13 +1183,13 @@
   <p:clrMapOvr>
     <a:overrideClrMapping bg1="lt1" tx1="dk1" bg2="lt2" tx2="dk2" accent1="accent1" accent2="accent2" accent3="accent3" accent4="accent4" accent5="accent5" accent6="accent6" hlink="hlink" folHlink="folHlink"/>
   </p:clrMapOvr>
-  <mc:AlternateContent xmlns:mc="http://schemas.openxmlformats.org/markup-compatibility/2006">
-    <mc:Choice xmlns:p14="http://schemas.microsoft.com/office/powerpoint/2010/main" Requires="p14">
+  <mc:AlternateContent xmlns:mc="http://schemas.openxmlformats.org/markup-compatibility/2006" xmlns:p14="http://schemas.microsoft.com/office/powerpoint/2010/main">
+    <mc:Choice Requires="p14">
       <p:transition spd="med" p14:dur="700">
         <p:fade/>
       </p:transition>
     </mc:Choice>
-    <mc:Fallback>
+    <mc:Fallback xmlns="">
       <p:transition spd="med">
         <p:fade/>
       </p:transition>
@@ -1990,13 +1990,13 @@
   <p:clrMapOvr>
     <a:masterClrMapping/>
   </p:clrMapOvr>
-  <mc:AlternateContent xmlns:mc="http://schemas.openxmlformats.org/markup-compatibility/2006">
-    <mc:Choice xmlns:p14="http://schemas.microsoft.com/office/powerpoint/2010/main" Requires="p14">
+  <mc:AlternateContent xmlns:mc="http://schemas.openxmlformats.org/markup-compatibility/2006" xmlns:p14="http://schemas.microsoft.com/office/powerpoint/2010/main">
+    <mc:Choice Requires="p14">
       <p:transition spd="med" p14:dur="700">
         <p:fade/>
       </p:transition>
     </mc:Choice>
-    <mc:Fallback>
+    <mc:Fallback xmlns="">
       <p:transition spd="med">
         <p:fade/>
       </p:transition>
@@ -2588,13 +2588,13 @@
   <p:clrMapOvr>
     <a:masterClrMapping/>
   </p:clrMapOvr>
-  <mc:AlternateContent xmlns:mc="http://schemas.openxmlformats.org/markup-compatibility/2006">
-    <mc:Choice xmlns:p14="http://schemas.microsoft.com/office/powerpoint/2010/main" Requires="p14">
+  <mc:AlternateContent xmlns:mc="http://schemas.openxmlformats.org/markup-compatibility/2006" xmlns:p14="http://schemas.microsoft.com/office/powerpoint/2010/main">
+    <mc:Choice Requires="p14">
       <p:transition spd="med" p14:dur="700">
         <p:fade/>
       </p:transition>
     </mc:Choice>
-    <mc:Fallback>
+    <mc:Fallback xmlns="">
       <p:transition spd="med">
         <p:fade/>
       </p:transition>
@@ -3439,13 +3439,13 @@
   <p:clrMapOvr>
     <a:overrideClrMapping bg1="lt1" tx1="dk1" bg2="lt2" tx2="dk2" accent1="accent1" accent2="accent2" accent3="accent3" accent4="accent4" accent5="accent5" accent6="accent6" hlink="hlink" folHlink="folHlink"/>
   </p:clrMapOvr>
-  <mc:AlternateContent xmlns:mc="http://schemas.openxmlformats.org/markup-compatibility/2006">
-    <mc:Choice xmlns:p14="http://schemas.microsoft.com/office/powerpoint/2010/main" Requires="p14">
+  <mc:AlternateContent xmlns:mc="http://schemas.openxmlformats.org/markup-compatibility/2006" xmlns:p14="http://schemas.microsoft.com/office/powerpoint/2010/main">
+    <mc:Choice Requires="p14">
       <p:transition spd="med" p14:dur="700">
         <p:fade/>
       </p:transition>
     </mc:Choice>
-    <mc:Fallback>
+    <mc:Fallback xmlns="">
       <p:transition spd="med">
         <p:fade/>
       </p:transition>
@@ -3875,13 +3875,13 @@
   <p:clrMapOvr>
     <a:masterClrMapping/>
   </p:clrMapOvr>
-  <mc:AlternateContent xmlns:mc="http://schemas.openxmlformats.org/markup-compatibility/2006">
-    <mc:Choice xmlns:p14="http://schemas.microsoft.com/office/powerpoint/2010/main" Requires="p14">
+  <mc:AlternateContent xmlns:mc="http://schemas.openxmlformats.org/markup-compatibility/2006" xmlns:p14="http://schemas.microsoft.com/office/powerpoint/2010/main">
+    <mc:Choice Requires="p14">
       <p:transition spd="med" p14:dur="700">
         <p:fade/>
       </p:transition>
     </mc:Choice>
-    <mc:Fallback>
+    <mc:Fallback xmlns="">
       <p:transition spd="med">
         <p:fade/>
       </p:transition>
@@ -4207,13 +4207,13 @@
   <p:clrMapOvr>
     <a:masterClrMapping/>
   </p:clrMapOvr>
-  <mc:AlternateContent xmlns:mc="http://schemas.openxmlformats.org/markup-compatibility/2006">
-    <mc:Choice xmlns:p14="http://schemas.microsoft.com/office/powerpoint/2010/main" Requires="p14">
+  <mc:AlternateContent xmlns:mc="http://schemas.openxmlformats.org/markup-compatibility/2006" xmlns:p14="http://schemas.microsoft.com/office/powerpoint/2010/main">
+    <mc:Choice Requires="p14">
       <p:transition spd="med" p14:dur="700">
         <p:fade/>
       </p:transition>
     </mc:Choice>
-    <mc:Fallback>
+    <mc:Fallback xmlns="">
       <p:transition spd="med">
         <p:fade/>
       </p:transition>
@@ -4568,13 +4568,13 @@
   <p:clrMapOvr>
     <a:masterClrMapping/>
   </p:clrMapOvr>
-  <mc:AlternateContent xmlns:mc="http://schemas.openxmlformats.org/markup-compatibility/2006">
-    <mc:Choice xmlns:p14="http://schemas.microsoft.com/office/powerpoint/2010/main" Requires="p14">
+  <mc:AlternateContent xmlns:mc="http://schemas.openxmlformats.org/markup-compatibility/2006" xmlns:p14="http://schemas.microsoft.com/office/powerpoint/2010/main">
+    <mc:Choice Requires="p14">
       <p:transition spd="med" p14:dur="700">
         <p:fade/>
       </p:transition>
     </mc:Choice>
-    <mc:Fallback>
+    <mc:Fallback xmlns="">
       <p:transition spd="med">
         <p:fade/>
       </p:transition>
@@ -4995,13 +4995,13 @@
   <p:clrMapOvr>
     <a:masterClrMapping/>
   </p:clrMapOvr>
-  <mc:AlternateContent xmlns:mc="http://schemas.openxmlformats.org/markup-compatibility/2006">
-    <mc:Choice xmlns:p14="http://schemas.microsoft.com/office/powerpoint/2010/main" Requires="p14">
+  <mc:AlternateContent xmlns:mc="http://schemas.openxmlformats.org/markup-compatibility/2006" xmlns:p14="http://schemas.microsoft.com/office/powerpoint/2010/main">
+    <mc:Choice Requires="p14">
       <p:transition spd="med" p14:dur="700">
         <p:fade/>
       </p:transition>
     </mc:Choice>
-    <mc:Fallback>
+    <mc:Fallback xmlns="">
       <p:transition spd="med">
         <p:fade/>
       </p:transition>
@@ -5200,13 +5200,13 @@
   <p:clrMapOvr>
     <a:masterClrMapping/>
   </p:clrMapOvr>
-  <mc:AlternateContent xmlns:mc="http://schemas.openxmlformats.org/markup-compatibility/2006">
-    <mc:Choice xmlns:p14="http://schemas.microsoft.com/office/powerpoint/2010/main" Requires="p14">
+  <mc:AlternateContent xmlns:mc="http://schemas.openxmlformats.org/markup-compatibility/2006" xmlns:p14="http://schemas.microsoft.com/office/powerpoint/2010/main">
+    <mc:Choice Requires="p14">
       <p:transition spd="med" p14:dur="700">
         <p:fade/>
       </p:transition>
     </mc:Choice>
-    <mc:Fallback>
+    <mc:Fallback xmlns="">
       <p:transition spd="med">
         <p:fade/>
       </p:transition>
@@ -5423,13 +5423,13 @@
   <p:clrMapOvr>
     <a:masterClrMapping/>
   </p:clrMapOvr>
-  <mc:AlternateContent xmlns:mc="http://schemas.openxmlformats.org/markup-compatibility/2006">
-    <mc:Choice xmlns:p14="http://schemas.microsoft.com/office/powerpoint/2010/main" Requires="p14">
+  <mc:AlternateContent xmlns:mc="http://schemas.openxmlformats.org/markup-compatibility/2006" xmlns:p14="http://schemas.microsoft.com/office/powerpoint/2010/main">
+    <mc:Choice Requires="p14">
       <p:transition spd="med" p14:dur="700">
         <p:fade/>
       </p:transition>
     </mc:Choice>
-    <mc:Fallback>
+    <mc:Fallback xmlns="">
       <p:transition spd="med">
         <p:fade/>
       </p:transition>
@@ -5643,13 +5643,13 @@
   <p:clrMapOvr>
     <a:overrideClrMapping bg1="lt1" tx1="dk1" bg2="lt2" tx2="dk2" accent1="accent1" accent2="accent2" accent3="accent3" accent4="accent4" accent5="accent5" accent6="accent6" hlink="hlink" folHlink="folHlink"/>
   </p:clrMapOvr>
-  <mc:AlternateContent xmlns:mc="http://schemas.openxmlformats.org/markup-compatibility/2006">
-    <mc:Choice xmlns:p14="http://schemas.microsoft.com/office/powerpoint/2010/main" Requires="p14">
+  <mc:AlternateContent xmlns:mc="http://schemas.openxmlformats.org/markup-compatibility/2006" xmlns:p14="http://schemas.microsoft.com/office/powerpoint/2010/main">
+    <mc:Choice Requires="p14">
       <p:transition spd="med" p14:dur="700">
         <p:fade/>
       </p:transition>
     </mc:Choice>
-    <mc:Fallback>
+    <mc:Fallback xmlns="">
       <p:transition spd="med">
         <p:fade/>
       </p:transition>
@@ -6005,13 +6005,13 @@
   <p:clrMapOvr>
     <a:masterClrMapping/>
   </p:clrMapOvr>
-  <mc:AlternateContent xmlns:mc="http://schemas.openxmlformats.org/markup-compatibility/2006">
-    <mc:Choice xmlns:p14="http://schemas.microsoft.com/office/powerpoint/2010/main" Requires="p14">
+  <mc:AlternateContent xmlns:mc="http://schemas.openxmlformats.org/markup-compatibility/2006" xmlns:p14="http://schemas.microsoft.com/office/powerpoint/2010/main">
+    <mc:Choice Requires="p14">
       <p:transition spd="med" p14:dur="700">
         <p:fade/>
       </p:transition>
     </mc:Choice>
-    <mc:Fallback>
+    <mc:Fallback xmlns="">
       <p:transition spd="med">
         <p:fade/>
       </p:transition>
@@ -7101,13 +7101,13 @@
   <p:clrMapOvr>
     <a:overrideClrMapping bg1="lt1" tx1="dk1" bg2="lt2" tx2="dk2" accent1="accent1" accent2="accent2" accent3="accent3" accent4="accent4" accent5="accent5" accent6="accent6" hlink="hlink" folHlink="folHlink"/>
   </p:clrMapOvr>
-  <mc:AlternateContent xmlns:mc="http://schemas.openxmlformats.org/markup-compatibility/2006">
-    <mc:Choice xmlns:p14="http://schemas.microsoft.com/office/powerpoint/2010/main" Requires="p14">
+  <mc:AlternateContent xmlns:mc="http://schemas.openxmlformats.org/markup-compatibility/2006" xmlns:p14="http://schemas.microsoft.com/office/powerpoint/2010/main">
+    <mc:Choice Requires="p14">
       <p:transition spd="med" p14:dur="700">
         <p:fade/>
       </p:transition>
     </mc:Choice>
-    <mc:Fallback>
+    <mc:Fallback xmlns="">
       <p:transition spd="med">
         <p:fade/>
       </p:transition>
@@ -9092,13 +9092,13 @@
   <p:clrMapOvr>
     <a:overrideClrMapping bg1="dk1" tx1="lt1" bg2="dk2" tx2="lt2" accent1="accent1" accent2="accent2" accent3="accent3" accent4="accent4" accent5="accent5" accent6="accent6" hlink="hlink" folHlink="folHlink"/>
   </p:clrMapOvr>
-  <mc:AlternateContent xmlns:mc="http://schemas.openxmlformats.org/markup-compatibility/2006">
-    <mc:Choice xmlns:p14="http://schemas.microsoft.com/office/powerpoint/2010/main" Requires="p14">
+  <mc:AlternateContent xmlns:mc="http://schemas.openxmlformats.org/markup-compatibility/2006" xmlns:p14="http://schemas.microsoft.com/office/powerpoint/2010/main">
+    <mc:Choice Requires="p14">
       <p:transition spd="med" p14:dur="700">
         <p:fade/>
       </p:transition>
     </mc:Choice>
-    <mc:Fallback>
+    <mc:Fallback xmlns="">
       <p:transition spd="med">
         <p:fade/>
       </p:transition>
@@ -9398,13 +9398,13 @@
     <p:sldLayoutId id="2147483664" r:id="rId14"/>
     <p:sldLayoutId id="2147483665" r:id="rId15"/>
   </p:sldLayoutIdLst>
-  <mc:AlternateContent xmlns:mc="http://schemas.openxmlformats.org/markup-compatibility/2006">
-    <mc:Choice xmlns:p14="http://schemas.microsoft.com/office/powerpoint/2010/main" Requires="p14">
+  <mc:AlternateContent xmlns:mc="http://schemas.openxmlformats.org/markup-compatibility/2006" xmlns:p14="http://schemas.microsoft.com/office/powerpoint/2010/main">
+    <mc:Choice Requires="p14">
       <p:transition spd="med" p14:dur="700">
         <p:fade/>
       </p:transition>
     </mc:Choice>
-    <mc:Fallback>
+    <mc:Fallback xmlns="">
       <p:transition spd="med">
         <p:fade/>
       </p:transition>
@@ -9796,13 +9796,13 @@
   <p:clrMapOvr>
     <a:masterClrMapping/>
   </p:clrMapOvr>
-  <mc:AlternateContent xmlns:mc="http://schemas.openxmlformats.org/markup-compatibility/2006">
-    <mc:Choice xmlns:p14="http://schemas.microsoft.com/office/powerpoint/2010/main" Requires="p14">
+  <mc:AlternateContent xmlns:mc="http://schemas.openxmlformats.org/markup-compatibility/2006" xmlns:p14="http://schemas.microsoft.com/office/powerpoint/2010/main">
+    <mc:Choice Requires="p14">
       <p:transition spd="med" p14:dur="700">
         <p:fade/>
       </p:transition>
     </mc:Choice>
-    <mc:Fallback>
+    <mc:Fallback xmlns="">
       <p:transition spd="med">
         <p:fade/>
       </p:transition>
@@ -9846,7 +9846,7 @@
         </p:nvSpPr>
         <p:spPr>
           <a:xfrm>
-            <a:off x="3983277" y="2091344"/>
+            <a:off x="3632549" y="2517229"/>
             <a:ext cx="8367386" cy="2268112"/>
           </a:xfrm>
         </p:spPr>
@@ -9997,7 +9997,7 @@
         </p:nvSpPr>
         <p:spPr>
           <a:xfrm>
-            <a:off x="4676774" y="838450"/>
+            <a:off x="4667249" y="1377069"/>
             <a:ext cx="6696074" cy="1785356"/>
           </a:xfrm>
           <a:prstGeom prst="rect">
@@ -10204,13 +10204,13 @@
   <p:clrMapOvr>
     <a:masterClrMapping/>
   </p:clrMapOvr>
-  <mc:AlternateContent xmlns:mc="http://schemas.openxmlformats.org/markup-compatibility/2006">
-    <mc:Choice xmlns:p14="http://schemas.microsoft.com/office/powerpoint/2010/main" Requires="p14">
+  <mc:AlternateContent xmlns:mc="http://schemas.openxmlformats.org/markup-compatibility/2006" xmlns:p14="http://schemas.microsoft.com/office/powerpoint/2010/main">
+    <mc:Choice Requires="p14">
       <p:transition spd="med" p14:dur="700">
         <p:fade/>
       </p:transition>
     </mc:Choice>
-    <mc:Fallback>
+    <mc:Fallback xmlns="">
       <p:transition spd="med">
         <p:fade/>
       </p:transition>
@@ -10279,13 +10279,13 @@
   <p:clrMapOvr>
     <a:masterClrMapping/>
   </p:clrMapOvr>
-  <mc:AlternateContent xmlns:mc="http://schemas.openxmlformats.org/markup-compatibility/2006">
-    <mc:Choice xmlns:p14="http://schemas.microsoft.com/office/powerpoint/2010/main" Requires="p14">
+  <mc:AlternateContent xmlns:mc="http://schemas.openxmlformats.org/markup-compatibility/2006" xmlns:p14="http://schemas.microsoft.com/office/powerpoint/2010/main">
+    <mc:Choice Requires="p14">
       <p:transition spd="med" p14:dur="700">
         <p:fade/>
       </p:transition>
     </mc:Choice>
-    <mc:Fallback>
+    <mc:Fallback xmlns="">
       <p:transition spd="med">
         <p:fade/>
       </p:transition>
@@ -10654,13 +10654,13 @@
   <p:clrMapOvr>
     <a:masterClrMapping/>
   </p:clrMapOvr>
-  <mc:AlternateContent xmlns:mc="http://schemas.openxmlformats.org/markup-compatibility/2006">
-    <mc:Choice xmlns:p14="http://schemas.microsoft.com/office/powerpoint/2010/main" Requires="p14">
+  <mc:AlternateContent xmlns:mc="http://schemas.openxmlformats.org/markup-compatibility/2006" xmlns:p14="http://schemas.microsoft.com/office/powerpoint/2010/main">
+    <mc:Choice Requires="p14">
       <p:transition spd="med" p14:dur="700">
         <p:fade/>
       </p:transition>
     </mc:Choice>
-    <mc:Fallback>
+    <mc:Fallback xmlns="">
       <p:transition spd="med">
         <p:fade/>
       </p:transition>
@@ -10729,13 +10729,13 @@
   <p:clrMapOvr>
     <a:masterClrMapping/>
   </p:clrMapOvr>
-  <mc:AlternateContent xmlns:mc="http://schemas.openxmlformats.org/markup-compatibility/2006">
-    <mc:Choice xmlns:p14="http://schemas.microsoft.com/office/powerpoint/2010/main" Requires="p14">
+  <mc:AlternateContent xmlns:mc="http://schemas.openxmlformats.org/markup-compatibility/2006" xmlns:p14="http://schemas.microsoft.com/office/powerpoint/2010/main">
+    <mc:Choice Requires="p14">
       <p:transition spd="med" p14:dur="700">
         <p:fade/>
       </p:transition>
     </mc:Choice>
-    <mc:Fallback>
+    <mc:Fallback xmlns="">
       <p:transition spd="med">
         <p:fade/>
       </p:transition>
@@ -11157,13 +11157,13 @@
   <p:clrMapOvr>
     <a:masterClrMapping/>
   </p:clrMapOvr>
-  <mc:AlternateContent xmlns:mc="http://schemas.openxmlformats.org/markup-compatibility/2006">
-    <mc:Choice xmlns:p14="http://schemas.microsoft.com/office/powerpoint/2010/main" Requires="p14">
+  <mc:AlternateContent xmlns:mc="http://schemas.openxmlformats.org/markup-compatibility/2006" xmlns:p14="http://schemas.microsoft.com/office/powerpoint/2010/main">
+    <mc:Choice Requires="p14">
       <p:transition spd="med" p14:dur="700">
         <p:fade/>
       </p:transition>
     </mc:Choice>
-    <mc:Fallback>
+    <mc:Fallback xmlns="">
       <p:transition spd="med">
         <p:fade/>
       </p:transition>
@@ -11232,13 +11232,13 @@
   <p:clrMapOvr>
     <a:masterClrMapping/>
   </p:clrMapOvr>
-  <mc:AlternateContent xmlns:mc="http://schemas.openxmlformats.org/markup-compatibility/2006">
-    <mc:Choice xmlns:p14="http://schemas.microsoft.com/office/powerpoint/2010/main" Requires="p14">
+  <mc:AlternateContent xmlns:mc="http://schemas.openxmlformats.org/markup-compatibility/2006" xmlns:p14="http://schemas.microsoft.com/office/powerpoint/2010/main">
+    <mc:Choice Requires="p14">
       <p:transition spd="med" p14:dur="700">
         <p:fade/>
       </p:transition>
     </mc:Choice>
-    <mc:Fallback>
+    <mc:Fallback xmlns="">
       <p:transition spd="med">
         <p:fade/>
       </p:transition>
@@ -11457,13 +11457,13 @@
   <p:clrMapOvr>
     <a:masterClrMapping/>
   </p:clrMapOvr>
-  <mc:AlternateContent xmlns:mc="http://schemas.openxmlformats.org/markup-compatibility/2006">
-    <mc:Choice xmlns:p14="http://schemas.microsoft.com/office/powerpoint/2010/main" Requires="p14">
+  <mc:AlternateContent xmlns:mc="http://schemas.openxmlformats.org/markup-compatibility/2006" xmlns:p14="http://schemas.microsoft.com/office/powerpoint/2010/main">
+    <mc:Choice Requires="p14">
       <p:transition spd="med" p14:dur="700">
         <p:fade/>
       </p:transition>
     </mc:Choice>
-    <mc:Fallback>
+    <mc:Fallback xmlns="">
       <p:transition spd="med">
         <p:fade/>
       </p:transition>
@@ -11532,13 +11532,13 @@
   <p:clrMapOvr>
     <a:masterClrMapping/>
   </p:clrMapOvr>
-  <mc:AlternateContent xmlns:mc="http://schemas.openxmlformats.org/markup-compatibility/2006">
-    <mc:Choice xmlns:p14="http://schemas.microsoft.com/office/powerpoint/2010/main" Requires="p14">
+  <mc:AlternateContent xmlns:mc="http://schemas.openxmlformats.org/markup-compatibility/2006" xmlns:p14="http://schemas.microsoft.com/office/powerpoint/2010/main">
+    <mc:Choice Requires="p14">
       <p:transition spd="med" p14:dur="700">
         <p:fade/>
       </p:transition>
     </mc:Choice>
-    <mc:Fallback>
+    <mc:Fallback xmlns="">
       <p:transition spd="med">
         <p:fade/>
       </p:transition>
@@ -11757,13 +11757,13 @@
   <p:clrMapOvr>
     <a:masterClrMapping/>
   </p:clrMapOvr>
-  <mc:AlternateContent xmlns:mc="http://schemas.openxmlformats.org/markup-compatibility/2006">
-    <mc:Choice xmlns:p14="http://schemas.microsoft.com/office/powerpoint/2010/main" Requires="p14">
+  <mc:AlternateContent xmlns:mc="http://schemas.openxmlformats.org/markup-compatibility/2006" xmlns:p14="http://schemas.microsoft.com/office/powerpoint/2010/main">
+    <mc:Choice Requires="p14">
       <p:transition spd="med" p14:dur="700">
         <p:fade/>
       </p:transition>
     </mc:Choice>
-    <mc:Fallback>
+    <mc:Fallback xmlns="">
       <p:transition spd="med">
         <p:fade/>
       </p:transition>
@@ -11832,13 +11832,13 @@
   <p:clrMapOvr>
     <a:masterClrMapping/>
   </p:clrMapOvr>
-  <mc:AlternateContent xmlns:mc="http://schemas.openxmlformats.org/markup-compatibility/2006">
-    <mc:Choice xmlns:p14="http://schemas.microsoft.com/office/powerpoint/2010/main" Requires="p14">
+  <mc:AlternateContent xmlns:mc="http://schemas.openxmlformats.org/markup-compatibility/2006" xmlns:p14="http://schemas.microsoft.com/office/powerpoint/2010/main">
+    <mc:Choice Requires="p14">
       <p:transition spd="med" p14:dur="700">
         <p:fade/>
       </p:transition>
     </mc:Choice>
-    <mc:Fallback>
+    <mc:Fallback xmlns="">
       <p:transition spd="med">
         <p:fade/>
       </p:transition>
@@ -12346,13 +12346,13 @@
   <p:clrMapOvr>
     <a:masterClrMapping/>
   </p:clrMapOvr>
-  <mc:AlternateContent xmlns:mc="http://schemas.openxmlformats.org/markup-compatibility/2006">
-    <mc:Choice xmlns:p14="http://schemas.microsoft.com/office/powerpoint/2010/main" Requires="p14">
+  <mc:AlternateContent xmlns:mc="http://schemas.openxmlformats.org/markup-compatibility/2006" xmlns:p14="http://schemas.microsoft.com/office/powerpoint/2010/main">
+    <mc:Choice Requires="p14">
       <p:transition spd="med" p14:dur="700">
         <p:fade/>
       </p:transition>
     </mc:Choice>
-    <mc:Fallback>
+    <mc:Fallback xmlns="">
       <p:transition spd="med">
         <p:fade/>
       </p:transition>
@@ -13371,13 +13371,13 @@
   <p:clrMapOvr>
     <a:masterClrMapping/>
   </p:clrMapOvr>
-  <mc:AlternateContent xmlns:mc="http://schemas.openxmlformats.org/markup-compatibility/2006">
-    <mc:Choice xmlns:p14="http://schemas.microsoft.com/office/powerpoint/2010/main" Requires="p14">
+  <mc:AlternateContent xmlns:mc="http://schemas.openxmlformats.org/markup-compatibility/2006" xmlns:p14="http://schemas.microsoft.com/office/powerpoint/2010/main">
+    <mc:Choice Requires="p14">
       <p:transition spd="med" p14:dur="700">
         <p:fade/>
       </p:transition>
     </mc:Choice>
-    <mc:Fallback>
+    <mc:Fallback xmlns="">
       <p:transition spd="med">
         <p:fade/>
       </p:transition>
@@ -13605,13 +13605,13 @@
   <p:clrMapOvr>
     <a:masterClrMapping/>
   </p:clrMapOvr>
-  <mc:AlternateContent xmlns:mc="http://schemas.openxmlformats.org/markup-compatibility/2006">
-    <mc:Choice xmlns:p14="http://schemas.microsoft.com/office/powerpoint/2010/main" Requires="p14">
+  <mc:AlternateContent xmlns:mc="http://schemas.openxmlformats.org/markup-compatibility/2006" xmlns:p14="http://schemas.microsoft.com/office/powerpoint/2010/main">
+    <mc:Choice Requires="p14">
       <p:transition spd="med" p14:dur="700">
         <p:fade/>
       </p:transition>
     </mc:Choice>
-    <mc:Fallback>
+    <mc:Fallback xmlns="">
       <p:transition spd="med">
         <p:fade/>
       </p:transition>
@@ -13866,13 +13866,13 @@
   <p:clrMapOvr>
     <a:masterClrMapping/>
   </p:clrMapOvr>
-  <mc:AlternateContent xmlns:mc="http://schemas.openxmlformats.org/markup-compatibility/2006">
-    <mc:Choice xmlns:p14="http://schemas.microsoft.com/office/powerpoint/2010/main" Requires="p14">
+  <mc:AlternateContent xmlns:mc="http://schemas.openxmlformats.org/markup-compatibility/2006" xmlns:p14="http://schemas.microsoft.com/office/powerpoint/2010/main">
+    <mc:Choice Requires="p14">
       <p:transition spd="med" p14:dur="700">
         <p:fade/>
       </p:transition>
     </mc:Choice>
-    <mc:Fallback>
+    <mc:Fallback xmlns="">
       <p:transition spd="med">
         <p:fade/>
       </p:transition>
@@ -14185,13 +14185,13 @@
   <p:clrMapOvr>
     <a:masterClrMapping/>
   </p:clrMapOvr>
-  <mc:AlternateContent xmlns:mc="http://schemas.openxmlformats.org/markup-compatibility/2006">
-    <mc:Choice xmlns:p14="http://schemas.microsoft.com/office/powerpoint/2010/main" Requires="p14">
+  <mc:AlternateContent xmlns:mc="http://schemas.openxmlformats.org/markup-compatibility/2006" xmlns:p14="http://schemas.microsoft.com/office/powerpoint/2010/main">
+    <mc:Choice Requires="p14">
       <p:transition spd="med" p14:dur="700">
         <p:fade/>
       </p:transition>
     </mc:Choice>
-    <mc:Fallback>
+    <mc:Fallback xmlns="">
       <p:transition spd="med">
         <p:fade/>
       </p:transition>
@@ -14261,13 +14261,13 @@
   <p:clrMapOvr>
     <a:masterClrMapping/>
   </p:clrMapOvr>
-  <mc:AlternateContent xmlns:mc="http://schemas.openxmlformats.org/markup-compatibility/2006">
-    <mc:Choice xmlns:p14="http://schemas.microsoft.com/office/powerpoint/2010/main" Requires="p14">
+  <mc:AlternateContent xmlns:mc="http://schemas.openxmlformats.org/markup-compatibility/2006" xmlns:p14="http://schemas.microsoft.com/office/powerpoint/2010/main">
+    <mc:Choice Requires="p14">
       <p:transition spd="med" p14:dur="700">
         <p:fade/>
       </p:transition>
     </mc:Choice>
-    <mc:Fallback>
+    <mc:Fallback xmlns="">
       <p:transition spd="med">
         <p:fade/>
       </p:transition>
@@ -14610,13 +14610,13 @@
   <p:clrMapOvr>
     <a:masterClrMapping/>
   </p:clrMapOvr>
-  <mc:AlternateContent xmlns:mc="http://schemas.openxmlformats.org/markup-compatibility/2006">
-    <mc:Choice xmlns:p14="http://schemas.microsoft.com/office/powerpoint/2010/main" Requires="p14">
+  <mc:AlternateContent xmlns:mc="http://schemas.openxmlformats.org/markup-compatibility/2006" xmlns:p14="http://schemas.microsoft.com/office/powerpoint/2010/main">
+    <mc:Choice Requires="p14">
       <p:transition spd="med" p14:dur="700">
         <p:fade/>
       </p:transition>
     </mc:Choice>
-    <mc:Fallback>
+    <mc:Fallback xmlns="">
       <p:transition spd="med">
         <p:fade/>
       </p:transition>
@@ -14685,13 +14685,13 @@
   <p:clrMapOvr>
     <a:masterClrMapping/>
   </p:clrMapOvr>
-  <mc:AlternateContent xmlns:mc="http://schemas.openxmlformats.org/markup-compatibility/2006">
-    <mc:Choice xmlns:p14="http://schemas.microsoft.com/office/powerpoint/2010/main" Requires="p14">
+  <mc:AlternateContent xmlns:mc="http://schemas.openxmlformats.org/markup-compatibility/2006" xmlns:p14="http://schemas.microsoft.com/office/powerpoint/2010/main">
+    <mc:Choice Requires="p14">
       <p:transition spd="med" p14:dur="700">
         <p:fade/>
       </p:transition>
     </mc:Choice>
-    <mc:Fallback>
+    <mc:Fallback xmlns="">
       <p:transition spd="med">
         <p:fade/>
       </p:transition>
@@ -14995,13 +14995,13 @@
   <p:clrMapOvr>
     <a:masterClrMapping/>
   </p:clrMapOvr>
-  <mc:AlternateContent xmlns:mc="http://schemas.openxmlformats.org/markup-compatibility/2006">
-    <mc:Choice xmlns:p14="http://schemas.microsoft.com/office/powerpoint/2010/main" Requires="p14">
+  <mc:AlternateContent xmlns:mc="http://schemas.openxmlformats.org/markup-compatibility/2006" xmlns:p14="http://schemas.microsoft.com/office/powerpoint/2010/main">
+    <mc:Choice Requires="p14">
       <p:transition spd="med" p14:dur="700">
         <p:fade/>
       </p:transition>
     </mc:Choice>
-    <mc:Fallback>
+    <mc:Fallback xmlns="">
       <p:transition spd="med">
         <p:fade/>
       </p:transition>
@@ -15070,13 +15070,13 @@
   <p:clrMapOvr>
     <a:masterClrMapping/>
   </p:clrMapOvr>
-  <mc:AlternateContent xmlns:mc="http://schemas.openxmlformats.org/markup-compatibility/2006">
-    <mc:Choice xmlns:p14="http://schemas.microsoft.com/office/powerpoint/2010/main" Requires="p14">
+  <mc:AlternateContent xmlns:mc="http://schemas.openxmlformats.org/markup-compatibility/2006" xmlns:p14="http://schemas.microsoft.com/office/powerpoint/2010/main">
+    <mc:Choice Requires="p14">
       <p:transition spd="med" p14:dur="700">
         <p:fade/>
       </p:transition>
     </mc:Choice>
-    <mc:Fallback>
+    <mc:Fallback xmlns="">
       <p:transition spd="med">
         <p:fade/>
       </p:transition>
@@ -15877,6 +15877,15 @@
 </file>
 
 <file path=customXml/item1.xml><?xml version="1.0" encoding="utf-8"?>
+<?mso-contentType ?>
+<FormTemplates xmlns="http://schemas.microsoft.com/sharepoint/v3/contenttype/forms">
+  <Display>DocumentLibraryForm</Display>
+  <Edit>DocumentLibraryForm</Edit>
+  <New>DocumentLibraryForm</New>
+</FormTemplates>
+</file>
+
+<file path=customXml/item2.xml><?xml version="1.0" encoding="utf-8"?>
 <p:properties xmlns:p="http://schemas.microsoft.com/office/2006/metadata/properties" xmlns:xsi="http://www.w3.org/2001/XMLSchema-instance" xmlns:pc="http://schemas.microsoft.com/office/infopath/2007/PartnerControls">
   <documentManagement>
     <_ip_UnifiedCompliancePolicyUIAction xmlns="http://schemas.microsoft.com/sharepoint/v3" xsi:nil="true"/>
@@ -15893,15 +15902,6 @@
     <MediaServiceKeyPoints xmlns="71af3243-3dd4-4a8d-8c0d-dd76da1f02a5" xsi:nil="true"/>
   </documentManagement>
 </p:properties>
-</file>
-
-<file path=customXml/item2.xml><?xml version="1.0" encoding="utf-8"?>
-<?mso-contentType ?>
-<FormTemplates xmlns="http://schemas.microsoft.com/sharepoint/v3/contenttype/forms">
-  <Display>DocumentLibraryForm</Display>
-  <Edit>DocumentLibraryForm</Edit>
-  <New>DocumentLibraryForm</New>
-</FormTemplates>
 </file>
 
 <file path=customXml/item3.xml><?xml version="1.0" encoding="utf-8"?>
@@ -16181,6 +16181,14 @@
 </file>
 
 <file path=customXml/itemProps1.xml><?xml version="1.0" encoding="utf-8"?>
+<ds:datastoreItem xmlns:ds="http://schemas.openxmlformats.org/officeDocument/2006/customXml" ds:itemID="{0FD6FE22-81A0-4500-AFD0-342D21BB9A2C}">
+  <ds:schemaRefs>
+    <ds:schemaRef ds:uri="http://schemas.microsoft.com/sharepoint/v3/contenttype/forms"/>
+  </ds:schemaRefs>
+</ds:datastoreItem>
+</file>
+
+<file path=customXml/itemProps2.xml><?xml version="1.0" encoding="utf-8"?>
 <ds:datastoreItem xmlns:ds="http://schemas.openxmlformats.org/officeDocument/2006/customXml" ds:itemID="{29C43685-694E-4579-B109-3C418D49DA65}">
   <ds:schemaRefs>
     <ds:schemaRef ds:uri="http://schemas.microsoft.com/office/2006/metadata/properties"/>
@@ -16188,14 +16196,6 @@
     <ds:schemaRef ds:uri="http://schemas.microsoft.com/sharepoint/v3"/>
     <ds:schemaRef ds:uri="71af3243-3dd4-4a8d-8c0d-dd76da1f02a5"/>
     <ds:schemaRef ds:uri="230e9df3-be65-4c73-a93b-d1236ebd677e"/>
-  </ds:schemaRefs>
-</ds:datastoreItem>
-</file>
-
-<file path=customXml/itemProps2.xml><?xml version="1.0" encoding="utf-8"?>
-<ds:datastoreItem xmlns:ds="http://schemas.openxmlformats.org/officeDocument/2006/customXml" ds:itemID="{0FD6FE22-81A0-4500-AFD0-342D21BB9A2C}">
-  <ds:schemaRefs>
-    <ds:schemaRef ds:uri="http://schemas.microsoft.com/sharepoint/v3/contenttype/forms"/>
   </ds:schemaRefs>
 </ds:datastoreItem>
 </file>
